--- a/게임프로그래밍.pptx
+++ b/게임프로그래밍.pptx
@@ -1,34 +1,35 @@
 
 <file path=ppt/presentation.xml><?xml version="1.0" encoding="utf-8"?>
-<p:presentation xmlns:r="http://schemas.openxmlformats.org/officeDocument/2006/relationships" xmlns:c="http://schemas.openxmlformats.org/drawingml/2006/chart" xmlns:a="http://schemas.openxmlformats.org/drawingml/2006/main" xmlns:dgm="http://schemas.openxmlformats.org/drawingml/2006/diagram" xmlns:dsp="http://schemas.microsoft.com/office/drawing/2008/diagram" xmlns:p="http://schemas.openxmlformats.org/presentationml/2006/main">
+<p:presentation xmlns:a="http://schemas.openxmlformats.org/drawingml/2006/main" xmlns:r="http://schemas.openxmlformats.org/officeDocument/2006/relationships" xmlns:p="http://schemas.openxmlformats.org/presentationml/2006/main">
   <p:sldMasterIdLst>
     <p:sldMasterId id="2147483679" r:id="rId1"/>
   </p:sldMasterIdLst>
   <p:notesMasterIdLst>
-    <p:notesMasterId r:id="rId2"/>
+    <p:notesMasterId r:id="rId24"/>
   </p:notesMasterIdLst>
   <p:sldIdLst>
-    <p:sldId id="261" r:id="rId3"/>
-    <p:sldId id="272" r:id="rId4"/>
-    <p:sldId id="273" r:id="rId5"/>
-    <p:sldId id="263" r:id="rId6"/>
-    <p:sldId id="281" r:id="rId7"/>
-    <p:sldId id="257" r:id="rId8"/>
-    <p:sldId id="274" r:id="rId9"/>
-    <p:sldId id="275" r:id="rId10"/>
-    <p:sldId id="276" r:id="rId11"/>
-    <p:sldId id="277" r:id="rId12"/>
-    <p:sldId id="282" r:id="rId13"/>
-    <p:sldId id="283" r:id="rId14"/>
-    <p:sldId id="284" r:id="rId15"/>
-    <p:sldId id="285" r:id="rId16"/>
-    <p:sldId id="286" r:id="rId17"/>
-    <p:sldId id="287" r:id="rId18"/>
-    <p:sldId id="288" r:id="rId19"/>
-    <p:sldId id="278" r:id="rId20"/>
-    <p:sldId id="279" r:id="rId21"/>
-    <p:sldId id="280" r:id="rId22"/>
-    <p:sldId id="271" r:id="rId23"/>
+    <p:sldId id="261" r:id="rId2"/>
+    <p:sldId id="272" r:id="rId3"/>
+    <p:sldId id="273" r:id="rId4"/>
+    <p:sldId id="263" r:id="rId5"/>
+    <p:sldId id="281" r:id="rId6"/>
+    <p:sldId id="257" r:id="rId7"/>
+    <p:sldId id="274" r:id="rId8"/>
+    <p:sldId id="275" r:id="rId9"/>
+    <p:sldId id="276" r:id="rId10"/>
+    <p:sldId id="277" r:id="rId11"/>
+    <p:sldId id="282" r:id="rId12"/>
+    <p:sldId id="283" r:id="rId13"/>
+    <p:sldId id="284" r:id="rId14"/>
+    <p:sldId id="285" r:id="rId15"/>
+    <p:sldId id="286" r:id="rId16"/>
+    <p:sldId id="287" r:id="rId17"/>
+    <p:sldId id="288" r:id="rId18"/>
+    <p:sldId id="278" r:id="rId19"/>
+    <p:sldId id="279" r:id="rId20"/>
+    <p:sldId id="280" r:id="rId21"/>
+    <p:sldId id="271" r:id="rId22"/>
+    <p:sldId id="289" r:id="rId23"/>
   </p:sldIdLst>
   <p:sldSz cx="18288000" cy="10287000"/>
   <p:notesSz cx="6858000" cy="9144000"/>
@@ -127,11 +128,27 @@
       </a:defRPr>
     </a:lvl9pPr>
   </p:defaultTextStyle>
+  <p:extLst>
+    <p:ext uri="{EFAFB233-063F-42B5-8137-9DF3F51BA10A}">
+      <p15:sldGuideLst xmlns:p15="http://schemas.microsoft.com/office/powerpoint/2012/main">
+        <p15:guide id="1" orient="horz" pos="3239">
+          <p15:clr>
+            <a:srgbClr val="A4A3A4"/>
+          </p15:clr>
+        </p15:guide>
+        <p15:guide id="2" pos="5759">
+          <p15:clr>
+            <a:srgbClr val="A4A3A4"/>
+          </p15:clr>
+        </p15:guide>
+      </p15:sldGuideLst>
+    </p:ext>
+  </p:extLst>
 </p:presentation>
 </file>
 
 <file path=ppt/notesMasters/notesMaster1.xml><?xml version="1.0" encoding="utf-8"?>
-<p:notesMaster xmlns:r="http://schemas.openxmlformats.org/officeDocument/2006/relationships" xmlns:c="http://schemas.openxmlformats.org/drawingml/2006/chart" xmlns:a="http://schemas.openxmlformats.org/drawingml/2006/main" xmlns:dgm="http://schemas.openxmlformats.org/drawingml/2006/diagram" xmlns:dsp="http://schemas.microsoft.com/office/drawing/2008/diagram" xmlns:p="http://schemas.openxmlformats.org/presentationml/2006/main">
+<p:notesMaster xmlns:a="http://schemas.openxmlformats.org/drawingml/2006/main" xmlns:r="http://schemas.openxmlformats.org/officeDocument/2006/relationships" xmlns:p="http://schemas.openxmlformats.org/presentationml/2006/main">
   <p:cSld>
     <p:bg>
       <p:bgRef idx="1001">
@@ -159,7 +176,7 @@
             <a:spLocks noGrp="1"/>
           </p:cNvSpPr>
           <p:nvPr>
-            <p:ph type="hdr" sz="quarter" idx="0"/>
+            <p:ph type="hdr" sz="quarter"/>
           </p:nvPr>
         </p:nvSpPr>
         <p:spPr>
@@ -182,10 +199,6 @@
             <a:pPr lvl="0">
               <a:defRPr/>
             </a:pPr>
-            <a:r>
-              <a:rPr lang="ko-KR" altLang="en-US"/>
-              <a:t/>
-            </a:r>
             <a:endParaRPr lang="ko-KR" altLang="en-US"/>
           </a:p>
         </p:txBody>
@@ -299,7 +312,6 @@
               <a:rPr lang="ko-KR" altLang="en-US"/>
               <a:t>마스터 텍스트 스타일을 편집합니다</a:t>
             </a:r>
-            <a:endParaRPr lang="ko-KR" altLang="en-US"/>
           </a:p>
           <a:p>
             <a:pPr lvl="1">
@@ -309,7 +321,6 @@
               <a:rPr lang="ko-KR" altLang="en-US"/>
               <a:t>둘째 수준</a:t>
             </a:r>
-            <a:endParaRPr lang="ko-KR" altLang="en-US"/>
           </a:p>
           <a:p>
             <a:pPr lvl="2">
@@ -319,7 +330,6 @@
               <a:rPr lang="ko-KR" altLang="en-US"/>
               <a:t>셋째 수준</a:t>
             </a:r>
-            <a:endParaRPr lang="ko-KR" altLang="en-US"/>
           </a:p>
           <a:p>
             <a:pPr lvl="3">
@@ -329,7 +339,6 @@
               <a:rPr lang="ko-KR" altLang="en-US"/>
               <a:t>넷째 수준</a:t>
             </a:r>
-            <a:endParaRPr lang="ko-KR" altLang="en-US"/>
           </a:p>
           <a:p>
             <a:pPr lvl="4">
@@ -339,7 +348,6 @@
               <a:rPr lang="ko-KR" altLang="en-US"/>
               <a:t>다섯째 수준</a:t>
             </a:r>
-            <a:endParaRPr lang="ko-KR" altLang="en-US"/>
           </a:p>
         </p:txBody>
       </p:sp>
@@ -373,10 +381,6 @@
             <a:pPr lvl="0">
               <a:defRPr/>
             </a:pPr>
-            <a:r>
-              <a:rPr lang="ko-KR" altLang="en-US"/>
-              <a:t/>
-            </a:r>
             <a:endParaRPr lang="ko-KR" altLang="en-US"/>
           </a:p>
         </p:txBody>
@@ -522,7 +526,7 @@
 </file>
 
 <file path=ppt/notesSlides/notesSlide1.xml><?xml version="1.0" encoding="utf-8"?>
-<p:notes xmlns:r="http://schemas.openxmlformats.org/officeDocument/2006/relationships" xmlns:c="http://schemas.openxmlformats.org/drawingml/2006/chart" xmlns:a="http://schemas.openxmlformats.org/drawingml/2006/main" xmlns:dgm="http://schemas.openxmlformats.org/drawingml/2006/diagram" xmlns:dsp="http://schemas.microsoft.com/office/drawing/2008/diagram" xmlns:p="http://schemas.openxmlformats.org/presentationml/2006/main">
+<p:notes xmlns:a="http://schemas.openxmlformats.org/drawingml/2006/main" xmlns:r="http://schemas.openxmlformats.org/officeDocument/2006/relationships" xmlns:p="http://schemas.openxmlformats.org/presentationml/2006/main">
   <p:cSld>
     <p:spTree>
       <p:nvGrpSpPr>
@@ -578,10 +582,6 @@
             <a:pPr>
               <a:defRPr/>
             </a:pPr>
-            <a:r>
-              <a:rPr lang="ko-KR" altLang="en-US"/>
-              <a:t/>
-            </a:r>
             <a:endParaRPr lang="ko-KR" altLang="en-US"/>
           </a:p>
         </p:txBody>
@@ -609,7 +609,7 @@
               <a:pPr lvl="0">
                 <a:defRPr/>
               </a:pPr>
-              <a:t>8</a:t>
+              <a:t>9</a:t>
             </a:fld>
             <a:endParaRPr lang="en-US" altLang="en-US"/>
           </a:p>
@@ -661,10 +661,9 @@
           <a:lstStyle/>
           <a:p>
             <a:r>
-              <a:rPr lang="en-US" smtClean="0"/>
+              <a:rPr lang="en-US"/>
               <a:t>Click to edit Master title style</a:t>
             </a:r>
-            <a:endParaRPr lang="en-US"/>
           </a:p>
         </p:txBody>
       </p:sp>
@@ -780,10 +779,9 @@
           </a:lstStyle>
           <a:p>
             <a:r>
-              <a:rPr lang="en-US" smtClean="0"/>
+              <a:rPr lang="en-US"/>
               <a:t>Click to edit Master subtitle style</a:t>
             </a:r>
-            <a:endParaRPr lang="en-US"/>
           </a:p>
         </p:txBody>
       </p:sp>
@@ -805,7 +803,7 @@
             <a:fld id="{1D8BD707-D9CF-40AE-B4C6-C98DA3205C09}" type="datetimeFigureOut">
               <a:rPr lang="en-US" smtClean="0"/>
               <a:pPr/>
-              <a:t>8/1/2011</a:t>
+              <a:t>11/7/2025</a:t>
             </a:fld>
             <a:endParaRPr lang="en-US"/>
           </a:p>
@@ -895,10 +893,9 @@
           <a:lstStyle/>
           <a:p>
             <a:r>
-              <a:rPr lang="en-US" smtClean="0"/>
+              <a:rPr lang="en-US"/>
               <a:t>Click to edit Master title style</a:t>
             </a:r>
-            <a:endParaRPr lang="en-US"/>
           </a:p>
         </p:txBody>
       </p:sp>
@@ -919,38 +916,37 @@
           <a:p>
             <a:pPr lvl="0"/>
             <a:r>
-              <a:rPr lang="en-US" smtClean="0"/>
+              <a:rPr lang="en-US"/>
               <a:t>Click to edit Master text styles</a:t>
             </a:r>
           </a:p>
           <a:p>
             <a:pPr lvl="1"/>
             <a:r>
-              <a:rPr lang="en-US" smtClean="0"/>
+              <a:rPr lang="en-US"/>
               <a:t>Second level</a:t>
             </a:r>
           </a:p>
           <a:p>
             <a:pPr lvl="2"/>
             <a:r>
-              <a:rPr lang="en-US" smtClean="0"/>
+              <a:rPr lang="en-US"/>
               <a:t>Third level</a:t>
             </a:r>
           </a:p>
           <a:p>
             <a:pPr lvl="3"/>
             <a:r>
-              <a:rPr lang="en-US" smtClean="0"/>
+              <a:rPr lang="en-US"/>
               <a:t>Fourth level</a:t>
             </a:r>
           </a:p>
           <a:p>
             <a:pPr lvl="4"/>
             <a:r>
-              <a:rPr lang="en-US" smtClean="0"/>
+              <a:rPr lang="en-US"/>
               <a:t>Fifth level</a:t>
             </a:r>
-            <a:endParaRPr lang="en-US"/>
           </a:p>
         </p:txBody>
       </p:sp>
@@ -972,7 +968,7 @@
             <a:fld id="{1D8BD707-D9CF-40AE-B4C6-C98DA3205C09}" type="datetimeFigureOut">
               <a:rPr lang="en-US" smtClean="0"/>
               <a:pPr/>
-              <a:t>8/1/2011</a:t>
+              <a:t>11/7/2025</a:t>
             </a:fld>
             <a:endParaRPr lang="en-US"/>
           </a:p>
@@ -1067,10 +1063,9 @@
           <a:lstStyle/>
           <a:p>
             <a:r>
-              <a:rPr lang="en-US" smtClean="0"/>
+              <a:rPr lang="en-US"/>
               <a:t>Click to edit Master title style</a:t>
             </a:r>
-            <a:endParaRPr lang="en-US"/>
           </a:p>
         </p:txBody>
       </p:sp>
@@ -1096,38 +1091,37 @@
           <a:p>
             <a:pPr lvl="0"/>
             <a:r>
-              <a:rPr lang="en-US" smtClean="0"/>
+              <a:rPr lang="en-US"/>
               <a:t>Click to edit Master text styles</a:t>
             </a:r>
           </a:p>
           <a:p>
             <a:pPr lvl="1"/>
             <a:r>
-              <a:rPr lang="en-US" smtClean="0"/>
+              <a:rPr lang="en-US"/>
               <a:t>Second level</a:t>
             </a:r>
           </a:p>
           <a:p>
             <a:pPr lvl="2"/>
             <a:r>
-              <a:rPr lang="en-US" smtClean="0"/>
+              <a:rPr lang="en-US"/>
               <a:t>Third level</a:t>
             </a:r>
           </a:p>
           <a:p>
             <a:pPr lvl="3"/>
             <a:r>
-              <a:rPr lang="en-US" smtClean="0"/>
+              <a:rPr lang="en-US"/>
               <a:t>Fourth level</a:t>
             </a:r>
           </a:p>
           <a:p>
             <a:pPr lvl="4"/>
             <a:r>
-              <a:rPr lang="en-US" smtClean="0"/>
+              <a:rPr lang="en-US"/>
               <a:t>Fifth level</a:t>
             </a:r>
-            <a:endParaRPr lang="en-US"/>
           </a:p>
         </p:txBody>
       </p:sp>
@@ -1149,7 +1143,7 @@
             <a:fld id="{1D8BD707-D9CF-40AE-B4C6-C98DA3205C09}" type="datetimeFigureOut">
               <a:rPr lang="en-US" smtClean="0"/>
               <a:pPr/>
-              <a:t>8/1/2011</a:t>
+              <a:t>11/7/2025</a:t>
             </a:fld>
             <a:endParaRPr lang="en-US"/>
           </a:p>
@@ -1239,10 +1233,9 @@
           <a:lstStyle/>
           <a:p>
             <a:r>
-              <a:rPr lang="en-US" smtClean="0"/>
+              <a:rPr lang="en-US"/>
               <a:t>Click to edit Master title style</a:t>
             </a:r>
-            <a:endParaRPr lang="en-US"/>
           </a:p>
         </p:txBody>
       </p:sp>
@@ -1263,38 +1256,37 @@
           <a:p>
             <a:pPr lvl="0"/>
             <a:r>
-              <a:rPr lang="en-US" smtClean="0"/>
+              <a:rPr lang="en-US"/>
               <a:t>Click to edit Master text styles</a:t>
             </a:r>
           </a:p>
           <a:p>
             <a:pPr lvl="1"/>
             <a:r>
-              <a:rPr lang="en-US" smtClean="0"/>
+              <a:rPr lang="en-US"/>
               <a:t>Second level</a:t>
             </a:r>
           </a:p>
           <a:p>
             <a:pPr lvl="2"/>
             <a:r>
-              <a:rPr lang="en-US" smtClean="0"/>
+              <a:rPr lang="en-US"/>
               <a:t>Third level</a:t>
             </a:r>
           </a:p>
           <a:p>
             <a:pPr lvl="3"/>
             <a:r>
-              <a:rPr lang="en-US" smtClean="0"/>
+              <a:rPr lang="en-US"/>
               <a:t>Fourth level</a:t>
             </a:r>
           </a:p>
           <a:p>
             <a:pPr lvl="4"/>
             <a:r>
-              <a:rPr lang="en-US" smtClean="0"/>
+              <a:rPr lang="en-US"/>
               <a:t>Fifth level</a:t>
             </a:r>
-            <a:endParaRPr lang="en-US"/>
           </a:p>
         </p:txBody>
       </p:sp>
@@ -1316,7 +1308,7 @@
             <a:fld id="{1D8BD707-D9CF-40AE-B4C6-C98DA3205C09}" type="datetimeFigureOut">
               <a:rPr lang="en-US" smtClean="0"/>
               <a:pPr/>
-              <a:t>8/1/2011</a:t>
+              <a:t>11/7/2025</a:t>
             </a:fld>
             <a:endParaRPr lang="en-US"/>
           </a:p>
@@ -1415,10 +1407,9 @@
           </a:lstStyle>
           <a:p>
             <a:r>
-              <a:rPr lang="en-US" smtClean="0"/>
+              <a:rPr lang="en-US"/>
               <a:t>Click to edit Master title style</a:t>
             </a:r>
-            <a:endParaRPr lang="en-US"/>
           </a:p>
         </p:txBody>
       </p:sp>
@@ -1535,7 +1526,7 @@
           <a:p>
             <a:pPr lvl="0"/>
             <a:r>
-              <a:rPr lang="en-US" smtClean="0"/>
+              <a:rPr lang="en-US"/>
               <a:t>Click to edit Master text styles</a:t>
             </a:r>
           </a:p>
@@ -1559,7 +1550,7 @@
             <a:fld id="{1D8BD707-D9CF-40AE-B4C6-C98DA3205C09}" type="datetimeFigureOut">
               <a:rPr lang="en-US" smtClean="0"/>
               <a:pPr/>
-              <a:t>8/1/2011</a:t>
+              <a:t>11/7/2025</a:t>
             </a:fld>
             <a:endParaRPr lang="en-US"/>
           </a:p>
@@ -1649,10 +1640,9 @@
           <a:lstStyle/>
           <a:p>
             <a:r>
-              <a:rPr lang="en-US" smtClean="0"/>
+              <a:rPr lang="en-US"/>
               <a:t>Click to edit Master title style</a:t>
             </a:r>
-            <a:endParaRPr lang="en-US"/>
           </a:p>
         </p:txBody>
       </p:sp>
@@ -1706,38 +1696,37 @@
           <a:p>
             <a:pPr lvl="0"/>
             <a:r>
-              <a:rPr lang="en-US" smtClean="0"/>
+              <a:rPr lang="en-US"/>
               <a:t>Click to edit Master text styles</a:t>
             </a:r>
           </a:p>
           <a:p>
             <a:pPr lvl="1"/>
             <a:r>
-              <a:rPr lang="en-US" smtClean="0"/>
+              <a:rPr lang="en-US"/>
               <a:t>Second level</a:t>
             </a:r>
           </a:p>
           <a:p>
             <a:pPr lvl="2"/>
             <a:r>
-              <a:rPr lang="en-US" smtClean="0"/>
+              <a:rPr lang="en-US"/>
               <a:t>Third level</a:t>
             </a:r>
           </a:p>
           <a:p>
             <a:pPr lvl="3"/>
             <a:r>
-              <a:rPr lang="en-US" smtClean="0"/>
+              <a:rPr lang="en-US"/>
               <a:t>Fourth level</a:t>
             </a:r>
           </a:p>
           <a:p>
             <a:pPr lvl="4"/>
             <a:r>
-              <a:rPr lang="en-US" smtClean="0"/>
+              <a:rPr lang="en-US"/>
               <a:t>Fifth level</a:t>
             </a:r>
-            <a:endParaRPr lang="en-US"/>
           </a:p>
         </p:txBody>
       </p:sp>
@@ -1791,38 +1780,37 @@
           <a:p>
             <a:pPr lvl="0"/>
             <a:r>
-              <a:rPr lang="en-US" smtClean="0"/>
+              <a:rPr lang="en-US"/>
               <a:t>Click to edit Master text styles</a:t>
             </a:r>
           </a:p>
           <a:p>
             <a:pPr lvl="1"/>
             <a:r>
-              <a:rPr lang="en-US" smtClean="0"/>
+              <a:rPr lang="en-US"/>
               <a:t>Second level</a:t>
             </a:r>
           </a:p>
           <a:p>
             <a:pPr lvl="2"/>
             <a:r>
-              <a:rPr lang="en-US" smtClean="0"/>
+              <a:rPr lang="en-US"/>
               <a:t>Third level</a:t>
             </a:r>
           </a:p>
           <a:p>
             <a:pPr lvl="3"/>
             <a:r>
-              <a:rPr lang="en-US" smtClean="0"/>
+              <a:rPr lang="en-US"/>
               <a:t>Fourth level</a:t>
             </a:r>
           </a:p>
           <a:p>
             <a:pPr lvl="4"/>
             <a:r>
-              <a:rPr lang="en-US" smtClean="0"/>
+              <a:rPr lang="en-US"/>
               <a:t>Fifth level</a:t>
             </a:r>
-            <a:endParaRPr lang="en-US"/>
           </a:p>
         </p:txBody>
       </p:sp>
@@ -1844,7 +1832,7 @@
             <a:fld id="{1D8BD707-D9CF-40AE-B4C6-C98DA3205C09}" type="datetimeFigureOut">
               <a:rPr lang="en-US" smtClean="0"/>
               <a:pPr/>
-              <a:t>8/1/2011</a:t>
+              <a:t>11/7/2025</a:t>
             </a:fld>
             <a:endParaRPr lang="en-US"/>
           </a:p>
@@ -1938,10 +1926,9 @@
           </a:lstStyle>
           <a:p>
             <a:r>
-              <a:rPr lang="en-US" smtClean="0"/>
+              <a:rPr lang="en-US"/>
               <a:t>Click to edit Master title style</a:t>
             </a:r>
-            <a:endParaRPr lang="en-US"/>
           </a:p>
         </p:txBody>
       </p:sp>
@@ -2004,7 +1991,7 @@
           <a:p>
             <a:pPr lvl="0"/>
             <a:r>
-              <a:rPr lang="en-US" smtClean="0"/>
+              <a:rPr lang="en-US"/>
               <a:t>Click to edit Master text styles</a:t>
             </a:r>
           </a:p>
@@ -2060,38 +2047,37 @@
           <a:p>
             <a:pPr lvl="0"/>
             <a:r>
-              <a:rPr lang="en-US" smtClean="0"/>
+              <a:rPr lang="en-US"/>
               <a:t>Click to edit Master text styles</a:t>
             </a:r>
           </a:p>
           <a:p>
             <a:pPr lvl="1"/>
             <a:r>
-              <a:rPr lang="en-US" smtClean="0"/>
+              <a:rPr lang="en-US"/>
               <a:t>Second level</a:t>
             </a:r>
           </a:p>
           <a:p>
             <a:pPr lvl="2"/>
             <a:r>
-              <a:rPr lang="en-US" smtClean="0"/>
+              <a:rPr lang="en-US"/>
               <a:t>Third level</a:t>
             </a:r>
           </a:p>
           <a:p>
             <a:pPr lvl="3"/>
             <a:r>
-              <a:rPr lang="en-US" smtClean="0"/>
+              <a:rPr lang="en-US"/>
               <a:t>Fourth level</a:t>
             </a:r>
           </a:p>
           <a:p>
             <a:pPr lvl="4"/>
             <a:r>
-              <a:rPr lang="en-US" smtClean="0"/>
+              <a:rPr lang="en-US"/>
               <a:t>Fifth level</a:t>
             </a:r>
-            <a:endParaRPr lang="en-US"/>
           </a:p>
         </p:txBody>
       </p:sp>
@@ -2154,7 +2140,7 @@
           <a:p>
             <a:pPr lvl="0"/>
             <a:r>
-              <a:rPr lang="en-US" smtClean="0"/>
+              <a:rPr lang="en-US"/>
               <a:t>Click to edit Master text styles</a:t>
             </a:r>
           </a:p>
@@ -2210,38 +2196,37 @@
           <a:p>
             <a:pPr lvl="0"/>
             <a:r>
-              <a:rPr lang="en-US" smtClean="0"/>
+              <a:rPr lang="en-US"/>
               <a:t>Click to edit Master text styles</a:t>
             </a:r>
           </a:p>
           <a:p>
             <a:pPr lvl="1"/>
             <a:r>
-              <a:rPr lang="en-US" smtClean="0"/>
+              <a:rPr lang="en-US"/>
               <a:t>Second level</a:t>
             </a:r>
           </a:p>
           <a:p>
             <a:pPr lvl="2"/>
             <a:r>
-              <a:rPr lang="en-US" smtClean="0"/>
+              <a:rPr lang="en-US"/>
               <a:t>Third level</a:t>
             </a:r>
           </a:p>
           <a:p>
             <a:pPr lvl="3"/>
             <a:r>
-              <a:rPr lang="en-US" smtClean="0"/>
+              <a:rPr lang="en-US"/>
               <a:t>Fourth level</a:t>
             </a:r>
           </a:p>
           <a:p>
             <a:pPr lvl="4"/>
             <a:r>
-              <a:rPr lang="en-US" smtClean="0"/>
+              <a:rPr lang="en-US"/>
               <a:t>Fifth level</a:t>
             </a:r>
-            <a:endParaRPr lang="en-US"/>
           </a:p>
         </p:txBody>
       </p:sp>
@@ -2263,7 +2248,7 @@
             <a:fld id="{1D8BD707-D9CF-40AE-B4C6-C98DA3205C09}" type="datetimeFigureOut">
               <a:rPr lang="en-US" smtClean="0"/>
               <a:pPr/>
-              <a:t>8/1/2011</a:t>
+              <a:t>11/7/2025</a:t>
             </a:fld>
             <a:endParaRPr lang="en-US"/>
           </a:p>
@@ -2353,10 +2338,9 @@
           <a:lstStyle/>
           <a:p>
             <a:r>
-              <a:rPr lang="en-US" smtClean="0"/>
+              <a:rPr lang="en-US"/>
               <a:t>Click to edit Master title style</a:t>
             </a:r>
-            <a:endParaRPr lang="en-US"/>
           </a:p>
         </p:txBody>
       </p:sp>
@@ -2378,7 +2362,7 @@
             <a:fld id="{1D8BD707-D9CF-40AE-B4C6-C98DA3205C09}" type="datetimeFigureOut">
               <a:rPr lang="en-US" smtClean="0"/>
               <a:pPr/>
-              <a:t>8/1/2011</a:t>
+              <a:t>11/7/2025</a:t>
             </a:fld>
             <a:endParaRPr lang="en-US"/>
           </a:p>
@@ -2470,7 +2454,7 @@
             <a:fld id="{1D8BD707-D9CF-40AE-B4C6-C98DA3205C09}" type="datetimeFigureOut">
               <a:rPr lang="en-US" smtClean="0"/>
               <a:pPr/>
-              <a:t>8/1/2011</a:t>
+              <a:t>11/7/2025</a:t>
             </a:fld>
             <a:endParaRPr lang="en-US"/>
           </a:p>
@@ -2569,10 +2553,9 @@
           </a:lstStyle>
           <a:p>
             <a:r>
-              <a:rPr lang="en-US" smtClean="0"/>
+              <a:rPr lang="en-US"/>
               <a:t>Click to edit Master title style</a:t>
             </a:r>
-            <a:endParaRPr lang="en-US"/>
           </a:p>
         </p:txBody>
       </p:sp>
@@ -2626,38 +2609,37 @@
           <a:p>
             <a:pPr lvl="0"/>
             <a:r>
-              <a:rPr lang="en-US" smtClean="0"/>
+              <a:rPr lang="en-US"/>
               <a:t>Click to edit Master text styles</a:t>
             </a:r>
           </a:p>
           <a:p>
             <a:pPr lvl="1"/>
             <a:r>
-              <a:rPr lang="en-US" smtClean="0"/>
+              <a:rPr lang="en-US"/>
               <a:t>Second level</a:t>
             </a:r>
           </a:p>
           <a:p>
             <a:pPr lvl="2"/>
             <a:r>
-              <a:rPr lang="en-US" smtClean="0"/>
+              <a:rPr lang="en-US"/>
               <a:t>Third level</a:t>
             </a:r>
           </a:p>
           <a:p>
             <a:pPr lvl="3"/>
             <a:r>
-              <a:rPr lang="en-US" smtClean="0"/>
+              <a:rPr lang="en-US"/>
               <a:t>Fourth level</a:t>
             </a:r>
           </a:p>
           <a:p>
             <a:pPr lvl="4"/>
             <a:r>
-              <a:rPr lang="en-US" smtClean="0"/>
+              <a:rPr lang="en-US"/>
               <a:t>Fifth level</a:t>
             </a:r>
-            <a:endParaRPr lang="en-US"/>
           </a:p>
         </p:txBody>
       </p:sp>
@@ -2720,7 +2702,7 @@
           <a:p>
             <a:pPr lvl="0"/>
             <a:r>
-              <a:rPr lang="en-US" smtClean="0"/>
+              <a:rPr lang="en-US"/>
               <a:t>Click to edit Master text styles</a:t>
             </a:r>
           </a:p>
@@ -2744,7 +2726,7 @@
             <a:fld id="{1D8BD707-D9CF-40AE-B4C6-C98DA3205C09}" type="datetimeFigureOut">
               <a:rPr lang="en-US" smtClean="0"/>
               <a:pPr/>
-              <a:t>8/1/2011</a:t>
+              <a:t>11/7/2025</a:t>
             </a:fld>
             <a:endParaRPr lang="en-US"/>
           </a:p>
@@ -2843,10 +2825,9 @@
           </a:lstStyle>
           <a:p>
             <a:r>
-              <a:rPr lang="en-US" smtClean="0"/>
+              <a:rPr lang="en-US"/>
               <a:t>Click to edit Master title style</a:t>
             </a:r>
-            <a:endParaRPr lang="en-US"/>
           </a:p>
         </p:txBody>
       </p:sp>
@@ -2970,7 +2951,7 @@
           <a:p>
             <a:pPr lvl="0"/>
             <a:r>
-              <a:rPr lang="en-US" smtClean="0"/>
+              <a:rPr lang="en-US"/>
               <a:t>Click to edit Master text styles</a:t>
             </a:r>
           </a:p>
@@ -2994,7 +2975,7 @@
             <a:fld id="{1D8BD707-D9CF-40AE-B4C6-C98DA3205C09}" type="datetimeFigureOut">
               <a:rPr lang="en-US" smtClean="0"/>
               <a:pPr/>
-              <a:t>8/1/2011</a:t>
+              <a:t>11/7/2025</a:t>
             </a:fld>
             <a:endParaRPr lang="en-US"/>
           </a:p>
@@ -3099,10 +3080,9 @@
           <a:lstStyle/>
           <a:p>
             <a:r>
-              <a:rPr lang="en-US" smtClean="0"/>
+              <a:rPr lang="en-US"/>
               <a:t>Click to edit Master title style</a:t>
             </a:r>
-            <a:endParaRPr lang="en-US"/>
           </a:p>
         </p:txBody>
       </p:sp>
@@ -3133,38 +3113,37 @@
           <a:p>
             <a:pPr lvl="0"/>
             <a:r>
-              <a:rPr lang="en-US" smtClean="0"/>
+              <a:rPr lang="en-US"/>
               <a:t>Click to edit Master text styles</a:t>
             </a:r>
           </a:p>
           <a:p>
             <a:pPr lvl="1"/>
             <a:r>
-              <a:rPr lang="en-US" smtClean="0"/>
+              <a:rPr lang="en-US"/>
               <a:t>Second level</a:t>
             </a:r>
           </a:p>
           <a:p>
             <a:pPr lvl="2"/>
             <a:r>
-              <a:rPr lang="en-US" smtClean="0"/>
+              <a:rPr lang="en-US"/>
               <a:t>Third level</a:t>
             </a:r>
           </a:p>
           <a:p>
             <a:pPr lvl="3"/>
             <a:r>
-              <a:rPr lang="en-US" smtClean="0"/>
+              <a:rPr lang="en-US"/>
               <a:t>Fourth level</a:t>
             </a:r>
           </a:p>
           <a:p>
             <a:pPr lvl="4"/>
             <a:r>
-              <a:rPr lang="en-US" smtClean="0"/>
+              <a:rPr lang="en-US"/>
               <a:t>Fifth level</a:t>
             </a:r>
-            <a:endParaRPr lang="en-US"/>
           </a:p>
         </p:txBody>
       </p:sp>
@@ -3204,7 +3183,7 @@
             <a:fld id="{1D8BD707-D9CF-40AE-B4C6-C98DA3205C09}" type="datetimeFigureOut">
               <a:rPr lang="en-US" smtClean="0"/>
               <a:pPr/>
-              <a:t>8/1/2011</a:t>
+              <a:t>11/7/2025</a:t>
             </a:fld>
             <a:endParaRPr lang="en-US"/>
           </a:p>
@@ -3559,7 +3538,7 @@
 </file>
 
 <file path=ppt/slides/slide1.xml><?xml version="1.0" encoding="utf-8"?>
-<p:sld xmlns:r="http://schemas.openxmlformats.org/officeDocument/2006/relationships" xmlns:c="http://schemas.openxmlformats.org/drawingml/2006/chart" xmlns:a="http://schemas.openxmlformats.org/drawingml/2006/main" xmlns:dgm="http://schemas.openxmlformats.org/drawingml/2006/diagram" xmlns:dsp="http://schemas.microsoft.com/office/drawing/2008/diagram" xmlns:p="http://schemas.openxmlformats.org/presentationml/2006/main">
+<p:sld xmlns:a="http://schemas.openxmlformats.org/drawingml/2006/main" xmlns:r="http://schemas.openxmlformats.org/officeDocument/2006/relationships" xmlns:p="http://schemas.openxmlformats.org/presentationml/2006/main">
   <p:cSld>
     <p:spTree>
       <p:nvGrpSpPr>
@@ -3600,6 +3579,7 @@
         </p:spPr>
         <p:txBody>
           <a:bodyPr wrap="square" anchor="ctr"/>
+          <a:lstStyle/>
           <a:p>
             <a:pPr algn="ctr">
               <a:defRPr/>
@@ -3633,6 +3613,7 @@
         </p:spPr>
         <p:txBody>
           <a:bodyPr wrap="square" anchor="ctr"/>
+          <a:lstStyle/>
           <a:p>
             <a:pPr algn="ctr">
               <a:defRPr/>
@@ -3643,12 +3624,12 @@
       </p:sp>
       <p:grpSp>
         <p:nvGrpSpPr>
-          <p:cNvPr id="14" name=""/>
+          <p:cNvPr id="14" name="그룹 13"/>
           <p:cNvGrpSpPr/>
           <p:nvPr/>
         </p:nvGrpSpPr>
         <p:grpSpPr>
-          <a:xfrm rot="0">
+          <a:xfrm>
             <a:off x="2438400" y="2400300"/>
             <a:ext cx="8839200" cy="1295400"/>
             <a:chOff x="2514600" y="2400300"/>
@@ -3699,15 +3680,6 @@
                 </a:rPr>
                 <a:t>  게임프로그래밍 발표 </a:t>
               </a:r>
-              <a:endParaRPr lang="ko-KR" altLang="en-US" sz="7200" b="1" spc="-359">
-                <a:solidFill>
-                  <a:srgbClr val="000000"/>
-                </a:solidFill>
-                <a:latin typeface="Nanum Square Bold"/>
-                <a:ea typeface="Nanum Square Bold"/>
-                <a:cs typeface="Nanum Square Bold"/>
-                <a:sym typeface="Nanum Square Bold"/>
-              </a:endParaRPr>
             </a:p>
           </p:txBody>
         </p:sp>
@@ -3762,22 +3734,13 @@
                 </a:rPr>
                 <a:t>Game Programming Presentation</a:t>
               </a:r>
-              <a:endParaRPr lang="en-US" altLang="ko-KR" sz="2100" b="1">
-                <a:solidFill>
-                  <a:srgbClr val="737373"/>
-                </a:solidFill>
-                <a:latin typeface="Heebo Bold"/>
-                <a:ea typeface="Heebo Bold"/>
-                <a:cs typeface="Heebo Bold"/>
-                <a:sym typeface="Heebo Bold"/>
-              </a:endParaRPr>
             </a:p>
           </p:txBody>
         </p:sp>
       </p:grpSp>
       <p:sp>
         <p:nvSpPr>
-          <p:cNvPr id="9" name=""/>
+          <p:cNvPr id="9" name="타원 8"/>
           <p:cNvSpPr/>
           <p:nvPr/>
         </p:nvSpPr>
@@ -3816,6 +3779,7 @@
         </p:style>
         <p:txBody>
           <a:bodyPr anchor="ctr"/>
+          <a:lstStyle/>
           <a:p>
             <a:pPr algn="ctr">
               <a:defRPr/>
@@ -3826,7 +3790,7 @@
       </p:sp>
       <p:cxnSp>
         <p:nvCxnSpPr>
-          <p:cNvPr id="11" name=""/>
+          <p:cNvPr id="11" name="직선 연결선 10"/>
           <p:cNvCxnSpPr>
             <a:stCxn id="9" idx="6"/>
           </p:cNvCxnSpPr>
@@ -3870,7 +3834,7 @@
       </p:cxnSp>
       <p:sp>
         <p:nvSpPr>
-          <p:cNvPr id="12" name=""/>
+          <p:cNvPr id="12" name="타원 11"/>
           <p:cNvSpPr/>
           <p:nvPr/>
         </p:nvSpPr>
@@ -3962,11 +3926,11 @@
   <p:clrMapOvr>
     <a:masterClrMapping/>
   </p:clrMapOvr>
-  <mc:AlternateContent xmlns:mc="http://schemas.openxmlformats.org/markup-compatibility/2006">
-    <mc:Choice xmlns:p14="http://schemas.microsoft.com/office/powerpoint/2010/main" Requires="p14">
-      <p:transition xmlns:mc="http://schemas.openxmlformats.org/markup-compatibility/2006" xmlns:p14="http://schemas.microsoft.com/office/powerpoint/2010/main" mc:Ignorable="p14" p14:dur="500"/>
+  <mc:AlternateContent xmlns:mc="http://schemas.openxmlformats.org/markup-compatibility/2006" xmlns:p14="http://schemas.microsoft.com/office/powerpoint/2010/main">
+    <mc:Choice Requires="p14">
+      <p:transition/>
     </mc:Choice>
-    <mc:Fallback>
+    <mc:Fallback xmlns:dsp="http://schemas.microsoft.com/office/drawing/2008/diagram" xmlns:dgm="http://schemas.openxmlformats.org/drawingml/2006/diagram" xmlns:c="http://schemas.openxmlformats.org/drawingml/2006/chart" xmlns="">
       <p:transition/>
     </mc:Fallback>
   </mc:AlternateContent>
@@ -3974,7 +3938,7 @@
 </file>
 
 <file path=ppt/slides/slide10.xml><?xml version="1.0" encoding="utf-8"?>
-<p:sld xmlns:r="http://schemas.openxmlformats.org/officeDocument/2006/relationships" xmlns:c="http://schemas.openxmlformats.org/drawingml/2006/chart" xmlns:a="http://schemas.openxmlformats.org/drawingml/2006/main" xmlns:dgm="http://schemas.openxmlformats.org/drawingml/2006/diagram" xmlns:dsp="http://schemas.microsoft.com/office/drawing/2008/diagram" xmlns:p="http://schemas.openxmlformats.org/presentationml/2006/main">
+<p:sld xmlns:a="http://schemas.openxmlformats.org/drawingml/2006/main" xmlns:r="http://schemas.openxmlformats.org/officeDocument/2006/relationships" xmlns:p="http://schemas.openxmlformats.org/presentationml/2006/main">
   <p:cSld>
     <p:spTree>
       <p:nvGrpSpPr>
@@ -4015,6 +3979,7 @@
         </p:spPr>
         <p:txBody>
           <a:bodyPr wrap="square" anchor="ctr"/>
+          <a:lstStyle/>
           <a:p>
             <a:pPr algn="ctr">
               <a:defRPr/>
@@ -4048,6 +4013,7 @@
         </p:spPr>
         <p:txBody>
           <a:bodyPr wrap="square" anchor="ctr"/>
+          <a:lstStyle/>
           <a:p>
             <a:pPr algn="ctr">
               <a:defRPr/>
@@ -4095,15 +4061,6 @@
               </a:rPr>
               <a:t>코드 업그레이드 </a:t>
             </a:r>
-            <a:endParaRPr lang="ko-KR" altLang="en-US" sz="7200" b="1" spc="-359">
-              <a:solidFill>
-                <a:srgbClr val="000000"/>
-              </a:solidFill>
-              <a:latin typeface="Nanum Square Bold"/>
-              <a:ea typeface="Nanum Square Bold"/>
-              <a:cs typeface="Nanum Square Bold"/>
-              <a:sym typeface="Nanum Square Bold"/>
-            </a:endParaRPr>
           </a:p>
         </p:txBody>
       </p:sp>
@@ -4146,21 +4103,12 @@
               </a:rPr>
               <a:t>Code Upgrade</a:t>
             </a:r>
-            <a:endParaRPr lang="en-US" altLang="ko-KR" sz="2100" b="1">
-              <a:solidFill>
-                <a:srgbClr val="737373"/>
-              </a:solidFill>
-              <a:latin typeface="Heebo Bold"/>
-              <a:ea typeface="Heebo Bold"/>
-              <a:cs typeface="Heebo Bold"/>
-              <a:sym typeface="Heebo Bold"/>
-            </a:endParaRPr>
           </a:p>
         </p:txBody>
       </p:sp>
       <p:pic>
         <p:nvPicPr>
-          <p:cNvPr id="11" name=""/>
+          <p:cNvPr id="11" name="그림 10"/>
           <p:cNvPicPr>
             <a:picLocks noChangeAspect="1"/>
           </p:cNvPicPr>
@@ -4191,7 +4139,7 @@
       </p:pic>
       <p:sp>
         <p:nvSpPr>
-          <p:cNvPr id="12" name=""/>
+          <p:cNvPr id="12" name="TextBox 11"/>
           <p:cNvSpPr txBox="1"/>
           <p:nvPr/>
         </p:nvSpPr>
@@ -4208,6 +4156,7 @@
           <a:bodyPr wrap="square">
             <a:spAutoFit/>
           </a:bodyPr>
+          <a:lstStyle/>
           <a:p>
             <a:pPr algn="l">
               <a:lnSpc>
@@ -4269,7 +4218,7 @@
       </p:sp>
       <p:pic>
         <p:nvPicPr>
-          <p:cNvPr id="13" name=""/>
+          <p:cNvPr id="13" name="그림 12"/>
           <p:cNvPicPr>
             <a:picLocks noChangeAspect="1"/>
           </p:cNvPicPr>
@@ -4300,7 +4249,7 @@
       </p:pic>
       <p:sp>
         <p:nvSpPr>
-          <p:cNvPr id="14" name=""/>
+          <p:cNvPr id="14" name="TextBox 13"/>
           <p:cNvSpPr txBox="1"/>
           <p:nvPr/>
         </p:nvSpPr>
@@ -4317,6 +4266,7 @@
           <a:bodyPr wrap="square">
             <a:spAutoFit/>
           </a:bodyPr>
+          <a:lstStyle/>
           <a:p>
             <a:pPr algn="l">
               <a:lnSpc>
@@ -4427,6 +4377,14 @@
               </a:rPr>
               <a:t>회전 을 통해 반동 표현 </a:t>
             </a:r>
+          </a:p>
+          <a:p>
+            <a:pPr algn="l">
+              <a:lnSpc>
+                <a:spcPts val="3872"/>
+              </a:lnSpc>
+              <a:defRPr/>
+            </a:pPr>
             <a:endParaRPr lang="ko-KR" altLang="en-US" sz="2100" b="1" spc="-160">
               <a:solidFill>
                 <a:srgbClr val="000000"/>
@@ -4454,6 +4412,115 @@
               <a:sym typeface="Nanum Square Bold"/>
             </a:endParaRPr>
           </a:p>
+        </p:txBody>
+      </p:sp>
+      <p:pic>
+        <p:nvPicPr>
+          <p:cNvPr id="16" name="그림 15"/>
+          <p:cNvPicPr>
+            <a:picLocks noChangeAspect="1"/>
+          </p:cNvPicPr>
+          <p:nvPr/>
+        </p:nvPicPr>
+        <p:blipFill rotWithShape="1">
+          <a:blip r:embed="rId4"/>
+          <a:stretch>
+            <a:fillRect/>
+          </a:stretch>
+        </p:blipFill>
+        <p:spPr>
+          <a:xfrm>
+            <a:off x="1676400" y="6362700"/>
+            <a:ext cx="4797380" cy="2286000"/>
+          </a:xfrm>
+          <a:prstGeom prst="rect">
+            <a:avLst/>
+          </a:prstGeom>
+          <a:effectLst>
+            <a:outerShdw blurRad="76200" dist="76200" dir="2700000" algn="ctr" rotWithShape="0">
+              <a:srgbClr val="000000">
+                <a:alpha val="50000"/>
+              </a:srgbClr>
+            </a:outerShdw>
+          </a:effectLst>
+        </p:spPr>
+      </p:pic>
+      <p:sp>
+        <p:nvSpPr>
+          <p:cNvPr id="17" name="TextBox 6"/>
+          <p:cNvSpPr txBox="1"/>
+          <p:nvPr/>
+        </p:nvSpPr>
+        <p:spPr>
+          <a:xfrm>
+            <a:off x="1676400" y="8801100"/>
+            <a:ext cx="9296400" cy="1485900"/>
+          </a:xfrm>
+          <a:prstGeom prst="rect">
+            <a:avLst/>
+          </a:prstGeom>
+        </p:spPr>
+        <p:txBody>
+          <a:bodyPr wrap="square" lIns="0" tIns="0" rIns="0" bIns="0" anchor="t">
+            <a:spAutoFit/>
+          </a:bodyPr>
+          <a:lstStyle/>
+          <a:p>
+            <a:pPr algn="l">
+              <a:lnSpc>
+                <a:spcPts val="3872"/>
+              </a:lnSpc>
+              <a:defRPr/>
+            </a:pPr>
+            <a:r>
+              <a:rPr lang="en-US" altLang="ko-KR" sz="2100" b="1" spc="-160">
+                <a:solidFill>
+                  <a:srgbClr val="000000"/>
+                </a:solidFill>
+                <a:latin typeface="Nanum Square Bold"/>
+                <a:ea typeface="Nanum Square Bold"/>
+                <a:cs typeface="Nanum Square Bold"/>
+                <a:sym typeface="Nanum Square Bold"/>
+              </a:rPr>
+              <a:t>-</a:t>
+            </a:r>
+            <a:r>
+              <a:rPr lang="ko-KR" altLang="en-US" sz="2100" b="1" spc="-160">
+                <a:solidFill>
+                  <a:srgbClr val="000000"/>
+                </a:solidFill>
+                <a:latin typeface="Nanum Square Bold"/>
+                <a:ea typeface="Nanum Square Bold"/>
+                <a:cs typeface="Nanum Square Bold"/>
+                <a:sym typeface="Nanum Square Bold"/>
+              </a:rPr>
+              <a:t> 적중 시 사운드 </a:t>
+            </a:r>
+            <a:r>
+              <a:rPr lang="en-US" altLang="ko-KR" sz="2100" b="1" spc="-160">
+                <a:solidFill>
+                  <a:srgbClr val="000000"/>
+                </a:solidFill>
+                <a:latin typeface="Nanum Square Bold"/>
+                <a:ea typeface="Nanum Square Bold"/>
+                <a:cs typeface="Nanum Square Bold"/>
+                <a:sym typeface="Nanum Square Bold"/>
+              </a:rPr>
+              <a:t>&amp;</a:t>
+            </a:r>
+            <a:r>
+              <a:rPr lang="ko-KR" altLang="en-US" sz="2100" b="1" spc="-160">
+                <a:solidFill>
+                  <a:srgbClr val="000000"/>
+                </a:solidFill>
+                <a:latin typeface="Nanum Square Bold"/>
+                <a:ea typeface="Nanum Square Bold"/>
+                <a:cs typeface="Nanum Square Bold"/>
+                <a:sym typeface="Nanum Square Bold"/>
+              </a:rPr>
+              <a:t> 피격 효과 생성으로 타격감 </a:t>
+            </a:r>
+          </a:p>
           <a:p>
             <a:pPr algn="l">
               <a:lnSpc>
@@ -4471,59 +4538,6 @@
               <a:sym typeface="Nanum Square Bold"/>
             </a:endParaRPr>
           </a:p>
-        </p:txBody>
-      </p:sp>
-      <p:pic>
-        <p:nvPicPr>
-          <p:cNvPr id="16" name=""/>
-          <p:cNvPicPr>
-            <a:picLocks noChangeAspect="1"/>
-          </p:cNvPicPr>
-          <p:nvPr/>
-        </p:nvPicPr>
-        <p:blipFill rotWithShape="1">
-          <a:blip r:embed="rId4"/>
-          <a:stretch>
-            <a:fillRect/>
-          </a:stretch>
-        </p:blipFill>
-        <p:spPr>
-          <a:xfrm>
-            <a:off x="1676400" y="6362700"/>
-            <a:ext cx="4797380" cy="2286000"/>
-          </a:xfrm>
-          <a:prstGeom prst="rect">
-            <a:avLst/>
-          </a:prstGeom>
-          <a:effectLst>
-            <a:outerShdw blurRad="76200" dist="76200" dir="2700000" algn="ctr" rotWithShape="0">
-              <a:srgbClr val="000000">
-                <a:alpha val="50000"/>
-              </a:srgbClr>
-            </a:outerShdw>
-          </a:effectLst>
-        </p:spPr>
-      </p:pic>
-      <p:sp>
-        <p:nvSpPr>
-          <p:cNvPr id="17" name="TextBox 6"/>
-          <p:cNvSpPr txBox="1"/>
-          <p:nvPr/>
-        </p:nvSpPr>
-        <p:spPr>
-          <a:xfrm>
-            <a:off x="1676400" y="8801100"/>
-            <a:ext cx="9296400" cy="1485900"/>
-          </a:xfrm>
-          <a:prstGeom prst="rect">
-            <a:avLst/>
-          </a:prstGeom>
-        </p:spPr>
-        <p:txBody>
-          <a:bodyPr wrap="square" lIns="0" tIns="0" rIns="0" bIns="0" anchor="t">
-            <a:spAutoFit/>
-          </a:bodyPr>
-          <a:lstStyle/>
           <a:p>
             <a:pPr algn="l">
               <a:lnSpc>
@@ -4531,54 +4545,6 @@
               </a:lnSpc>
               <a:defRPr/>
             </a:pPr>
-            <a:r>
-              <a:rPr lang="en-US" altLang="ko-KR" sz="2100" b="1" spc="-160">
-                <a:solidFill>
-                  <a:srgbClr val="000000"/>
-                </a:solidFill>
-                <a:latin typeface="Nanum Square Bold"/>
-                <a:ea typeface="Nanum Square Bold"/>
-                <a:cs typeface="Nanum Square Bold"/>
-                <a:sym typeface="Nanum Square Bold"/>
-              </a:rPr>
-              <a:t>-</a:t>
-            </a:r>
-            <a:r>
-              <a:rPr lang="ko-KR" altLang="en-US" sz="2100" b="1" spc="-160">
-                <a:solidFill>
-                  <a:srgbClr val="000000"/>
-                </a:solidFill>
-                <a:latin typeface="Nanum Square Bold"/>
-                <a:ea typeface="Nanum Square Bold"/>
-                <a:cs typeface="Nanum Square Bold"/>
-                <a:sym typeface="Nanum Square Bold"/>
-              </a:rPr>
-              <a:t> 적중 시 사운드 </a:t>
-            </a:r>
-            <a:r>
-              <a:rPr lang="en-US" altLang="ko-KR" sz="2100" b="1" spc="-160">
-                <a:solidFill>
-                  <a:srgbClr val="000000"/>
-                </a:solidFill>
-                <a:latin typeface="Nanum Square Bold"/>
-                <a:ea typeface="Nanum Square Bold"/>
-                <a:cs typeface="Nanum Square Bold"/>
-                <a:sym typeface="Nanum Square Bold"/>
-              </a:rPr>
-              <a:t>&amp;</a:t>
-            </a:r>
-            <a:r>
-              <a:rPr lang="ko-KR" altLang="en-US" sz="2100" b="1" spc="-160">
-                <a:solidFill>
-                  <a:srgbClr val="000000"/>
-                </a:solidFill>
-                <a:latin typeface="Nanum Square Bold"/>
-                <a:ea typeface="Nanum Square Bold"/>
-                <a:cs typeface="Nanum Square Bold"/>
-                <a:sym typeface="Nanum Square Bold"/>
-              </a:rPr>
-              <a:t> 피격 효과 생성으로 타격감 </a:t>
-            </a:r>
             <a:endParaRPr lang="ko-KR" altLang="en-US" sz="2100" b="1" spc="-160">
               <a:solidFill>
                 <a:srgbClr val="000000"/>
@@ -4589,45 +4555,11 @@
               <a:sym typeface="Nanum Square Bold"/>
             </a:endParaRPr>
           </a:p>
-          <a:p>
-            <a:pPr algn="l">
-              <a:lnSpc>
-                <a:spcPts val="3872"/>
-              </a:lnSpc>
-              <a:defRPr/>
-            </a:pPr>
-            <a:endParaRPr lang="ko-KR" altLang="en-US" sz="2100" b="1" spc="-160">
-              <a:solidFill>
-                <a:srgbClr val="000000"/>
-              </a:solidFill>
-              <a:latin typeface="Nanum Square Bold"/>
-              <a:ea typeface="Nanum Square Bold"/>
-              <a:cs typeface="Nanum Square Bold"/>
-              <a:sym typeface="Nanum Square Bold"/>
-            </a:endParaRPr>
-          </a:p>
-          <a:p>
-            <a:pPr algn="l">
-              <a:lnSpc>
-                <a:spcPts val="3872"/>
-              </a:lnSpc>
-              <a:defRPr/>
-            </a:pPr>
-            <a:endParaRPr lang="ko-KR" altLang="en-US" sz="2100" b="1" spc="-160">
-              <a:solidFill>
-                <a:srgbClr val="000000"/>
-              </a:solidFill>
-              <a:latin typeface="Nanum Square Bold"/>
-              <a:ea typeface="Nanum Square Bold"/>
-              <a:cs typeface="Nanum Square Bold"/>
-              <a:sym typeface="Nanum Square Bold"/>
-            </a:endParaRPr>
-          </a:p>
         </p:txBody>
       </p:sp>
       <p:pic>
         <p:nvPicPr>
-          <p:cNvPr id="18" name=""/>
+          <p:cNvPr id="18" name="그림 17"/>
           <p:cNvPicPr>
             <a:picLocks noChangeAspect="1"/>
           </p:cNvPicPr>
@@ -4661,11 +4593,11 @@
   <p:clrMapOvr>
     <a:masterClrMapping/>
   </p:clrMapOvr>
-  <mc:AlternateContent xmlns:mc="http://schemas.openxmlformats.org/markup-compatibility/2006">
-    <mc:Choice xmlns:p14="http://schemas.microsoft.com/office/powerpoint/2010/main" Requires="p14">
-      <p:transition xmlns:mc="http://schemas.openxmlformats.org/markup-compatibility/2006" xmlns:p14="http://schemas.microsoft.com/office/powerpoint/2010/main" mc:Ignorable="p14" p14:dur="500"/>
+  <mc:AlternateContent xmlns:mc="http://schemas.openxmlformats.org/markup-compatibility/2006" xmlns:p14="http://schemas.microsoft.com/office/powerpoint/2010/main">
+    <mc:Choice Requires="p14">
+      <p:transition/>
     </mc:Choice>
-    <mc:Fallback>
+    <mc:Fallback xmlns:dsp="http://schemas.microsoft.com/office/drawing/2008/diagram" xmlns:dgm="http://schemas.openxmlformats.org/drawingml/2006/diagram" xmlns:c="http://schemas.openxmlformats.org/drawingml/2006/chart" xmlns="">
       <p:transition/>
     </mc:Fallback>
   </mc:AlternateContent>
@@ -4673,7 +4605,7 @@
 </file>
 
 <file path=ppt/slides/slide11.xml><?xml version="1.0" encoding="utf-8"?>
-<p:sld xmlns:r="http://schemas.openxmlformats.org/officeDocument/2006/relationships" xmlns:c="http://schemas.openxmlformats.org/drawingml/2006/chart" xmlns:a="http://schemas.openxmlformats.org/drawingml/2006/main" xmlns:dgm="http://schemas.openxmlformats.org/drawingml/2006/diagram" xmlns:dsp="http://schemas.microsoft.com/office/drawing/2008/diagram" xmlns:p="http://schemas.openxmlformats.org/presentationml/2006/main">
+<p:sld xmlns:a="http://schemas.openxmlformats.org/drawingml/2006/main" xmlns:r="http://schemas.openxmlformats.org/officeDocument/2006/relationships" xmlns:p="http://schemas.openxmlformats.org/presentationml/2006/main">
   <p:cSld>
     <p:spTree>
       <p:nvGrpSpPr>
@@ -4796,15 +4728,6 @@
               </a:rPr>
               <a:t>Fishing Game</a:t>
             </a:r>
-            <a:endParaRPr lang="en-US" altLang="ko-KR" sz="7200" b="1" spc="-359">
-              <a:solidFill>
-                <a:srgbClr val="000000"/>
-              </a:solidFill>
-              <a:latin typeface="Nanum Square Bold"/>
-              <a:ea typeface="Nanum Square Bold"/>
-              <a:cs typeface="Nanum Square Bold"/>
-              <a:sym typeface="Nanum Square Bold"/>
-            </a:endParaRPr>
           </a:p>
         </p:txBody>
       </p:sp>
@@ -4813,11 +4736,11 @@
   <p:clrMapOvr>
     <a:masterClrMapping/>
   </p:clrMapOvr>
-  <mc:AlternateContent xmlns:mc="http://schemas.openxmlformats.org/markup-compatibility/2006">
-    <mc:Choice xmlns:p14="http://schemas.microsoft.com/office/powerpoint/2010/main" Requires="p14">
-      <p:transition xmlns:mc="http://schemas.openxmlformats.org/markup-compatibility/2006" xmlns:p14="http://schemas.microsoft.com/office/powerpoint/2010/main" mc:Ignorable="p14" p14:dur="500"/>
+  <mc:AlternateContent xmlns:mc="http://schemas.openxmlformats.org/markup-compatibility/2006" xmlns:p14="http://schemas.microsoft.com/office/powerpoint/2010/main">
+    <mc:Choice Requires="p14">
+      <p:transition/>
     </mc:Choice>
-    <mc:Fallback>
+    <mc:Fallback xmlns:dsp="http://schemas.microsoft.com/office/drawing/2008/diagram" xmlns:dgm="http://schemas.openxmlformats.org/drawingml/2006/diagram" xmlns:c="http://schemas.openxmlformats.org/drawingml/2006/chart" xmlns="">
       <p:transition/>
     </mc:Fallback>
   </mc:AlternateContent>
@@ -4825,7 +4748,7 @@
 </file>
 
 <file path=ppt/slides/slide12.xml><?xml version="1.0" encoding="utf-8"?>
-<p:sld xmlns:r="http://schemas.openxmlformats.org/officeDocument/2006/relationships" xmlns:c="http://schemas.openxmlformats.org/drawingml/2006/chart" xmlns:a="http://schemas.openxmlformats.org/drawingml/2006/main" xmlns:dgm="http://schemas.openxmlformats.org/drawingml/2006/diagram" xmlns:dsp="http://schemas.microsoft.com/office/drawing/2008/diagram" xmlns:p="http://schemas.openxmlformats.org/presentationml/2006/main">
+<p:sld xmlns:a="http://schemas.openxmlformats.org/drawingml/2006/main" xmlns:r="http://schemas.openxmlformats.org/officeDocument/2006/relationships" xmlns:p="http://schemas.openxmlformats.org/presentationml/2006/main">
   <p:cSld>
     <p:spTree>
       <p:nvGrpSpPr>
@@ -4948,15 +4871,6 @@
               </a:rPr>
               <a:t>소스코드의 변화</a:t>
             </a:r>
-            <a:endParaRPr lang="ko-KR" altLang="en-US" sz="2100" b="1">
-              <a:solidFill>
-                <a:srgbClr val="737373"/>
-              </a:solidFill>
-              <a:latin typeface="Heebo Bold"/>
-              <a:ea typeface="Heebo Bold"/>
-              <a:cs typeface="Heebo Bold"/>
-              <a:sym typeface="Heebo Bold"/>
-            </a:endParaRPr>
           </a:p>
         </p:txBody>
       </p:sp>
@@ -5061,11 +4975,11 @@
   <p:clrMapOvr>
     <a:masterClrMapping/>
   </p:clrMapOvr>
-  <mc:AlternateContent xmlns:mc="http://schemas.openxmlformats.org/markup-compatibility/2006">
-    <mc:Choice xmlns:p14="http://schemas.microsoft.com/office/powerpoint/2010/main" Requires="p14">
-      <p:transition xmlns:mc="http://schemas.openxmlformats.org/markup-compatibility/2006" xmlns:p14="http://schemas.microsoft.com/office/powerpoint/2010/main" mc:Ignorable="p14" p14:dur="500"/>
+  <mc:AlternateContent xmlns:mc="http://schemas.openxmlformats.org/markup-compatibility/2006" xmlns:p14="http://schemas.microsoft.com/office/powerpoint/2010/main">
+    <mc:Choice Requires="p14">
+      <p:transition/>
     </mc:Choice>
-    <mc:Fallback>
+    <mc:Fallback xmlns:dsp="http://schemas.microsoft.com/office/drawing/2008/diagram" xmlns:dgm="http://schemas.openxmlformats.org/drawingml/2006/diagram" xmlns:c="http://schemas.openxmlformats.org/drawingml/2006/chart" xmlns="">
       <p:transition/>
     </mc:Fallback>
   </mc:AlternateContent>
@@ -5073,7 +4987,7 @@
 </file>
 
 <file path=ppt/slides/slide13.xml><?xml version="1.0" encoding="utf-8"?>
-<p:sld xmlns:r="http://schemas.openxmlformats.org/officeDocument/2006/relationships" xmlns:c="http://schemas.openxmlformats.org/drawingml/2006/chart" xmlns:a="http://schemas.openxmlformats.org/drawingml/2006/main" xmlns:dgm="http://schemas.openxmlformats.org/drawingml/2006/diagram" xmlns:dsp="http://schemas.microsoft.com/office/drawing/2008/diagram" xmlns:p="http://schemas.openxmlformats.org/presentationml/2006/main">
+<p:sld xmlns:a="http://schemas.openxmlformats.org/drawingml/2006/main" xmlns:r="http://schemas.openxmlformats.org/officeDocument/2006/relationships" xmlns:p="http://schemas.openxmlformats.org/presentationml/2006/main">
   <p:cSld>
     <p:spTree>
       <p:nvGrpSpPr>
@@ -5193,12 +5107,6 @@
               </a:rPr>
               <a:t>기존 코드</a:t>
             </a:r>
-            <a:endParaRPr lang="ko-KR" altLang="en-US" sz="2100" b="1">
-              <a:latin typeface="Heebo Bold"/>
-              <a:ea typeface="Heebo Bold"/>
-              <a:cs typeface="Heebo Bold"/>
-              <a:sym typeface="Heebo Bold"/>
-            </a:endParaRPr>
           </a:p>
         </p:txBody>
       </p:sp>
@@ -5385,7 +5293,6 @@
               <a:rPr lang="ko-KR" altLang="en-US"/>
               <a:t>기본화면</a:t>
             </a:r>
-            <a:endParaRPr lang="ko-KR" altLang="en-US"/>
           </a:p>
         </p:txBody>
       </p:sp>
@@ -5418,7 +5325,6 @@
               <a:rPr lang="ko-KR" altLang="en-US"/>
               <a:t>클릭 후 화면</a:t>
             </a:r>
-            <a:endParaRPr lang="ko-KR" altLang="en-US"/>
           </a:p>
         </p:txBody>
       </p:sp>
@@ -5427,11 +5333,11 @@
   <p:clrMapOvr>
     <a:masterClrMapping/>
   </p:clrMapOvr>
-  <mc:AlternateContent xmlns:mc="http://schemas.openxmlformats.org/markup-compatibility/2006">
-    <mc:Choice xmlns:p14="http://schemas.microsoft.com/office/powerpoint/2010/main" Requires="p14">
-      <p:transition xmlns:mc="http://schemas.openxmlformats.org/markup-compatibility/2006" xmlns:p14="http://schemas.microsoft.com/office/powerpoint/2010/main" mc:Ignorable="p14" p14:dur="500"/>
+  <mc:AlternateContent xmlns:mc="http://schemas.openxmlformats.org/markup-compatibility/2006" xmlns:p14="http://schemas.microsoft.com/office/powerpoint/2010/main">
+    <mc:Choice Requires="p14">
+      <p:transition/>
     </mc:Choice>
-    <mc:Fallback>
+    <mc:Fallback xmlns:dsp="http://schemas.microsoft.com/office/drawing/2008/diagram" xmlns:dgm="http://schemas.openxmlformats.org/drawingml/2006/diagram" xmlns:c="http://schemas.openxmlformats.org/drawingml/2006/chart" xmlns="">
       <p:transition/>
     </mc:Fallback>
   </mc:AlternateContent>
@@ -5439,7 +5345,7 @@
 </file>
 
 <file path=ppt/slides/slide14.xml><?xml version="1.0" encoding="utf-8"?>
-<p:sld xmlns:r="http://schemas.openxmlformats.org/officeDocument/2006/relationships" xmlns:c="http://schemas.openxmlformats.org/drawingml/2006/chart" xmlns:a="http://schemas.openxmlformats.org/drawingml/2006/main" xmlns:dgm="http://schemas.openxmlformats.org/drawingml/2006/diagram" xmlns:dsp="http://schemas.microsoft.com/office/drawing/2008/diagram" xmlns:p="http://schemas.openxmlformats.org/presentationml/2006/main">
+<p:sld xmlns:a="http://schemas.openxmlformats.org/drawingml/2006/main" xmlns:r="http://schemas.openxmlformats.org/officeDocument/2006/relationships" xmlns:p="http://schemas.openxmlformats.org/presentationml/2006/main">
   <p:cSld>
     <p:spTree>
       <p:nvGrpSpPr>
@@ -5562,15 +5468,6 @@
               </a:rPr>
               <a:t>중요 코드 바뀐점</a:t>
             </a:r>
-            <a:endParaRPr lang="ko-KR" altLang="en-US" sz="2100" b="1">
-              <a:solidFill>
-                <a:srgbClr val="737373"/>
-              </a:solidFill>
-              <a:latin typeface="Heebo Bold"/>
-              <a:ea typeface="Heebo Bold"/>
-              <a:cs typeface="Heebo Bold"/>
-              <a:sym typeface="Heebo Bold"/>
-            </a:endParaRPr>
           </a:p>
         </p:txBody>
       </p:sp>
@@ -5613,7 +5510,6 @@
               <a:rPr lang="ko-KR" altLang="en-US"/>
               <a:t>개추가</a:t>
             </a:r>
-            <a:endParaRPr lang="ko-KR" altLang="en-US"/>
           </a:p>
           <a:p>
             <a:pPr marL="800100" lvl="1" indent="-342900">
@@ -5637,7 +5533,6 @@
               <a:rPr lang="en-US" altLang="ko-KR"/>
               <a:t>)</a:t>
             </a:r>
-            <a:endParaRPr lang="en-US" altLang="ko-KR"/>
           </a:p>
           <a:p>
             <a:pPr marL="1257300" lvl="2" indent="-342900">
@@ -5649,7 +5544,6 @@
               <a:rPr lang="ko-KR" altLang="en-US"/>
               <a:t>바 사이에 목표물이 왔다갔다거리고 스페이스바를 이용해 중앙을 마추는 게임</a:t>
             </a:r>
-            <a:endParaRPr lang="ko-KR" altLang="en-US"/>
           </a:p>
           <a:p>
             <a:pPr marL="800100" lvl="1" indent="-342900">
@@ -5673,7 +5567,6 @@
               <a:rPr lang="en-US" altLang="ko-KR"/>
               <a:t>)</a:t>
             </a:r>
-            <a:endParaRPr lang="en-US" altLang="ko-KR"/>
           </a:p>
           <a:p>
             <a:pPr marL="1257300" lvl="2" indent="-342900">
@@ -5685,7 +5578,6 @@
               <a:rPr lang="ko-KR" altLang="en-US"/>
               <a:t>움직이는 물고기를 마우스 휠을 통해 계속 마추어 게이지를 누적시켜 물고기를 낚음</a:t>
             </a:r>
-            <a:endParaRPr lang="ko-KR" altLang="en-US"/>
           </a:p>
           <a:p>
             <a:pPr marL="1200150" lvl="2" indent="-285750">
@@ -5784,7 +5676,6 @@
               <a:rPr lang="ko-KR" altLang="en-US"/>
               <a:t>물고기의 상하 증폭 증가</a:t>
             </a:r>
-            <a:endParaRPr lang="ko-KR" altLang="en-US"/>
           </a:p>
           <a:p>
             <a:pPr marL="800100" lvl="1" indent="-342900">
@@ -5840,7 +5731,6 @@
               <a:rPr lang="en-US" altLang="ko-KR"/>
               <a:t>)</a:t>
             </a:r>
-            <a:endParaRPr lang="en-US" altLang="ko-KR"/>
           </a:p>
           <a:p>
             <a:pPr marL="342900" indent="-342900">
@@ -5852,7 +5742,6 @@
               <a:rPr lang="ko-KR" altLang="en-US"/>
               <a:t>물고기의 단계와 나오는 물고기의 위치 확률 변경</a:t>
             </a:r>
-            <a:endParaRPr lang="ko-KR" altLang="en-US"/>
           </a:p>
           <a:p>
             <a:pPr marL="800100" lvl="1" indent="-342900">
@@ -5888,7 +5777,6 @@
               <a:rPr lang="ko-KR" altLang="en-US"/>
               <a:t>캐스팅 정확도에 따라 구역 결정</a:t>
             </a:r>
-            <a:endParaRPr lang="ko-KR" altLang="en-US"/>
           </a:p>
           <a:p>
             <a:pPr marL="342900" indent="-342900">
@@ -5904,7 +5792,6 @@
               <a:rPr lang="en-US" altLang="ko-KR"/>
               <a:t>	</a:t>
             </a:r>
-            <a:endParaRPr lang="en-US" altLang="ko-KR"/>
           </a:p>
           <a:p>
             <a:pPr marL="342900" indent="-342900">
@@ -6063,11 +5950,11 @@
   <p:clrMapOvr>
     <a:masterClrMapping/>
   </p:clrMapOvr>
-  <mc:AlternateContent xmlns:mc="http://schemas.openxmlformats.org/markup-compatibility/2006">
-    <mc:Choice xmlns:p14="http://schemas.microsoft.com/office/powerpoint/2010/main" Requires="p14">
-      <p:transition xmlns:mc="http://schemas.openxmlformats.org/markup-compatibility/2006" xmlns:p14="http://schemas.microsoft.com/office/powerpoint/2010/main" mc:Ignorable="p14" p14:dur="500"/>
+  <mc:AlternateContent xmlns:mc="http://schemas.openxmlformats.org/markup-compatibility/2006" xmlns:p14="http://schemas.microsoft.com/office/powerpoint/2010/main">
+    <mc:Choice Requires="p14">
+      <p:transition/>
     </mc:Choice>
-    <mc:Fallback>
+    <mc:Fallback xmlns:dsp="http://schemas.microsoft.com/office/drawing/2008/diagram" xmlns:dgm="http://schemas.openxmlformats.org/drawingml/2006/diagram" xmlns:c="http://schemas.openxmlformats.org/drawingml/2006/chart" xmlns="">
       <p:transition/>
     </mc:Fallback>
   </mc:AlternateContent>
@@ -6075,7 +5962,7 @@
 </file>
 
 <file path=ppt/slides/slide15.xml><?xml version="1.0" encoding="utf-8"?>
-<p:sld xmlns:r="http://schemas.openxmlformats.org/officeDocument/2006/relationships" xmlns:c="http://schemas.openxmlformats.org/drawingml/2006/chart" xmlns:a="http://schemas.openxmlformats.org/drawingml/2006/main" xmlns:dgm="http://schemas.openxmlformats.org/drawingml/2006/diagram" xmlns:dsp="http://schemas.microsoft.com/office/drawing/2008/diagram" xmlns:p="http://schemas.openxmlformats.org/presentationml/2006/main">
+<p:sld xmlns:a="http://schemas.openxmlformats.org/drawingml/2006/main" xmlns:r="http://schemas.openxmlformats.org/officeDocument/2006/relationships" xmlns:p="http://schemas.openxmlformats.org/presentationml/2006/main">
   <p:cSld>
     <p:spTree>
       <p:nvGrpSpPr>
@@ -6246,15 +6133,6 @@
               </a:rPr>
               <a:t> 미니게임</a:t>
             </a:r>
-            <a:endParaRPr lang="ko-KR" altLang="en-US" sz="2100" b="1">
-              <a:solidFill>
-                <a:srgbClr val="737373"/>
-              </a:solidFill>
-              <a:latin typeface="Heebo Bold"/>
-              <a:ea typeface="Heebo Bold"/>
-              <a:cs typeface="Heebo Bold"/>
-              <a:sym typeface="Heebo Bold"/>
-            </a:endParaRPr>
           </a:p>
         </p:txBody>
       </p:sp>
@@ -6341,7 +6219,6 @@
               <a:rPr lang="en-US" altLang="ko-KR"/>
               <a:t>: _startCastTiming()</a:t>
             </a:r>
-            <a:endParaRPr lang="en-US" altLang="ko-KR"/>
           </a:p>
           <a:p>
             <a:pPr marL="800100" lvl="1" indent="-342900">
@@ -6369,7 +6246,6 @@
               <a:rPr lang="ko-KR" altLang="en-US"/>
               <a:t>를 계산</a:t>
             </a:r>
-            <a:endParaRPr lang="ko-KR" altLang="en-US"/>
           </a:p>
           <a:p>
             <a:pPr marL="800100" lvl="1" indent="-342900">
@@ -6405,7 +6281,6 @@
               <a:rPr lang="ko-KR" altLang="en-US"/>
               <a:t>을 세팅</a:t>
             </a:r>
-            <a:endParaRPr lang="ko-KR" altLang="en-US"/>
           </a:p>
           <a:p>
             <a:pPr marL="800100" lvl="1" indent="-342900">
@@ -6425,7 +6300,6 @@
               <a:rPr lang="ko-KR" altLang="en-US"/>
               <a:t>으로 바꿔 미니게임 진입</a:t>
             </a:r>
-            <a:endParaRPr lang="ko-KR" altLang="en-US"/>
           </a:p>
           <a:p>
             <a:pPr marL="342900" indent="-342900">
@@ -6441,7 +6315,6 @@
               <a:rPr lang="en-US" altLang="ko-KR"/>
               <a:t>: state === 'cast_timing’</a:t>
             </a:r>
-            <a:endParaRPr lang="en-US" altLang="ko-KR"/>
           </a:p>
           <a:p>
             <a:pPr marL="800100" lvl="1" indent="-342900">
@@ -6469,7 +6342,6 @@
               <a:rPr lang="ko-KR" altLang="en-US"/>
               <a:t>아래로 이동</a:t>
             </a:r>
-            <a:endParaRPr lang="ko-KR" altLang="en-US"/>
           </a:p>
           <a:p>
             <a:pPr marL="800100" lvl="1" indent="-342900">
@@ -6489,7 +6361,6 @@
               <a:rPr lang="ko-KR" altLang="en-US"/>
               <a:t>에 닿으면 방향 반전해서 왕복</a:t>
             </a:r>
-            <a:endParaRPr lang="ko-KR" altLang="en-US"/>
           </a:p>
           <a:p>
             <a:pPr marL="800100" lvl="1" indent="-342900">
@@ -6533,7 +6404,6 @@
               <a:rPr lang="ko-KR" altLang="en-US"/>
               <a:t>발생 시 확정 함수 호출</a:t>
             </a:r>
-            <a:endParaRPr lang="ko-KR" altLang="en-US"/>
           </a:p>
           <a:p>
             <a:pPr marL="342900" indent="-342900">
@@ -6549,7 +6419,6 @@
               <a:rPr lang="en-US" altLang="ko-KR"/>
               <a:t>: _confirmCastFromTiming()</a:t>
             </a:r>
-            <a:endParaRPr lang="en-US" altLang="ko-KR"/>
           </a:p>
           <a:p>
             <a:pPr marL="800100" lvl="1" indent="-342900">
@@ -6565,7 +6434,6 @@
               <a:rPr lang="en-US" altLang="ko-KR"/>
               <a:t>: dist = |markerY - centerY|</a:t>
             </a:r>
-            <a:endParaRPr lang="en-US" altLang="ko-KR"/>
           </a:p>
           <a:p>
             <a:pPr marL="800100" lvl="1" indent="-342900">
@@ -6585,7 +6453,6 @@
               <a:rPr lang="ko-KR" altLang="en-US"/>
               <a:t>구역 결정</a:t>
             </a:r>
-            <a:endParaRPr lang="ko-KR" altLang="en-US"/>
           </a:p>
           <a:p>
             <a:pPr marL="1257300" lvl="2" indent="-342900">
@@ -6609,7 +6476,6 @@
               <a:rPr lang="ko-KR" altLang="en-US"/>
               <a:t>스케일을 만들고</a:t>
             </a:r>
-            <a:endParaRPr lang="ko-KR" altLang="en-US"/>
           </a:p>
           <a:p>
             <a:pPr marL="1257300" lvl="2" indent="-342900">
@@ -6625,7 +6491,6 @@
               <a:rPr lang="ko-KR" altLang="en-US"/>
               <a:t>로 매핑</a:t>
             </a:r>
-            <a:endParaRPr lang="ko-KR" altLang="en-US"/>
           </a:p>
           <a:p>
             <a:pPr marL="800100" lvl="1" indent="-342900">
@@ -6662,11 +6527,11 @@
   <p:clrMapOvr>
     <a:masterClrMapping/>
   </p:clrMapOvr>
-  <mc:AlternateContent xmlns:mc="http://schemas.openxmlformats.org/markup-compatibility/2006">
-    <mc:Choice xmlns:p14="http://schemas.microsoft.com/office/powerpoint/2010/main" Requires="p14">
-      <p:transition xmlns:mc="http://schemas.openxmlformats.org/markup-compatibility/2006" xmlns:p14="http://schemas.microsoft.com/office/powerpoint/2010/main" mc:Ignorable="p14" p14:dur="500"/>
+  <mc:AlternateContent xmlns:mc="http://schemas.openxmlformats.org/markup-compatibility/2006" xmlns:p14="http://schemas.microsoft.com/office/powerpoint/2010/main">
+    <mc:Choice Requires="p14">
+      <p:transition/>
     </mc:Choice>
-    <mc:Fallback>
+    <mc:Fallback xmlns:dsp="http://schemas.microsoft.com/office/drawing/2008/diagram" xmlns:dgm="http://schemas.openxmlformats.org/drawingml/2006/diagram" xmlns:c="http://schemas.openxmlformats.org/drawingml/2006/chart" xmlns="">
       <p:transition/>
     </mc:Fallback>
   </mc:AlternateContent>
@@ -6674,7 +6539,7 @@
 </file>
 
 <file path=ppt/slides/slide16.xml><?xml version="1.0" encoding="utf-8"?>
-<p:sld xmlns:r="http://schemas.openxmlformats.org/officeDocument/2006/relationships" xmlns:c="http://schemas.openxmlformats.org/drawingml/2006/chart" xmlns:a="http://schemas.openxmlformats.org/drawingml/2006/main" xmlns:dgm="http://schemas.openxmlformats.org/drawingml/2006/diagram" xmlns:dsp="http://schemas.microsoft.com/office/drawing/2008/diagram" xmlns:p="http://schemas.openxmlformats.org/presentationml/2006/main">
+<p:sld xmlns:a="http://schemas.openxmlformats.org/drawingml/2006/main" xmlns:r="http://schemas.openxmlformats.org/officeDocument/2006/relationships" xmlns:p="http://schemas.openxmlformats.org/presentationml/2006/main">
   <p:cSld>
     <p:spTree>
       <p:nvGrpSpPr>
@@ -6797,15 +6662,6 @@
               </a:rPr>
               <a:t>낚시 미니게임</a:t>
             </a:r>
-            <a:endParaRPr lang="ko-KR" altLang="en-US" sz="2100" b="1">
-              <a:solidFill>
-                <a:srgbClr val="737373"/>
-              </a:solidFill>
-              <a:latin typeface="Heebo Bold"/>
-              <a:ea typeface="Heebo Bold"/>
-              <a:cs typeface="Heebo Bold"/>
-              <a:sym typeface="Heebo Bold"/>
-            </a:endParaRPr>
           </a:p>
         </p:txBody>
       </p:sp>
@@ -6900,7 +6756,6 @@
               <a:rPr lang="en-US" altLang="ko-KR"/>
               <a:t>)</a:t>
             </a:r>
-            <a:endParaRPr lang="en-US" altLang="ko-KR"/>
           </a:p>
           <a:p>
             <a:pPr marL="800100" lvl="1" indent="-342900">
@@ -6940,7 +6795,6 @@
               <a:rPr lang="ko-KR" altLang="en-US"/>
               <a:t>를 생성</a:t>
             </a:r>
-            <a:endParaRPr lang="ko-KR" altLang="en-US"/>
           </a:p>
           <a:p>
             <a:pPr marL="800100" lvl="1" indent="-342900">
@@ -6964,7 +6818,6 @@
               <a:rPr lang="en-US" altLang="ko-KR"/>
               <a:t>this.state = 'minigame’</a:t>
             </a:r>
-            <a:endParaRPr lang="en-US" altLang="ko-KR"/>
           </a:p>
           <a:p>
             <a:pPr marL="800100" lvl="1" indent="-342900">
@@ -6980,7 +6833,6 @@
               <a:rPr lang="en-US" altLang="ko-KR"/>
               <a:t>: this.fill=0~1, this.bar={y,v,h}, this.fish={y,t,profile}, this.timeSinceStart=0</a:t>
             </a:r>
-            <a:endParaRPr lang="en-US" altLang="ko-KR"/>
           </a:p>
           <a:p>
             <a:pPr marL="342900" indent="-342900">
@@ -7012,7 +6864,6 @@
               <a:rPr lang="en-US" altLang="ko-KR"/>
               <a:t>)</a:t>
             </a:r>
-            <a:endParaRPr lang="en-US" altLang="ko-KR"/>
           </a:p>
           <a:p>
             <a:pPr marL="800100" lvl="1" indent="-342900">
@@ -7064,7 +6915,6 @@
               <a:rPr lang="ko-KR" altLang="en-US"/>
               <a:t>가속</a:t>
             </a:r>
-            <a:endParaRPr lang="ko-KR" altLang="en-US"/>
           </a:p>
           <a:p>
             <a:pPr marL="800100" lvl="1" indent="-342900">
@@ -7100,7 +6950,6 @@
               <a:rPr lang="ko-KR" altLang="en-US"/>
               <a:t>경계처리</a:t>
             </a:r>
-            <a:endParaRPr lang="ko-KR" altLang="en-US"/>
           </a:p>
           <a:p>
             <a:pPr marL="800100" lvl="1" indent="-342900">
@@ -7124,7 +6973,6 @@
               <a:rPr lang="en-US" altLang="ko-KR"/>
               <a:t>) = this.bar.h</a:t>
             </a:r>
-            <a:endParaRPr lang="en-US" altLang="ko-KR"/>
           </a:p>
           <a:p>
             <a:pPr marL="342900" indent="-342900">
@@ -7140,7 +6988,6 @@
               <a:rPr lang="en-US" altLang="ko-KR"/>
               <a:t>AI</a:t>
             </a:r>
-            <a:endParaRPr lang="en-US" altLang="ko-KR"/>
           </a:p>
           <a:p>
             <a:pPr marL="800100" lvl="1" indent="-342900">
@@ -7152,7 +6999,6 @@
               <a:rPr lang="en-US" altLang="ko-KR"/>
               <a:t>const F = this.fish.profile</a:t>
             </a:r>
-            <a:endParaRPr lang="en-US" altLang="ko-KR"/>
           </a:p>
           <a:p>
             <a:pPr marL="800100" lvl="1" indent="-342900">
@@ -7188,7 +7034,6 @@
               <a:rPr lang="ko-KR" altLang="en-US"/>
               <a:t>버스트</a:t>
             </a:r>
-            <a:endParaRPr lang="ko-KR" altLang="en-US"/>
           </a:p>
           <a:p>
             <a:pPr marL="800100" lvl="1" indent="-342900">
@@ -7212,7 +7057,6 @@
               <a:rPr lang="en-US" altLang="ko-KR"/>
               <a:t>): this.fish.y += (target - this.fish.y) * (F.follow * dt)</a:t>
             </a:r>
-            <a:endParaRPr lang="en-US" altLang="ko-KR"/>
           </a:p>
           <a:p>
             <a:pPr marL="800100" lvl="1" indent="-342900">
@@ -7228,7 +7072,6 @@
               <a:rPr lang="en-US" altLang="ko-KR"/>
               <a:t>: ln.top..ln.bottom</a:t>
             </a:r>
-            <a:endParaRPr lang="en-US" altLang="ko-KR"/>
           </a:p>
           <a:p>
             <a:pPr marL="342900" indent="-342900">
@@ -7248,7 +7091,6 @@
               <a:rPr lang="ko-KR" altLang="en-US"/>
               <a:t>캐치 게이지</a:t>
             </a:r>
-            <a:endParaRPr lang="ko-KR" altLang="en-US"/>
           </a:p>
           <a:p>
             <a:pPr marL="800100" lvl="1" indent="-342900">
@@ -7264,7 +7106,6 @@
               <a:rPr lang="en-US" altLang="ko-KR"/>
               <a:t>: barC = this.bar.y + this.bar.h/2</a:t>
             </a:r>
-            <a:endParaRPr lang="en-US" altLang="ko-KR"/>
           </a:p>
           <a:p>
             <a:pPr marL="800100" lvl="1" indent="-342900">
@@ -7280,7 +7121,6 @@
               <a:rPr lang="en-US" altLang="ko-KR"/>
               <a:t>: inside = |this.fish.y - barC| ≤ this.bar.h/2</a:t>
             </a:r>
-            <a:endParaRPr lang="en-US" altLang="ko-KR"/>
           </a:p>
           <a:p>
             <a:pPr marL="800100" lvl="1" indent="-342900">
@@ -7296,7 +7136,6 @@
               <a:rPr lang="en-US" altLang="ko-KR"/>
               <a:t>: this.fill = clamp(this.fill + delta*dt, 0, 1)</a:t>
             </a:r>
-            <a:endParaRPr lang="en-US" altLang="ko-KR"/>
           </a:p>
           <a:p>
             <a:pPr marL="342900" indent="-342900">
@@ -7324,7 +7163,6 @@
               <a:rPr lang="ko-KR" altLang="en-US"/>
               <a:t>점수</a:t>
             </a:r>
-            <a:endParaRPr lang="ko-KR" altLang="en-US"/>
           </a:p>
           <a:p>
             <a:pPr marL="800100" lvl="1" indent="-342900">
@@ -7336,7 +7174,6 @@
               <a:rPr lang="en-US" altLang="ko-KR"/>
               <a:t>this.fill ≥ 1 → this.state='caught’</a:t>
             </a:r>
-            <a:endParaRPr lang="en-US" altLang="ko-KR"/>
           </a:p>
           <a:p>
             <a:pPr marL="800100" lvl="1" indent="-342900">
@@ -7348,7 +7185,6 @@
               <a:rPr lang="en-US" altLang="ko-KR"/>
               <a:t>this.fill ≤ 0 → this.state='miss’</a:t>
             </a:r>
-            <a:endParaRPr lang="en-US" altLang="ko-KR"/>
           </a:p>
           <a:p>
             <a:pPr marL="800100" lvl="1" indent="-342900">
@@ -7376,7 +7212,6 @@
               <a:rPr lang="ko-KR" altLang="en-US"/>
               <a:t> 추가</a:t>
             </a:r>
-            <a:endParaRPr lang="ko-KR" altLang="en-US"/>
           </a:p>
           <a:p>
             <a:pPr marL="800100" lvl="1" indent="-342900">
@@ -7408,7 +7243,6 @@
               <a:rPr lang="en-US" altLang="ko-KR"/>
               <a:t>)</a:t>
             </a:r>
-            <a:endParaRPr lang="en-US" altLang="ko-KR"/>
           </a:p>
         </p:txBody>
       </p:sp>
@@ -7417,11 +7251,11 @@
   <p:clrMapOvr>
     <a:masterClrMapping/>
   </p:clrMapOvr>
-  <mc:AlternateContent xmlns:mc="http://schemas.openxmlformats.org/markup-compatibility/2006">
-    <mc:Choice xmlns:p14="http://schemas.microsoft.com/office/powerpoint/2010/main" Requires="p14">
-      <p:transition xmlns:mc="http://schemas.openxmlformats.org/markup-compatibility/2006" xmlns:p14="http://schemas.microsoft.com/office/powerpoint/2010/main" mc:Ignorable="p14" p14:dur="500"/>
+  <mc:AlternateContent xmlns:mc="http://schemas.openxmlformats.org/markup-compatibility/2006" xmlns:p14="http://schemas.microsoft.com/office/powerpoint/2010/main">
+    <mc:Choice Requires="p14">
+      <p:transition/>
     </mc:Choice>
-    <mc:Fallback>
+    <mc:Fallback xmlns:dsp="http://schemas.microsoft.com/office/drawing/2008/diagram" xmlns:dgm="http://schemas.openxmlformats.org/drawingml/2006/diagram" xmlns:c="http://schemas.openxmlformats.org/drawingml/2006/chart" xmlns="">
       <p:transition/>
     </mc:Fallback>
   </mc:AlternateContent>
@@ -7429,7 +7263,7 @@
 </file>
 
 <file path=ppt/slides/slide17.xml><?xml version="1.0" encoding="utf-8"?>
-<p:sld xmlns:r="http://schemas.openxmlformats.org/officeDocument/2006/relationships" xmlns:c="http://schemas.openxmlformats.org/drawingml/2006/chart" xmlns:a="http://schemas.openxmlformats.org/drawingml/2006/main" xmlns:dgm="http://schemas.openxmlformats.org/drawingml/2006/diagram" xmlns:dsp="http://schemas.microsoft.com/office/drawing/2008/diagram" xmlns:p="http://schemas.openxmlformats.org/presentationml/2006/main">
+<p:sld xmlns:a="http://schemas.openxmlformats.org/drawingml/2006/main" xmlns:r="http://schemas.openxmlformats.org/officeDocument/2006/relationships" xmlns:p="http://schemas.openxmlformats.org/presentationml/2006/main">
   <p:cSld>
     <p:spTree>
       <p:nvGrpSpPr>
@@ -7552,15 +7386,6 @@
               </a:rPr>
               <a:t>Runner Game</a:t>
             </a:r>
-            <a:endParaRPr lang="en-US" altLang="ko-KR" sz="7200" b="1" spc="-359">
-              <a:solidFill>
-                <a:srgbClr val="000000"/>
-              </a:solidFill>
-              <a:latin typeface="Nanum Square Bold"/>
-              <a:ea typeface="Nanum Square Bold"/>
-              <a:cs typeface="Nanum Square Bold"/>
-              <a:sym typeface="Nanum Square Bold"/>
-            </a:endParaRPr>
           </a:p>
         </p:txBody>
       </p:sp>
@@ -7569,11 +7394,11 @@
   <p:clrMapOvr>
     <a:masterClrMapping/>
   </p:clrMapOvr>
-  <mc:AlternateContent xmlns:mc="http://schemas.openxmlformats.org/markup-compatibility/2006">
-    <mc:Choice xmlns:p14="http://schemas.microsoft.com/office/powerpoint/2010/main" Requires="p14">
-      <p:transition xmlns:mc="http://schemas.openxmlformats.org/markup-compatibility/2006" xmlns:p14="http://schemas.microsoft.com/office/powerpoint/2010/main" mc:Ignorable="p14" p14:dur="500"/>
+  <mc:AlternateContent xmlns:mc="http://schemas.openxmlformats.org/markup-compatibility/2006" xmlns:p14="http://schemas.microsoft.com/office/powerpoint/2010/main">
+    <mc:Choice Requires="p14">
+      <p:transition/>
     </mc:Choice>
-    <mc:Fallback>
+    <mc:Fallback xmlns:dsp="http://schemas.microsoft.com/office/drawing/2008/diagram" xmlns:dgm="http://schemas.openxmlformats.org/drawingml/2006/diagram" xmlns:c="http://schemas.openxmlformats.org/drawingml/2006/chart" xmlns="">
       <p:transition/>
     </mc:Fallback>
   </mc:AlternateContent>
@@ -7581,7 +7406,7 @@
 </file>
 
 <file path=ppt/slides/slide18.xml><?xml version="1.0" encoding="utf-8"?>
-<p:sld xmlns:r="http://schemas.openxmlformats.org/officeDocument/2006/relationships" xmlns:c="http://schemas.openxmlformats.org/drawingml/2006/chart" xmlns:a="http://schemas.openxmlformats.org/drawingml/2006/main" xmlns:dgm="http://schemas.openxmlformats.org/drawingml/2006/diagram" xmlns:dsp="http://schemas.microsoft.com/office/drawing/2008/diagram" xmlns:p="http://schemas.openxmlformats.org/presentationml/2006/main">
+<p:sld xmlns:a="http://schemas.openxmlformats.org/drawingml/2006/main" xmlns:r="http://schemas.openxmlformats.org/officeDocument/2006/relationships" xmlns:p="http://schemas.openxmlformats.org/presentationml/2006/main">
   <p:cSld>
     <p:spTree>
       <p:nvGrpSpPr>
@@ -7622,6 +7447,7 @@
         </p:spPr>
         <p:txBody>
           <a:bodyPr wrap="square" anchor="ctr"/>
+          <a:lstStyle/>
           <a:p>
             <a:pPr algn="ctr">
               <a:defRPr/>
@@ -7655,6 +7481,7 @@
         </p:spPr>
         <p:txBody>
           <a:bodyPr wrap="square" anchor="ctr"/>
+          <a:lstStyle/>
           <a:p>
             <a:pPr algn="ctr">
               <a:defRPr/>
@@ -7726,15 +7553,6 @@
               </a:rPr>
               <a:t> 소스코드</a:t>
             </a:r>
-            <a:endParaRPr lang="ko-KR" altLang="en-US" sz="7200" b="1" spc="-359">
-              <a:solidFill>
-                <a:srgbClr val="000000"/>
-              </a:solidFill>
-              <a:latin typeface="Nanum Square Bold"/>
-              <a:ea typeface="Nanum Square Bold"/>
-              <a:cs typeface="Nanum Square Bold"/>
-              <a:sym typeface="Nanum Square Bold"/>
-            </a:endParaRPr>
           </a:p>
         </p:txBody>
       </p:sp>
@@ -7791,7 +7609,7 @@
       </p:sp>
       <p:pic>
         <p:nvPicPr>
-          <p:cNvPr id="8" name=""/>
+          <p:cNvPr id="8" name="그림 7"/>
           <p:cNvPicPr>
             <a:picLocks noChangeAspect="1"/>
           </p:cNvPicPr>
@@ -7830,7 +7648,7 @@
       </p:pic>
       <p:sp>
         <p:nvSpPr>
-          <p:cNvPr id="9" name=""/>
+          <p:cNvPr id="9" name="TextBox 8"/>
           <p:cNvSpPr txBox="1"/>
           <p:nvPr/>
         </p:nvSpPr>
@@ -7847,6 +7665,7 @@
           <a:bodyPr wrap="square">
             <a:spAutoFit/>
           </a:bodyPr>
+          <a:lstStyle/>
           <a:p>
             <a:pPr algn="ctr">
               <a:defRPr/>
@@ -7865,10 +7684,6 @@
               </a:rPr>
               <a:t> 플레이어 기본 설정</a:t>
             </a:r>
-            <a:endParaRPr lang="ko-KR" altLang="en-US" sz="2100">
-              <a:latin typeface="나눔스퀘어 Bold"/>
-              <a:ea typeface="나눔스퀘어 Bold"/>
-            </a:endParaRPr>
           </a:p>
           <a:p>
             <a:pPr algn="ctr">
@@ -7888,10 +7703,6 @@
               </a:rPr>
               <a:t> 물리 엔진 요소</a:t>
             </a:r>
-            <a:endParaRPr lang="ko-KR" altLang="en-US" sz="2100">
-              <a:latin typeface="나눔스퀘어 Bold"/>
-              <a:ea typeface="나눔스퀘어 Bold"/>
-            </a:endParaRPr>
           </a:p>
           <a:p>
             <a:pPr algn="ctr">
@@ -7918,10 +7729,6 @@
               </a:rPr>
               <a:t>게임 상태 변수</a:t>
             </a:r>
-            <a:endParaRPr lang="en-US" altLang="ko-KR" sz="2100">
-              <a:latin typeface="나눔스퀘어 Bold"/>
-              <a:ea typeface="나눔스퀘어 Bold"/>
-            </a:endParaRPr>
           </a:p>
           <a:p>
             <a:pPr algn="ctr">
@@ -7941,16 +7748,12 @@
               </a:rPr>
               <a:t> 입력처리</a:t>
             </a:r>
-            <a:endParaRPr lang="ko-KR" altLang="en-US" sz="2100">
-              <a:latin typeface="나눔스퀘어 Bold"/>
-              <a:ea typeface="나눔스퀘어 Bold"/>
-            </a:endParaRPr>
-          </a:p>
-        </p:txBody>
-      </p:sp>
-      <p:sp>
-        <p:nvSpPr>
-          <p:cNvPr id="10" name=""/>
+          </a:p>
+        </p:txBody>
+      </p:sp>
+      <p:sp>
+        <p:nvSpPr>
+          <p:cNvPr id="10" name="TextBox 9"/>
           <p:cNvSpPr txBox="1"/>
           <p:nvPr/>
         </p:nvSpPr>
@@ -7967,6 +7770,7 @@
           <a:bodyPr wrap="square">
             <a:spAutoFit/>
           </a:bodyPr>
+          <a:lstStyle/>
           <a:p>
             <a:pPr marL="0" indent="0" algn="ctr" defTabSz="914400" rtl="0" eaLnBrk="1" latinLnBrk="0" hangingPunct="1">
               <a:lnSpc>
@@ -7982,7 +7786,7 @@
               <a:defRPr/>
             </a:pPr>
             <a:r>
-              <a:rPr xmlns:mc="http://schemas.openxmlformats.org/markup-compatibility/2006" xmlns:hp="http://schemas.haansoft.com/office/presentation/8.0" kumimoji="0" lang="ko-KR" altLang="en-US" sz="2100" b="0" i="0" u="none" strike="noStrike" kern="1200" cap="none" spc="0" normalizeH="0" baseline="0" mc:Ignorable="hp" hp:hslEmbossed="0">
+              <a:rPr kumimoji="0" lang="ko-KR" altLang="en-US" sz="2100" b="0" i="0" u="none" strike="noStrike" kern="1200" cap="none" spc="0" normalizeH="0" baseline="0">
                 <a:solidFill>
                   <a:srgbClr val="000000"/>
                 </a:solidFill>
@@ -7991,13 +7795,6 @@
               </a:rPr>
               <a:t>미니게임에 들어갈 쿠키런 스타일의 러너 게임을 만들고 싶은데, </a:t>
             </a:r>
-            <a:endParaRPr xmlns:mc="http://schemas.openxmlformats.org/markup-compatibility/2006" xmlns:hp="http://schemas.haansoft.com/office/presentation/8.0" kumimoji="0" lang="ko-KR" altLang="en-US" sz="2100" b="0" i="0" u="none" strike="noStrike" kern="1200" cap="none" spc="0" normalizeH="0" baseline="0" mc:Ignorable="hp" hp:hslEmbossed="0">
-              <a:solidFill>
-                <a:srgbClr val="000000"/>
-              </a:solidFill>
-              <a:latin typeface="나눔스퀘어 Bold"/>
-              <a:ea typeface="나눔스퀘어 Bold"/>
-            </a:endParaRPr>
           </a:p>
           <a:p>
             <a:pPr marL="0" indent="0" algn="ctr" defTabSz="914400" rtl="0" eaLnBrk="1" latinLnBrk="0" hangingPunct="1">
@@ -8014,7 +7811,7 @@
               <a:defRPr/>
             </a:pPr>
             <a:r>
-              <a:rPr xmlns:mc="http://schemas.openxmlformats.org/markup-compatibility/2006" xmlns:hp="http://schemas.haansoft.com/office/presentation/8.0" kumimoji="0" lang="ko-KR" altLang="en-US" sz="2100" b="0" i="0" u="none" strike="noStrike" kern="1200" cap="none" spc="0" normalizeH="0" baseline="0" mc:Ignorable="hp" hp:hslEmbossed="0">
+              <a:rPr kumimoji="0" lang="ko-KR" altLang="en-US" sz="2100" b="0" i="0" u="none" strike="noStrike" kern="1200" cap="none" spc="0" normalizeH="0" baseline="0">
                 <a:solidFill>
                   <a:srgbClr val="000000"/>
                 </a:solidFill>
@@ -8023,19 +7820,12 @@
               </a:rPr>
               <a:t>그 기반이 될 기초 소스코드를 작성해 주세요.</a:t>
             </a:r>
-            <a:endParaRPr xmlns:mc="http://schemas.openxmlformats.org/markup-compatibility/2006" xmlns:hp="http://schemas.haansoft.com/office/presentation/8.0" kumimoji="0" lang="ko-KR" altLang="en-US" sz="2100" b="0" i="0" u="none" strike="noStrike" kern="1200" cap="none" spc="0" normalizeH="0" baseline="0" mc:Ignorable="hp" hp:hslEmbossed="0">
-              <a:solidFill>
-                <a:srgbClr val="000000"/>
-              </a:solidFill>
-              <a:latin typeface="나눔스퀘어 Bold"/>
-              <a:ea typeface="나눔스퀘어 Bold"/>
-            </a:endParaRPr>
-          </a:p>
-        </p:txBody>
-      </p:sp>
-      <p:sp>
-        <p:nvSpPr>
-          <p:cNvPr id="13" name=""/>
+          </a:p>
+        </p:txBody>
+      </p:sp>
+      <p:sp>
+        <p:nvSpPr>
+          <p:cNvPr id="13" name="화살표: 아래쪽 12"/>
           <p:cNvSpPr/>
           <p:nvPr/>
         </p:nvSpPr>
@@ -8072,6 +7862,7 @@
         </p:style>
         <p:txBody>
           <a:bodyPr anchor="ctr"/>
+          <a:lstStyle/>
           <a:p>
             <a:pPr algn="ctr">
               <a:defRPr/>
@@ -8085,11 +7876,11 @@
   <p:clrMapOvr>
     <a:masterClrMapping/>
   </p:clrMapOvr>
-  <mc:AlternateContent xmlns:mc="http://schemas.openxmlformats.org/markup-compatibility/2006">
-    <mc:Choice xmlns:p14="http://schemas.microsoft.com/office/powerpoint/2010/main" Requires="p14">
-      <p:transition xmlns:mc="http://schemas.openxmlformats.org/markup-compatibility/2006" xmlns:p14="http://schemas.microsoft.com/office/powerpoint/2010/main" mc:Ignorable="p14" p14:dur="500"/>
+  <mc:AlternateContent xmlns:mc="http://schemas.openxmlformats.org/markup-compatibility/2006" xmlns:p14="http://schemas.microsoft.com/office/powerpoint/2010/main">
+    <mc:Choice Requires="p14">
+      <p:transition/>
     </mc:Choice>
-    <mc:Fallback>
+    <mc:Fallback xmlns:dsp="http://schemas.microsoft.com/office/drawing/2008/diagram" xmlns:dgm="http://schemas.openxmlformats.org/drawingml/2006/diagram" xmlns:c="http://schemas.openxmlformats.org/drawingml/2006/chart" xmlns="">
       <p:transition/>
     </mc:Fallback>
   </mc:AlternateContent>
@@ -8097,7 +7888,7 @@
 </file>
 
 <file path=ppt/slides/slide19.xml><?xml version="1.0" encoding="utf-8"?>
-<p:sld xmlns:r="http://schemas.openxmlformats.org/officeDocument/2006/relationships" xmlns:c="http://schemas.openxmlformats.org/drawingml/2006/chart" xmlns:a="http://schemas.openxmlformats.org/drawingml/2006/main" xmlns:dgm="http://schemas.openxmlformats.org/drawingml/2006/diagram" xmlns:dsp="http://schemas.microsoft.com/office/drawing/2008/diagram" xmlns:p="http://schemas.openxmlformats.org/presentationml/2006/main">
+<p:sld xmlns:a="http://schemas.openxmlformats.org/drawingml/2006/main" xmlns:r="http://schemas.openxmlformats.org/officeDocument/2006/relationships" xmlns:p="http://schemas.openxmlformats.org/presentationml/2006/main">
   <p:cSld>
     <p:spTree>
       <p:nvGrpSpPr>
@@ -8138,6 +7929,7 @@
         </p:spPr>
         <p:txBody>
           <a:bodyPr wrap="square" anchor="ctr"/>
+          <a:lstStyle/>
           <a:p>
             <a:pPr algn="ctr">
               <a:defRPr/>
@@ -8171,6 +7963,7 @@
         </p:spPr>
         <p:txBody>
           <a:bodyPr wrap="square" anchor="ctr"/>
+          <a:lstStyle/>
           <a:p>
             <a:pPr algn="ctr">
               <a:defRPr/>
@@ -8198,6 +7991,7 @@
           <a:bodyPr lIns="0" tIns="0" rIns="0" bIns="0" anchor="t">
             <a:spAutoFit/>
           </a:bodyPr>
+          <a:lstStyle/>
           <a:p>
             <a:pPr marL="0" indent="0" algn="l" defTabSz="914400" rtl="0" eaLnBrk="1" latinLnBrk="0" hangingPunct="1">
               <a:lnSpc>
@@ -8213,7 +8007,7 @@
               <a:defRPr/>
             </a:pPr>
             <a:r>
-              <a:rPr xmlns:mc="http://schemas.openxmlformats.org/markup-compatibility/2006" xmlns:hp="http://schemas.haansoft.com/office/presentation/8.0" kumimoji="0" lang="ko-KR" altLang="en-US" sz="7200" b="1" i="0" u="none" strike="noStrike" kern="1200" cap="none" spc="-359" normalizeH="0" baseline="0" mc:Ignorable="hp" hp:hslEmbossed="0">
+              <a:rPr kumimoji="0" lang="ko-KR" altLang="en-US" sz="7200" b="1" i="0" u="none" strike="noStrike" kern="1200" cap="none" spc="-359" normalizeH="0" baseline="0">
                 <a:solidFill>
                   <a:srgbClr val="000000"/>
                 </a:solidFill>
@@ -8225,7 +8019,7 @@
               <a:t>러너</a:t>
             </a:r>
             <a:r>
-              <a:rPr xmlns:mc="http://schemas.openxmlformats.org/markup-compatibility/2006" xmlns:hp="http://schemas.haansoft.com/office/presentation/8.0" kumimoji="0" lang="en-US" altLang="ko-KR" sz="7200" b="1" i="0" u="none" strike="noStrike" kern="1200" cap="none" spc="-359" normalizeH="0" baseline="0" mc:Ignorable="hp" hp:hslEmbossed="0">
+              <a:rPr kumimoji="0" lang="en-US" altLang="ko-KR" sz="7200" b="1" i="0" u="none" strike="noStrike" kern="1200" cap="none" spc="-359" normalizeH="0" baseline="0">
                 <a:solidFill>
                   <a:srgbClr val="000000"/>
                 </a:solidFill>
@@ -8237,7 +8031,7 @@
               <a:t> -</a:t>
             </a:r>
             <a:r>
-              <a:rPr xmlns:mc="http://schemas.openxmlformats.org/markup-compatibility/2006" xmlns:hp="http://schemas.haansoft.com/office/presentation/8.0" kumimoji="0" lang="ko-KR" altLang="en-US" sz="7200" b="1" i="0" u="none" strike="noStrike" kern="1200" cap="none" spc="-359" normalizeH="0" baseline="0" mc:Ignorable="hp" hp:hslEmbossed="0">
+              <a:rPr kumimoji="0" lang="ko-KR" altLang="en-US" sz="7200" b="1" i="0" u="none" strike="noStrike" kern="1200" cap="none" spc="-359" normalizeH="0" baseline="0">
                 <a:solidFill>
                   <a:srgbClr val="000000"/>
                 </a:solidFill>
@@ -8248,15 +8042,6 @@
               </a:rPr>
               <a:t> 기획 </a:t>
             </a:r>
-            <a:endParaRPr xmlns:mc="http://schemas.openxmlformats.org/markup-compatibility/2006" xmlns:hp="http://schemas.haansoft.com/office/presentation/8.0" kumimoji="0" lang="ko-KR" altLang="en-US" sz="7200" b="1" i="0" u="none" strike="noStrike" kern="1200" cap="none" spc="-359" normalizeH="0" baseline="0" mc:Ignorable="hp" hp:hslEmbossed="0">
-              <a:solidFill>
-                <a:srgbClr val="000000"/>
-              </a:solidFill>
-              <a:latin typeface="Nanum Square Bold"/>
-              <a:ea typeface="Nanum Square Bold"/>
-              <a:cs typeface="Nanum Square Bold"/>
-              <a:sym typeface="Nanum Square Bold"/>
-            </a:endParaRPr>
           </a:p>
         </p:txBody>
       </p:sp>
@@ -8279,6 +8064,7 @@
           <a:bodyPr lIns="0" tIns="0" rIns="0" bIns="0" anchor="t">
             <a:spAutoFit/>
           </a:bodyPr>
+          <a:lstStyle/>
           <a:p>
             <a:pPr marL="0" indent="0" algn="l" defTabSz="914400" rtl="0" eaLnBrk="1" latinLnBrk="0" hangingPunct="1">
               <a:lnSpc>
@@ -8294,7 +8080,7 @@
               <a:defRPr/>
             </a:pPr>
             <a:r>
-              <a:rPr xmlns:mc="http://schemas.openxmlformats.org/markup-compatibility/2006" xmlns:hp="http://schemas.haansoft.com/office/presentation/8.0" kumimoji="0" lang="en-US" altLang="ko-KR" sz="2100" b="1" i="0" u="none" strike="noStrike" kern="1200" cap="none" spc="0" normalizeH="0" baseline="0" mc:Ignorable="hp" hp:hslEmbossed="0">
+              <a:rPr kumimoji="0" lang="en-US" altLang="ko-KR" sz="2100" b="1" i="0" u="none" strike="noStrike" kern="1200" cap="none" spc="0" normalizeH="0" baseline="0">
                 <a:solidFill>
                   <a:srgbClr val="737373"/>
                 </a:solidFill>
@@ -8305,7 +8091,7 @@
               </a:rPr>
               <a:t>Runner</a:t>
             </a:r>
-            <a:endParaRPr xmlns:mc="http://schemas.openxmlformats.org/markup-compatibility/2006" xmlns:hp="http://schemas.haansoft.com/office/presentation/8.0" kumimoji="0" lang="ko-KR" altLang="en-US" sz="2100" b="1" i="0" u="none" strike="noStrike" kern="1200" cap="none" spc="0" normalizeH="0" baseline="0" mc:Ignorable="hp" hp:hslEmbossed="0">
+            <a:endParaRPr kumimoji="0" lang="ko-KR" altLang="en-US" sz="2100" b="1" i="0" u="none" strike="noStrike" kern="1200" cap="none" spc="0" normalizeH="0" baseline="0">
               <a:solidFill>
                 <a:srgbClr val="737373"/>
               </a:solidFill>
@@ -8319,7 +8105,7 @@
       </p:sp>
       <p:pic>
         <p:nvPicPr>
-          <p:cNvPr id="16" name=""/>
+          <p:cNvPr id="16" name="그림 15"/>
           <p:cNvPicPr>
             <a:picLocks noChangeAspect="1"/>
           </p:cNvPicPr>
@@ -8343,12 +8129,12 @@
       </p:pic>
       <p:grpSp>
         <p:nvGrpSpPr>
-          <p:cNvPr id="23" name=""/>
+          <p:cNvPr id="23" name="그룹 22"/>
           <p:cNvGrpSpPr/>
           <p:nvPr/>
         </p:nvGrpSpPr>
         <p:grpSpPr>
-          <a:xfrm rot="0">
+          <a:xfrm>
             <a:off x="1905000" y="2705100"/>
             <a:ext cx="8077200" cy="1350645"/>
             <a:chOff x="1905000" y="2705100"/>
@@ -8357,7 +8143,7 @@
         </p:grpSpPr>
         <p:sp>
           <p:nvSpPr>
-            <p:cNvPr id="15" name=""/>
+            <p:cNvPr id="15" name="TextBox 14"/>
             <p:cNvSpPr txBox="1"/>
             <p:nvPr/>
           </p:nvSpPr>
@@ -8374,6 +8160,7 @@
             <a:bodyPr wrap="square">
               <a:spAutoFit/>
             </a:bodyPr>
+            <a:lstStyle/>
             <a:p>
               <a:pPr marL="299880" indent="-299880">
                 <a:buClr>
@@ -8390,10 +8177,6 @@
                 </a:rPr>
                 <a:t>진행 중에 부딛힐 장애물 필요</a:t>
               </a:r>
-              <a:endParaRPr lang="ko-KR" altLang="en-US" sz="2100">
-                <a:latin typeface="나눔스퀘어 Bold"/>
-                <a:ea typeface="나눔스퀘어 Bold"/>
-              </a:endParaRPr>
             </a:p>
             <a:p>
               <a:pPr marL="299880" indent="-299880">
@@ -8425,10 +8208,6 @@
                 </a:rPr>
                 <a:t> 급강하 구현</a:t>
               </a:r>
-              <a:endParaRPr lang="ko-KR" altLang="en-US" sz="2100">
-                <a:latin typeface="나눔스퀘어 Bold"/>
-                <a:ea typeface="나눔스퀘어 Bold"/>
-              </a:endParaRPr>
             </a:p>
             <a:p>
               <a:pPr marL="299880" indent="-299880">
@@ -8502,16 +8281,12 @@
                 </a:rPr>
                 <a:t> 효과음 필요</a:t>
               </a:r>
-              <a:endParaRPr lang="ko-KR" altLang="en-US" sz="2100">
-                <a:latin typeface="나눔스퀘어 Bold"/>
-                <a:ea typeface="나눔스퀘어 Bold"/>
-              </a:endParaRPr>
             </a:p>
           </p:txBody>
         </p:sp>
         <p:sp>
           <p:nvSpPr>
-            <p:cNvPr id="21" name=""/>
+            <p:cNvPr id="21" name="TextBox 20"/>
             <p:cNvSpPr txBox="1"/>
             <p:nvPr/>
           </p:nvSpPr>
@@ -8528,6 +8303,7 @@
             <a:bodyPr wrap="square">
               <a:spAutoFit/>
             </a:bodyPr>
+            <a:lstStyle/>
             <a:p>
               <a:pPr>
                 <a:defRPr/>
@@ -8539,16 +8315,12 @@
                 </a:rPr>
                 <a:t>초반</a:t>
               </a:r>
-              <a:endParaRPr lang="ko-KR" altLang="en-US">
-                <a:latin typeface="하늘보리체"/>
-                <a:ea typeface="하늘보리체"/>
-              </a:endParaRPr>
             </a:p>
           </p:txBody>
         </p:sp>
         <p:cxnSp>
           <p:nvCxnSpPr>
-            <p:cNvPr id="22" name=""/>
+            <p:cNvPr id="22" name="직선 연결선 21"/>
             <p:cNvCxnSpPr/>
             <p:nvPr/>
           </p:nvCxnSpPr>
@@ -8584,12 +8356,12 @@
       </p:grpSp>
       <p:grpSp>
         <p:nvGrpSpPr>
-          <p:cNvPr id="24" name=""/>
+          <p:cNvPr id="24" name="그룹 23"/>
           <p:cNvGrpSpPr/>
           <p:nvPr/>
         </p:nvGrpSpPr>
         <p:grpSpPr>
-          <a:xfrm rot="0">
+          <a:xfrm>
             <a:off x="1905000" y="4152900"/>
             <a:ext cx="8077200" cy="1664970"/>
             <a:chOff x="1905000" y="2705100"/>
@@ -8598,7 +8370,7 @@
         </p:grpSpPr>
         <p:sp>
           <p:nvSpPr>
-            <p:cNvPr id="25" name=""/>
+            <p:cNvPr id="25" name="TextBox 24"/>
             <p:cNvSpPr txBox="1"/>
             <p:nvPr/>
           </p:nvSpPr>
@@ -8615,6 +8387,7 @@
             <a:bodyPr wrap="square">
               <a:spAutoFit/>
             </a:bodyPr>
+            <a:lstStyle/>
             <a:p>
               <a:pPr marL="299880" indent="-299880" algn="l" defTabSz="914400" rtl="0" eaLnBrk="1" latinLnBrk="0" hangingPunct="1">
                 <a:lnSpc>
@@ -8634,7 +8407,7 @@
                 <a:defRPr/>
               </a:pPr>
               <a:r>
-                <a:rPr xmlns:mc="http://schemas.openxmlformats.org/markup-compatibility/2006" xmlns:hp="http://schemas.haansoft.com/office/presentation/8.0" kumimoji="0" lang="ko-KR" altLang="en-US" sz="2100" b="0" i="0" u="none" strike="noStrike" kern="1200" cap="none" spc="0" normalizeH="0" baseline="0" mc:Ignorable="hp" hp:hslEmbossed="0">
+                <a:rPr kumimoji="0" lang="ko-KR" altLang="en-US" sz="2100" b="0" i="0" u="none" strike="noStrike" kern="1200" cap="none" spc="0" normalizeH="0" baseline="0">
                   <a:solidFill>
                     <a:srgbClr val="000000"/>
                   </a:solidFill>
@@ -8643,13 +8416,6 @@
                 </a:rPr>
                 <a:t>점수 대신 레벨업 시스템 구현</a:t>
               </a:r>
-              <a:endParaRPr xmlns:mc="http://schemas.openxmlformats.org/markup-compatibility/2006" xmlns:hp="http://schemas.haansoft.com/office/presentation/8.0" kumimoji="0" lang="ko-KR" altLang="en-US" sz="2100" b="0" i="0" u="none" strike="noStrike" kern="1200" cap="none" spc="0" normalizeH="0" baseline="0" mc:Ignorable="hp" hp:hslEmbossed="0">
-                <a:solidFill>
-                  <a:srgbClr val="000000"/>
-                </a:solidFill>
-                <a:latin typeface="나눔스퀘어 Bold"/>
-                <a:ea typeface="나눔스퀘어 Bold"/>
-              </a:endParaRPr>
             </a:p>
             <a:p>
               <a:pPr marL="299880" indent="-299880" algn="l" defTabSz="914400" rtl="0" eaLnBrk="1" latinLnBrk="0" hangingPunct="1">
@@ -8670,7 +8436,7 @@
                 <a:defRPr/>
               </a:pPr>
               <a:r>
-                <a:rPr xmlns:mc="http://schemas.openxmlformats.org/markup-compatibility/2006" xmlns:hp="http://schemas.haansoft.com/office/presentation/8.0" kumimoji="0" lang="ko-KR" altLang="en-US" sz="2100" b="0" i="0" u="none" strike="noStrike" kern="1200" cap="none" spc="0" normalizeH="0" baseline="0" mc:Ignorable="hp" hp:hslEmbossed="0">
+                <a:rPr kumimoji="0" lang="ko-KR" altLang="en-US" sz="2100" b="0" i="0" u="none" strike="noStrike" kern="1200" cap="none" spc="0" normalizeH="0" baseline="0">
                   <a:solidFill>
                     <a:srgbClr val="000000"/>
                   </a:solidFill>
@@ -8679,13 +8445,6 @@
                 </a:rPr>
                 <a:t>추가 장애물 미사일과 러너 속도 점진적 증가 </a:t>
               </a:r>
-              <a:endParaRPr xmlns:mc="http://schemas.openxmlformats.org/markup-compatibility/2006" xmlns:hp="http://schemas.haansoft.com/office/presentation/8.0" kumimoji="0" lang="ko-KR" altLang="en-US" sz="2100" b="0" i="0" u="none" strike="noStrike" kern="1200" cap="none" spc="0" normalizeH="0" baseline="0" mc:Ignorable="hp" hp:hslEmbossed="0">
-                <a:solidFill>
-                  <a:srgbClr val="000000"/>
-                </a:solidFill>
-                <a:latin typeface="나눔스퀘어 Bold"/>
-                <a:ea typeface="나눔스퀘어 Bold"/>
-              </a:endParaRPr>
             </a:p>
             <a:p>
               <a:pPr marL="299880" indent="-299880" algn="l" defTabSz="914400" rtl="0" eaLnBrk="1" latinLnBrk="0" hangingPunct="1">
@@ -8706,7 +8465,7 @@
                 <a:defRPr/>
               </a:pPr>
               <a:r>
-                <a:rPr xmlns:mc="http://schemas.openxmlformats.org/markup-compatibility/2006" xmlns:hp="http://schemas.haansoft.com/office/presentation/8.0" kumimoji="0" lang="ko-KR" altLang="en-US" sz="2100" b="0" i="0" u="none" strike="noStrike" kern="1200" cap="none" spc="0" normalizeH="0" baseline="0" mc:Ignorable="hp" hp:hslEmbossed="0">
+                <a:rPr kumimoji="0" lang="ko-KR" altLang="en-US" sz="2100" b="0" i="0" u="none" strike="noStrike" kern="1200" cap="none" spc="0" normalizeH="0" baseline="0">
                   <a:solidFill>
                     <a:srgbClr val="000000"/>
                   </a:solidFill>
@@ -8715,13 +8474,6 @@
                 </a:rPr>
                 <a:t>배경 이미지가 움직이지 않는걸 방지하기 위해 반복되는 이미지로 교체</a:t>
               </a:r>
-              <a:endParaRPr xmlns:mc="http://schemas.openxmlformats.org/markup-compatibility/2006" xmlns:hp="http://schemas.haansoft.com/office/presentation/8.0" kumimoji="0" lang="ko-KR" altLang="en-US" sz="2100" b="0" i="0" u="none" strike="noStrike" kern="1200" cap="none" spc="0" normalizeH="0" baseline="0" mc:Ignorable="hp" hp:hslEmbossed="0">
-                <a:solidFill>
-                  <a:srgbClr val="000000"/>
-                </a:solidFill>
-                <a:latin typeface="나눔스퀘어 Bold"/>
-                <a:ea typeface="나눔스퀘어 Bold"/>
-              </a:endParaRPr>
             </a:p>
             <a:p>
               <a:pPr marL="299880" indent="-299880" algn="l" defTabSz="914400" rtl="0" eaLnBrk="1" latinLnBrk="0" hangingPunct="1">
@@ -8742,7 +8494,7 @@
                 <a:defRPr/>
               </a:pPr>
               <a:r>
-                <a:rPr xmlns:mc="http://schemas.openxmlformats.org/markup-compatibility/2006" xmlns:hp="http://schemas.haansoft.com/office/presentation/8.0" kumimoji="0" lang="ko-KR" altLang="en-US" sz="2100" b="0" i="0" u="none" strike="noStrike" kern="1200" cap="none" spc="0" normalizeH="0" baseline="0" mc:Ignorable="hp" hp:hslEmbossed="0">
+                <a:rPr kumimoji="0" lang="ko-KR" altLang="en-US" sz="2100" b="0" i="0" u="none" strike="noStrike" kern="1200" cap="none" spc="0" normalizeH="0" baseline="0">
                   <a:solidFill>
                     <a:srgbClr val="000000"/>
                   </a:solidFill>
@@ -8752,7 +8504,7 @@
                 <a:t>목숨 </a:t>
               </a:r>
               <a:r>
-                <a:rPr xmlns:mc="http://schemas.openxmlformats.org/markup-compatibility/2006" xmlns:hp="http://schemas.haansoft.com/office/presentation/8.0" kumimoji="0" lang="en-US" altLang="ko-KR" sz="2100" b="0" i="0" u="none" strike="noStrike" kern="1200" cap="none" spc="0" normalizeH="0" baseline="0" mc:Ignorable="hp" hp:hslEmbossed="0">
+                <a:rPr kumimoji="0" lang="en-US" altLang="ko-KR" sz="2100" b="0" i="0" u="none" strike="noStrike" kern="1200" cap="none" spc="0" normalizeH="0" baseline="0">
                   <a:solidFill>
                     <a:srgbClr val="000000"/>
                   </a:solidFill>
@@ -8762,7 +8514,7 @@
                 <a:t>3</a:t>
               </a:r>
               <a:r>
-                <a:rPr xmlns:mc="http://schemas.openxmlformats.org/markup-compatibility/2006" xmlns:hp="http://schemas.haansoft.com/office/presentation/8.0" kumimoji="0" lang="ko-KR" altLang="en-US" sz="2100" b="0" i="0" u="none" strike="noStrike" kern="1200" cap="none" spc="0" normalizeH="0" baseline="0" mc:Ignorable="hp" hp:hslEmbossed="0">
+                <a:rPr kumimoji="0" lang="ko-KR" altLang="en-US" sz="2100" b="0" i="0" u="none" strike="noStrike" kern="1200" cap="none" spc="0" normalizeH="0" baseline="0">
                   <a:solidFill>
                     <a:srgbClr val="000000"/>
                   </a:solidFill>
@@ -8771,19 +8523,12 @@
                 </a:rPr>
                 <a:t>개 구현</a:t>
               </a:r>
-              <a:endParaRPr xmlns:mc="http://schemas.openxmlformats.org/markup-compatibility/2006" xmlns:hp="http://schemas.haansoft.com/office/presentation/8.0" kumimoji="0" lang="ko-KR" altLang="en-US" sz="2100" b="0" i="0" u="none" strike="noStrike" kern="1200" cap="none" spc="0" normalizeH="0" baseline="0" mc:Ignorable="hp" hp:hslEmbossed="0">
-                <a:solidFill>
-                  <a:srgbClr val="000000"/>
-                </a:solidFill>
-                <a:latin typeface="나눔스퀘어 Bold"/>
-                <a:ea typeface="나눔스퀘어 Bold"/>
-              </a:endParaRPr>
             </a:p>
           </p:txBody>
         </p:sp>
         <p:sp>
           <p:nvSpPr>
-            <p:cNvPr id="26" name=""/>
+            <p:cNvPr id="26" name="TextBox 25"/>
             <p:cNvSpPr txBox="1"/>
             <p:nvPr/>
           </p:nvSpPr>
@@ -8800,6 +8545,7 @@
             <a:bodyPr wrap="square">
               <a:spAutoFit/>
             </a:bodyPr>
+            <a:lstStyle/>
             <a:p>
               <a:pPr marL="0" indent="0" algn="l" defTabSz="914400" rtl="0" eaLnBrk="1" latinLnBrk="0" hangingPunct="1">
                 <a:lnSpc>
@@ -8815,7 +8561,7 @@
                 <a:defRPr/>
               </a:pPr>
               <a:r>
-                <a:rPr xmlns:mc="http://schemas.openxmlformats.org/markup-compatibility/2006" xmlns:hp="http://schemas.haansoft.com/office/presentation/8.0" kumimoji="0" lang="ko-KR" altLang="en-US" sz="1800" b="0" i="0" u="none" strike="noStrike" kern="1200" cap="none" spc="0" normalizeH="0" baseline="0" mc:Ignorable="hp" hp:hslEmbossed="0">
+                <a:rPr kumimoji="0" lang="ko-KR" altLang="en-US" sz="1800" b="0" i="0" u="none" strike="noStrike" kern="1200" cap="none" spc="0" normalizeH="0" baseline="0">
                   <a:solidFill>
                     <a:srgbClr val="000000"/>
                   </a:solidFill>
@@ -8824,19 +8570,12 @@
                 </a:rPr>
                 <a:t>중반</a:t>
               </a:r>
-              <a:endParaRPr xmlns:mc="http://schemas.openxmlformats.org/markup-compatibility/2006" xmlns:hp="http://schemas.haansoft.com/office/presentation/8.0" kumimoji="0" lang="ko-KR" altLang="en-US" sz="1800" b="0" i="0" u="none" strike="noStrike" kern="1200" cap="none" spc="0" normalizeH="0" baseline="0" mc:Ignorable="hp" hp:hslEmbossed="0">
-                <a:solidFill>
-                  <a:srgbClr val="000000"/>
-                </a:solidFill>
-                <a:latin typeface="하늘보리체"/>
-                <a:ea typeface="하늘보리체"/>
-              </a:endParaRPr>
             </a:p>
           </p:txBody>
         </p:sp>
         <p:cxnSp>
           <p:nvCxnSpPr>
-            <p:cNvPr id="27" name=""/>
+            <p:cNvPr id="27" name="직선 연결선 26"/>
             <p:cNvCxnSpPr/>
             <p:nvPr/>
           </p:nvCxnSpPr>
@@ -8862,7 +8601,7 @@
       </p:grpSp>
       <p:pic>
         <p:nvPicPr>
-          <p:cNvPr id="28" name=""/>
+          <p:cNvPr id="28" name="그림 27"/>
           <p:cNvPicPr>
             <a:picLocks noChangeAspect="1"/>
           </p:cNvPicPr>
@@ -8893,7 +8632,7 @@
       </p:pic>
       <p:pic>
         <p:nvPicPr>
-          <p:cNvPr id="33" name=""/>
+          <p:cNvPr id="33" name="그림 32"/>
           <p:cNvPicPr>
             <a:picLocks noChangeAspect="1"/>
           </p:cNvPicPr>
@@ -8924,12 +8663,12 @@
       </p:pic>
       <p:grpSp>
         <p:nvGrpSpPr>
-          <p:cNvPr id="34" name=""/>
+          <p:cNvPr id="34" name="그룹 33"/>
           <p:cNvGrpSpPr/>
           <p:nvPr/>
         </p:nvGrpSpPr>
         <p:grpSpPr>
-          <a:xfrm rot="0">
+          <a:xfrm>
             <a:off x="1904999" y="6099810"/>
             <a:ext cx="8077200" cy="1024890"/>
             <a:chOff x="1905000" y="2705100"/>
@@ -8938,7 +8677,7 @@
         </p:grpSpPr>
         <p:sp>
           <p:nvSpPr>
-            <p:cNvPr id="35" name=""/>
+            <p:cNvPr id="35" name="TextBox 34"/>
             <p:cNvSpPr txBox="1"/>
             <p:nvPr/>
           </p:nvSpPr>
@@ -8955,6 +8694,7 @@
             <a:bodyPr wrap="square">
               <a:spAutoFit/>
             </a:bodyPr>
+            <a:lstStyle/>
             <a:p>
               <a:pPr marL="299880" indent="-299880" algn="l" defTabSz="914400" rtl="0" eaLnBrk="1" latinLnBrk="0" hangingPunct="1">
                 <a:lnSpc>
@@ -8974,7 +8714,7 @@
                 <a:defRPr/>
               </a:pPr>
               <a:r>
-                <a:rPr xmlns:mc="http://schemas.openxmlformats.org/markup-compatibility/2006" xmlns:hp="http://schemas.haansoft.com/office/presentation/8.0" kumimoji="0" lang="ko-KR" altLang="en-US" sz="2100" b="0" i="0" u="none" strike="noStrike" kern="1200" cap="none" spc="0" normalizeH="0" baseline="0" mc:Ignorable="hp" hp:hslEmbossed="0">
+                <a:rPr kumimoji="0" lang="ko-KR" altLang="en-US" sz="2100" b="0" i="0" u="none" strike="noStrike" kern="1200" cap="none" spc="0" normalizeH="0" baseline="0">
                   <a:solidFill>
                     <a:srgbClr val="000000"/>
                   </a:solidFill>
@@ -8983,13 +8723,6 @@
                 </a:rPr>
                 <a:t>카드를 고른 후 카운트 다운 적용</a:t>
               </a:r>
-              <a:endParaRPr xmlns:mc="http://schemas.openxmlformats.org/markup-compatibility/2006" xmlns:hp="http://schemas.haansoft.com/office/presentation/8.0" kumimoji="0" lang="ko-KR" altLang="en-US" sz="2100" b="0" i="0" u="none" strike="noStrike" kern="1200" cap="none" spc="0" normalizeH="0" baseline="0" mc:Ignorable="hp" hp:hslEmbossed="0">
-                <a:solidFill>
-                  <a:srgbClr val="000000"/>
-                </a:solidFill>
-                <a:latin typeface="나눔스퀘어 Bold"/>
-                <a:ea typeface="나눔스퀘어 Bold"/>
-              </a:endParaRPr>
             </a:p>
             <a:p>
               <a:pPr marL="299880" indent="-299880" algn="l" defTabSz="914400" rtl="0" eaLnBrk="1" latinLnBrk="0" hangingPunct="1">
@@ -9010,7 +8743,7 @@
                 <a:defRPr/>
               </a:pPr>
               <a:r>
-                <a:rPr xmlns:mc="http://schemas.openxmlformats.org/markup-compatibility/2006" xmlns:hp="http://schemas.haansoft.com/office/presentation/8.0" kumimoji="0" lang="ko-KR" altLang="en-US" sz="2100" b="0" i="0" u="none" strike="noStrike" kern="1200" cap="none" spc="0" normalizeH="0" baseline="0" mc:Ignorable="hp" hp:hslEmbossed="0">
+                <a:rPr kumimoji="0" lang="ko-KR" altLang="en-US" sz="2100" b="0" i="0" u="none" strike="noStrike" kern="1200" cap="none" spc="0" normalizeH="0" baseline="0">
                   <a:solidFill>
                     <a:srgbClr val="000000"/>
                   </a:solidFill>
@@ -9019,19 +8752,12 @@
                 </a:rPr>
                 <a:t>버그픽스</a:t>
               </a:r>
-              <a:endParaRPr xmlns:mc="http://schemas.openxmlformats.org/markup-compatibility/2006" xmlns:hp="http://schemas.haansoft.com/office/presentation/8.0" kumimoji="0" lang="ko-KR" altLang="en-US" sz="2100" b="0" i="0" u="none" strike="noStrike" kern="1200" cap="none" spc="0" normalizeH="0" baseline="0" mc:Ignorable="hp" hp:hslEmbossed="0">
-                <a:solidFill>
-                  <a:srgbClr val="000000"/>
-                </a:solidFill>
-                <a:latin typeface="나눔스퀘어 Bold"/>
-                <a:ea typeface="나눔스퀘어 Bold"/>
-              </a:endParaRPr>
             </a:p>
           </p:txBody>
         </p:sp>
         <p:sp>
           <p:nvSpPr>
-            <p:cNvPr id="36" name=""/>
+            <p:cNvPr id="36" name="TextBox 35"/>
             <p:cNvSpPr txBox="1"/>
             <p:nvPr/>
           </p:nvSpPr>
@@ -9048,6 +8774,7 @@
             <a:bodyPr wrap="square">
               <a:spAutoFit/>
             </a:bodyPr>
+            <a:lstStyle/>
             <a:p>
               <a:pPr marL="0" indent="0" algn="l" defTabSz="914400" rtl="0" eaLnBrk="1" latinLnBrk="0" hangingPunct="1">
                 <a:lnSpc>
@@ -9063,7 +8790,7 @@
                 <a:defRPr/>
               </a:pPr>
               <a:r>
-                <a:rPr xmlns:mc="http://schemas.openxmlformats.org/markup-compatibility/2006" xmlns:hp="http://schemas.haansoft.com/office/presentation/8.0" kumimoji="0" lang="ko-KR" altLang="en-US" sz="1800" b="0" i="0" u="none" strike="noStrike" kern="1200" cap="none" spc="0" normalizeH="0" baseline="0" mc:Ignorable="hp" hp:hslEmbossed="0">
+                <a:rPr kumimoji="0" lang="ko-KR" altLang="en-US" sz="1800" b="0" i="0" u="none" strike="noStrike" kern="1200" cap="none" spc="0" normalizeH="0" baseline="0">
                   <a:solidFill>
                     <a:srgbClr val="000000"/>
                   </a:solidFill>
@@ -9072,19 +8799,12 @@
                 </a:rPr>
                 <a:t>후반</a:t>
               </a:r>
-              <a:endParaRPr xmlns:mc="http://schemas.openxmlformats.org/markup-compatibility/2006" xmlns:hp="http://schemas.haansoft.com/office/presentation/8.0" kumimoji="0" lang="ko-KR" altLang="en-US" sz="1800" b="0" i="0" u="none" strike="noStrike" kern="1200" cap="none" spc="0" normalizeH="0" baseline="0" mc:Ignorable="hp" hp:hslEmbossed="0">
-                <a:solidFill>
-                  <a:srgbClr val="000000"/>
-                </a:solidFill>
-                <a:latin typeface="하늘보리체"/>
-                <a:ea typeface="하늘보리체"/>
-              </a:endParaRPr>
             </a:p>
           </p:txBody>
         </p:sp>
         <p:cxnSp>
           <p:nvCxnSpPr>
-            <p:cNvPr id="37" name=""/>
+            <p:cNvPr id="37" name="직선 연결선 36"/>
             <p:cNvCxnSpPr/>
             <p:nvPr/>
           </p:nvCxnSpPr>
@@ -9110,7 +8830,7 @@
       </p:grpSp>
       <p:cxnSp>
         <p:nvCxnSpPr>
-          <p:cNvPr id="41" name=""/>
+          <p:cNvPr id="41" name="연결선: 구부러짐 40"/>
           <p:cNvCxnSpPr>
             <a:endCxn id="28" idx="2"/>
           </p:cNvCxnSpPr>
@@ -9148,7 +8868,7 @@
       </p:cxnSp>
       <p:sp>
         <p:nvSpPr>
-          <p:cNvPr id="42" name=""/>
+          <p:cNvPr id="42" name="직사각형 41"/>
           <p:cNvSpPr/>
           <p:nvPr/>
         </p:nvSpPr>
@@ -9169,12 +8889,13 @@
           <a:bodyPr wrap="square">
             <a:spAutoFit/>
           </a:bodyPr>
+          <a:lstStyle/>
           <a:p>
             <a:pPr algn="ctr">
               <a:defRPr/>
             </a:pPr>
             <a:r>
-              <a:rPr xmlns:mc="http://schemas.openxmlformats.org/markup-compatibility/2006" xmlns:hp="http://schemas.haansoft.com/office/presentation/8.0" lang="en-US" altLang="ko-KR" sz="1800" b="0" i="0" strike="noStrike" mc:Ignorable="hp" hp:hslEmbossed="0">
+              <a:rPr lang="en-US" altLang="ko-KR" sz="1800" b="0" i="0" strike="noStrike">
                 <a:solidFill>
                   <a:srgbClr val="000000">
                     <a:alpha val="100000"/>
@@ -9186,7 +8907,7 @@
               <a:t> </a:t>
             </a:r>
             <a:r>
-              <a:rPr xmlns:mc="http://schemas.openxmlformats.org/markup-compatibility/2006" xmlns:hp="http://schemas.haansoft.com/office/presentation/8.0" lang="en-US" altLang="ko-KR" sz="1700" b="0" i="0" strike="noStrike" mc:Ignorable="hp" hp:hslEmbossed="0">
+              <a:rPr lang="en-US" altLang="ko-KR" sz="1700" b="0" i="0" strike="noStrike">
                 <a:solidFill>
                   <a:srgbClr val="000000">
                     <a:alpha val="100000"/>
@@ -9198,7 +8919,7 @@
               <a:t>FlappyBird</a:t>
             </a:r>
             <a:r>
-              <a:rPr xmlns:mc="http://schemas.openxmlformats.org/markup-compatibility/2006" xmlns:hp="http://schemas.haansoft.com/office/presentation/8.0" lang="ko-KR" altLang="en-US" sz="1700" b="0" i="0" strike="noStrike" mc:Ignorable="hp" hp:hslEmbossed="0">
+              <a:rPr lang="ko-KR" altLang="en-US" sz="1700" b="0" i="0" strike="noStrike">
                 <a:solidFill>
                   <a:srgbClr val="000000">
                     <a:alpha val="100000"/>
@@ -9209,15 +8930,6 @@
               </a:rPr>
               <a:t>에서 영감을 받음</a:t>
             </a:r>
-            <a:endParaRPr xmlns:mc="http://schemas.openxmlformats.org/markup-compatibility/2006" xmlns:hp="http://schemas.haansoft.com/office/presentation/8.0" lang="ko-KR" altLang="en-US" sz="1700" b="0" i="0" strike="noStrike" mc:Ignorable="hp" hp:hslEmbossed="0">
-              <a:solidFill>
-                <a:srgbClr val="000000">
-                  <a:alpha val="100000"/>
-                </a:srgbClr>
-              </a:solidFill>
-              <a:latin typeface="하늘보리체"/>
-              <a:ea typeface="하늘보리체"/>
-            </a:endParaRPr>
           </a:p>
         </p:txBody>
       </p:sp>
@@ -9226,11 +8938,11 @@
   <p:clrMapOvr>
     <a:masterClrMapping/>
   </p:clrMapOvr>
-  <mc:AlternateContent xmlns:mc="http://schemas.openxmlformats.org/markup-compatibility/2006">
-    <mc:Choice xmlns:p14="http://schemas.microsoft.com/office/powerpoint/2010/main" Requires="p14">
-      <p:transition xmlns:mc="http://schemas.openxmlformats.org/markup-compatibility/2006" xmlns:p14="http://schemas.microsoft.com/office/powerpoint/2010/main" mc:Ignorable="p14" p14:dur="500"/>
+  <mc:AlternateContent xmlns:mc="http://schemas.openxmlformats.org/markup-compatibility/2006" xmlns:p14="http://schemas.microsoft.com/office/powerpoint/2010/main">
+    <mc:Choice Requires="p14">
+      <p:transition/>
     </mc:Choice>
-    <mc:Fallback>
+    <mc:Fallback xmlns:dsp="http://schemas.microsoft.com/office/drawing/2008/diagram" xmlns:dgm="http://schemas.openxmlformats.org/drawingml/2006/diagram" xmlns:c="http://schemas.openxmlformats.org/drawingml/2006/chart" xmlns="">
       <p:transition/>
     </mc:Fallback>
   </mc:AlternateContent>
@@ -9238,7 +8950,7 @@
 </file>
 
 <file path=ppt/slides/slide2.xml><?xml version="1.0" encoding="utf-8"?>
-<p:sld xmlns:r="http://schemas.openxmlformats.org/officeDocument/2006/relationships" xmlns:c="http://schemas.openxmlformats.org/drawingml/2006/chart" xmlns:a="http://schemas.openxmlformats.org/drawingml/2006/main" xmlns:dgm="http://schemas.openxmlformats.org/drawingml/2006/diagram" xmlns:dsp="http://schemas.microsoft.com/office/drawing/2008/diagram" xmlns:p="http://schemas.openxmlformats.org/presentationml/2006/main">
+<p:sld xmlns:a="http://schemas.openxmlformats.org/drawingml/2006/main" xmlns:r="http://schemas.openxmlformats.org/officeDocument/2006/relationships" xmlns:p="http://schemas.openxmlformats.org/presentationml/2006/main">
   <p:cSld>
     <p:spTree>
       <p:nvGrpSpPr>
@@ -9279,6 +8991,7 @@
         </p:spPr>
         <p:txBody>
           <a:bodyPr wrap="square" anchor="ctr"/>
+          <a:lstStyle/>
           <a:p>
             <a:pPr algn="ctr">
               <a:defRPr/>
@@ -9312,6 +9025,7 @@
         </p:spPr>
         <p:txBody>
           <a:bodyPr wrap="square" anchor="ctr"/>
+          <a:lstStyle/>
           <a:p>
             <a:pPr algn="ctr">
               <a:defRPr/>
@@ -9322,12 +9036,12 @@
       </p:sp>
       <p:grpSp>
         <p:nvGrpSpPr>
-          <p:cNvPr id="15" name=""/>
+          <p:cNvPr id="15" name="그룹 14"/>
           <p:cNvGrpSpPr/>
           <p:nvPr/>
         </p:nvGrpSpPr>
         <p:grpSpPr>
-          <a:xfrm rot="0">
+          <a:xfrm>
             <a:off x="2514600" y="1562100"/>
             <a:ext cx="8014955" cy="1066800"/>
             <a:chOff x="2514600" y="2476500"/>
@@ -9378,15 +9092,6 @@
                 </a:rPr>
                 <a:t>목차</a:t>
               </a:r>
-              <a:endParaRPr lang="ko-KR" altLang="en-US" sz="7200" b="1" spc="-359">
-                <a:solidFill>
-                  <a:srgbClr val="000000"/>
-                </a:solidFill>
-                <a:latin typeface="Nanum Square Bold"/>
-                <a:ea typeface="Nanum Square Bold"/>
-                <a:cs typeface="Nanum Square Bold"/>
-                <a:sym typeface="Nanum Square Bold"/>
-              </a:endParaRPr>
             </a:p>
           </p:txBody>
         </p:sp>
@@ -9429,22 +9134,13 @@
                 </a:rPr>
                 <a:t>List</a:t>
               </a:r>
-              <a:endParaRPr lang="en-US" altLang="ko-KR" sz="2800" b="1">
-                <a:solidFill>
-                  <a:srgbClr val="737373"/>
-                </a:solidFill>
-                <a:latin typeface="Heebo Bold"/>
-                <a:ea typeface="Heebo Bold"/>
-                <a:cs typeface="Heebo Bold"/>
-                <a:sym typeface="Heebo Bold"/>
-              </a:endParaRPr>
             </a:p>
           </p:txBody>
         </p:sp>
       </p:grpSp>
       <p:cxnSp>
         <p:nvCxnSpPr>
-          <p:cNvPr id="11" name=""/>
+          <p:cNvPr id="11" name="직선 연결선 10"/>
           <p:cNvCxnSpPr/>
           <p:nvPr/>
         </p:nvCxnSpPr>
@@ -9480,7 +9176,7 @@
       </p:cxnSp>
       <p:sp>
         <p:nvSpPr>
-          <p:cNvPr id="25" name=""/>
+          <p:cNvPr id="25" name="직사각형 24"/>
           <p:cNvSpPr/>
           <p:nvPr/>
         </p:nvSpPr>
@@ -9501,14 +9197,15 @@
           <a:bodyPr wrap="square">
             <a:spAutoFit/>
           </a:bodyPr>
+          <a:lstStyle/>
           <a:p>
             <a:pPr algn="l">
               <a:defRPr/>
             </a:pPr>
             <a:r>
-              <a:rPr xmlns:mc="http://schemas.openxmlformats.org/markup-compatibility/2006" xmlns:hp="http://schemas.haansoft.com/office/presentation/8.0" sz="3400" b="0" i="0" strike="noStrike" mc:Ignorable="hp" hp:hslEmbossed="0">
-                <a:solidFill>
-                  <a:srgbClr val="7f90d4">
+              <a:rPr sz="3400" b="0" i="0" strike="noStrike">
+                <a:solidFill>
+                  <a:srgbClr val="7F90D4">
                     <a:alpha val="100000"/>
                   </a:srgbClr>
                 </a:solidFill>
@@ -9518,9 +9215,9 @@
               <a:t>01</a:t>
             </a:r>
             <a:r>
-              <a:rPr xmlns:mc="http://schemas.openxmlformats.org/markup-compatibility/2006" xmlns:hp="http://schemas.haansoft.com/office/presentation/8.0" lang="ko-KR" altLang="en-US" sz="3400" b="0" i="0" strike="noStrike" mc:Ignorable="hp" hp:hslEmbossed="0">
-                <a:solidFill>
-                  <a:srgbClr val="7f90d4">
+              <a:rPr lang="ko-KR" altLang="en-US" sz="3400" b="0" i="0" strike="noStrike">
+                <a:solidFill>
+                  <a:srgbClr val="7F90D4">
                     <a:alpha val="100000"/>
                   </a:srgbClr>
                 </a:solidFill>
@@ -9530,7 +9227,7 @@
               <a:t> </a:t>
             </a:r>
             <a:r>
-              <a:rPr xmlns:mc="http://schemas.openxmlformats.org/markup-compatibility/2006" xmlns:hp="http://schemas.haansoft.com/office/presentation/8.0" lang="ko-KR" altLang="en-US" sz="3400" b="0" i="0" strike="noStrike" mc:Ignorable="hp" hp:hslEmbossed="0">
+              <a:rPr lang="ko-KR" altLang="en-US" sz="3400" b="0" i="0" strike="noStrike">
                 <a:solidFill>
                   <a:srgbClr val="000000">
                     <a:alpha val="100000"/>
@@ -9541,7 +9238,12 @@
               </a:rPr>
               <a:t>팀원 소개</a:t>
             </a:r>
-            <a:endParaRPr xmlns:mc="http://schemas.openxmlformats.org/markup-compatibility/2006" xmlns:hp="http://schemas.haansoft.com/office/presentation/8.0" lang="ko-KR" altLang="en-US" sz="3400" b="0" i="0" strike="noStrike" mc:Ignorable="hp" hp:hslEmbossed="0">
+          </a:p>
+          <a:p>
+            <a:pPr algn="l">
+              <a:defRPr/>
+            </a:pPr>
+            <a:endParaRPr lang="ko-KR" altLang="en-US" sz="3400" b="0" i="0" strike="noStrike">
               <a:solidFill>
                 <a:srgbClr val="000000">
                   <a:alpha val="100000"/>
@@ -9555,7 +9257,48 @@
             <a:pPr algn="l">
               <a:defRPr/>
             </a:pPr>
-            <a:endParaRPr xmlns:mc="http://schemas.openxmlformats.org/markup-compatibility/2006" xmlns:hp="http://schemas.haansoft.com/office/presentation/8.0" lang="ko-KR" altLang="en-US" sz="3400" b="0" i="0" strike="noStrike" mc:Ignorable="hp" hp:hslEmbossed="0">
+            <a:r>
+              <a:rPr sz="3400" b="0" i="0" strike="noStrike">
+                <a:solidFill>
+                  <a:srgbClr val="7F90D4">
+                    <a:alpha val="100000"/>
+                  </a:srgbClr>
+                </a:solidFill>
+                <a:latin typeface="Arial"/>
+                <a:ea typeface="굴림"/>
+              </a:rPr>
+              <a:t>02</a:t>
+            </a:r>
+            <a:r>
+              <a:rPr lang="ko-KR" altLang="en-US" sz="3400" b="0" i="0" strike="noStrike">
+                <a:solidFill>
+                  <a:srgbClr val="7F90D4">
+                    <a:alpha val="100000"/>
+                  </a:srgbClr>
+                </a:solidFill>
+                <a:latin typeface="Arial"/>
+                <a:ea typeface="굴림"/>
+              </a:rPr>
+              <a:t> </a:t>
+            </a:r>
+            <a:r>
+              <a:rPr sz="3400" b="0" i="0" strike="noStrike">
+                <a:solidFill>
+                  <a:srgbClr val="000000">
+                    <a:alpha val="100000"/>
+                  </a:srgbClr>
+                </a:solidFill>
+                <a:latin typeface="Arial"/>
+                <a:ea typeface="굴림"/>
+              </a:rPr>
+              <a:t>개발 계획</a:t>
+            </a:r>
+          </a:p>
+          <a:p>
+            <a:pPr algn="l">
+              <a:defRPr/>
+            </a:pPr>
+            <a:endParaRPr sz="3400" b="0" i="0" strike="noStrike">
               <a:solidFill>
                 <a:srgbClr val="000000">
                   <a:alpha val="100000"/>
@@ -9570,21 +9313,21 @@
               <a:defRPr/>
             </a:pPr>
             <a:r>
-              <a:rPr xmlns:mc="http://schemas.openxmlformats.org/markup-compatibility/2006" xmlns:hp="http://schemas.haansoft.com/office/presentation/8.0" sz="3400" b="0" i="0" strike="noStrike" mc:Ignorable="hp" hp:hslEmbossed="0">
-                <a:solidFill>
-                  <a:srgbClr val="7f90d4">
+              <a:rPr sz="3400" b="0" i="0" strike="noStrike">
+                <a:solidFill>
+                  <a:srgbClr val="7F90D4">
                     <a:alpha val="100000"/>
                   </a:srgbClr>
                 </a:solidFill>
                 <a:latin typeface="Arial"/>
                 <a:ea typeface="굴림"/>
               </a:rPr>
-              <a:t>02</a:t>
-            </a:r>
-            <a:r>
-              <a:rPr xmlns:mc="http://schemas.openxmlformats.org/markup-compatibility/2006" xmlns:hp="http://schemas.haansoft.com/office/presentation/8.0" lang="ko-KR" altLang="en-US" sz="3400" b="0" i="0" strike="noStrike" mc:Ignorable="hp" hp:hslEmbossed="0">
-                <a:solidFill>
-                  <a:srgbClr val="7f90d4">
+              <a:t>03</a:t>
+            </a:r>
+            <a:r>
+              <a:rPr lang="ko-KR" altLang="en-US" sz="3400" b="0" i="0" strike="noStrike">
+                <a:solidFill>
+                  <a:srgbClr val="7F90D4">
                     <a:alpha val="100000"/>
                   </a:srgbClr>
                 </a:solidFill>
@@ -9594,80 +9337,21 @@
               <a:t> </a:t>
             </a:r>
             <a:r>
-              <a:rPr xmlns:mc="http://schemas.openxmlformats.org/markup-compatibility/2006" xmlns:hp="http://schemas.haansoft.com/office/presentation/8.0" sz="3400" b="0" i="0" strike="noStrike" mc:Ignorable="hp" hp:hslEmbossed="0">
-                <a:solidFill>
-                  <a:srgbClr val="000000">
-                    <a:alpha val="100000"/>
-                  </a:srgbClr>
+              <a:rPr lang="ko-KR" altLang="en-US" sz="3400" b="0" i="0" strike="noStrike">
+                <a:solidFill>
+                  <a:schemeClr val="dk1"/>
                 </a:solidFill>
                 <a:latin typeface="Arial"/>
                 <a:ea typeface="굴림"/>
               </a:rPr>
-              <a:t>개발 계획</a:t>
-            </a:r>
-            <a:endParaRPr xmlns:mc="http://schemas.openxmlformats.org/markup-compatibility/2006" xmlns:hp="http://schemas.haansoft.com/office/presentation/8.0" sz="3400" b="0" i="0" strike="noStrike" mc:Ignorable="hp" hp:hslEmbossed="0">
-              <a:solidFill>
-                <a:srgbClr val="000000">
-                  <a:alpha val="100000"/>
-                </a:srgbClr>
-              </a:solidFill>
-              <a:latin typeface="Arial"/>
-              <a:ea typeface="굴림"/>
-            </a:endParaRPr>
+              <a:t>기초 코드</a:t>
+            </a:r>
           </a:p>
           <a:p>
             <a:pPr algn="l">
               <a:defRPr/>
             </a:pPr>
-            <a:endParaRPr xmlns:mc="http://schemas.openxmlformats.org/markup-compatibility/2006" xmlns:hp="http://schemas.haansoft.com/office/presentation/8.0" sz="3400" b="0" i="0" strike="noStrike" mc:Ignorable="hp" hp:hslEmbossed="0">
-              <a:solidFill>
-                <a:srgbClr val="000000">
-                  <a:alpha val="100000"/>
-                </a:srgbClr>
-              </a:solidFill>
-              <a:latin typeface="Arial"/>
-              <a:ea typeface="굴림"/>
-            </a:endParaRPr>
-          </a:p>
-          <a:p>
-            <a:pPr algn="l">
-              <a:defRPr/>
-            </a:pPr>
-            <a:r>
-              <a:rPr xmlns:mc="http://schemas.openxmlformats.org/markup-compatibility/2006" xmlns:hp="http://schemas.haansoft.com/office/presentation/8.0" sz="3400" b="0" i="0" strike="noStrike" mc:Ignorable="hp" hp:hslEmbossed="0">
-                <a:solidFill>
-                  <a:srgbClr val="7f90d4">
-                    <a:alpha val="100000"/>
-                  </a:srgbClr>
-                </a:solidFill>
-                <a:latin typeface="Arial"/>
-                <a:ea typeface="굴림"/>
-              </a:rPr>
-              <a:t>03</a:t>
-            </a:r>
-            <a:r>
-              <a:rPr xmlns:mc="http://schemas.openxmlformats.org/markup-compatibility/2006" xmlns:hp="http://schemas.haansoft.com/office/presentation/8.0" lang="ko-KR" altLang="en-US" sz="3400" b="0" i="0" strike="noStrike" mc:Ignorable="hp" hp:hslEmbossed="0">
-                <a:solidFill>
-                  <a:srgbClr val="7f90d4">
-                    <a:alpha val="100000"/>
-                  </a:srgbClr>
-                </a:solidFill>
-                <a:latin typeface="Arial"/>
-                <a:ea typeface="굴림"/>
-              </a:rPr>
-              <a:t> </a:t>
-            </a:r>
-            <a:r>
-              <a:rPr xmlns:mc="http://schemas.openxmlformats.org/markup-compatibility/2006" xmlns:hp="http://schemas.haansoft.com/office/presentation/8.0" lang="ko-KR" altLang="en-US" sz="3400" b="0" i="0" strike="noStrike" mc:Ignorable="hp" hp:hslEmbossed="0">
-                <a:solidFill>
-                  <a:schemeClr val="dk1"/>
-                </a:solidFill>
-                <a:latin typeface="Arial"/>
-                <a:ea typeface="굴림"/>
-              </a:rPr>
-              <a:t>기초 코드</a:t>
-            </a:r>
-            <a:endParaRPr xmlns:mc="http://schemas.openxmlformats.org/markup-compatibility/2006" xmlns:hp="http://schemas.haansoft.com/office/presentation/8.0" lang="ko-KR" altLang="en-US" sz="3400" b="0" i="0" strike="noStrike" mc:Ignorable="hp" hp:hslEmbossed="0">
+            <a:endParaRPr lang="ko-KR" altLang="en-US" sz="3400" b="0" i="0" strike="noStrike">
               <a:solidFill>
                 <a:schemeClr val="dk1"/>
               </a:solidFill>
@@ -9679,7 +9363,46 @@
             <a:pPr algn="l">
               <a:defRPr/>
             </a:pPr>
-            <a:endParaRPr xmlns:mc="http://schemas.openxmlformats.org/markup-compatibility/2006" xmlns:hp="http://schemas.haansoft.com/office/presentation/8.0" lang="ko-KR" altLang="en-US" sz="3400" b="0" i="0" strike="noStrike" mc:Ignorable="hp" hp:hslEmbossed="0">
+            <a:r>
+              <a:rPr sz="3400" b="0" i="0" strike="noStrike">
+                <a:solidFill>
+                  <a:srgbClr val="7F90D4">
+                    <a:alpha val="100000"/>
+                  </a:srgbClr>
+                </a:solidFill>
+                <a:latin typeface="Arial"/>
+                <a:ea typeface="굴림"/>
+              </a:rPr>
+              <a:t>04</a:t>
+            </a:r>
+            <a:r>
+              <a:rPr lang="ko-KR" altLang="en-US" sz="3400" b="0" i="0" strike="noStrike">
+                <a:solidFill>
+                  <a:srgbClr val="7F90D4">
+                    <a:alpha val="100000"/>
+                  </a:srgbClr>
+                </a:solidFill>
+                <a:latin typeface="Arial"/>
+                <a:ea typeface="굴림"/>
+              </a:rPr>
+              <a:t> </a:t>
+            </a:r>
+            <a:r>
+              <a:rPr lang="ko-KR" altLang="en-US" sz="3400" b="0" i="0" strike="noStrike">
+                <a:solidFill>
+                  <a:schemeClr val="dk1"/>
+                </a:solidFill>
+                <a:latin typeface="Arial"/>
+                <a:ea typeface="굴림"/>
+              </a:rPr>
+              <a:t>코드 업그레이드</a:t>
+            </a:r>
+          </a:p>
+          <a:p>
+            <a:pPr algn="l">
+              <a:defRPr/>
+            </a:pPr>
+            <a:endParaRPr lang="ko-KR" altLang="en-US" sz="3400" b="0" i="0" strike="noStrike">
               <a:solidFill>
                 <a:schemeClr val="dk1"/>
               </a:solidFill>
@@ -9692,21 +9415,21 @@
               <a:defRPr/>
             </a:pPr>
             <a:r>
-              <a:rPr xmlns:mc="http://schemas.openxmlformats.org/markup-compatibility/2006" xmlns:hp="http://schemas.haansoft.com/office/presentation/8.0" sz="3400" b="0" i="0" strike="noStrike" mc:Ignorable="hp" hp:hslEmbossed="0">
-                <a:solidFill>
-                  <a:srgbClr val="7f90d4">
+              <a:rPr sz="3400" b="0" i="0" strike="noStrike">
+                <a:solidFill>
+                  <a:srgbClr val="7F90D4">
                     <a:alpha val="100000"/>
                   </a:srgbClr>
                 </a:solidFill>
                 <a:latin typeface="Arial"/>
                 <a:ea typeface="굴림"/>
               </a:rPr>
-              <a:t>04</a:t>
-            </a:r>
-            <a:r>
-              <a:rPr xmlns:mc="http://schemas.openxmlformats.org/markup-compatibility/2006" xmlns:hp="http://schemas.haansoft.com/office/presentation/8.0" lang="ko-KR" altLang="en-US" sz="3400" b="0" i="0" strike="noStrike" mc:Ignorable="hp" hp:hslEmbossed="0">
-                <a:solidFill>
-                  <a:srgbClr val="7f90d4">
+              <a:t>05</a:t>
+            </a:r>
+            <a:r>
+              <a:rPr lang="ko-KR" altLang="en-US" sz="3400" b="0" i="0" strike="noStrike">
+                <a:solidFill>
+                  <a:srgbClr val="7F90D4">
                     <a:alpha val="100000"/>
                   </a:srgbClr>
                 </a:solidFill>
@@ -9716,80 +9439,15 @@
               <a:t> </a:t>
             </a:r>
             <a:r>
-              <a:rPr xmlns:mc="http://schemas.openxmlformats.org/markup-compatibility/2006" xmlns:hp="http://schemas.haansoft.com/office/presentation/8.0" lang="ko-KR" altLang="en-US" sz="3400" b="0" i="0" strike="noStrike" mc:Ignorable="hp" hp:hslEmbossed="0">
+              <a:rPr lang="ko-KR" altLang="en-US" sz="3400" b="0" i="0" strike="noStrike">
                 <a:solidFill>
                   <a:schemeClr val="dk1"/>
                 </a:solidFill>
                 <a:latin typeface="Arial"/>
                 <a:ea typeface="굴림"/>
               </a:rPr>
-              <a:t>코드 업그레이드</a:t>
-            </a:r>
-            <a:endParaRPr xmlns:mc="http://schemas.openxmlformats.org/markup-compatibility/2006" xmlns:hp="http://schemas.haansoft.com/office/presentation/8.0" lang="ko-KR" altLang="en-US" sz="3400" b="0" i="0" strike="noStrike" mc:Ignorable="hp" hp:hslEmbossed="0">
-              <a:solidFill>
-                <a:schemeClr val="dk1"/>
-              </a:solidFill>
-              <a:latin typeface="Arial"/>
-              <a:ea typeface="굴림"/>
-            </a:endParaRPr>
-          </a:p>
-          <a:p>
-            <a:pPr algn="l">
-              <a:defRPr/>
-            </a:pPr>
-            <a:endParaRPr xmlns:mc="http://schemas.openxmlformats.org/markup-compatibility/2006" xmlns:hp="http://schemas.haansoft.com/office/presentation/8.0" lang="ko-KR" altLang="en-US" sz="3400" b="0" i="0" strike="noStrike" mc:Ignorable="hp" hp:hslEmbossed="0">
-              <a:solidFill>
-                <a:schemeClr val="dk1"/>
-              </a:solidFill>
-              <a:latin typeface="Arial"/>
-              <a:ea typeface="굴림"/>
-            </a:endParaRPr>
-          </a:p>
-          <a:p>
-            <a:pPr algn="l">
-              <a:defRPr/>
-            </a:pPr>
-            <a:r>
-              <a:rPr xmlns:mc="http://schemas.openxmlformats.org/markup-compatibility/2006" xmlns:hp="http://schemas.haansoft.com/office/presentation/8.0" sz="3400" b="0" i="0" strike="noStrike" mc:Ignorable="hp" hp:hslEmbossed="0">
-                <a:solidFill>
-                  <a:srgbClr val="7f90d4">
-                    <a:alpha val="100000"/>
-                  </a:srgbClr>
-                </a:solidFill>
-                <a:latin typeface="Arial"/>
-                <a:ea typeface="굴림"/>
-              </a:rPr>
-              <a:t>05</a:t>
-            </a:r>
-            <a:r>
-              <a:rPr xmlns:mc="http://schemas.openxmlformats.org/markup-compatibility/2006" xmlns:hp="http://schemas.haansoft.com/office/presentation/8.0" lang="ko-KR" altLang="en-US" sz="3400" b="0" i="0" strike="noStrike" mc:Ignorable="hp" hp:hslEmbossed="0">
-                <a:solidFill>
-                  <a:srgbClr val="7f90d4">
-                    <a:alpha val="100000"/>
-                  </a:srgbClr>
-                </a:solidFill>
-                <a:latin typeface="Arial"/>
-                <a:ea typeface="굴림"/>
-              </a:rPr>
-              <a:t> </a:t>
-            </a:r>
-            <a:r>
-              <a:rPr xmlns:mc="http://schemas.openxmlformats.org/markup-compatibility/2006" xmlns:hp="http://schemas.haansoft.com/office/presentation/8.0" lang="ko-KR" altLang="en-US" sz="3400" b="0" i="0" strike="noStrike" mc:Ignorable="hp" hp:hslEmbossed="0">
-                <a:solidFill>
-                  <a:schemeClr val="dk1"/>
-                </a:solidFill>
-                <a:latin typeface="Arial"/>
-                <a:ea typeface="굴림"/>
-              </a:rPr>
               <a:t>게임 시연</a:t>
             </a:r>
-            <a:endParaRPr xmlns:mc="http://schemas.openxmlformats.org/markup-compatibility/2006" xmlns:hp="http://schemas.haansoft.com/office/presentation/8.0" lang="ko-KR" altLang="en-US" sz="3400" b="0" i="0" strike="noStrike" mc:Ignorable="hp" hp:hslEmbossed="0">
-              <a:solidFill>
-                <a:schemeClr val="dk1"/>
-              </a:solidFill>
-              <a:latin typeface="Arial"/>
-              <a:ea typeface="굴림"/>
-            </a:endParaRPr>
           </a:p>
         </p:txBody>
       </p:sp>
@@ -9798,11 +9456,11 @@
   <p:clrMapOvr>
     <a:masterClrMapping/>
   </p:clrMapOvr>
-  <mc:AlternateContent xmlns:mc="http://schemas.openxmlformats.org/markup-compatibility/2006">
-    <mc:Choice xmlns:p14="http://schemas.microsoft.com/office/powerpoint/2010/main" Requires="p14">
-      <p:transition xmlns:mc="http://schemas.openxmlformats.org/markup-compatibility/2006" xmlns:p14="http://schemas.microsoft.com/office/powerpoint/2010/main" mc:Ignorable="p14" p14:dur="500"/>
+  <mc:AlternateContent xmlns:mc="http://schemas.openxmlformats.org/markup-compatibility/2006" xmlns:p14="http://schemas.microsoft.com/office/powerpoint/2010/main">
+    <mc:Choice Requires="p14">
+      <p:transition/>
     </mc:Choice>
-    <mc:Fallback>
+    <mc:Fallback xmlns:dsp="http://schemas.microsoft.com/office/drawing/2008/diagram" xmlns:dgm="http://schemas.openxmlformats.org/drawingml/2006/diagram" xmlns:c="http://schemas.openxmlformats.org/drawingml/2006/chart" xmlns="">
       <p:transition/>
     </mc:Fallback>
   </mc:AlternateContent>
@@ -9810,7 +9468,7 @@
 </file>
 
 <file path=ppt/slides/slide20.xml><?xml version="1.0" encoding="utf-8"?>
-<p:sld xmlns:r="http://schemas.openxmlformats.org/officeDocument/2006/relationships" xmlns:c="http://schemas.openxmlformats.org/drawingml/2006/chart" xmlns:a="http://schemas.openxmlformats.org/drawingml/2006/main" xmlns:dgm="http://schemas.openxmlformats.org/drawingml/2006/diagram" xmlns:dsp="http://schemas.microsoft.com/office/drawing/2008/diagram" xmlns:p="http://schemas.openxmlformats.org/presentationml/2006/main">
+<p:sld xmlns:a="http://schemas.openxmlformats.org/drawingml/2006/main" xmlns:r="http://schemas.openxmlformats.org/officeDocument/2006/relationships" xmlns:p="http://schemas.openxmlformats.org/presentationml/2006/main">
   <p:cSld>
     <p:spTree>
       <p:nvGrpSpPr>
@@ -9851,6 +9509,7 @@
         </p:spPr>
         <p:txBody>
           <a:bodyPr wrap="square" anchor="ctr"/>
+          <a:lstStyle/>
           <a:p>
             <a:pPr algn="ctr">
               <a:defRPr/>
@@ -9884,6 +9543,7 @@
         </p:spPr>
         <p:txBody>
           <a:bodyPr wrap="square" anchor="ctr"/>
+          <a:lstStyle/>
           <a:p>
             <a:pPr algn="ctr">
               <a:defRPr/>
@@ -9931,15 +9591,6 @@
               </a:rPr>
               <a:t>챌린지 </a:t>
             </a:r>
-            <a:endParaRPr lang="ko-KR" altLang="en-US" sz="7200" b="1" spc="-359">
-              <a:solidFill>
-                <a:srgbClr val="000000"/>
-              </a:solidFill>
-              <a:latin typeface="Nanum Square Bold"/>
-              <a:ea typeface="Nanum Square Bold"/>
-              <a:cs typeface="Nanum Square Bold"/>
-              <a:sym typeface="Nanum Square Bold"/>
-            </a:endParaRPr>
           </a:p>
         </p:txBody>
       </p:sp>
@@ -9994,21 +9645,12 @@
               </a:rPr>
               <a:t>hallenge</a:t>
             </a:r>
-            <a:endParaRPr lang="ko-KR" altLang="en-US" sz="2100" b="1">
-              <a:solidFill>
-                <a:srgbClr val="737373"/>
-              </a:solidFill>
-              <a:latin typeface="Heebo Bold"/>
-              <a:ea typeface="Heebo Bold"/>
-              <a:cs typeface="Heebo Bold"/>
-              <a:sym typeface="Heebo Bold"/>
-            </a:endParaRPr>
           </a:p>
         </p:txBody>
       </p:sp>
       <p:pic>
         <p:nvPicPr>
-          <p:cNvPr id="9" name=""/>
+          <p:cNvPr id="9" name="그림 8"/>
           <p:cNvPicPr>
             <a:picLocks noChangeAspect="1"/>
           </p:cNvPicPr>
@@ -10032,7 +9674,7 @@
       </p:pic>
       <p:sp>
         <p:nvSpPr>
-          <p:cNvPr id="10" name=""/>
+          <p:cNvPr id="10" name="TextBox 9"/>
           <p:cNvSpPr txBox="1"/>
           <p:nvPr/>
         </p:nvSpPr>
@@ -10049,6 +9691,7 @@
           <a:bodyPr wrap="square">
             <a:spAutoFit/>
           </a:bodyPr>
+          <a:lstStyle/>
           <a:p>
             <a:pPr marL="0" indent="0" algn="ctr" defTabSz="914400" rtl="0" eaLnBrk="1" latinLnBrk="0" hangingPunct="1">
               <a:lnSpc>
@@ -10064,7 +9707,7 @@
               <a:defRPr/>
             </a:pPr>
             <a:r>
-              <a:rPr xmlns:mc="http://schemas.openxmlformats.org/markup-compatibility/2006" xmlns:hp="http://schemas.haansoft.com/office/presentation/8.0" kumimoji="0" lang="en-US" altLang="ko-KR" sz="2100" b="0" i="0" u="none" strike="noStrike" kern="1200" cap="none" spc="0" normalizeH="0" baseline="0" mc:Ignorable="hp" hp:hslEmbossed="0">
+              <a:rPr kumimoji="0" lang="en-US" altLang="ko-KR" sz="2100" b="0" i="0" u="none" strike="noStrike" kern="1200" cap="none" spc="0" normalizeH="0" baseline="0">
                 <a:solidFill>
                   <a:srgbClr val="000000"/>
                 </a:solidFill>
@@ -10074,7 +9717,7 @@
               <a:t>3</a:t>
             </a:r>
             <a:r>
-              <a:rPr xmlns:mc="http://schemas.openxmlformats.org/markup-compatibility/2006" xmlns:hp="http://schemas.haansoft.com/office/presentation/8.0" kumimoji="0" lang="ko-KR" altLang="en-US" sz="2100" b="0" i="0" u="none" strike="noStrike" kern="1200" cap="none" spc="0" normalizeH="0" baseline="0" mc:Ignorable="hp" hp:hslEmbossed="0">
+              <a:rPr kumimoji="0" lang="ko-KR" altLang="en-US" sz="2100" b="0" i="0" u="none" strike="noStrike" kern="1200" cap="none" spc="0" normalizeH="0" baseline="0">
                 <a:solidFill>
                   <a:srgbClr val="000000"/>
                 </a:solidFill>
@@ -10083,13 +9726,6 @@
               </a:rPr>
               <a:t>개의 게임을 병합한 메인 게임</a:t>
             </a:r>
-            <a:endParaRPr xmlns:mc="http://schemas.openxmlformats.org/markup-compatibility/2006" xmlns:hp="http://schemas.haansoft.com/office/presentation/8.0" kumimoji="0" lang="ko-KR" altLang="en-US" sz="2100" b="0" i="0" u="none" strike="noStrike" kern="1200" cap="none" spc="0" normalizeH="0" baseline="0" mc:Ignorable="hp" hp:hslEmbossed="0">
-              <a:solidFill>
-                <a:srgbClr val="000000"/>
-              </a:solidFill>
-              <a:latin typeface="나눔스퀘어 Bold"/>
-              <a:ea typeface="나눔스퀘어 Bold"/>
-            </a:endParaRPr>
           </a:p>
           <a:p>
             <a:pPr marL="0" indent="0" algn="ctr" defTabSz="914400" rtl="0" eaLnBrk="1" latinLnBrk="0" hangingPunct="1">
@@ -10105,7 +9741,7 @@
               <a:buNone/>
               <a:defRPr/>
             </a:pPr>
-            <a:endParaRPr xmlns:mc="http://schemas.openxmlformats.org/markup-compatibility/2006" xmlns:hp="http://schemas.haansoft.com/office/presentation/8.0" kumimoji="0" lang="ko-KR" altLang="en-US" sz="2100" b="0" i="0" u="none" strike="noStrike" kern="1200" cap="none" spc="0" normalizeH="0" baseline="0" mc:Ignorable="hp" hp:hslEmbossed="0">
+            <a:endParaRPr kumimoji="0" lang="ko-KR" altLang="en-US" sz="2100" b="0" i="0" u="none" strike="noStrike" kern="1200" cap="none" spc="0" normalizeH="0" baseline="0">
               <a:solidFill>
                 <a:srgbClr val="000000"/>
               </a:solidFill>
@@ -10117,7 +9753,7 @@
       </p:sp>
       <p:pic>
         <p:nvPicPr>
-          <p:cNvPr id="11" name=""/>
+          <p:cNvPr id="11" name="그림 10"/>
           <p:cNvPicPr>
             <a:picLocks noChangeAspect="1"/>
           </p:cNvPicPr>
@@ -10141,7 +9777,7 @@
       </p:pic>
       <p:pic>
         <p:nvPicPr>
-          <p:cNvPr id="12" name=""/>
+          <p:cNvPr id="12" name="그림 11"/>
           <p:cNvPicPr>
             <a:picLocks noChangeAspect="1"/>
           </p:cNvPicPr>
@@ -10165,7 +9801,7 @@
       </p:pic>
       <p:pic>
         <p:nvPicPr>
-          <p:cNvPr id="16" name=""/>
+          <p:cNvPr id="16" name="그림 15"/>
           <p:cNvPicPr>
             <a:picLocks noChangeAspect="1"/>
           </p:cNvPicPr>
@@ -10189,7 +9825,7 @@
       </p:pic>
       <p:pic>
         <p:nvPicPr>
-          <p:cNvPr id="18" name=""/>
+          <p:cNvPr id="18" name="그림 17"/>
           <p:cNvPicPr>
             <a:picLocks noChangeAspect="1"/>
           </p:cNvPicPr>
@@ -10228,7 +9864,7 @@
       </p:pic>
       <p:pic>
         <p:nvPicPr>
-          <p:cNvPr id="19" name=""/>
+          <p:cNvPr id="19" name="그림 18"/>
           <p:cNvPicPr>
             <a:picLocks noChangeAspect="1"/>
           </p:cNvPicPr>
@@ -10267,7 +9903,7 @@
       </p:pic>
       <p:pic>
         <p:nvPicPr>
-          <p:cNvPr id="17" name=""/>
+          <p:cNvPr id="17" name="그림 16"/>
           <p:cNvPicPr>
             <a:picLocks noChangeAspect="1"/>
           </p:cNvPicPr>
@@ -10306,11 +9942,11 @@
   <p:clrMapOvr>
     <a:masterClrMapping/>
   </p:clrMapOvr>
-  <mc:AlternateContent xmlns:mc="http://schemas.openxmlformats.org/markup-compatibility/2006">
-    <mc:Choice xmlns:p14="http://schemas.microsoft.com/office/powerpoint/2010/main" Requires="p14">
-      <p:transition xmlns:mc="http://schemas.openxmlformats.org/markup-compatibility/2006" xmlns:p14="http://schemas.microsoft.com/office/powerpoint/2010/main" mc:Ignorable="p14" p14:dur="500"/>
+  <mc:AlternateContent xmlns:mc="http://schemas.openxmlformats.org/markup-compatibility/2006" xmlns:p14="http://schemas.microsoft.com/office/powerpoint/2010/main">
+    <mc:Choice Requires="p14">
+      <p:transition/>
     </mc:Choice>
-    <mc:Fallback>
+    <mc:Fallback xmlns:dsp="http://schemas.microsoft.com/office/drawing/2008/diagram" xmlns:dgm="http://schemas.openxmlformats.org/drawingml/2006/diagram" xmlns:c="http://schemas.openxmlformats.org/drawingml/2006/chart" xmlns="">
       <p:transition/>
     </mc:Fallback>
   </mc:AlternateContent>
@@ -10318,7 +9954,7 @@
 </file>
 
 <file path=ppt/slides/slide21.xml><?xml version="1.0" encoding="utf-8"?>
-<p:sld xmlns:r="http://schemas.openxmlformats.org/officeDocument/2006/relationships" xmlns:c="http://schemas.openxmlformats.org/drawingml/2006/chart" xmlns:a="http://schemas.openxmlformats.org/drawingml/2006/main" xmlns:dgm="http://schemas.openxmlformats.org/drawingml/2006/diagram" xmlns:dsp="http://schemas.microsoft.com/office/drawing/2008/diagram" xmlns:p="http://schemas.openxmlformats.org/presentationml/2006/main">
+<p:sld xmlns:a="http://schemas.openxmlformats.org/drawingml/2006/main" xmlns:r="http://schemas.openxmlformats.org/officeDocument/2006/relationships" xmlns:p="http://schemas.openxmlformats.org/presentationml/2006/main">
   <p:cSld>
     <p:spTree>
       <p:nvGrpSpPr>
@@ -10359,6 +9995,7 @@
         </p:spPr>
         <p:txBody>
           <a:bodyPr wrap="square" anchor="ctr"/>
+          <a:lstStyle/>
           <a:p>
             <a:pPr algn="ctr">
               <a:defRPr/>
@@ -10392,6 +10029,7 @@
         </p:spPr>
         <p:txBody>
           <a:bodyPr wrap="square" anchor="ctr"/>
+          <a:lstStyle/>
           <a:p>
             <a:pPr algn="ctr">
               <a:defRPr/>
@@ -10439,15 +10077,6 @@
               </a:rPr>
               <a:t>게임 시연</a:t>
             </a:r>
-            <a:endParaRPr lang="ko-KR" altLang="en-US" sz="7200" b="1" spc="-359">
-              <a:solidFill>
-                <a:srgbClr val="000000"/>
-              </a:solidFill>
-              <a:latin typeface="Nanum Square Bold"/>
-              <a:ea typeface="Nanum Square Bold"/>
-              <a:cs typeface="Nanum Square Bold"/>
-              <a:sym typeface="Nanum Square Bold"/>
-            </a:endParaRPr>
           </a:p>
         </p:txBody>
       </p:sp>
@@ -10495,11 +10124,335 @@
   <p:clrMapOvr>
     <a:masterClrMapping/>
   </p:clrMapOvr>
-  <mc:AlternateContent xmlns:mc="http://schemas.openxmlformats.org/markup-compatibility/2006">
-    <mc:Choice xmlns:p14="http://schemas.microsoft.com/office/powerpoint/2010/main" Requires="p14">
-      <p:transition xmlns:mc="http://schemas.openxmlformats.org/markup-compatibility/2006" xmlns:p14="http://schemas.microsoft.com/office/powerpoint/2010/main" mc:Ignorable="p14" p14:dur="500"/>
+  <mc:AlternateContent xmlns:mc="http://schemas.openxmlformats.org/markup-compatibility/2006" xmlns:p14="http://schemas.microsoft.com/office/powerpoint/2010/main">
+    <mc:Choice Requires="p14">
+      <p:transition/>
     </mc:Choice>
-    <mc:Fallback>
+    <mc:Fallback xmlns:dsp="http://schemas.microsoft.com/office/drawing/2008/diagram" xmlns:dgm="http://schemas.openxmlformats.org/drawingml/2006/diagram" xmlns:c="http://schemas.openxmlformats.org/drawingml/2006/chart" xmlns="">
+      <p:transition/>
+    </mc:Fallback>
+  </mc:AlternateContent>
+</p:sld>
+</file>
+
+<file path=ppt/slides/slide22.xml><?xml version="1.0" encoding="utf-8"?>
+<p:sld xmlns:a="http://schemas.openxmlformats.org/drawingml/2006/main" xmlns:r="http://schemas.openxmlformats.org/officeDocument/2006/relationships" xmlns:p="http://schemas.openxmlformats.org/presentationml/2006/main">
+  <p:cSld>
+    <p:spTree>
+      <p:nvGrpSpPr>
+        <p:cNvPr id="1" name="">
+          <a:extLst>
+            <a:ext uri="{FF2B5EF4-FFF2-40B4-BE49-F238E27FC236}">
+              <a16:creationId xmlns:a16="http://schemas.microsoft.com/office/drawing/2014/main" id="{B0957FD2-1893-AF1B-72D7-C6F4CC312F65}"/>
+            </a:ext>
+          </a:extLst>
+        </p:cNvPr>
+        <p:cNvGrpSpPr/>
+        <p:nvPr/>
+      </p:nvGrpSpPr>
+      <p:grpSpPr>
+        <a:xfrm>
+          <a:off x="0" y="0"/>
+          <a:ext cx="0" cy="0"/>
+          <a:chOff x="0" y="0"/>
+          <a:chExt cx="0" cy="0"/>
+        </a:xfrm>
+      </p:grpSpPr>
+      <p:sp>
+        <p:nvSpPr>
+          <p:cNvPr id="2" name="AutoShape 2">
+            <a:extLst>
+              <a:ext uri="{FF2B5EF4-FFF2-40B4-BE49-F238E27FC236}">
+                <a16:creationId xmlns:a16="http://schemas.microsoft.com/office/drawing/2014/main" id="{3ABF0078-4864-4ABE-3160-5B1E4A973D15}"/>
+              </a:ext>
+            </a:extLst>
+          </p:cNvPr>
+          <p:cNvSpPr/>
+          <p:nvPr/>
+        </p:nvSpPr>
+        <p:spPr>
+          <a:xfrm>
+            <a:off x="1635693" y="632336"/>
+            <a:ext cx="15016614" cy="0"/>
+          </a:xfrm>
+          <a:prstGeom prst="line">
+            <a:avLst/>
+          </a:prstGeom>
+          <a:ln w="38100" cap="flat">
+            <a:solidFill>
+              <a:srgbClr val="000000"/>
+            </a:solidFill>
+            <a:prstDash val="solid"/>
+            <a:headEnd w="sm" len="sm"/>
+            <a:tailEnd w="sm" len="sm"/>
+          </a:ln>
+        </p:spPr>
+        <p:txBody>
+          <a:bodyPr wrap="square" anchor="ctr"/>
+          <a:lstStyle/>
+          <a:p>
+            <a:pPr algn="ctr">
+              <a:defRPr/>
+            </a:pPr>
+            <a:endParaRPr lang="ko-KR" altLang="en-US"/>
+          </a:p>
+        </p:txBody>
+      </p:sp>
+      <p:sp>
+        <p:nvSpPr>
+          <p:cNvPr id="3" name="AutoShape 3">
+            <a:extLst>
+              <a:ext uri="{FF2B5EF4-FFF2-40B4-BE49-F238E27FC236}">
+                <a16:creationId xmlns:a16="http://schemas.microsoft.com/office/drawing/2014/main" id="{74300F1E-19C3-1E4E-F439-160477D8416F}"/>
+              </a:ext>
+            </a:extLst>
+          </p:cNvPr>
+          <p:cNvSpPr/>
+          <p:nvPr/>
+        </p:nvSpPr>
+        <p:spPr>
+          <a:xfrm>
+            <a:off x="1635693" y="9654664"/>
+            <a:ext cx="15016614" cy="0"/>
+          </a:xfrm>
+          <a:prstGeom prst="line">
+            <a:avLst/>
+          </a:prstGeom>
+          <a:ln w="38100" cap="flat">
+            <a:solidFill>
+              <a:srgbClr val="000000"/>
+            </a:solidFill>
+            <a:prstDash val="solid"/>
+            <a:headEnd w="sm" len="sm"/>
+            <a:tailEnd w="sm" len="sm"/>
+          </a:ln>
+        </p:spPr>
+        <p:txBody>
+          <a:bodyPr wrap="square" anchor="ctr"/>
+          <a:lstStyle/>
+          <a:p>
+            <a:pPr algn="ctr">
+              <a:defRPr/>
+            </a:pPr>
+            <a:endParaRPr lang="ko-KR" altLang="en-US"/>
+          </a:p>
+        </p:txBody>
+      </p:sp>
+      <p:sp>
+        <p:nvSpPr>
+          <p:cNvPr id="5" name="TextBox 5">
+            <a:extLst>
+              <a:ext uri="{FF2B5EF4-FFF2-40B4-BE49-F238E27FC236}">
+                <a16:creationId xmlns:a16="http://schemas.microsoft.com/office/drawing/2014/main" id="{E8A9FF1B-6B29-5BE4-B7D2-D1DEA81C8A8C}"/>
+              </a:ext>
+            </a:extLst>
+          </p:cNvPr>
+          <p:cNvSpPr txBox="1"/>
+          <p:nvPr/>
+        </p:nvSpPr>
+        <p:spPr>
+          <a:xfrm>
+            <a:off x="1635693" y="1428583"/>
+            <a:ext cx="8014955" cy="1038746"/>
+          </a:xfrm>
+          <a:prstGeom prst="rect">
+            <a:avLst/>
+          </a:prstGeom>
+        </p:spPr>
+        <p:txBody>
+          <a:bodyPr lIns="0" tIns="0" rIns="0" bIns="0" anchor="t">
+            <a:spAutoFit/>
+          </a:bodyPr>
+          <a:lstStyle/>
+          <a:p>
+            <a:pPr algn="l">
+              <a:lnSpc>
+                <a:spcPts val="8064"/>
+              </a:lnSpc>
+              <a:defRPr/>
+            </a:pPr>
+            <a:r>
+              <a:rPr lang="ko-KR" altLang="en-US" sz="7200" b="1" spc="-359" dirty="0">
+                <a:solidFill>
+                  <a:srgbClr val="000000"/>
+                </a:solidFill>
+                <a:latin typeface="Nanum Square Bold"/>
+                <a:ea typeface="Nanum Square Bold"/>
+                <a:cs typeface="Nanum Square Bold"/>
+                <a:sym typeface="Nanum Square Bold"/>
+              </a:rPr>
+              <a:t>점수 </a:t>
+            </a:r>
+            <a:r>
+              <a:rPr lang="en-US" altLang="ko-KR" sz="7200" b="1" spc="-359" dirty="0">
+                <a:solidFill>
+                  <a:srgbClr val="000000"/>
+                </a:solidFill>
+                <a:latin typeface="Nanum Square Bold"/>
+                <a:ea typeface="Nanum Square Bold"/>
+                <a:cs typeface="Nanum Square Bold"/>
+                <a:sym typeface="Nanum Square Bold"/>
+              </a:rPr>
+              <a:t>: 9</a:t>
+            </a:r>
+          </a:p>
+        </p:txBody>
+      </p:sp>
+      <p:sp>
+        <p:nvSpPr>
+          <p:cNvPr id="7" name="TextBox 7">
+            <a:extLst>
+              <a:ext uri="{FF2B5EF4-FFF2-40B4-BE49-F238E27FC236}">
+                <a16:creationId xmlns:a16="http://schemas.microsoft.com/office/drawing/2014/main" id="{835DD4BE-99A5-4259-07E2-0C468474E200}"/>
+              </a:ext>
+            </a:extLst>
+          </p:cNvPr>
+          <p:cNvSpPr txBox="1"/>
+          <p:nvPr/>
+        </p:nvSpPr>
+        <p:spPr>
+          <a:xfrm>
+            <a:off x="1714824" y="1121483"/>
+            <a:ext cx="4211394" cy="297742"/>
+          </a:xfrm>
+          <a:prstGeom prst="rect">
+            <a:avLst/>
+          </a:prstGeom>
+        </p:spPr>
+        <p:txBody>
+          <a:bodyPr lIns="0" tIns="0" rIns="0" bIns="0" anchor="t">
+            <a:spAutoFit/>
+          </a:bodyPr>
+          <a:lstStyle/>
+          <a:p>
+            <a:pPr algn="l">
+              <a:lnSpc>
+                <a:spcPts val="2352"/>
+              </a:lnSpc>
+              <a:defRPr/>
+            </a:pPr>
+            <a:endParaRPr lang="ko-KR" altLang="en-US" sz="2100" b="1">
+              <a:solidFill>
+                <a:srgbClr val="737373"/>
+              </a:solidFill>
+              <a:latin typeface="Heebo Bold"/>
+              <a:ea typeface="Heebo Bold"/>
+              <a:cs typeface="Heebo Bold"/>
+              <a:sym typeface="Heebo Bold"/>
+            </a:endParaRPr>
+          </a:p>
+        </p:txBody>
+      </p:sp>
+      <p:sp>
+        <p:nvSpPr>
+          <p:cNvPr id="4" name="TextBox 3">
+            <a:extLst>
+              <a:ext uri="{FF2B5EF4-FFF2-40B4-BE49-F238E27FC236}">
+                <a16:creationId xmlns:a16="http://schemas.microsoft.com/office/drawing/2014/main" id="{BF3B4641-BA7E-21DF-CF9C-987C8B1E0D1F}"/>
+              </a:ext>
+            </a:extLst>
+          </p:cNvPr>
+          <p:cNvSpPr txBox="1"/>
+          <p:nvPr/>
+        </p:nvSpPr>
+        <p:spPr>
+          <a:xfrm>
+            <a:off x="1828800" y="3238500"/>
+            <a:ext cx="14325600" cy="1754326"/>
+          </a:xfrm>
+          <a:prstGeom prst="rect">
+            <a:avLst/>
+          </a:prstGeom>
+          <a:noFill/>
+        </p:spPr>
+        <p:txBody>
+          <a:bodyPr wrap="square" rtlCol="0">
+            <a:spAutoFit/>
+          </a:bodyPr>
+          <a:lstStyle/>
+          <a:p>
+            <a:r>
+              <a:rPr lang="ko-KR" altLang="en-US" sz="3600" dirty="0"/>
+              <a:t>사유 </a:t>
+            </a:r>
+            <a:r>
+              <a:rPr lang="en-US" altLang="ko-KR" sz="3600" dirty="0"/>
+              <a:t>: </a:t>
+            </a:r>
+            <a:r>
+              <a:rPr lang="ko-KR" altLang="en-US" sz="3600" dirty="0"/>
+              <a:t>업그레이드가 중점인 과제인 만큼</a:t>
+            </a:r>
+            <a:r>
+              <a:rPr lang="en-US" altLang="ko-KR" sz="3600" dirty="0"/>
+              <a:t> </a:t>
+            </a:r>
+            <a:r>
+              <a:rPr lang="ko-KR" altLang="en-US" sz="3600" dirty="0"/>
+              <a:t>기초 소스에서 </a:t>
+            </a:r>
+            <a:r>
+              <a:rPr lang="en-US" altLang="ko-KR" sz="3600" dirty="0"/>
+              <a:t>	 	</a:t>
+            </a:r>
+            <a:r>
+              <a:rPr lang="ko-KR" altLang="en-US" sz="3600" dirty="0"/>
+              <a:t>업그레이드를 충실히 이행했고</a:t>
+            </a:r>
+            <a:r>
+              <a:rPr lang="en-US" altLang="ko-KR" sz="3600" dirty="0"/>
+              <a:t> </a:t>
+            </a:r>
+            <a:r>
+              <a:rPr lang="ko-KR" altLang="en-US" sz="3600" dirty="0"/>
+              <a:t>처음에 만들고자 한 의도에서 </a:t>
+            </a:r>
+            <a:r>
+              <a:rPr lang="en-US" altLang="ko-KR" sz="3600" dirty="0"/>
+              <a:t>	</a:t>
+            </a:r>
+            <a:r>
+              <a:rPr lang="ko-KR" altLang="en-US" sz="3600" dirty="0"/>
+              <a:t>벗어나지 않고</a:t>
+            </a:r>
+            <a:r>
+              <a:rPr lang="en-US" altLang="ko-KR" sz="3600" dirty="0"/>
+              <a:t> </a:t>
+            </a:r>
+            <a:r>
+              <a:rPr lang="ko-KR" altLang="en-US" sz="3600" dirty="0"/>
+              <a:t>제대로 만들었기 때문에 </a:t>
+            </a:r>
+            <a:r>
+              <a:rPr lang="en-US" altLang="ko-KR" sz="3600" dirty="0"/>
+              <a:t>9</a:t>
+            </a:r>
+            <a:r>
+              <a:rPr lang="ko-KR" altLang="en-US" sz="3600" dirty="0"/>
+              <a:t>점을 생각합니다</a:t>
+            </a:r>
+            <a:r>
+              <a:rPr lang="en-US" altLang="ko-KR" sz="3600" dirty="0"/>
+              <a:t>.</a:t>
+            </a:r>
+          </a:p>
+        </p:txBody>
+      </p:sp>
+    </p:spTree>
+    <p:extLst>
+      <p:ext uri="{BB962C8B-B14F-4D97-AF65-F5344CB8AC3E}">
+        <p14:creationId xmlns:p14="http://schemas.microsoft.com/office/powerpoint/2010/main" val="503734907"/>
+      </p:ext>
+    </p:extLst>
+  </p:cSld>
+  <p:clrMapOvr>
+    <a:masterClrMapping/>
+  </p:clrMapOvr>
+  <mc:AlternateContent xmlns:mc="http://schemas.openxmlformats.org/markup-compatibility/2006" xmlns:p14="http://schemas.microsoft.com/office/powerpoint/2010/main">
+    <mc:Choice Requires="p14">
+      <p:transition/>
+    </mc:Choice>
+    <mc:Fallback xmlns:dsp="http://schemas.microsoft.com/office/drawing/2008/diagram" xmlns:dgm="http://schemas.openxmlformats.org/drawingml/2006/diagram" xmlns:c="http://schemas.openxmlformats.org/drawingml/2006/chart" xmlns="">
       <p:transition/>
     </mc:Fallback>
   </mc:AlternateContent>
@@ -10507,7 +10460,7 @@
 </file>
 
 <file path=ppt/slides/slide3.xml><?xml version="1.0" encoding="utf-8"?>
-<p:sld xmlns:r="http://schemas.openxmlformats.org/officeDocument/2006/relationships" xmlns:c="http://schemas.openxmlformats.org/drawingml/2006/chart" xmlns:a="http://schemas.openxmlformats.org/drawingml/2006/main" xmlns:dgm="http://schemas.openxmlformats.org/drawingml/2006/diagram" xmlns:dsp="http://schemas.microsoft.com/office/drawing/2008/diagram" xmlns:p="http://schemas.openxmlformats.org/presentationml/2006/main">
+<p:sld xmlns:a="http://schemas.openxmlformats.org/drawingml/2006/main" xmlns:r="http://schemas.openxmlformats.org/officeDocument/2006/relationships" xmlns:p="http://schemas.openxmlformats.org/presentationml/2006/main">
   <p:cSld>
     <p:spTree>
       <p:nvGrpSpPr>
@@ -10548,6 +10501,7 @@
         </p:spPr>
         <p:txBody>
           <a:bodyPr wrap="square" anchor="ctr"/>
+          <a:lstStyle/>
           <a:p>
             <a:pPr algn="ctr">
               <a:defRPr/>
@@ -10581,6 +10535,7 @@
         </p:spPr>
         <p:txBody>
           <a:bodyPr wrap="square" anchor="ctr"/>
+          <a:lstStyle/>
           <a:p>
             <a:pPr algn="ctr">
               <a:defRPr/>
@@ -10614,6 +10569,7 @@
         </p:spPr>
         <p:txBody>
           <a:bodyPr wrap="square" anchor="ctr"/>
+          <a:lstStyle/>
           <a:p>
             <a:pPr algn="ctr">
               <a:defRPr/>
@@ -10661,15 +10617,6 @@
               </a:rPr>
               <a:t>팀원</a:t>
             </a:r>
-            <a:endParaRPr lang="ko-KR" altLang="en-US" sz="3200" b="1" spc="-160">
-              <a:solidFill>
-                <a:srgbClr val="000000"/>
-              </a:solidFill>
-              <a:latin typeface="Nanum Square Bold"/>
-              <a:ea typeface="Nanum Square Bold"/>
-              <a:cs typeface="Nanum Square Bold"/>
-              <a:sym typeface="Nanum Square Bold"/>
-            </a:endParaRPr>
           </a:p>
         </p:txBody>
       </p:sp>
@@ -10774,15 +10721,6 @@
               </a:rPr>
               <a:t>한세윤</a:t>
             </a:r>
-            <a:endParaRPr lang="ko-KR" altLang="en-US" sz="3600" spc="-160">
-              <a:solidFill>
-                <a:srgbClr val="737373"/>
-              </a:solidFill>
-              <a:latin typeface="배달의민족 한나체 Pro"/>
-              <a:ea typeface="배달의민족 한나체 Pro"/>
-              <a:cs typeface="Nanum Square"/>
-              <a:sym typeface="Nanum Square"/>
-            </a:endParaRPr>
           </a:p>
         </p:txBody>
       </p:sp>
@@ -10825,15 +10763,6 @@
               </a:rPr>
               <a:t>팀원 소개</a:t>
             </a:r>
-            <a:endParaRPr lang="ko-KR" altLang="en-US" sz="7200" b="1" spc="-359">
-              <a:solidFill>
-                <a:srgbClr val="000000"/>
-              </a:solidFill>
-              <a:latin typeface="Nanum Square Bold"/>
-              <a:ea typeface="Nanum Square Bold"/>
-              <a:cs typeface="Nanum Square Bold"/>
-              <a:sym typeface="Nanum Square Bold"/>
-            </a:endParaRPr>
           </a:p>
         </p:txBody>
       </p:sp>
@@ -10878,7 +10807,7 @@
       </p:sp>
       <p:pic>
         <p:nvPicPr>
-          <p:cNvPr id="12" name=""/>
+          <p:cNvPr id="12" name="그림 11"/>
           <p:cNvPicPr>
             <a:picLocks noChangeAspect="1"/>
           </p:cNvPicPr>
@@ -10912,11 +10841,11 @@
   <p:clrMapOvr>
     <a:masterClrMapping/>
   </p:clrMapOvr>
-  <mc:AlternateContent xmlns:mc="http://schemas.openxmlformats.org/markup-compatibility/2006">
-    <mc:Choice xmlns:p14="http://schemas.microsoft.com/office/powerpoint/2010/main" Requires="p14">
-      <p:transition xmlns:mc="http://schemas.openxmlformats.org/markup-compatibility/2006" xmlns:p14="http://schemas.microsoft.com/office/powerpoint/2010/main" mc:Ignorable="p14" p14:dur="500"/>
+  <mc:AlternateContent xmlns:mc="http://schemas.openxmlformats.org/markup-compatibility/2006" xmlns:p14="http://schemas.microsoft.com/office/powerpoint/2010/main">
+    <mc:Choice Requires="p14">
+      <p:transition/>
     </mc:Choice>
-    <mc:Fallback>
+    <mc:Fallback xmlns:dsp="http://schemas.microsoft.com/office/drawing/2008/diagram" xmlns:dgm="http://schemas.openxmlformats.org/drawingml/2006/diagram" xmlns:c="http://schemas.openxmlformats.org/drawingml/2006/chart" xmlns="">
       <p:transition/>
     </mc:Fallback>
   </mc:AlternateContent>
@@ -10924,7 +10853,7 @@
 </file>
 
 <file path=ppt/slides/slide4.xml><?xml version="1.0" encoding="utf-8"?>
-<p:sld xmlns:r="http://schemas.openxmlformats.org/officeDocument/2006/relationships" xmlns:c="http://schemas.openxmlformats.org/drawingml/2006/chart" xmlns:a="http://schemas.openxmlformats.org/drawingml/2006/main" xmlns:dgm="http://schemas.openxmlformats.org/drawingml/2006/diagram" xmlns:dsp="http://schemas.microsoft.com/office/drawing/2008/diagram" xmlns:p="http://schemas.openxmlformats.org/presentationml/2006/main">
+<p:sld xmlns:a="http://schemas.openxmlformats.org/drawingml/2006/main" xmlns:r="http://schemas.openxmlformats.org/officeDocument/2006/relationships" xmlns:p="http://schemas.openxmlformats.org/presentationml/2006/main">
   <p:cSld>
     <p:spTree>
       <p:nvGrpSpPr>
@@ -10965,6 +10894,7 @@
         </p:spPr>
         <p:txBody>
           <a:bodyPr wrap="square" anchor="ctr"/>
+          <a:lstStyle/>
           <a:p>
             <a:pPr algn="ctr">
               <a:defRPr/>
@@ -10998,6 +10928,7 @@
         </p:spPr>
         <p:txBody>
           <a:bodyPr wrap="square" anchor="ctr"/>
+          <a:lstStyle/>
           <a:p>
             <a:pPr algn="ctr">
               <a:defRPr/>
@@ -11045,15 +10976,6 @@
               </a:rPr>
               <a:t>개발 계획</a:t>
             </a:r>
-            <a:endParaRPr lang="ko-KR" altLang="en-US" sz="7200" b="1" spc="-359">
-              <a:solidFill>
-                <a:srgbClr val="000000"/>
-              </a:solidFill>
-              <a:latin typeface="Nanum Square Bold"/>
-              <a:ea typeface="Nanum Square Bold"/>
-              <a:cs typeface="Nanum Square Bold"/>
-              <a:sym typeface="Nanum Square Bold"/>
-            </a:endParaRPr>
           </a:p>
         </p:txBody>
       </p:sp>
@@ -11096,21 +11018,12 @@
               </a:rPr>
               <a:t>Development Plan</a:t>
             </a:r>
-            <a:endParaRPr lang="en-US" altLang="ko-KR" sz="2100" b="1">
-              <a:solidFill>
-                <a:srgbClr val="737373"/>
-              </a:solidFill>
-              <a:latin typeface="Heebo Bold"/>
-              <a:ea typeface="Heebo Bold"/>
-              <a:cs typeface="Heebo Bold"/>
-              <a:sym typeface="Heebo Bold"/>
-            </a:endParaRPr>
           </a:p>
         </p:txBody>
       </p:sp>
       <p:pic>
         <p:nvPicPr>
-          <p:cNvPr id="11" name=""/>
+          <p:cNvPr id="11" name="그림 10"/>
           <p:cNvPicPr>
             <a:picLocks noChangeAspect="1"/>
           </p:cNvPicPr>
@@ -11202,15 +11115,6 @@
               </a:rPr>
               <a:t>처럼 여러 미니 게임을 한 곳에 모아 </a:t>
             </a:r>
-            <a:endParaRPr lang="en-US" sz="3200" b="1" spc="-160">
-              <a:solidFill>
-                <a:srgbClr val="000000"/>
-              </a:solidFill>
-              <a:latin typeface="Nanum Square Bold"/>
-              <a:ea typeface="Nanum Square Bold"/>
-              <a:cs typeface="Nanum Square Bold"/>
-              <a:sym typeface="Nanum Square Bold"/>
-            </a:endParaRPr>
           </a:p>
           <a:p>
             <a:pPr algn="l">
@@ -11243,6 +11147,56 @@
               </a:rPr>
               <a:t>모티브 </a:t>
             </a:r>
+          </a:p>
+        </p:txBody>
+      </p:sp>
+      <p:sp>
+        <p:nvSpPr>
+          <p:cNvPr id="15" name="TextBox 6"/>
+          <p:cNvSpPr txBox="1"/>
+          <p:nvPr/>
+        </p:nvSpPr>
+        <p:spPr>
+          <a:xfrm>
+            <a:off x="2133600" y="5715000"/>
+            <a:ext cx="10030815" cy="3467100"/>
+          </a:xfrm>
+          <a:prstGeom prst="rect">
+            <a:avLst/>
+          </a:prstGeom>
+        </p:spPr>
+        <p:txBody>
+          <a:bodyPr lIns="0" tIns="0" rIns="0" bIns="0" anchor="t">
+            <a:spAutoFit/>
+          </a:bodyPr>
+          <a:lstStyle/>
+          <a:p>
+            <a:pPr algn="l">
+              <a:lnSpc>
+                <a:spcPts val="3872"/>
+              </a:lnSpc>
+              <a:defRPr/>
+            </a:pPr>
+            <a:r>
+              <a:rPr lang="ko-KR" altLang="en-US" sz="3200" b="1" spc="-160">
+                <a:solidFill>
+                  <a:srgbClr val="000000"/>
+                </a:solidFill>
+                <a:latin typeface="Nanum Square Bold"/>
+                <a:ea typeface="Nanum Square Bold"/>
+                <a:cs typeface="Nanum Square Bold"/>
+                <a:sym typeface="Nanum Square Bold"/>
+              </a:rPr>
+              <a:t>기초 소스 탐색 및 개발 진행</a:t>
+            </a:r>
+          </a:p>
+          <a:p>
+            <a:pPr algn="l">
+              <a:lnSpc>
+                <a:spcPts val="3872"/>
+              </a:lnSpc>
+              <a:defRPr/>
+            </a:pPr>
             <a:endParaRPr lang="ko-KR" altLang="en-US" sz="3200" b="1" spc="-160">
               <a:solidFill>
                 <a:srgbClr val="000000"/>
@@ -11253,28 +11207,6 @@
               <a:sym typeface="Nanum Square Bold"/>
             </a:endParaRPr>
           </a:p>
-        </p:txBody>
-      </p:sp>
-      <p:sp>
-        <p:nvSpPr>
-          <p:cNvPr id="15" name="TextBox 6"/>
-          <p:cNvSpPr txBox="1"/>
-          <p:nvPr/>
-        </p:nvSpPr>
-        <p:spPr>
-          <a:xfrm>
-            <a:off x="2133600" y="5715000"/>
-            <a:ext cx="10030815" cy="3467100"/>
-          </a:xfrm>
-          <a:prstGeom prst="rect">
-            <a:avLst/>
-          </a:prstGeom>
-        </p:spPr>
-        <p:txBody>
-          <a:bodyPr lIns="0" tIns="0" rIns="0" bIns="0" anchor="t">
-            <a:spAutoFit/>
-          </a:bodyPr>
-          <a:lstStyle/>
           <a:p>
             <a:pPr algn="l">
               <a:lnSpc>
@@ -11283,7 +11215,7 @@
               <a:defRPr/>
             </a:pPr>
             <a:r>
-              <a:rPr lang="ko-KR" altLang="en-US" sz="3200" b="1" spc="-160">
+              <a:rPr lang="en-US" altLang="ko-KR" sz="3200" b="1" spc="-160">
                 <a:solidFill>
                   <a:srgbClr val="000000"/>
                 </a:solidFill>
@@ -11292,8 +11224,52 @@
                 <a:cs typeface="Nanum Square Bold"/>
                 <a:sym typeface="Nanum Square Bold"/>
               </a:rPr>
-              <a:t>기초 소스 탐색 및 개발 진행</a:t>
-            </a:r>
+              <a:t>-</a:t>
+            </a:r>
+            <a:r>
+              <a:rPr lang="ko-KR" altLang="en-US" sz="3200" b="1" spc="-160">
+                <a:solidFill>
+                  <a:srgbClr val="000000"/>
+                </a:solidFill>
+                <a:latin typeface="Nanum Square Bold"/>
+                <a:ea typeface="Nanum Square Bold"/>
+                <a:cs typeface="Nanum Square Bold"/>
+                <a:sym typeface="Nanum Square Bold"/>
+              </a:rPr>
+              <a:t> </a:t>
+            </a:r>
+            <a:r>
+              <a:rPr lang="en-US" altLang="ko-KR" sz="3200" b="1" spc="-160">
+                <a:solidFill>
+                  <a:srgbClr val="000000"/>
+                </a:solidFill>
+                <a:latin typeface="Nanum Square Bold"/>
+                <a:ea typeface="Nanum Square Bold"/>
+                <a:cs typeface="Nanum Square Bold"/>
+                <a:sym typeface="Nanum Square Bold"/>
+              </a:rPr>
+              <a:t>Clicker </a:t>
+            </a:r>
+            <a:r>
+              <a:rPr lang="ko-KR" altLang="en-US" sz="3200" b="1" spc="-160">
+                <a:solidFill>
+                  <a:srgbClr val="000000"/>
+                </a:solidFill>
+                <a:latin typeface="Nanum Square Bold"/>
+                <a:ea typeface="Nanum Square Bold"/>
+                <a:cs typeface="Nanum Square Bold"/>
+                <a:sym typeface="Nanum Square Bold"/>
+              </a:rPr>
+              <a:t>게임</a:t>
+            </a:r>
+          </a:p>
+          <a:p>
+            <a:pPr algn="l">
+              <a:lnSpc>
+                <a:spcPts val="3872"/>
+              </a:lnSpc>
+              <a:defRPr/>
+            </a:pPr>
             <a:endParaRPr lang="ko-KR" altLang="en-US" sz="3200" b="1" spc="-160">
               <a:solidFill>
                 <a:srgbClr val="000000"/>
@@ -11311,6 +11287,62 @@
               </a:lnSpc>
               <a:defRPr/>
             </a:pPr>
+            <a:r>
+              <a:rPr lang="en-US" altLang="ko-KR" sz="3200" b="1" spc="-160">
+                <a:solidFill>
+                  <a:srgbClr val="000000"/>
+                </a:solidFill>
+                <a:latin typeface="Nanum Square Bold"/>
+                <a:ea typeface="Nanum Square Bold"/>
+                <a:cs typeface="Nanum Square Bold"/>
+                <a:sym typeface="Nanum Square Bold"/>
+              </a:rPr>
+              <a:t>-</a:t>
+            </a:r>
+            <a:r>
+              <a:rPr lang="ko-KR" altLang="en-US" sz="3200" b="1" spc="-160">
+                <a:solidFill>
+                  <a:srgbClr val="000000"/>
+                </a:solidFill>
+                <a:latin typeface="Nanum Square Bold"/>
+                <a:ea typeface="Nanum Square Bold"/>
+                <a:cs typeface="Nanum Square Bold"/>
+                <a:sym typeface="Nanum Square Bold"/>
+              </a:rPr>
+              <a:t> </a:t>
+            </a:r>
+            <a:r>
+              <a:rPr lang="en-US" altLang="ko-KR" sz="3200" b="1" spc="-160">
+                <a:solidFill>
+                  <a:srgbClr val="000000"/>
+                </a:solidFill>
+                <a:latin typeface="Nanum Square Bold"/>
+                <a:ea typeface="Nanum Square Bold"/>
+                <a:cs typeface="Nanum Square Bold"/>
+                <a:sym typeface="Nanum Square Bold"/>
+              </a:rPr>
+              <a:t>Fishing</a:t>
+            </a:r>
+            <a:r>
+              <a:rPr lang="ko-KR" altLang="en-US" sz="3200" b="1" spc="-160">
+                <a:solidFill>
+                  <a:srgbClr val="000000"/>
+                </a:solidFill>
+                <a:latin typeface="Nanum Square Bold"/>
+                <a:ea typeface="Nanum Square Bold"/>
+                <a:cs typeface="Nanum Square Bold"/>
+                <a:sym typeface="Nanum Square Bold"/>
+              </a:rPr>
+              <a:t> 게임</a:t>
+            </a:r>
+          </a:p>
+          <a:p>
+            <a:pPr algn="l">
+              <a:lnSpc>
+                <a:spcPts val="3872"/>
+              </a:lnSpc>
+              <a:defRPr/>
+            </a:pPr>
             <a:endParaRPr lang="ko-KR" altLang="en-US" sz="3200" b="1" spc="-160">
               <a:solidFill>
                 <a:srgbClr val="000000"/>
@@ -11362,7 +11394,7 @@
                 <a:cs typeface="Nanum Square Bold"/>
                 <a:sym typeface="Nanum Square Bold"/>
               </a:rPr>
-              <a:t>Clicker </a:t>
+              <a:t>Runner</a:t>
             </a:r>
             <a:r>
               <a:rPr lang="ko-KR" altLang="en-US" sz="3200" b="1" spc="-160">
@@ -11374,181 +11406,8 @@
                 <a:cs typeface="Nanum Square Bold"/>
                 <a:sym typeface="Nanum Square Bold"/>
               </a:rPr>
-              <a:t>게임</a:t>
-            </a:r>
-            <a:endParaRPr lang="ko-KR" altLang="en-US" sz="3200" b="1" spc="-160">
-              <a:solidFill>
-                <a:srgbClr val="000000"/>
-              </a:solidFill>
-              <a:latin typeface="Nanum Square Bold"/>
-              <a:ea typeface="Nanum Square Bold"/>
-              <a:cs typeface="Nanum Square Bold"/>
-              <a:sym typeface="Nanum Square Bold"/>
-            </a:endParaRPr>
-          </a:p>
-          <a:p>
-            <a:pPr algn="l">
-              <a:lnSpc>
-                <a:spcPts val="3872"/>
-              </a:lnSpc>
-              <a:defRPr/>
-            </a:pPr>
-            <a:endParaRPr lang="ko-KR" altLang="en-US" sz="3200" b="1" spc="-160">
-              <a:solidFill>
-                <a:srgbClr val="000000"/>
-              </a:solidFill>
-              <a:latin typeface="Nanum Square Bold"/>
-              <a:ea typeface="Nanum Square Bold"/>
-              <a:cs typeface="Nanum Square Bold"/>
-              <a:sym typeface="Nanum Square Bold"/>
-            </a:endParaRPr>
-          </a:p>
-          <a:p>
-            <a:pPr algn="l">
-              <a:lnSpc>
-                <a:spcPts val="3872"/>
-              </a:lnSpc>
-              <a:defRPr/>
-            </a:pPr>
-            <a:r>
-              <a:rPr lang="en-US" altLang="ko-KR" sz="3200" b="1" spc="-160">
-                <a:solidFill>
-                  <a:srgbClr val="000000"/>
-                </a:solidFill>
-                <a:latin typeface="Nanum Square Bold"/>
-                <a:ea typeface="Nanum Square Bold"/>
-                <a:cs typeface="Nanum Square Bold"/>
-                <a:sym typeface="Nanum Square Bold"/>
-              </a:rPr>
-              <a:t>-</a:t>
-            </a:r>
-            <a:r>
-              <a:rPr lang="ko-KR" altLang="en-US" sz="3200" b="1" spc="-160">
-                <a:solidFill>
-                  <a:srgbClr val="000000"/>
-                </a:solidFill>
-                <a:latin typeface="Nanum Square Bold"/>
-                <a:ea typeface="Nanum Square Bold"/>
-                <a:cs typeface="Nanum Square Bold"/>
-                <a:sym typeface="Nanum Square Bold"/>
-              </a:rPr>
-              <a:t> </a:t>
-            </a:r>
-            <a:r>
-              <a:rPr lang="en-US" altLang="ko-KR" sz="3200" b="1" spc="-160">
-                <a:solidFill>
-                  <a:srgbClr val="000000"/>
-                </a:solidFill>
-                <a:latin typeface="Nanum Square Bold"/>
-                <a:ea typeface="Nanum Square Bold"/>
-                <a:cs typeface="Nanum Square Bold"/>
-                <a:sym typeface="Nanum Square Bold"/>
-              </a:rPr>
-              <a:t>Fishing</a:t>
-            </a:r>
-            <a:r>
-              <a:rPr lang="ko-KR" altLang="en-US" sz="3200" b="1" spc="-160">
-                <a:solidFill>
-                  <a:srgbClr val="000000"/>
-                </a:solidFill>
-                <a:latin typeface="Nanum Square Bold"/>
-                <a:ea typeface="Nanum Square Bold"/>
-                <a:cs typeface="Nanum Square Bold"/>
-                <a:sym typeface="Nanum Square Bold"/>
-              </a:rPr>
               <a:t> 게임</a:t>
             </a:r>
-            <a:endParaRPr lang="ko-KR" altLang="en-US" sz="3200" b="1" spc="-160">
-              <a:solidFill>
-                <a:srgbClr val="000000"/>
-              </a:solidFill>
-              <a:latin typeface="Nanum Square Bold"/>
-              <a:ea typeface="Nanum Square Bold"/>
-              <a:cs typeface="Nanum Square Bold"/>
-              <a:sym typeface="Nanum Square Bold"/>
-            </a:endParaRPr>
-          </a:p>
-          <a:p>
-            <a:pPr algn="l">
-              <a:lnSpc>
-                <a:spcPts val="3872"/>
-              </a:lnSpc>
-              <a:defRPr/>
-            </a:pPr>
-            <a:endParaRPr lang="ko-KR" altLang="en-US" sz="3200" b="1" spc="-160">
-              <a:solidFill>
-                <a:srgbClr val="000000"/>
-              </a:solidFill>
-              <a:latin typeface="Nanum Square Bold"/>
-              <a:ea typeface="Nanum Square Bold"/>
-              <a:cs typeface="Nanum Square Bold"/>
-              <a:sym typeface="Nanum Square Bold"/>
-            </a:endParaRPr>
-          </a:p>
-          <a:p>
-            <a:pPr algn="l">
-              <a:lnSpc>
-                <a:spcPts val="3872"/>
-              </a:lnSpc>
-              <a:defRPr/>
-            </a:pPr>
-            <a:r>
-              <a:rPr lang="en-US" altLang="ko-KR" sz="3200" b="1" spc="-160">
-                <a:solidFill>
-                  <a:srgbClr val="000000"/>
-                </a:solidFill>
-                <a:latin typeface="Nanum Square Bold"/>
-                <a:ea typeface="Nanum Square Bold"/>
-                <a:cs typeface="Nanum Square Bold"/>
-                <a:sym typeface="Nanum Square Bold"/>
-              </a:rPr>
-              <a:t>-</a:t>
-            </a:r>
-            <a:r>
-              <a:rPr lang="ko-KR" altLang="en-US" sz="3200" b="1" spc="-160">
-                <a:solidFill>
-                  <a:srgbClr val="000000"/>
-                </a:solidFill>
-                <a:latin typeface="Nanum Square Bold"/>
-                <a:ea typeface="Nanum Square Bold"/>
-                <a:cs typeface="Nanum Square Bold"/>
-                <a:sym typeface="Nanum Square Bold"/>
-              </a:rPr>
-              <a:t> </a:t>
-            </a:r>
-            <a:r>
-              <a:rPr lang="en-US" altLang="ko-KR" sz="3200" b="1" spc="-160">
-                <a:solidFill>
-                  <a:srgbClr val="000000"/>
-                </a:solidFill>
-                <a:latin typeface="Nanum Square Bold"/>
-                <a:ea typeface="Nanum Square Bold"/>
-                <a:cs typeface="Nanum Square Bold"/>
-                <a:sym typeface="Nanum Square Bold"/>
-              </a:rPr>
-              <a:t>Runner</a:t>
-            </a:r>
-            <a:r>
-              <a:rPr lang="ko-KR" altLang="en-US" sz="3200" b="1" spc="-160">
-                <a:solidFill>
-                  <a:srgbClr val="000000"/>
-                </a:solidFill>
-                <a:latin typeface="Nanum Square Bold"/>
-                <a:ea typeface="Nanum Square Bold"/>
-                <a:cs typeface="Nanum Square Bold"/>
-                <a:sym typeface="Nanum Square Bold"/>
-              </a:rPr>
-              <a:t> 게임</a:t>
-            </a:r>
-            <a:endParaRPr lang="ko-KR" altLang="en-US" sz="3200" b="1" spc="-160">
-              <a:solidFill>
-                <a:srgbClr val="000000"/>
-              </a:solidFill>
-              <a:latin typeface="Nanum Square Bold"/>
-              <a:ea typeface="Nanum Square Bold"/>
-              <a:cs typeface="Nanum Square Bold"/>
-              <a:sym typeface="Nanum Square Bold"/>
-            </a:endParaRPr>
           </a:p>
         </p:txBody>
       </p:sp>
@@ -11557,11 +11416,11 @@
   <p:clrMapOvr>
     <a:masterClrMapping/>
   </p:clrMapOvr>
-  <mc:AlternateContent xmlns:mc="http://schemas.openxmlformats.org/markup-compatibility/2006">
-    <mc:Choice xmlns:p14="http://schemas.microsoft.com/office/powerpoint/2010/main" Requires="p14">
-      <p:transition xmlns:mc="http://schemas.openxmlformats.org/markup-compatibility/2006" xmlns:p14="http://schemas.microsoft.com/office/powerpoint/2010/main" mc:Ignorable="p14" p14:dur="500"/>
+  <mc:AlternateContent xmlns:mc="http://schemas.openxmlformats.org/markup-compatibility/2006" xmlns:p14="http://schemas.microsoft.com/office/powerpoint/2010/main">
+    <mc:Choice Requires="p14">
+      <p:transition/>
     </mc:Choice>
-    <mc:Fallback>
+    <mc:Fallback xmlns:dsp="http://schemas.microsoft.com/office/drawing/2008/diagram" xmlns:dgm="http://schemas.openxmlformats.org/drawingml/2006/diagram" xmlns:c="http://schemas.openxmlformats.org/drawingml/2006/chart" xmlns="">
       <p:transition/>
     </mc:Fallback>
   </mc:AlternateContent>
@@ -11569,7 +11428,7 @@
 </file>
 
 <file path=ppt/slides/slide5.xml><?xml version="1.0" encoding="utf-8"?>
-<p:sld xmlns:r="http://schemas.openxmlformats.org/officeDocument/2006/relationships" xmlns:c="http://schemas.openxmlformats.org/drawingml/2006/chart" xmlns:a="http://schemas.openxmlformats.org/drawingml/2006/main" xmlns:dgm="http://schemas.openxmlformats.org/drawingml/2006/diagram" xmlns:dsp="http://schemas.microsoft.com/office/drawing/2008/diagram" xmlns:p="http://schemas.openxmlformats.org/presentationml/2006/main">
+<p:sld xmlns:a="http://schemas.openxmlformats.org/drawingml/2006/main" xmlns:r="http://schemas.openxmlformats.org/officeDocument/2006/relationships" xmlns:p="http://schemas.openxmlformats.org/presentationml/2006/main">
   <p:cSld>
     <p:spTree>
       <p:nvGrpSpPr>
@@ -11692,15 +11551,6 @@
               </a:rPr>
               <a:t>Clicker Game</a:t>
             </a:r>
-            <a:endParaRPr lang="en-US" altLang="ko-KR" sz="7200" b="1" spc="-359">
-              <a:solidFill>
-                <a:srgbClr val="000000"/>
-              </a:solidFill>
-              <a:latin typeface="Nanum Square Bold"/>
-              <a:ea typeface="Nanum Square Bold"/>
-              <a:cs typeface="Nanum Square Bold"/>
-              <a:sym typeface="Nanum Square Bold"/>
-            </a:endParaRPr>
           </a:p>
         </p:txBody>
       </p:sp>
@@ -11709,11 +11559,11 @@
   <p:clrMapOvr>
     <a:masterClrMapping/>
   </p:clrMapOvr>
-  <mc:AlternateContent xmlns:mc="http://schemas.openxmlformats.org/markup-compatibility/2006">
-    <mc:Choice xmlns:p14="http://schemas.microsoft.com/office/powerpoint/2010/main" Requires="p14">
-      <p:transition xmlns:mc="http://schemas.openxmlformats.org/markup-compatibility/2006" xmlns:p14="http://schemas.microsoft.com/office/powerpoint/2010/main" mc:Ignorable="p14" p14:dur="500"/>
+  <mc:AlternateContent xmlns:mc="http://schemas.openxmlformats.org/markup-compatibility/2006" xmlns:p14="http://schemas.microsoft.com/office/powerpoint/2010/main">
+    <mc:Choice Requires="p14">
+      <p:transition/>
     </mc:Choice>
-    <mc:Fallback>
+    <mc:Fallback xmlns:dsp="http://schemas.microsoft.com/office/drawing/2008/diagram" xmlns:dgm="http://schemas.openxmlformats.org/drawingml/2006/diagram" xmlns:c="http://schemas.openxmlformats.org/drawingml/2006/chart" xmlns="">
       <p:transition/>
     </mc:Fallback>
   </mc:AlternateContent>
@@ -11721,7 +11571,7 @@
 </file>
 
 <file path=ppt/slides/slide6.xml><?xml version="1.0" encoding="utf-8"?>
-<p:sld xmlns:r="http://schemas.openxmlformats.org/officeDocument/2006/relationships" xmlns:c="http://schemas.openxmlformats.org/drawingml/2006/chart" xmlns:a="http://schemas.openxmlformats.org/drawingml/2006/main" xmlns:dgm="http://schemas.openxmlformats.org/drawingml/2006/diagram" xmlns:dsp="http://schemas.microsoft.com/office/drawing/2008/diagram" xmlns:p="http://schemas.openxmlformats.org/presentationml/2006/main">
+<p:sld xmlns:a="http://schemas.openxmlformats.org/drawingml/2006/main" xmlns:r="http://schemas.openxmlformats.org/officeDocument/2006/relationships" xmlns:p="http://schemas.openxmlformats.org/presentationml/2006/main">
   <p:cSld>
     <p:spTree>
       <p:nvGrpSpPr>
@@ -11762,6 +11612,7 @@
         </p:spPr>
         <p:txBody>
           <a:bodyPr wrap="square" anchor="ctr"/>
+          <a:lstStyle/>
           <a:p>
             <a:pPr algn="ctr">
               <a:defRPr/>
@@ -11795,6 +11646,7 @@
         </p:spPr>
         <p:txBody>
           <a:bodyPr wrap="square" anchor="ctr"/>
+          <a:lstStyle/>
           <a:p>
             <a:pPr algn="ctr">
               <a:defRPr/>
@@ -11842,15 +11694,6 @@
               </a:rPr>
               <a:t>기초 코드</a:t>
             </a:r>
-            <a:endParaRPr lang="ko-KR" altLang="en-US" sz="7200" b="1" spc="-359">
-              <a:solidFill>
-                <a:srgbClr val="000000"/>
-              </a:solidFill>
-              <a:latin typeface="Nanum Square Bold"/>
-              <a:ea typeface="Nanum Square Bold"/>
-              <a:cs typeface="Nanum Square Bold"/>
-              <a:sym typeface="Nanum Square Bold"/>
-            </a:endParaRPr>
           </a:p>
         </p:txBody>
       </p:sp>
@@ -11893,21 +11736,12 @@
               </a:rPr>
               <a:t>Clicker Game</a:t>
             </a:r>
-            <a:endParaRPr lang="en-US" altLang="ko-KR" sz="2100" b="1">
-              <a:solidFill>
-                <a:srgbClr val="737373"/>
-              </a:solidFill>
-              <a:latin typeface="Heebo Bold"/>
-              <a:ea typeface="Heebo Bold"/>
-              <a:cs typeface="Heebo Bold"/>
-              <a:sym typeface="Heebo Bold"/>
-            </a:endParaRPr>
           </a:p>
         </p:txBody>
       </p:sp>
       <p:pic>
         <p:nvPicPr>
-          <p:cNvPr id="8" name=""/>
+          <p:cNvPr id="8" name="그림 7"/>
           <p:cNvPicPr>
             <a:picLocks noChangeAspect="1"/>
           </p:cNvPicPr>
@@ -11992,6 +11826,34 @@
               </a:rPr>
               <a:t>생성자 기반 상태 관리</a:t>
             </a:r>
+          </a:p>
+          <a:p>
+            <a:pPr algn="l">
+              <a:lnSpc>
+                <a:spcPts val="3872"/>
+              </a:lnSpc>
+              <a:defRPr/>
+            </a:pPr>
+            <a:r>
+              <a:rPr lang="en-US" altLang="ko-KR" sz="2100" b="1" spc="-160">
+                <a:solidFill>
+                  <a:srgbClr val="000000"/>
+                </a:solidFill>
+                <a:latin typeface="Nanum Square Bold"/>
+                <a:ea typeface="Nanum Square Bold"/>
+                <a:cs typeface="Nanum Square Bold"/>
+                <a:sym typeface="Nanum Square Bold"/>
+              </a:rPr>
+              <a:t>time, score, target 등 저장</a:t>
+            </a:r>
+          </a:p>
+          <a:p>
+            <a:pPr algn="l">
+              <a:lnSpc>
+                <a:spcPts val="3872"/>
+              </a:lnSpc>
+              <a:defRPr/>
+            </a:pPr>
             <a:endParaRPr lang="en-US" altLang="ko-KR" sz="2100" b="1" spc="-160">
               <a:solidFill>
                 <a:srgbClr val="000000"/>
@@ -12019,17 +11881,20 @@
                 <a:cs typeface="Nanum Square Bold"/>
                 <a:sym typeface="Nanum Square Bold"/>
               </a:rPr>
-              <a:t>time, score, target 등 저장</a:t>
-            </a:r>
-            <a:endParaRPr lang="en-US" altLang="ko-KR" sz="2100" b="1" spc="-160">
-              <a:solidFill>
-                <a:srgbClr val="000000"/>
-              </a:solidFill>
-              <a:latin typeface="Nanum Square Bold"/>
-              <a:ea typeface="Nanum Square Bold"/>
-              <a:cs typeface="Nanum Square Bold"/>
-              <a:sym typeface="Nanum Square Bold"/>
-            </a:endParaRPr>
+              <a:t>-</a:t>
+            </a:r>
+            <a:r>
+              <a:rPr lang="ko-KR" altLang="en-US" sz="2100" b="1" spc="-160">
+                <a:solidFill>
+                  <a:srgbClr val="000000"/>
+                </a:solidFill>
+                <a:latin typeface="Nanum Square Bold"/>
+                <a:ea typeface="Nanum Square Bold"/>
+                <a:cs typeface="Nanum Square Bold"/>
+                <a:sym typeface="Nanum Square Bold"/>
+              </a:rPr>
+              <a:t> update() 함수 </a:t>
+            </a:r>
           </a:p>
           <a:p>
             <a:pPr algn="l">
@@ -12038,15 +11903,18 @@
               </a:lnSpc>
               <a:defRPr/>
             </a:pPr>
-            <a:endParaRPr lang="en-US" altLang="ko-KR" sz="2100" b="1" spc="-160">
-              <a:solidFill>
-                <a:srgbClr val="000000"/>
-              </a:solidFill>
-              <a:latin typeface="Nanum Square Bold"/>
-              <a:ea typeface="Nanum Square Bold"/>
-              <a:cs typeface="Nanum Square Bold"/>
-              <a:sym typeface="Nanum Square Bold"/>
-            </a:endParaRPr>
+            <a:r>
+              <a:rPr lang="ko-KR" altLang="en-US" sz="2100" b="1" spc="-160">
+                <a:solidFill>
+                  <a:srgbClr val="000000"/>
+                </a:solidFill>
+                <a:latin typeface="Nanum Square Bold"/>
+                <a:ea typeface="Nanum Square Bold"/>
+                <a:cs typeface="Nanum Square Bold"/>
+                <a:sym typeface="Nanum Square Bold"/>
+              </a:rPr>
+              <a:t>객체 생성/삭제</a:t>
+            </a:r>
           </a:p>
           <a:p>
             <a:pPr algn="l">
@@ -12056,7 +11924,7 @@
               <a:defRPr/>
             </a:pPr>
             <a:r>
-              <a:rPr lang="en-US" altLang="ko-KR" sz="2100" b="1" spc="-160">
+              <a:rPr lang="ko-KR" altLang="en-US" sz="2100" b="1" spc="-160">
                 <a:solidFill>
                   <a:srgbClr val="000000"/>
                 </a:solidFill>
@@ -12065,93 +11933,14 @@
                 <a:cs typeface="Nanum Square Bold"/>
                 <a:sym typeface="Nanum Square Bold"/>
               </a:rPr>
-              <a:t>-</a:t>
-            </a:r>
-            <a:r>
-              <a:rPr lang="ko-KR" altLang="en-US" sz="2100" b="1" spc="-160">
-                <a:solidFill>
-                  <a:srgbClr val="000000"/>
-                </a:solidFill>
-                <a:latin typeface="Nanum Square Bold"/>
-                <a:ea typeface="Nanum Square Bold"/>
-                <a:cs typeface="Nanum Square Bold"/>
-                <a:sym typeface="Nanum Square Bold"/>
-              </a:rPr>
-              <a:t> update() 함수 </a:t>
-            </a:r>
-            <a:endParaRPr lang="ko-KR" altLang="en-US" sz="2100" b="1" spc="-160">
-              <a:solidFill>
-                <a:srgbClr val="000000"/>
-              </a:solidFill>
-              <a:latin typeface="Nanum Square Bold"/>
-              <a:ea typeface="Nanum Square Bold"/>
-              <a:cs typeface="Nanum Square Bold"/>
-              <a:sym typeface="Nanum Square Bold"/>
-            </a:endParaRPr>
-          </a:p>
-          <a:p>
-            <a:pPr algn="l">
-              <a:lnSpc>
-                <a:spcPts val="3872"/>
-              </a:lnSpc>
-              <a:defRPr/>
-            </a:pPr>
-            <a:r>
-              <a:rPr lang="ko-KR" altLang="en-US" sz="2100" b="1" spc="-160">
-                <a:solidFill>
-                  <a:srgbClr val="000000"/>
-                </a:solidFill>
-                <a:latin typeface="Nanum Square Bold"/>
-                <a:ea typeface="Nanum Square Bold"/>
-                <a:cs typeface="Nanum Square Bold"/>
-                <a:sym typeface="Nanum Square Bold"/>
-              </a:rPr>
-              <a:t>객체 생성/삭제</a:t>
-            </a:r>
-            <a:endParaRPr lang="ko-KR" altLang="en-US" sz="2100" b="1" spc="-160">
-              <a:solidFill>
-                <a:srgbClr val="000000"/>
-              </a:solidFill>
-              <a:latin typeface="Nanum Square Bold"/>
-              <a:ea typeface="Nanum Square Bold"/>
-              <a:cs typeface="Nanum Square Bold"/>
-              <a:sym typeface="Nanum Square Bold"/>
-            </a:endParaRPr>
-          </a:p>
-          <a:p>
-            <a:pPr algn="l">
-              <a:lnSpc>
-                <a:spcPts val="3872"/>
-              </a:lnSpc>
-              <a:defRPr/>
-            </a:pPr>
-            <a:r>
-              <a:rPr lang="ko-KR" altLang="en-US" sz="2100" b="1" spc="-160">
-                <a:solidFill>
-                  <a:srgbClr val="000000"/>
-                </a:solidFill>
-                <a:latin typeface="Nanum Square Bold"/>
-                <a:ea typeface="Nanum Square Bold"/>
-                <a:cs typeface="Nanum Square Bold"/>
-                <a:sym typeface="Nanum Square Bold"/>
-              </a:rPr>
               <a:t>충돌(클릭 판정)</a:t>
             </a:r>
-            <a:endParaRPr lang="ko-KR" altLang="en-US" sz="2100" b="1" spc="-160">
-              <a:solidFill>
-                <a:srgbClr val="000000"/>
-              </a:solidFill>
-              <a:latin typeface="Nanum Square Bold"/>
-              <a:ea typeface="Nanum Square Bold"/>
-              <a:cs typeface="Nanum Square Bold"/>
-              <a:sym typeface="Nanum Square Bold"/>
-            </a:endParaRPr>
           </a:p>
         </p:txBody>
       </p:sp>
       <p:pic>
         <p:nvPicPr>
-          <p:cNvPr id="10" name=""/>
+          <p:cNvPr id="10" name="그림 9"/>
           <p:cNvPicPr>
             <a:picLocks noChangeAspect="1"/>
           </p:cNvPicPr>
@@ -12185,11 +11974,11 @@
   <p:clrMapOvr>
     <a:masterClrMapping/>
   </p:clrMapOvr>
-  <mc:AlternateContent xmlns:mc="http://schemas.openxmlformats.org/markup-compatibility/2006">
-    <mc:Choice xmlns:p14="http://schemas.microsoft.com/office/powerpoint/2010/main" Requires="p14">
-      <p:transition xmlns:mc="http://schemas.openxmlformats.org/markup-compatibility/2006" xmlns:p14="http://schemas.microsoft.com/office/powerpoint/2010/main" mc:Ignorable="p14" p14:dur="500"/>
+  <mc:AlternateContent xmlns:mc="http://schemas.openxmlformats.org/markup-compatibility/2006" xmlns:p14="http://schemas.microsoft.com/office/powerpoint/2010/main">
+    <mc:Choice Requires="p14">
+      <p:transition/>
     </mc:Choice>
-    <mc:Fallback>
+    <mc:Fallback xmlns:dsp="http://schemas.microsoft.com/office/drawing/2008/diagram" xmlns:dgm="http://schemas.openxmlformats.org/drawingml/2006/diagram" xmlns:c="http://schemas.openxmlformats.org/drawingml/2006/chart" xmlns="">
       <p:transition/>
     </mc:Fallback>
   </mc:AlternateContent>
@@ -12197,7 +11986,7 @@
 </file>
 
 <file path=ppt/slides/slide7.xml><?xml version="1.0" encoding="utf-8"?>
-<p:sld xmlns:r="http://schemas.openxmlformats.org/officeDocument/2006/relationships" xmlns:c="http://schemas.openxmlformats.org/drawingml/2006/chart" xmlns:a="http://schemas.openxmlformats.org/drawingml/2006/main" xmlns:dgm="http://schemas.openxmlformats.org/drawingml/2006/diagram" xmlns:dsp="http://schemas.microsoft.com/office/drawing/2008/diagram" xmlns:p="http://schemas.openxmlformats.org/presentationml/2006/main">
+<p:sld xmlns:a="http://schemas.openxmlformats.org/drawingml/2006/main" xmlns:r="http://schemas.openxmlformats.org/officeDocument/2006/relationships" xmlns:p="http://schemas.openxmlformats.org/presentationml/2006/main">
   <p:cSld>
     <p:spTree>
       <p:nvGrpSpPr>
@@ -12238,6 +12027,7 @@
         </p:spPr>
         <p:txBody>
           <a:bodyPr wrap="square" anchor="ctr"/>
+          <a:lstStyle/>
           <a:p>
             <a:pPr algn="ctr">
               <a:defRPr/>
@@ -12271,6 +12061,7 @@
         </p:spPr>
         <p:txBody>
           <a:bodyPr wrap="square" anchor="ctr"/>
+          <a:lstStyle/>
           <a:p>
             <a:pPr algn="ctr">
               <a:defRPr/>
@@ -12318,15 +12109,6 @@
               </a:rPr>
               <a:t>코드 업그레이드 </a:t>
             </a:r>
-            <a:endParaRPr lang="ko-KR" altLang="en-US" sz="7200" b="1" spc="-359">
-              <a:solidFill>
-                <a:srgbClr val="000000"/>
-              </a:solidFill>
-              <a:latin typeface="Nanum Square Bold"/>
-              <a:ea typeface="Nanum Square Bold"/>
-              <a:cs typeface="Nanum Square Bold"/>
-              <a:sym typeface="Nanum Square Bold"/>
-            </a:endParaRPr>
           </a:p>
         </p:txBody>
       </p:sp>
@@ -12369,21 +12151,12 @@
               </a:rPr>
               <a:t>Code Upgrade</a:t>
             </a:r>
-            <a:endParaRPr lang="en-US" altLang="ko-KR" sz="2100" b="1">
-              <a:solidFill>
-                <a:srgbClr val="737373"/>
-              </a:solidFill>
-              <a:latin typeface="Heebo Bold"/>
-              <a:ea typeface="Heebo Bold"/>
-              <a:cs typeface="Heebo Bold"/>
-              <a:sym typeface="Heebo Bold"/>
-            </a:endParaRPr>
           </a:p>
         </p:txBody>
       </p:sp>
       <p:pic>
         <p:nvPicPr>
-          <p:cNvPr id="11" name=""/>
+          <p:cNvPr id="11" name="그림 10"/>
           <p:cNvPicPr>
             <a:picLocks noChangeAspect="1"/>
           </p:cNvPicPr>
@@ -12511,6 +12284,14 @@
               </a:rPr>
               <a:t>게임 개발</a:t>
             </a:r>
+          </a:p>
+          <a:p>
+            <a:pPr algn="l">
+              <a:lnSpc>
+                <a:spcPts val="3872"/>
+              </a:lnSpc>
+              <a:defRPr/>
+            </a:pPr>
             <a:endParaRPr lang="ko-KR" altLang="en-US" sz="2100" b="1" spc="-160">
               <a:solidFill>
                 <a:srgbClr val="000000"/>
@@ -12528,6 +12309,62 @@
               </a:lnSpc>
               <a:defRPr/>
             </a:pPr>
+            <a:r>
+              <a:rPr lang="en-US" altLang="ko-KR" sz="2100" b="1" spc="-160">
+                <a:solidFill>
+                  <a:srgbClr val="000000"/>
+                </a:solidFill>
+                <a:latin typeface="Nanum Square Bold"/>
+                <a:ea typeface="Nanum Square Bold"/>
+                <a:cs typeface="Nanum Square Bold"/>
+                <a:sym typeface="Nanum Square Bold"/>
+              </a:rPr>
+              <a:t>-</a:t>
+            </a:r>
+            <a:r>
+              <a:rPr lang="ko-KR" altLang="en-US" sz="2100" b="1" spc="-160">
+                <a:solidFill>
+                  <a:srgbClr val="000000"/>
+                </a:solidFill>
+                <a:latin typeface="Nanum Square Bold"/>
+                <a:ea typeface="Nanum Square Bold"/>
+                <a:cs typeface="Nanum Square Bold"/>
+                <a:sym typeface="Nanum Square Bold"/>
+              </a:rPr>
+              <a:t> 웹 에서의 </a:t>
+            </a:r>
+            <a:r>
+              <a:rPr lang="en-US" altLang="ko-KR" sz="2100" b="1" spc="-160">
+                <a:solidFill>
+                  <a:srgbClr val="000000"/>
+                </a:solidFill>
+                <a:latin typeface="Nanum Square Bold"/>
+                <a:ea typeface="Nanum Square Bold"/>
+                <a:cs typeface="Nanum Square Bold"/>
+                <a:sym typeface="Nanum Square Bold"/>
+              </a:rPr>
+              <a:t>3D</a:t>
+            </a:r>
+            <a:r>
+              <a:rPr lang="ko-KR" altLang="en-US" sz="2100" b="1" spc="-160">
+                <a:solidFill>
+                  <a:srgbClr val="000000"/>
+                </a:solidFill>
+                <a:latin typeface="Nanum Square Bold"/>
+                <a:ea typeface="Nanum Square Bold"/>
+                <a:cs typeface="Nanum Square Bold"/>
+                <a:sym typeface="Nanum Square Bold"/>
+              </a:rPr>
+              <a:t> 구현</a:t>
+            </a:r>
+          </a:p>
+          <a:p>
+            <a:pPr algn="l">
+              <a:lnSpc>
+                <a:spcPts val="3872"/>
+              </a:lnSpc>
+              <a:defRPr/>
+            </a:pPr>
             <a:endParaRPr lang="ko-KR" altLang="en-US" sz="2100" b="1" spc="-160">
               <a:solidFill>
                 <a:srgbClr val="000000"/>
@@ -12567,8 +12404,33 @@
                 <a:cs typeface="Nanum Square Bold"/>
                 <a:sym typeface="Nanum Square Bold"/>
               </a:rPr>
-              <a:t> 웹 에서의 </a:t>
-            </a:r>
+              <a:t> 시각 효과 업그레이드</a:t>
+            </a:r>
+          </a:p>
+          <a:p>
+            <a:pPr algn="l">
+              <a:lnSpc>
+                <a:spcPts val="3872"/>
+              </a:lnSpc>
+              <a:defRPr/>
+            </a:pPr>
+            <a:endParaRPr lang="en-US" altLang="ko-KR" sz="2100" b="1" spc="-160">
+              <a:solidFill>
+                <a:srgbClr val="000000"/>
+              </a:solidFill>
+              <a:latin typeface="Nanum Square Bold"/>
+              <a:ea typeface="Nanum Square Bold"/>
+              <a:cs typeface="Nanum Square Bold"/>
+              <a:sym typeface="Nanum Square Bold"/>
+            </a:endParaRPr>
+          </a:p>
+          <a:p>
+            <a:pPr algn="l">
+              <a:lnSpc>
+                <a:spcPts val="3872"/>
+              </a:lnSpc>
+              <a:defRPr/>
+            </a:pPr>
             <a:r>
               <a:rPr lang="en-US" altLang="ko-KR" sz="2100" b="1" spc="-160">
                 <a:solidFill>
@@ -12579,7 +12441,7 @@
                 <a:cs typeface="Nanum Square Bold"/>
                 <a:sym typeface="Nanum Square Bold"/>
               </a:rPr>
-              <a:t>3D</a:t>
+              <a:t>-</a:t>
             </a:r>
             <a:r>
               <a:rPr lang="ko-KR" altLang="en-US" sz="2100" b="1" spc="-160">
@@ -12591,8 +12453,16 @@
                 <a:cs typeface="Nanum Square Bold"/>
                 <a:sym typeface="Nanum Square Bold"/>
               </a:rPr>
-              <a:t> 구현</a:t>
-            </a:r>
+              <a:t> 게임성 확장</a:t>
+            </a:r>
+          </a:p>
+          <a:p>
+            <a:pPr algn="l">
+              <a:lnSpc>
+                <a:spcPts val="3872"/>
+              </a:lnSpc>
+              <a:defRPr/>
+            </a:pPr>
             <a:endParaRPr lang="ko-KR" altLang="en-US" sz="2100" b="1" spc="-160">
               <a:solidFill>
                 <a:srgbClr val="000000"/>
@@ -12603,6 +12473,72 @@
               <a:sym typeface="Nanum Square Bold"/>
             </a:endParaRPr>
           </a:p>
+        </p:txBody>
+      </p:sp>
+      <p:sp>
+        <p:nvSpPr>
+          <p:cNvPr id="13" name="TextBox 6"/>
+          <p:cNvSpPr txBox="1"/>
+          <p:nvPr/>
+        </p:nvSpPr>
+        <p:spPr>
+          <a:xfrm>
+            <a:off x="5791200" y="4686300"/>
+            <a:ext cx="9296400" cy="990600"/>
+          </a:xfrm>
+          <a:prstGeom prst="rect">
+            <a:avLst/>
+          </a:prstGeom>
+        </p:spPr>
+        <p:txBody>
+          <a:bodyPr wrap="square" lIns="0" tIns="0" rIns="0" bIns="0" anchor="t">
+            <a:spAutoFit/>
+          </a:bodyPr>
+          <a:lstStyle/>
+          <a:p>
+            <a:pPr algn="l">
+              <a:lnSpc>
+                <a:spcPts val="3872"/>
+              </a:lnSpc>
+              <a:defRPr/>
+            </a:pPr>
+            <a:r>
+              <a:rPr lang="en-US" altLang="ko-KR" sz="1600" b="1" spc="-160">
+                <a:solidFill>
+                  <a:srgbClr val="000000"/>
+                </a:solidFill>
+                <a:latin typeface="Nanum Square Bold"/>
+                <a:ea typeface="Nanum Square Bold"/>
+                <a:cs typeface="Nanum Square Bold"/>
+                <a:sym typeface="Nanum Square Bold"/>
+              </a:rPr>
+              <a:t>(Unity</a:t>
+            </a:r>
+            <a:r>
+              <a:rPr lang="ko-KR" altLang="en-US" sz="1600" b="1" spc="-160">
+                <a:solidFill>
+                  <a:srgbClr val="000000"/>
+                </a:solidFill>
+                <a:latin typeface="Nanum Square Bold"/>
+                <a:ea typeface="Nanum Square Bold"/>
+                <a:cs typeface="Nanum Square Bold"/>
+                <a:sym typeface="Nanum Square Bold"/>
+              </a:rPr>
+              <a:t> 기반의 대표적인 클릭 게임</a:t>
+            </a:r>
+            <a:r>
+              <a:rPr lang="en-US" altLang="ko-KR" sz="1600" b="1" spc="-160">
+                <a:solidFill>
+                  <a:srgbClr val="000000"/>
+                </a:solidFill>
+                <a:latin typeface="Nanum Square Bold"/>
+                <a:ea typeface="Nanum Square Bold"/>
+                <a:cs typeface="Nanum Square Bold"/>
+                <a:sym typeface="Nanum Square Bold"/>
+              </a:rPr>
+              <a:t>)</a:t>
+            </a:r>
+          </a:p>
           <a:p>
             <a:pPr algn="l">
               <a:lnSpc>
@@ -12620,214 +12556,6 @@
               <a:sym typeface="Nanum Square Bold"/>
             </a:endParaRPr>
           </a:p>
-          <a:p>
-            <a:pPr algn="l">
-              <a:lnSpc>
-                <a:spcPts val="3872"/>
-              </a:lnSpc>
-              <a:defRPr/>
-            </a:pPr>
-            <a:r>
-              <a:rPr lang="en-US" altLang="ko-KR" sz="2100" b="1" spc="-160">
-                <a:solidFill>
-                  <a:srgbClr val="000000"/>
-                </a:solidFill>
-                <a:latin typeface="Nanum Square Bold"/>
-                <a:ea typeface="Nanum Square Bold"/>
-                <a:cs typeface="Nanum Square Bold"/>
-                <a:sym typeface="Nanum Square Bold"/>
-              </a:rPr>
-              <a:t>-</a:t>
-            </a:r>
-            <a:r>
-              <a:rPr lang="ko-KR" altLang="en-US" sz="2100" b="1" spc="-160">
-                <a:solidFill>
-                  <a:srgbClr val="000000"/>
-                </a:solidFill>
-                <a:latin typeface="Nanum Square Bold"/>
-                <a:ea typeface="Nanum Square Bold"/>
-                <a:cs typeface="Nanum Square Bold"/>
-                <a:sym typeface="Nanum Square Bold"/>
-              </a:rPr>
-              <a:t> 시각 효과 업그레이드</a:t>
-            </a:r>
-            <a:endParaRPr lang="ko-KR" altLang="en-US" sz="2100" b="1" spc="-160">
-              <a:solidFill>
-                <a:srgbClr val="000000"/>
-              </a:solidFill>
-              <a:latin typeface="Nanum Square Bold"/>
-              <a:ea typeface="Nanum Square Bold"/>
-              <a:cs typeface="Nanum Square Bold"/>
-              <a:sym typeface="Nanum Square Bold"/>
-            </a:endParaRPr>
-          </a:p>
-          <a:p>
-            <a:pPr algn="l">
-              <a:lnSpc>
-                <a:spcPts val="3872"/>
-              </a:lnSpc>
-              <a:defRPr/>
-            </a:pPr>
-            <a:endParaRPr lang="en-US" altLang="ko-KR" sz="2100" b="1" spc="-160">
-              <a:solidFill>
-                <a:srgbClr val="000000"/>
-              </a:solidFill>
-              <a:latin typeface="Nanum Square Bold"/>
-              <a:ea typeface="Nanum Square Bold"/>
-              <a:cs typeface="Nanum Square Bold"/>
-              <a:sym typeface="Nanum Square Bold"/>
-            </a:endParaRPr>
-          </a:p>
-          <a:p>
-            <a:pPr algn="l">
-              <a:lnSpc>
-                <a:spcPts val="3872"/>
-              </a:lnSpc>
-              <a:defRPr/>
-            </a:pPr>
-            <a:r>
-              <a:rPr lang="en-US" altLang="ko-KR" sz="2100" b="1" spc="-160">
-                <a:solidFill>
-                  <a:srgbClr val="000000"/>
-                </a:solidFill>
-                <a:latin typeface="Nanum Square Bold"/>
-                <a:ea typeface="Nanum Square Bold"/>
-                <a:cs typeface="Nanum Square Bold"/>
-                <a:sym typeface="Nanum Square Bold"/>
-              </a:rPr>
-              <a:t>-</a:t>
-            </a:r>
-            <a:r>
-              <a:rPr lang="ko-KR" altLang="en-US" sz="2100" b="1" spc="-160">
-                <a:solidFill>
-                  <a:srgbClr val="000000"/>
-                </a:solidFill>
-                <a:latin typeface="Nanum Square Bold"/>
-                <a:ea typeface="Nanum Square Bold"/>
-                <a:cs typeface="Nanum Square Bold"/>
-                <a:sym typeface="Nanum Square Bold"/>
-              </a:rPr>
-              <a:t> 게임성 확장</a:t>
-            </a:r>
-            <a:endParaRPr lang="ko-KR" altLang="en-US" sz="2100" b="1" spc="-160">
-              <a:solidFill>
-                <a:srgbClr val="000000"/>
-              </a:solidFill>
-              <a:latin typeface="Nanum Square Bold"/>
-              <a:ea typeface="Nanum Square Bold"/>
-              <a:cs typeface="Nanum Square Bold"/>
-              <a:sym typeface="Nanum Square Bold"/>
-            </a:endParaRPr>
-          </a:p>
-          <a:p>
-            <a:pPr algn="l">
-              <a:lnSpc>
-                <a:spcPts val="3872"/>
-              </a:lnSpc>
-              <a:defRPr/>
-            </a:pPr>
-            <a:endParaRPr lang="ko-KR" altLang="en-US" sz="2100" b="1" spc="-160">
-              <a:solidFill>
-                <a:srgbClr val="000000"/>
-              </a:solidFill>
-              <a:latin typeface="Nanum Square Bold"/>
-              <a:ea typeface="Nanum Square Bold"/>
-              <a:cs typeface="Nanum Square Bold"/>
-              <a:sym typeface="Nanum Square Bold"/>
-            </a:endParaRPr>
-          </a:p>
-        </p:txBody>
-      </p:sp>
-      <p:sp>
-        <p:nvSpPr>
-          <p:cNvPr id="13" name="TextBox 6"/>
-          <p:cNvSpPr txBox="1"/>
-          <p:nvPr/>
-        </p:nvSpPr>
-        <p:spPr>
-          <a:xfrm>
-            <a:off x="5791200" y="4686300"/>
-            <a:ext cx="9296400" cy="990600"/>
-          </a:xfrm>
-          <a:prstGeom prst="rect">
-            <a:avLst/>
-          </a:prstGeom>
-        </p:spPr>
-        <p:txBody>
-          <a:bodyPr wrap="square" lIns="0" tIns="0" rIns="0" bIns="0" anchor="t">
-            <a:spAutoFit/>
-          </a:bodyPr>
-          <a:lstStyle/>
-          <a:p>
-            <a:pPr algn="l">
-              <a:lnSpc>
-                <a:spcPts val="3872"/>
-              </a:lnSpc>
-              <a:defRPr/>
-            </a:pPr>
-            <a:r>
-              <a:rPr lang="en-US" altLang="ko-KR" sz="1600" b="1" spc="-160">
-                <a:solidFill>
-                  <a:srgbClr val="000000"/>
-                </a:solidFill>
-                <a:latin typeface="Nanum Square Bold"/>
-                <a:ea typeface="Nanum Square Bold"/>
-                <a:cs typeface="Nanum Square Bold"/>
-                <a:sym typeface="Nanum Square Bold"/>
-              </a:rPr>
-              <a:t>(Unity</a:t>
-            </a:r>
-            <a:r>
-              <a:rPr lang="ko-KR" altLang="en-US" sz="1600" b="1" spc="-160">
-                <a:solidFill>
-                  <a:srgbClr val="000000"/>
-                </a:solidFill>
-                <a:latin typeface="Nanum Square Bold"/>
-                <a:ea typeface="Nanum Square Bold"/>
-                <a:cs typeface="Nanum Square Bold"/>
-                <a:sym typeface="Nanum Square Bold"/>
-              </a:rPr>
-              <a:t> 기반의 대표적인 클릭 게임</a:t>
-            </a:r>
-            <a:r>
-              <a:rPr lang="en-US" altLang="ko-KR" sz="1600" b="1" spc="-160">
-                <a:solidFill>
-                  <a:srgbClr val="000000"/>
-                </a:solidFill>
-                <a:latin typeface="Nanum Square Bold"/>
-                <a:ea typeface="Nanum Square Bold"/>
-                <a:cs typeface="Nanum Square Bold"/>
-                <a:sym typeface="Nanum Square Bold"/>
-              </a:rPr>
-              <a:t>)</a:t>
-            </a:r>
-            <a:endParaRPr lang="en-US" altLang="ko-KR" sz="1600" b="1" spc="-160">
-              <a:solidFill>
-                <a:srgbClr val="000000"/>
-              </a:solidFill>
-              <a:latin typeface="Nanum Square Bold"/>
-              <a:ea typeface="Nanum Square Bold"/>
-              <a:cs typeface="Nanum Square Bold"/>
-              <a:sym typeface="Nanum Square Bold"/>
-            </a:endParaRPr>
-          </a:p>
-          <a:p>
-            <a:pPr algn="l">
-              <a:lnSpc>
-                <a:spcPts val="3872"/>
-              </a:lnSpc>
-              <a:defRPr/>
-            </a:pPr>
-            <a:endParaRPr lang="ko-KR" altLang="en-US" sz="2100" b="1" spc="-160">
-              <a:solidFill>
-                <a:srgbClr val="000000"/>
-              </a:solidFill>
-              <a:latin typeface="Nanum Square Bold"/>
-              <a:ea typeface="Nanum Square Bold"/>
-              <a:cs typeface="Nanum Square Bold"/>
-              <a:sym typeface="Nanum Square Bold"/>
-            </a:endParaRPr>
-          </a:p>
         </p:txBody>
       </p:sp>
     </p:spTree>
@@ -12835,11 +12563,11 @@
   <p:clrMapOvr>
     <a:masterClrMapping/>
   </p:clrMapOvr>
-  <mc:AlternateContent xmlns:mc="http://schemas.openxmlformats.org/markup-compatibility/2006">
-    <mc:Choice xmlns:p14="http://schemas.microsoft.com/office/powerpoint/2010/main" Requires="p14">
-      <p:transition xmlns:mc="http://schemas.openxmlformats.org/markup-compatibility/2006" xmlns:p14="http://schemas.microsoft.com/office/powerpoint/2010/main" mc:Ignorable="p14" p14:dur="500"/>
+  <mc:AlternateContent xmlns:mc="http://schemas.openxmlformats.org/markup-compatibility/2006" xmlns:p14="http://schemas.microsoft.com/office/powerpoint/2010/main">
+    <mc:Choice Requires="p14">
+      <p:transition/>
     </mc:Choice>
-    <mc:Fallback>
+    <mc:Fallback xmlns:dsp="http://schemas.microsoft.com/office/drawing/2008/diagram" xmlns:dgm="http://schemas.openxmlformats.org/drawingml/2006/diagram" xmlns:c="http://schemas.openxmlformats.org/drawingml/2006/chart" xmlns="">
       <p:transition/>
     </mc:Fallback>
   </mc:AlternateContent>
@@ -12847,7 +12575,7 @@
 </file>
 
 <file path=ppt/slides/slide8.xml><?xml version="1.0" encoding="utf-8"?>
-<p:sld xmlns:r="http://schemas.openxmlformats.org/officeDocument/2006/relationships" xmlns:c="http://schemas.openxmlformats.org/drawingml/2006/chart" xmlns:a="http://schemas.openxmlformats.org/drawingml/2006/main" xmlns:dgm="http://schemas.openxmlformats.org/drawingml/2006/diagram" xmlns:dsp="http://schemas.microsoft.com/office/drawing/2008/diagram" xmlns:p="http://schemas.openxmlformats.org/presentationml/2006/main">
+<p:sld xmlns:a="http://schemas.openxmlformats.org/drawingml/2006/main" xmlns:r="http://schemas.openxmlformats.org/officeDocument/2006/relationships" xmlns:p="http://schemas.openxmlformats.org/presentationml/2006/main">
   <p:cSld>
     <p:spTree>
       <p:nvGrpSpPr>
@@ -12888,6 +12616,7 @@
         </p:spPr>
         <p:txBody>
           <a:bodyPr wrap="square" anchor="ctr"/>
+          <a:lstStyle/>
           <a:p>
             <a:pPr algn="ctr">
               <a:defRPr/>
@@ -12921,6 +12650,7 @@
         </p:spPr>
         <p:txBody>
           <a:bodyPr wrap="square" anchor="ctr"/>
+          <a:lstStyle/>
           <a:p>
             <a:pPr algn="ctr">
               <a:defRPr/>
@@ -12968,15 +12698,6 @@
               </a:rPr>
               <a:t>코드 업그레이드 </a:t>
             </a:r>
-            <a:endParaRPr lang="ko-KR" altLang="en-US" sz="7200" b="1" spc="-359">
-              <a:solidFill>
-                <a:srgbClr val="000000"/>
-              </a:solidFill>
-              <a:latin typeface="Nanum Square Bold"/>
-              <a:ea typeface="Nanum Square Bold"/>
-              <a:cs typeface="Nanum Square Bold"/>
-              <a:sym typeface="Nanum Square Bold"/>
-            </a:endParaRPr>
           </a:p>
         </p:txBody>
       </p:sp>
@@ -13019,21 +12740,12 @@
               </a:rPr>
               <a:t>Code Upgrade</a:t>
             </a:r>
-            <a:endParaRPr lang="en-US" altLang="ko-KR" sz="2100" b="1">
-              <a:solidFill>
-                <a:srgbClr val="737373"/>
-              </a:solidFill>
-              <a:latin typeface="Heebo Bold"/>
-              <a:ea typeface="Heebo Bold"/>
-              <a:cs typeface="Heebo Bold"/>
-              <a:sym typeface="Heebo Bold"/>
-            </a:endParaRPr>
           </a:p>
         </p:txBody>
       </p:sp>
       <p:pic>
         <p:nvPicPr>
-          <p:cNvPr id="11" name=""/>
+          <p:cNvPr id="11" name="그림 10"/>
           <p:cNvPicPr>
             <a:picLocks noChangeAspect="1"/>
           </p:cNvPicPr>
@@ -13113,6 +12825,14 @@
               </a:rPr>
               <a:t> 바빌론 엔진 사용</a:t>
             </a:r>
+          </a:p>
+          <a:p>
+            <a:pPr algn="l">
+              <a:lnSpc>
+                <a:spcPts val="3872"/>
+              </a:lnSpc>
+              <a:defRPr/>
+            </a:pPr>
             <a:endParaRPr lang="ko-KR" altLang="en-US" sz="2100" b="1" spc="-160">
               <a:solidFill>
                 <a:srgbClr val="000000"/>
@@ -13130,6 +12850,38 @@
               </a:lnSpc>
               <a:defRPr/>
             </a:pPr>
+            <a:r>
+              <a:rPr lang="en-US" altLang="ko-KR" sz="2100" b="1" spc="-160">
+                <a:solidFill>
+                  <a:srgbClr val="000000"/>
+                </a:solidFill>
+                <a:latin typeface="Nanum Square Bold"/>
+                <a:ea typeface="Nanum Square Bold"/>
+                <a:cs typeface="Nanum Square Bold"/>
+                <a:sym typeface="Nanum Square Bold"/>
+              </a:rPr>
+              <a:t>-</a:t>
+            </a:r>
+            <a:r>
+              <a:rPr lang="ko-KR" altLang="en-US" sz="2100" b="1" spc="-160">
+                <a:solidFill>
+                  <a:srgbClr val="000000"/>
+                </a:solidFill>
+                <a:latin typeface="Nanum Square Bold"/>
+                <a:ea typeface="Nanum Square Bold"/>
+                <a:cs typeface="Nanum Square Bold"/>
+                <a:sym typeface="Nanum Square Bold"/>
+              </a:rPr>
+              <a:t> 카메라 설정</a:t>
+            </a:r>
+          </a:p>
+          <a:p>
+            <a:pPr algn="l">
+              <a:lnSpc>
+                <a:spcPts val="3872"/>
+              </a:lnSpc>
+              <a:defRPr/>
+            </a:pPr>
             <a:endParaRPr lang="ko-KR" altLang="en-US" sz="2100" b="1" spc="-160">
               <a:solidFill>
                 <a:srgbClr val="000000"/>
@@ -13157,7 +12909,7 @@
                 <a:cs typeface="Nanum Square Bold"/>
                 <a:sym typeface="Nanum Square Bold"/>
               </a:rPr>
-              <a:t>-</a:t>
+              <a:t>-3D </a:t>
             </a:r>
             <a:r>
               <a:rPr lang="ko-KR" altLang="en-US" sz="2100" b="1" spc="-160">
@@ -13169,8 +12921,16 @@
                 <a:cs typeface="Nanum Square Bold"/>
                 <a:sym typeface="Nanum Square Bold"/>
               </a:rPr>
-              <a:t> 카메라 설정</a:t>
-            </a:r>
+              <a:t>맵 모델링</a:t>
+            </a:r>
+          </a:p>
+          <a:p>
+            <a:pPr algn="l">
+              <a:lnSpc>
+                <a:spcPts val="3872"/>
+              </a:lnSpc>
+              <a:defRPr/>
+            </a:pPr>
             <a:endParaRPr lang="ko-KR" altLang="en-US" sz="2100" b="1" spc="-160">
               <a:solidFill>
                 <a:srgbClr val="000000"/>
@@ -13188,6 +12948,38 @@
               </a:lnSpc>
               <a:defRPr/>
             </a:pPr>
+            <a:r>
+              <a:rPr lang="en-US" altLang="ko-KR" sz="2100" b="1" spc="-160">
+                <a:solidFill>
+                  <a:srgbClr val="000000"/>
+                </a:solidFill>
+                <a:latin typeface="Nanum Square Bold"/>
+                <a:ea typeface="Nanum Square Bold"/>
+                <a:cs typeface="Nanum Square Bold"/>
+                <a:sym typeface="Nanum Square Bold"/>
+              </a:rPr>
+              <a:t>-</a:t>
+            </a:r>
+            <a:r>
+              <a:rPr lang="ko-KR" altLang="en-US" sz="2100" b="1" spc="-160">
+                <a:solidFill>
+                  <a:srgbClr val="000000"/>
+                </a:solidFill>
+                <a:latin typeface="Nanum Square Bold"/>
+                <a:ea typeface="Nanum Square Bold"/>
+                <a:cs typeface="Nanum Square Bold"/>
+                <a:sym typeface="Nanum Square Bold"/>
+              </a:rPr>
+              <a:t>사운드</a:t>
+            </a:r>
+          </a:p>
+          <a:p>
+            <a:pPr algn="l">
+              <a:lnSpc>
+                <a:spcPts val="3872"/>
+              </a:lnSpc>
+              <a:defRPr/>
+            </a:pPr>
             <a:endParaRPr lang="ko-KR" altLang="en-US" sz="2100" b="1" spc="-160">
               <a:solidFill>
                 <a:srgbClr val="000000"/>
@@ -13198,127 +12990,11 @@
               <a:sym typeface="Nanum Square Bold"/>
             </a:endParaRPr>
           </a:p>
-          <a:p>
-            <a:pPr algn="l">
-              <a:lnSpc>
-                <a:spcPts val="3872"/>
-              </a:lnSpc>
-              <a:defRPr/>
-            </a:pPr>
-            <a:r>
-              <a:rPr lang="en-US" altLang="ko-KR" sz="2100" b="1" spc="-160">
-                <a:solidFill>
-                  <a:srgbClr val="000000"/>
-                </a:solidFill>
-                <a:latin typeface="Nanum Square Bold"/>
-                <a:ea typeface="Nanum Square Bold"/>
-                <a:cs typeface="Nanum Square Bold"/>
-                <a:sym typeface="Nanum Square Bold"/>
-              </a:rPr>
-              <a:t>-3D </a:t>
-            </a:r>
-            <a:r>
-              <a:rPr lang="ko-KR" altLang="en-US" sz="2100" b="1" spc="-160">
-                <a:solidFill>
-                  <a:srgbClr val="000000"/>
-                </a:solidFill>
-                <a:latin typeface="Nanum Square Bold"/>
-                <a:ea typeface="Nanum Square Bold"/>
-                <a:cs typeface="Nanum Square Bold"/>
-                <a:sym typeface="Nanum Square Bold"/>
-              </a:rPr>
-              <a:t>맵 모델링</a:t>
-            </a:r>
-            <a:endParaRPr lang="ko-KR" altLang="en-US" sz="2100" b="1" spc="-160">
-              <a:solidFill>
-                <a:srgbClr val="000000"/>
-              </a:solidFill>
-              <a:latin typeface="Nanum Square Bold"/>
-              <a:ea typeface="Nanum Square Bold"/>
-              <a:cs typeface="Nanum Square Bold"/>
-              <a:sym typeface="Nanum Square Bold"/>
-            </a:endParaRPr>
-          </a:p>
-          <a:p>
-            <a:pPr algn="l">
-              <a:lnSpc>
-                <a:spcPts val="3872"/>
-              </a:lnSpc>
-              <a:defRPr/>
-            </a:pPr>
-            <a:endParaRPr lang="ko-KR" altLang="en-US" sz="2100" b="1" spc="-160">
-              <a:solidFill>
-                <a:srgbClr val="000000"/>
-              </a:solidFill>
-              <a:latin typeface="Nanum Square Bold"/>
-              <a:ea typeface="Nanum Square Bold"/>
-              <a:cs typeface="Nanum Square Bold"/>
-              <a:sym typeface="Nanum Square Bold"/>
-            </a:endParaRPr>
-          </a:p>
-          <a:p>
-            <a:pPr algn="l">
-              <a:lnSpc>
-                <a:spcPts val="3872"/>
-              </a:lnSpc>
-              <a:defRPr/>
-            </a:pPr>
-            <a:r>
-              <a:rPr lang="en-US" altLang="ko-KR" sz="2100" b="1" spc="-160">
-                <a:solidFill>
-                  <a:srgbClr val="000000"/>
-                </a:solidFill>
-                <a:latin typeface="Nanum Square Bold"/>
-                <a:ea typeface="Nanum Square Bold"/>
-                <a:cs typeface="Nanum Square Bold"/>
-                <a:sym typeface="Nanum Square Bold"/>
-              </a:rPr>
-              <a:t>-</a:t>
-            </a:r>
-            <a:r>
-              <a:rPr lang="ko-KR" altLang="en-US" sz="2100" b="1" spc="-160">
-                <a:solidFill>
-                  <a:srgbClr val="000000"/>
-                </a:solidFill>
-                <a:latin typeface="Nanum Square Bold"/>
-                <a:ea typeface="Nanum Square Bold"/>
-                <a:cs typeface="Nanum Square Bold"/>
-                <a:sym typeface="Nanum Square Bold"/>
-              </a:rPr>
-              <a:t>사운드</a:t>
-            </a:r>
-            <a:endParaRPr lang="ko-KR" altLang="en-US" sz="2100" b="1" spc="-160">
-              <a:solidFill>
-                <a:srgbClr val="000000"/>
-              </a:solidFill>
-              <a:latin typeface="Nanum Square Bold"/>
-              <a:ea typeface="Nanum Square Bold"/>
-              <a:cs typeface="Nanum Square Bold"/>
-              <a:sym typeface="Nanum Square Bold"/>
-            </a:endParaRPr>
-          </a:p>
-          <a:p>
-            <a:pPr algn="l">
-              <a:lnSpc>
-                <a:spcPts val="3872"/>
-              </a:lnSpc>
-              <a:defRPr/>
-            </a:pPr>
-            <a:endParaRPr lang="ko-KR" altLang="en-US" sz="2100" b="1" spc="-160">
-              <a:solidFill>
-                <a:srgbClr val="000000"/>
-              </a:solidFill>
-              <a:latin typeface="Nanum Square Bold"/>
-              <a:ea typeface="Nanum Square Bold"/>
-              <a:cs typeface="Nanum Square Bold"/>
-              <a:sym typeface="Nanum Square Bold"/>
-            </a:endParaRPr>
-          </a:p>
         </p:txBody>
       </p:sp>
       <p:pic>
         <p:nvPicPr>
-          <p:cNvPr id="15" name=""/>
+          <p:cNvPr id="15" name="그림 14"/>
           <p:cNvPicPr>
             <a:picLocks noChangeAspect="1"/>
           </p:cNvPicPr>
@@ -13349,12 +13025,12 @@
       </p:pic>
       <p:grpSp>
         <p:nvGrpSpPr>
-          <p:cNvPr id="18" name=""/>
+          <p:cNvPr id="18" name="그룹 17"/>
           <p:cNvGrpSpPr/>
           <p:nvPr/>
         </p:nvGrpSpPr>
         <p:grpSpPr>
-          <a:xfrm rot="0">
+          <a:xfrm>
             <a:off x="1676400" y="7962900"/>
             <a:ext cx="1703294" cy="609600"/>
             <a:chOff x="1676400" y="4705289"/>
@@ -13363,7 +13039,7 @@
         </p:grpSpPr>
         <p:pic>
           <p:nvPicPr>
-            <p:cNvPr id="16" name=""/>
+            <p:cNvPr id="16" name="그림 15"/>
             <p:cNvPicPr>
               <a:picLocks noChangeAspect="1"/>
             </p:cNvPicPr>
@@ -13387,7 +13063,7 @@
         </p:pic>
         <p:pic>
           <p:nvPicPr>
-            <p:cNvPr id="17" name=""/>
+            <p:cNvPr id="17" name="그림 16"/>
             <p:cNvPicPr>
               <a:picLocks noChangeAspect="1"/>
             </p:cNvPicPr>
@@ -13412,7 +13088,7 @@
       </p:grpSp>
       <p:pic>
         <p:nvPicPr>
-          <p:cNvPr id="19" name=""/>
+          <p:cNvPr id="19" name="그림 18"/>
           <p:cNvPicPr>
             <a:picLocks noChangeAspect="1"/>
           </p:cNvPicPr>
@@ -13439,11 +13115,11 @@
   <p:clrMapOvr>
     <a:masterClrMapping/>
   </p:clrMapOvr>
-  <mc:AlternateContent xmlns:mc="http://schemas.openxmlformats.org/markup-compatibility/2006">
-    <mc:Choice xmlns:p14="http://schemas.microsoft.com/office/powerpoint/2010/main" Requires="p14">
-      <p:transition xmlns:mc="http://schemas.openxmlformats.org/markup-compatibility/2006" xmlns:p14="http://schemas.microsoft.com/office/powerpoint/2010/main" mc:Ignorable="p14" p14:dur="500"/>
+  <mc:AlternateContent xmlns:mc="http://schemas.openxmlformats.org/markup-compatibility/2006" xmlns:p14="http://schemas.microsoft.com/office/powerpoint/2010/main">
+    <mc:Choice Requires="p14">
+      <p:transition/>
     </mc:Choice>
-    <mc:Fallback>
+    <mc:Fallback xmlns:dsp="http://schemas.microsoft.com/office/drawing/2008/diagram" xmlns:dgm="http://schemas.openxmlformats.org/drawingml/2006/diagram" xmlns:c="http://schemas.openxmlformats.org/drawingml/2006/chart" xmlns="">
       <p:transition/>
     </mc:Fallback>
   </mc:AlternateContent>
@@ -13451,7 +13127,7 @@
 </file>
 
 <file path=ppt/slides/slide9.xml><?xml version="1.0" encoding="utf-8"?>
-<p:sld xmlns:r="http://schemas.openxmlformats.org/officeDocument/2006/relationships" xmlns:c="http://schemas.openxmlformats.org/drawingml/2006/chart" xmlns:a="http://schemas.openxmlformats.org/drawingml/2006/main" xmlns:dgm="http://schemas.openxmlformats.org/drawingml/2006/diagram" xmlns:dsp="http://schemas.microsoft.com/office/drawing/2008/diagram" xmlns:p="http://schemas.openxmlformats.org/presentationml/2006/main">
+<p:sld xmlns:a="http://schemas.openxmlformats.org/drawingml/2006/main" xmlns:r="http://schemas.openxmlformats.org/officeDocument/2006/relationships" xmlns:p="http://schemas.openxmlformats.org/presentationml/2006/main">
   <p:cSld>
     <p:spTree>
       <p:nvGrpSpPr>
@@ -13492,6 +13168,7 @@
         </p:spPr>
         <p:txBody>
           <a:bodyPr wrap="square" anchor="ctr"/>
+          <a:lstStyle/>
           <a:p>
             <a:pPr algn="ctr">
               <a:defRPr/>
@@ -13525,6 +13202,7 @@
         </p:spPr>
         <p:txBody>
           <a:bodyPr wrap="square" anchor="ctr"/>
+          <a:lstStyle/>
           <a:p>
             <a:pPr algn="ctr">
               <a:defRPr/>
@@ -13572,15 +13250,6 @@
               </a:rPr>
               <a:t>코드 업그레이드 </a:t>
             </a:r>
-            <a:endParaRPr lang="ko-KR" altLang="en-US" sz="7200" b="1" spc="-359">
-              <a:solidFill>
-                <a:srgbClr val="000000"/>
-              </a:solidFill>
-              <a:latin typeface="Nanum Square Bold"/>
-              <a:ea typeface="Nanum Square Bold"/>
-              <a:cs typeface="Nanum Square Bold"/>
-              <a:sym typeface="Nanum Square Bold"/>
-            </a:endParaRPr>
           </a:p>
         </p:txBody>
       </p:sp>
@@ -13623,21 +13292,12 @@
               </a:rPr>
               <a:t>Code Upgrade</a:t>
             </a:r>
-            <a:endParaRPr lang="en-US" altLang="ko-KR" sz="2100" b="1">
-              <a:solidFill>
-                <a:srgbClr val="737373"/>
-              </a:solidFill>
-              <a:latin typeface="Heebo Bold"/>
-              <a:ea typeface="Heebo Bold"/>
-              <a:cs typeface="Heebo Bold"/>
-              <a:sym typeface="Heebo Bold"/>
-            </a:endParaRPr>
           </a:p>
         </p:txBody>
       </p:sp>
       <p:pic>
         <p:nvPicPr>
-          <p:cNvPr id="10" name=""/>
+          <p:cNvPr id="10" name="그림 9"/>
           <p:cNvPicPr>
             <a:picLocks noChangeAspect="1"/>
           </p:cNvPicPr>
@@ -13671,11 +13331,11 @@
   <p:clrMapOvr>
     <a:masterClrMapping/>
   </p:clrMapOvr>
-  <mc:AlternateContent xmlns:mc="http://schemas.openxmlformats.org/markup-compatibility/2006">
-    <mc:Choice xmlns:p14="http://schemas.microsoft.com/office/powerpoint/2010/main" Requires="p14">
-      <p:transition xmlns:mc="http://schemas.openxmlformats.org/markup-compatibility/2006" xmlns:p14="http://schemas.microsoft.com/office/powerpoint/2010/main" mc:Ignorable="p14" p14:dur="500"/>
+  <mc:AlternateContent xmlns:mc="http://schemas.openxmlformats.org/markup-compatibility/2006" xmlns:p14="http://schemas.microsoft.com/office/powerpoint/2010/main">
+    <mc:Choice Requires="p14">
+      <p:transition/>
     </mc:Choice>
-    <mc:Fallback>
+    <mc:Fallback xmlns:dsp="http://schemas.microsoft.com/office/drawing/2008/diagram" xmlns:dgm="http://schemas.openxmlformats.org/drawingml/2006/diagram" xmlns:c="http://schemas.openxmlformats.org/drawingml/2006/chart" xmlns="">
       <p:transition/>
     </mc:Fallback>
   </mc:AlternateContent>
@@ -13683,41 +13343,41 @@
 </file>
 
 <file path=ppt/theme/theme1.xml><?xml version="1.0" encoding="utf-8"?>
-<a:theme xmlns:r="http://schemas.openxmlformats.org/officeDocument/2006/relationships" xmlns:c="http://schemas.openxmlformats.org/drawingml/2006/chart" xmlns:dgm="http://schemas.openxmlformats.org/drawingml/2006/diagram" xmlns:dsp="http://schemas.microsoft.com/office/drawing/2008/diagram" xmlns:a="http://schemas.openxmlformats.org/drawingml/2006/main" xmlns:pic="http://schemas.openxmlformats.org/drawingml/2006/picture" xmlns:wp="http://schemas.openxmlformats.org/drawingml/2006/wordprocessingDrawing" xmlns:xdr="http://schemas.openxmlformats.org/drawingml/2006/spreadsheetDrawing" xmlns:lc="http://schemas.openxmlformats.org/drawingml/2006/lockedCanvas" xmlns:p="http://schemas.openxmlformats.org/presentationml/2006/main" name="Office Theme">
+<a:theme xmlns:a="http://schemas.openxmlformats.org/drawingml/2006/main" name="Office Theme">
   <a:themeElements>
     <a:clrScheme name="Office">
       <a:dk1>
         <a:sysClr val="windowText" lastClr="000000"/>
       </a:dk1>
       <a:lt1>
-        <a:sysClr val="window" lastClr="ffffff"/>
+        <a:sysClr val="window" lastClr="FFFFFF"/>
       </a:lt1>
       <a:dk2>
-        <a:srgbClr val="1f497d"/>
+        <a:srgbClr val="1F497D"/>
       </a:dk2>
       <a:lt2>
-        <a:srgbClr val="eeece1"/>
+        <a:srgbClr val="EEECE1"/>
       </a:lt2>
       <a:accent1>
-        <a:srgbClr val="4f81bd"/>
+        <a:srgbClr val="4F81BD"/>
       </a:accent1>
       <a:accent2>
-        <a:srgbClr val="c0504d"/>
+        <a:srgbClr val="C0504D"/>
       </a:accent2>
       <a:accent3>
-        <a:srgbClr val="9bbb59"/>
+        <a:srgbClr val="9BBB59"/>
       </a:accent3>
       <a:accent4>
-        <a:srgbClr val="8064a2"/>
+        <a:srgbClr val="8064A2"/>
       </a:accent4>
       <a:accent5>
-        <a:srgbClr val="4bacc6"/>
+        <a:srgbClr val="4BACC6"/>
       </a:accent5>
       <a:accent6>
-        <a:srgbClr val="f79646"/>
+        <a:srgbClr val="F79646"/>
       </a:accent6>
       <a:hlink>
-        <a:srgbClr val="0000ff"/>
+        <a:srgbClr val="0000FF"/>
       </a:hlink>
       <a:folHlink>
         <a:srgbClr val="800080"/>
@@ -13960,45 +13620,47 @@
       </a:bgFillStyleLst>
     </a:fmtScheme>
   </a:themeElements>
+  <a:objectDefaults/>
+  <a:extraClrSchemeLst/>
 </a:theme>
 </file>
 
 <file path=ppt/theme/theme2.xml><?xml version="1.0" encoding="utf-8"?>
-<a:theme xmlns:r="http://schemas.openxmlformats.org/officeDocument/2006/relationships" xmlns:c="http://schemas.openxmlformats.org/drawingml/2006/chart" xmlns:dgm="http://schemas.openxmlformats.org/drawingml/2006/diagram" xmlns:dsp="http://schemas.microsoft.com/office/drawing/2008/diagram" xmlns:a="http://schemas.openxmlformats.org/drawingml/2006/main" xmlns:pic="http://schemas.openxmlformats.org/drawingml/2006/picture" xmlns:wp="http://schemas.openxmlformats.org/drawingml/2006/wordprocessingDrawing" xmlns:xdr="http://schemas.openxmlformats.org/drawingml/2006/spreadsheetDrawing" xmlns:lc="http://schemas.openxmlformats.org/drawingml/2006/lockedCanvas" xmlns:p="http://schemas.openxmlformats.org/presentationml/2006/main" name="한컴오피스">
+<a:theme xmlns:a="http://schemas.openxmlformats.org/drawingml/2006/main" name="한컴오피스">
   <a:themeElements>
     <a:clrScheme name="한컴오피스">
       <a:dk1>
         <a:sysClr val="windowText" lastClr="000000"/>
       </a:dk1>
       <a:lt1>
-        <a:sysClr val="window" lastClr="ffffff"/>
+        <a:sysClr val="window" lastClr="FFFFFF"/>
       </a:lt1>
       <a:dk2>
-        <a:srgbClr val="3a3c84"/>
+        <a:srgbClr val="3A3C84"/>
       </a:dk2>
       <a:lt2>
-        <a:srgbClr val="faf3db"/>
+        <a:srgbClr val="FAF3DB"/>
       </a:lt2>
       <a:accent1>
-        <a:srgbClr val="6182d6"/>
+        <a:srgbClr val="6182D6"/>
       </a:accent1>
       <a:accent2>
-        <a:srgbClr val="ff843a"/>
+        <a:srgbClr val="FF843A"/>
       </a:accent2>
       <a:accent3>
-        <a:srgbClr val="b2b2b2"/>
+        <a:srgbClr val="B2B2B2"/>
       </a:accent3>
       <a:accent4>
-        <a:srgbClr val="ffd700"/>
+        <a:srgbClr val="FFD700"/>
       </a:accent4>
       <a:accent5>
-        <a:srgbClr val="289b6e"/>
+        <a:srgbClr val="289B6E"/>
       </a:accent5>
       <a:accent6>
-        <a:srgbClr val="9d5cbb"/>
+        <a:srgbClr val="9D5CBB"/>
       </a:accent6>
       <a:hlink>
-        <a:srgbClr val="0000ff"/>
+        <a:srgbClr val="0000FF"/>
       </a:hlink>
       <a:folHlink>
         <a:srgbClr val="800080"/>
@@ -14223,5 +13885,7 @@
       </a:bgFillStyleLst>
     </a:fmtScheme>
   </a:themeElements>
+  <a:objectDefaults/>
+  <a:extraClrSchemeLst/>
 </a:theme>
 </file>
--- a/게임프로그래밍.pptx
+++ b/게임프로그래밍.pptx
@@ -28,7 +28,7 @@
     <p:sldId id="278" r:id="rId19"/>
     <p:sldId id="279" r:id="rId20"/>
     <p:sldId id="280" r:id="rId21"/>
-    <p:sldId id="271" r:id="rId22"/>
+    <p:sldId id="290" r:id="rId22"/>
     <p:sldId id="289" r:id="rId23"/>
   </p:sldIdLst>
   <p:sldSz cx="18288000" cy="10287000"/>
@@ -526,6 +526,96 @@
 </file>
 
 <file path=ppt/notesSlides/notesSlide1.xml><?xml version="1.0" encoding="utf-8"?>
+<p:notes xmlns:a="http://schemas.openxmlformats.org/drawingml/2006/main" xmlns:r="http://schemas.openxmlformats.org/officeDocument/2006/relationships" xmlns:p="http://schemas.openxmlformats.org/presentationml/2006/main">
+  <p:cSld>
+    <p:spTree>
+      <p:nvGrpSpPr>
+        <p:cNvPr id="1" name=""/>
+        <p:cNvGrpSpPr/>
+        <p:nvPr/>
+      </p:nvGrpSpPr>
+      <p:grpSpPr>
+        <a:xfrm>
+          <a:off x="0" y="0"/>
+          <a:ext cx="0" cy="0"/>
+          <a:chOff x="0" y="0"/>
+          <a:chExt cx="0" cy="0"/>
+        </a:xfrm>
+      </p:grpSpPr>
+      <p:sp>
+        <p:nvSpPr>
+          <p:cNvPr id="2" name="슬라이드 이미지 개체 틀 1"/>
+          <p:cNvSpPr>
+            <a:spLocks noGrp="1" noRot="1" noChangeAspect="1"/>
+          </p:cNvSpPr>
+          <p:nvPr>
+            <p:ph type="sldImg"/>
+          </p:nvPr>
+        </p:nvSpPr>
+        <p:spPr/>
+      </p:sp>
+      <p:sp>
+        <p:nvSpPr>
+          <p:cNvPr id="3" name="슬라이드 노트 개체 틀 2"/>
+          <p:cNvSpPr>
+            <a:spLocks noGrp="1"/>
+          </p:cNvSpPr>
+          <p:nvPr>
+            <p:ph type="body" idx="1"/>
+          </p:nvPr>
+        </p:nvSpPr>
+        <p:spPr/>
+        <p:txBody>
+          <a:bodyPr/>
+          <a:lstStyle/>
+          <a:p>
+            <a:endParaRPr lang="ko-KR" altLang="en-US" dirty="0"/>
+          </a:p>
+        </p:txBody>
+      </p:sp>
+      <p:sp>
+        <p:nvSpPr>
+          <p:cNvPr id="4" name="슬라이드 번호 개체 틀 3"/>
+          <p:cNvSpPr>
+            <a:spLocks noGrp="1"/>
+          </p:cNvSpPr>
+          <p:nvPr>
+            <p:ph type="sldNum" sz="quarter" idx="5"/>
+          </p:nvPr>
+        </p:nvSpPr>
+        <p:spPr/>
+        <p:txBody>
+          <a:bodyPr/>
+          <a:lstStyle/>
+          <a:p>
+            <a:pPr lvl="0">
+              <a:defRPr/>
+            </a:pPr>
+            <a:fld id="{09F4262C-968C-4EE9-8164-CE16364706B3}" type="slidenum">
+              <a:rPr lang="ko-KR" altLang="en-US" smtClean="0"/>
+              <a:pPr lvl="0">
+                <a:defRPr/>
+              </a:pPr>
+              <a:t>4</a:t>
+            </a:fld>
+            <a:endParaRPr lang="ko-KR" altLang="en-US"/>
+          </a:p>
+        </p:txBody>
+      </p:sp>
+    </p:spTree>
+    <p:extLst>
+      <p:ext uri="{BB962C8B-B14F-4D97-AF65-F5344CB8AC3E}">
+        <p14:creationId xmlns:p14="http://schemas.microsoft.com/office/powerpoint/2010/main" val="2034010789"/>
+      </p:ext>
+    </p:extLst>
+  </p:cSld>
+  <p:clrMapOvr>
+    <a:masterClrMapping/>
+  </p:clrMapOvr>
+</p:notes>
+</file>
+
+<file path=ppt/notesSlides/notesSlide2.xml><?xml version="1.0" encoding="utf-8"?>
 <p:notes xmlns:a="http://schemas.openxmlformats.org/drawingml/2006/main" xmlns:r="http://schemas.openxmlformats.org/officeDocument/2006/relationships" xmlns:p="http://schemas.openxmlformats.org/presentationml/2006/main">
   <p:cSld>
     <p:spTree>
@@ -9958,7 +10048,13 @@
   <p:cSld>
     <p:spTree>
       <p:nvGrpSpPr>
-        <p:cNvPr id="1" name=""/>
+        <p:cNvPr id="1" name="">
+          <a:extLst>
+            <a:ext uri="{FF2B5EF4-FFF2-40B4-BE49-F238E27FC236}">
+              <a16:creationId xmlns:a16="http://schemas.microsoft.com/office/drawing/2014/main" id="{DC95F77B-4894-FE2F-8D1D-3021070F5526}"/>
+            </a:ext>
+          </a:extLst>
+        </p:cNvPr>
         <p:cNvGrpSpPr/>
         <p:nvPr/>
       </p:nvGrpSpPr>
@@ -9972,7 +10068,13 @@
       </p:grpSpPr>
       <p:sp>
         <p:nvSpPr>
-          <p:cNvPr id="2" name="AutoShape 2"/>
+          <p:cNvPr id="2" name="AutoShape 2">
+            <a:extLst>
+              <a:ext uri="{FF2B5EF4-FFF2-40B4-BE49-F238E27FC236}">
+                <a16:creationId xmlns:a16="http://schemas.microsoft.com/office/drawing/2014/main" id="{850A9F34-41A9-2A15-D6EB-C8DC2DCF4E15}"/>
+              </a:ext>
+            </a:extLst>
+          </p:cNvPr>
           <p:cNvSpPr/>
           <p:nvPr/>
         </p:nvSpPr>
@@ -10006,7 +10108,13 @@
       </p:sp>
       <p:sp>
         <p:nvSpPr>
-          <p:cNvPr id="3" name="AutoShape 3"/>
+          <p:cNvPr id="3" name="AutoShape 3">
+            <a:extLst>
+              <a:ext uri="{FF2B5EF4-FFF2-40B4-BE49-F238E27FC236}">
+                <a16:creationId xmlns:a16="http://schemas.microsoft.com/office/drawing/2014/main" id="{B7399F8B-8205-1B22-DB4F-10154E358719}"/>
+              </a:ext>
+            </a:extLst>
+          </p:cNvPr>
           <p:cNvSpPr/>
           <p:nvPr/>
         </p:nvSpPr>
@@ -10040,7 +10148,13 @@
       </p:sp>
       <p:sp>
         <p:nvSpPr>
-          <p:cNvPr id="5" name="TextBox 5"/>
+          <p:cNvPr id="5" name="TextBox 5">
+            <a:extLst>
+              <a:ext uri="{FF2B5EF4-FFF2-40B4-BE49-F238E27FC236}">
+                <a16:creationId xmlns:a16="http://schemas.microsoft.com/office/drawing/2014/main" id="{367108A8-9066-36F6-06E5-D090E2A8D6F5}"/>
+              </a:ext>
+            </a:extLst>
+          </p:cNvPr>
           <p:cNvSpPr txBox="1"/>
           <p:nvPr/>
         </p:nvSpPr>
@@ -10082,7 +10196,13 @@
       </p:sp>
       <p:sp>
         <p:nvSpPr>
-          <p:cNvPr id="7" name="TextBox 7"/>
+          <p:cNvPr id="7" name="TextBox 7">
+            <a:extLst>
+              <a:ext uri="{FF2B5EF4-FFF2-40B4-BE49-F238E27FC236}">
+                <a16:creationId xmlns:a16="http://schemas.microsoft.com/office/drawing/2014/main" id="{9972E1E7-5053-0583-2F06-21CD84690137}"/>
+              </a:ext>
+            </a:extLst>
+          </p:cNvPr>
           <p:cNvSpPr txBox="1"/>
           <p:nvPr/>
         </p:nvSpPr>
@@ -10120,6 +10240,11 @@
         </p:txBody>
       </p:sp>
     </p:spTree>
+    <p:extLst>
+      <p:ext uri="{BB962C8B-B14F-4D97-AF65-F5344CB8AC3E}">
+        <p14:creationId xmlns:p14="http://schemas.microsoft.com/office/powerpoint/2010/main" val="1047830202"/>
+      </p:ext>
+    </p:extLst>
   </p:cSld>
   <p:clrMapOvr>
     <a:masterClrMapping/>
@@ -10293,7 +10418,7 @@
                 <a:cs typeface="Nanum Square Bold"/>
                 <a:sym typeface="Nanum Square Bold"/>
               </a:rPr>
-              <a:t>: 9</a:t>
+              <a:t>: 7</a:t>
             </a:r>
           </a:p>
         </p:txBody>
@@ -10425,7 +10550,7 @@
             </a:r>
             <a:r>
               <a:rPr lang="en-US" altLang="ko-KR" sz="3600" dirty="0"/>
-              <a:t>9</a:t>
+              <a:t>7</a:t>
             </a:r>
             <a:r>
               <a:rPr lang="ko-KR" altLang="en-US" sz="3600" dirty="0"/>
@@ -11030,7 +11155,7 @@
           <p:nvPr/>
         </p:nvPicPr>
         <p:blipFill rotWithShape="1">
-          <a:blip r:embed="rId2"/>
+          <a:blip r:embed="rId3"/>
           <a:stretch>
             <a:fillRect/>
           </a:stretch>
@@ -11411,6 +11536,83 @@
           </a:p>
         </p:txBody>
       </p:sp>
+      <p:pic>
+        <p:nvPicPr>
+          <p:cNvPr id="1026" name="Picture 2" descr="GitHub - about, prices, reviews 2025 - Netolink">
+            <a:extLst>
+              <a:ext uri="{FF2B5EF4-FFF2-40B4-BE49-F238E27FC236}">
+                <a16:creationId xmlns:a16="http://schemas.microsoft.com/office/drawing/2014/main" id="{725A79E1-198D-6F26-6D7A-B5193535FDD8}"/>
+              </a:ext>
+            </a:extLst>
+          </p:cNvPr>
+          <p:cNvPicPr>
+            <a:picLocks noChangeAspect="1" noChangeArrowheads="1"/>
+          </p:cNvPicPr>
+          <p:nvPr/>
+        </p:nvPicPr>
+        <p:blipFill>
+          <a:blip r:embed="rId4">
+            <a:extLst>
+              <a:ext uri="{28A0092B-C50C-407E-A947-70E740481C1C}">
+                <a14:useLocalDpi xmlns:a14="http://schemas.microsoft.com/office/drawing/2010/main" val="0"/>
+              </a:ext>
+            </a:extLst>
+          </a:blip>
+          <a:srcRect/>
+          <a:stretch>
+            <a:fillRect/>
+          </a:stretch>
+        </p:blipFill>
+        <p:spPr bwMode="auto">
+          <a:xfrm>
+            <a:off x="11337662" y="2659507"/>
+            <a:ext cx="4762500" cy="4762500"/>
+          </a:xfrm>
+          <a:prstGeom prst="rect">
+            <a:avLst/>
+          </a:prstGeom>
+          <a:noFill/>
+          <a:extLst>
+            <a:ext uri="{909E8E84-426E-40DD-AFC4-6F175D3DCCD1}">
+              <a14:hiddenFill xmlns:a14="http://schemas.microsoft.com/office/drawing/2010/main">
+                <a:solidFill>
+                  <a:srgbClr val="FFFFFF"/>
+                </a:solidFill>
+              </a14:hiddenFill>
+            </a:ext>
+          </a:extLst>
+        </p:spPr>
+      </p:pic>
+      <p:pic>
+        <p:nvPicPr>
+          <p:cNvPr id="6" name="그림 5">
+            <a:extLst>
+              <a:ext uri="{FF2B5EF4-FFF2-40B4-BE49-F238E27FC236}">
+                <a16:creationId xmlns:a16="http://schemas.microsoft.com/office/drawing/2014/main" id="{6AC91082-1199-2A1A-BE7E-6D512923FA11}"/>
+              </a:ext>
+            </a:extLst>
+          </p:cNvPr>
+          <p:cNvPicPr>
+            <a:picLocks noChangeAspect="1"/>
+          </p:cNvPicPr>
+          <p:nvPr/>
+        </p:nvPicPr>
+        <p:blipFill>
+          <a:blip r:embed="rId5"/>
+          <a:stretch>
+            <a:fillRect/>
+          </a:stretch>
+        </p:blipFill>
+        <p:spPr>
+          <a:xfrm>
+            <a:off x="8001000" y="6398462"/>
+            <a:ext cx="9263105" cy="2736440"/>
+          </a:xfrm>
+          <a:prstGeom prst="rect">
+            <a:avLst/>
+          </a:prstGeom>
+        </p:spPr>
+      </p:pic>
     </p:spTree>
   </p:cSld>
   <p:clrMapOvr>

--- a/게임프로그래밍.pptx
+++ b/게임프로그래밍.pptx
@@ -10161,7 +10161,7 @@
         <p:spPr>
           <a:xfrm>
             <a:off x="1635693" y="1428583"/>
-            <a:ext cx="8014955" cy="1019342"/>
+            <a:ext cx="8014955" cy="1038746"/>
           </a:xfrm>
           <a:prstGeom prst="rect">
             <a:avLst/>
@@ -10180,7 +10180,7 @@
               <a:defRPr/>
             </a:pPr>
             <a:r>
-              <a:rPr lang="ko-KR" altLang="en-US" sz="7200" b="1" spc="-359">
+              <a:rPr lang="ko-KR" altLang="en-US" sz="7200" b="1" spc="-359" dirty="0">
                 <a:solidFill>
                   <a:srgbClr val="000000"/>
                 </a:solidFill>
@@ -10189,7 +10189,7 @@
                 <a:cs typeface="Nanum Square Bold"/>
                 <a:sym typeface="Nanum Square Bold"/>
               </a:rPr>
-              <a:t>게임 시연</a:t>
+              <a:t>레퍼런스</a:t>
             </a:r>
           </a:p>
         </p:txBody>
@@ -10236,6 +10236,63 @@
               <a:cs typeface="Heebo Bold"/>
               <a:sym typeface="Heebo Bold"/>
             </a:endParaRPr>
+          </a:p>
+        </p:txBody>
+      </p:sp>
+      <p:sp>
+        <p:nvSpPr>
+          <p:cNvPr id="9" name="TextBox 8">
+            <a:extLst>
+              <a:ext uri="{FF2B5EF4-FFF2-40B4-BE49-F238E27FC236}">
+                <a16:creationId xmlns:a16="http://schemas.microsoft.com/office/drawing/2014/main" id="{1E618334-4F01-2B0C-FDFB-AE8CFAC6153A}"/>
+              </a:ext>
+            </a:extLst>
+          </p:cNvPr>
+          <p:cNvSpPr txBox="1"/>
+          <p:nvPr/>
+        </p:nvSpPr>
+        <p:spPr>
+          <a:xfrm>
+            <a:off x="1634953" y="4045196"/>
+            <a:ext cx="10896600" cy="2554545"/>
+          </a:xfrm>
+          <a:prstGeom prst="rect">
+            <a:avLst/>
+          </a:prstGeom>
+          <a:noFill/>
+        </p:spPr>
+        <p:txBody>
+          <a:bodyPr wrap="square">
+            <a:spAutoFit/>
+          </a:bodyPr>
+          <a:lstStyle/>
+          <a:p>
+            <a:r>
+              <a:rPr lang="en-US" altLang="ko-KR" sz="4000" dirty="0"/>
+              <a:t>clupartkorea.com</a:t>
+            </a:r>
+          </a:p>
+          <a:p>
+            <a:r>
+              <a:rPr lang="en-US" altLang="ko-KR" sz="4000" dirty="0"/>
+              <a:t>Sellbutmusic.com </a:t>
+            </a:r>
+          </a:p>
+          <a:p>
+            <a:r>
+              <a:rPr lang="en-US" altLang="ko-KR" sz="4000" dirty="0">
+                <a:hlinkClick r:id="rId2"/>
+              </a:rPr>
+              <a:t>https://chatgpt.com/</a:t>
+            </a:r>
+            <a:endParaRPr lang="en-US" altLang="ko-KR" sz="4000" dirty="0"/>
+          </a:p>
+          <a:p>
+            <a:r>
+              <a:rPr lang="en-US" altLang="ko-KR" sz="4000" dirty="0"/>
+              <a:t>https://copilot.microsoft.com/</a:t>
+            </a:r>
+            <a:endParaRPr lang="ko-KR" altLang="en-US" sz="4000" dirty="0"/>
           </a:p>
         </p:txBody>
       </p:sp>

--- a/게임프로그래밍.pptx
+++ b/게임프로그래밍.pptx
@@ -5,31 +5,32 @@
     <p:sldMasterId id="2147483679" r:id="rId1"/>
   </p:sldMasterIdLst>
   <p:notesMasterIdLst>
-    <p:notesMasterId r:id="rId24"/>
+    <p:notesMasterId r:id="rId25"/>
   </p:notesMasterIdLst>
   <p:sldIdLst>
     <p:sldId id="261" r:id="rId2"/>
     <p:sldId id="272" r:id="rId3"/>
     <p:sldId id="273" r:id="rId4"/>
     <p:sldId id="263" r:id="rId5"/>
-    <p:sldId id="281" r:id="rId6"/>
-    <p:sldId id="257" r:id="rId7"/>
-    <p:sldId id="274" r:id="rId8"/>
-    <p:sldId id="275" r:id="rId9"/>
-    <p:sldId id="276" r:id="rId10"/>
-    <p:sldId id="277" r:id="rId11"/>
-    <p:sldId id="282" r:id="rId12"/>
-    <p:sldId id="283" r:id="rId13"/>
-    <p:sldId id="284" r:id="rId14"/>
-    <p:sldId id="285" r:id="rId15"/>
-    <p:sldId id="286" r:id="rId16"/>
-    <p:sldId id="287" r:id="rId17"/>
-    <p:sldId id="288" r:id="rId18"/>
-    <p:sldId id="278" r:id="rId19"/>
-    <p:sldId id="279" r:id="rId20"/>
-    <p:sldId id="280" r:id="rId21"/>
-    <p:sldId id="290" r:id="rId22"/>
-    <p:sldId id="289" r:id="rId23"/>
+    <p:sldId id="291" r:id="rId6"/>
+    <p:sldId id="281" r:id="rId7"/>
+    <p:sldId id="257" r:id="rId8"/>
+    <p:sldId id="274" r:id="rId9"/>
+    <p:sldId id="275" r:id="rId10"/>
+    <p:sldId id="276" r:id="rId11"/>
+    <p:sldId id="277" r:id="rId12"/>
+    <p:sldId id="282" r:id="rId13"/>
+    <p:sldId id="283" r:id="rId14"/>
+    <p:sldId id="284" r:id="rId15"/>
+    <p:sldId id="285" r:id="rId16"/>
+    <p:sldId id="286" r:id="rId17"/>
+    <p:sldId id="287" r:id="rId18"/>
+    <p:sldId id="288" r:id="rId19"/>
+    <p:sldId id="278" r:id="rId20"/>
+    <p:sldId id="279" r:id="rId21"/>
+    <p:sldId id="280" r:id="rId22"/>
+    <p:sldId id="290" r:id="rId23"/>
+    <p:sldId id="289" r:id="rId24"/>
   </p:sldIdLst>
   <p:sldSz cx="18288000" cy="10287000"/>
   <p:notesSz cx="6858000" cy="9144000"/>
@@ -634,6 +635,96 @@
       </p:grpSpPr>
       <p:sp>
         <p:nvSpPr>
+          <p:cNvPr id="2" name="슬라이드 이미지 개체 틀 1"/>
+          <p:cNvSpPr>
+            <a:spLocks noGrp="1" noRot="1" noChangeAspect="1"/>
+          </p:cNvSpPr>
+          <p:nvPr>
+            <p:ph type="sldImg"/>
+          </p:nvPr>
+        </p:nvSpPr>
+        <p:spPr/>
+      </p:sp>
+      <p:sp>
+        <p:nvSpPr>
+          <p:cNvPr id="3" name="슬라이드 노트 개체 틀 2"/>
+          <p:cNvSpPr>
+            <a:spLocks noGrp="1"/>
+          </p:cNvSpPr>
+          <p:nvPr>
+            <p:ph type="body" idx="1"/>
+          </p:nvPr>
+        </p:nvSpPr>
+        <p:spPr/>
+        <p:txBody>
+          <a:bodyPr/>
+          <a:lstStyle/>
+          <a:p>
+            <a:endParaRPr lang="ko-KR" altLang="en-US" dirty="0"/>
+          </a:p>
+        </p:txBody>
+      </p:sp>
+      <p:sp>
+        <p:nvSpPr>
+          <p:cNvPr id="4" name="슬라이드 번호 개체 틀 3"/>
+          <p:cNvSpPr>
+            <a:spLocks noGrp="1"/>
+          </p:cNvSpPr>
+          <p:nvPr>
+            <p:ph type="sldNum" sz="quarter" idx="5"/>
+          </p:nvPr>
+        </p:nvSpPr>
+        <p:spPr/>
+        <p:txBody>
+          <a:bodyPr/>
+          <a:lstStyle/>
+          <a:p>
+            <a:pPr lvl="0">
+              <a:defRPr/>
+            </a:pPr>
+            <a:fld id="{09F4262C-968C-4EE9-8164-CE16364706B3}" type="slidenum">
+              <a:rPr lang="ko-KR" altLang="en-US" smtClean="0"/>
+              <a:pPr lvl="0">
+                <a:defRPr/>
+              </a:pPr>
+              <a:t>5</a:t>
+            </a:fld>
+            <a:endParaRPr lang="ko-KR" altLang="en-US"/>
+          </a:p>
+        </p:txBody>
+      </p:sp>
+    </p:spTree>
+    <p:extLst>
+      <p:ext uri="{BB962C8B-B14F-4D97-AF65-F5344CB8AC3E}">
+        <p14:creationId xmlns:p14="http://schemas.microsoft.com/office/powerpoint/2010/main" val="1187082781"/>
+      </p:ext>
+    </p:extLst>
+  </p:cSld>
+  <p:clrMapOvr>
+    <a:masterClrMapping/>
+  </p:clrMapOvr>
+</p:notes>
+</file>
+
+<file path=ppt/notesSlides/notesSlide3.xml><?xml version="1.0" encoding="utf-8"?>
+<p:notes xmlns:a="http://schemas.openxmlformats.org/drawingml/2006/main" xmlns:r="http://schemas.openxmlformats.org/officeDocument/2006/relationships" xmlns:p="http://schemas.openxmlformats.org/presentationml/2006/main">
+  <p:cSld>
+    <p:spTree>
+      <p:nvGrpSpPr>
+        <p:cNvPr id="1" name=""/>
+        <p:cNvGrpSpPr/>
+        <p:nvPr/>
+      </p:nvGrpSpPr>
+      <p:grpSpPr>
+        <a:xfrm>
+          <a:off x="0" y="0"/>
+          <a:ext cx="0" cy="0"/>
+          <a:chOff x="0" y="0"/>
+          <a:chExt cx="0" cy="0"/>
+        </a:xfrm>
+      </p:grpSpPr>
+      <p:sp>
+        <p:nvSpPr>
           <p:cNvPr id="2" name="슬라이드 이미지 개체 틀 3"/>
           <p:cNvSpPr>
             <a:spLocks noGrp="1" noRot="1" noChangeAspect="1" noTextEdit="1"/>
@@ -699,7 +790,7 @@
               <a:pPr lvl="0">
                 <a:defRPr/>
               </a:pPr>
-              <a:t>9</a:t>
+              <a:t>10</a:t>
             </a:fld>
             <a:endParaRPr lang="en-US" altLang="en-US"/>
           </a:p>
@@ -4140,7 +4231,7 @@
               <a:defRPr/>
             </a:pPr>
             <a:r>
-              <a:rPr lang="ko-KR" altLang="en-US" sz="7200" b="1" spc="-359">
+              <a:rPr lang="ko-KR" altLang="en-US" sz="7200" b="1" spc="-359" dirty="0">
                 <a:solidFill>
                   <a:srgbClr val="000000"/>
                 </a:solidFill>
@@ -4198,117 +4289,7 @@
       </p:sp>
       <p:pic>
         <p:nvPicPr>
-          <p:cNvPr id="11" name="그림 10"/>
-          <p:cNvPicPr>
-            <a:picLocks noChangeAspect="1"/>
-          </p:cNvPicPr>
-          <p:nvPr/>
-        </p:nvPicPr>
-        <p:blipFill rotWithShape="1">
-          <a:blip r:embed="rId2"/>
-          <a:stretch>
-            <a:fillRect/>
-          </a:stretch>
-        </p:blipFill>
-        <p:spPr>
-          <a:xfrm>
-            <a:off x="1676400" y="2705100"/>
-            <a:ext cx="3343741" cy="1933844"/>
-          </a:xfrm>
-          <a:prstGeom prst="rect">
-            <a:avLst/>
-          </a:prstGeom>
-          <a:effectLst>
-            <a:outerShdw blurRad="76200" dist="76200" dir="2700000" algn="ctr" rotWithShape="0">
-              <a:srgbClr val="000000">
-                <a:alpha val="50000"/>
-              </a:srgbClr>
-            </a:outerShdw>
-          </a:effectLst>
-        </p:spPr>
-      </p:pic>
-      <p:sp>
-        <p:nvSpPr>
-          <p:cNvPr id="12" name="TextBox 11"/>
-          <p:cNvSpPr txBox="1"/>
-          <p:nvPr/>
-        </p:nvSpPr>
-        <p:spPr>
-          <a:xfrm>
-            <a:off x="5105400" y="2705100"/>
-            <a:ext cx="9144000" cy="582930"/>
-          </a:xfrm>
-          <a:prstGeom prst="rect">
-            <a:avLst/>
-          </a:prstGeom>
-        </p:spPr>
-        <p:txBody>
-          <a:bodyPr wrap="square">
-            <a:spAutoFit/>
-          </a:bodyPr>
-          <a:lstStyle/>
-          <a:p>
-            <a:pPr algn="l">
-              <a:lnSpc>
-                <a:spcPts val="3872"/>
-              </a:lnSpc>
-              <a:defRPr/>
-            </a:pPr>
-            <a:r>
-              <a:rPr lang="en-US" altLang="ko-KR" sz="2100" b="1" spc="-160">
-                <a:solidFill>
-                  <a:srgbClr val="000000"/>
-                </a:solidFill>
-                <a:latin typeface="Nanum Square Bold"/>
-                <a:ea typeface="Nanum Square Bold"/>
-                <a:cs typeface="Nanum Square Bold"/>
-                <a:sym typeface="Nanum Square Bold"/>
-              </a:rPr>
-              <a:t>-</a:t>
-            </a:r>
-            <a:r>
-              <a:rPr lang="ko-KR" altLang="en-US" sz="2100" b="1" spc="-160">
-                <a:solidFill>
-                  <a:srgbClr val="000000"/>
-                </a:solidFill>
-                <a:latin typeface="Nanum Square Bold"/>
-                <a:ea typeface="Nanum Square Bold"/>
-                <a:cs typeface="Nanum Square Bold"/>
-                <a:sym typeface="Nanum Square Bold"/>
-              </a:rPr>
-              <a:t>총구 화염 </a:t>
-            </a:r>
-            <a:r>
-              <a:rPr lang="en-US" altLang="ko-KR" sz="2100" b="1" spc="-160">
-                <a:solidFill>
-                  <a:srgbClr val="000000"/>
-                </a:solidFill>
-                <a:latin typeface="Nanum Square Bold"/>
-                <a:ea typeface="Nanum Square Bold"/>
-                <a:cs typeface="Nanum Square Bold"/>
-                <a:sym typeface="Nanum Square Bold"/>
-              </a:rPr>
-              <a:t>,</a:t>
-            </a:r>
-            <a:r>
-              <a:rPr lang="ko-KR" altLang="en-US" sz="2100" b="1" spc="-160">
-                <a:solidFill>
-                  <a:srgbClr val="000000"/>
-                </a:solidFill>
-                <a:latin typeface="Nanum Square Bold"/>
-                <a:ea typeface="Nanum Square Bold"/>
-                <a:cs typeface="Nanum Square Bold"/>
-                <a:sym typeface="Nanum Square Bold"/>
-              </a:rPr>
-              <a:t> 탄피 배출</a:t>
-            </a:r>
-            <a:endParaRPr lang="ko-KR" altLang="en-US"/>
-          </a:p>
-        </p:txBody>
-      </p:sp>
-      <p:pic>
-        <p:nvPicPr>
-          <p:cNvPr id="13" name="그림 12"/>
+          <p:cNvPr id="10" name="그림 9"/>
           <p:cNvPicPr>
             <a:picLocks noChangeAspect="1"/>
           </p:cNvPicPr>
@@ -4322,349 +4303,8 @@
         </p:blipFill>
         <p:spPr>
           <a:xfrm>
-            <a:off x="1676400" y="4762500"/>
-            <a:ext cx="1219370" cy="933580"/>
-          </a:xfrm>
-          <a:prstGeom prst="rect">
-            <a:avLst/>
-          </a:prstGeom>
-          <a:effectLst>
-            <a:outerShdw blurRad="76200" dist="76200" dir="2700000" algn="ctr" rotWithShape="0">
-              <a:srgbClr val="000000">
-                <a:alpha val="50000"/>
-              </a:srgbClr>
-            </a:outerShdw>
-          </a:effectLst>
-        </p:spPr>
-      </p:pic>
-      <p:sp>
-        <p:nvSpPr>
-          <p:cNvPr id="14" name="TextBox 13"/>
-          <p:cNvSpPr txBox="1"/>
-          <p:nvPr/>
-        </p:nvSpPr>
-        <p:spPr>
-          <a:xfrm>
-            <a:off x="2895600" y="4852035"/>
-            <a:ext cx="9144000" cy="582930"/>
-          </a:xfrm>
-          <a:prstGeom prst="rect">
-            <a:avLst/>
-          </a:prstGeom>
-        </p:spPr>
-        <p:txBody>
-          <a:bodyPr wrap="square">
-            <a:spAutoFit/>
-          </a:bodyPr>
-          <a:lstStyle/>
-          <a:p>
-            <a:pPr algn="l">
-              <a:lnSpc>
-                <a:spcPts val="3872"/>
-              </a:lnSpc>
-              <a:defRPr/>
-            </a:pPr>
-            <a:r>
-              <a:rPr lang="en-US" altLang="ko-KR" sz="2100" b="1" spc="-160">
-                <a:solidFill>
-                  <a:srgbClr val="000000"/>
-                </a:solidFill>
-                <a:latin typeface="Nanum Square Bold"/>
-                <a:ea typeface="Nanum Square Bold"/>
-                <a:cs typeface="Nanum Square Bold"/>
-                <a:sym typeface="Nanum Square Bold"/>
-              </a:rPr>
-              <a:t>-</a:t>
-            </a:r>
-            <a:r>
-              <a:rPr lang="ko-KR" altLang="en-US" sz="2100" b="1" spc="-160">
-                <a:solidFill>
-                  <a:srgbClr val="000000"/>
-                </a:solidFill>
-                <a:latin typeface="Nanum Square Bold"/>
-                <a:ea typeface="Nanum Square Bold"/>
-                <a:cs typeface="Nanum Square Bold"/>
-                <a:sym typeface="Nanum Square Bold"/>
-              </a:rPr>
-              <a:t>조준선 </a:t>
-            </a:r>
-            <a:endParaRPr lang="ko-KR" altLang="en-US"/>
-          </a:p>
-        </p:txBody>
-      </p:sp>
-      <p:sp>
-        <p:nvSpPr>
-          <p:cNvPr id="15" name="TextBox 6"/>
-          <p:cNvSpPr txBox="1"/>
-          <p:nvPr/>
-        </p:nvSpPr>
-        <p:spPr>
-          <a:xfrm>
-            <a:off x="1676400" y="5829300"/>
-            <a:ext cx="9296400" cy="1485900"/>
-          </a:xfrm>
-          <a:prstGeom prst="rect">
-            <a:avLst/>
-          </a:prstGeom>
-        </p:spPr>
-        <p:txBody>
-          <a:bodyPr wrap="square" lIns="0" tIns="0" rIns="0" bIns="0" anchor="t">
-            <a:spAutoFit/>
-          </a:bodyPr>
-          <a:lstStyle/>
-          <a:p>
-            <a:pPr algn="l">
-              <a:lnSpc>
-                <a:spcPts val="3872"/>
-              </a:lnSpc>
-              <a:defRPr/>
-            </a:pPr>
-            <a:r>
-              <a:rPr lang="en-US" altLang="ko-KR" sz="2100" b="1" spc="-160">
-                <a:solidFill>
-                  <a:srgbClr val="000000"/>
-                </a:solidFill>
-                <a:latin typeface="Nanum Square Bold"/>
-                <a:ea typeface="Nanum Square Bold"/>
-                <a:cs typeface="Nanum Square Bold"/>
-                <a:sym typeface="Nanum Square Bold"/>
-              </a:rPr>
-              <a:t>-</a:t>
-            </a:r>
-            <a:r>
-              <a:rPr lang="ko-KR" altLang="en-US" sz="2100" b="1" spc="-160">
-                <a:solidFill>
-                  <a:srgbClr val="000000"/>
-                </a:solidFill>
-                <a:latin typeface="Nanum Square Bold"/>
-                <a:ea typeface="Nanum Square Bold"/>
-                <a:cs typeface="Nanum Square Bold"/>
-                <a:sym typeface="Nanum Square Bold"/>
-              </a:rPr>
-              <a:t> 격발 시  총구 </a:t>
-            </a:r>
-            <a:r>
-              <a:rPr lang="en-US" altLang="ko-KR" sz="2100" b="1" spc="-160">
-                <a:solidFill>
-                  <a:srgbClr val="000000"/>
-                </a:solidFill>
-                <a:latin typeface="Nanum Square Bold"/>
-                <a:ea typeface="Nanum Square Bold"/>
-                <a:cs typeface="Nanum Square Bold"/>
-                <a:sym typeface="Nanum Square Bold"/>
-              </a:rPr>
-              <a:t>pitch </a:t>
-            </a:r>
-            <a:r>
-              <a:rPr lang="ko-KR" altLang="en-US" sz="2100" b="1" spc="-160">
-                <a:solidFill>
-                  <a:srgbClr val="000000"/>
-                </a:solidFill>
-                <a:latin typeface="Nanum Square Bold"/>
-                <a:ea typeface="Nanum Square Bold"/>
-                <a:cs typeface="Nanum Square Bold"/>
-                <a:sym typeface="Nanum Square Bold"/>
-              </a:rPr>
-              <a:t>회전 을 통해 반동 표현 </a:t>
-            </a:r>
-          </a:p>
-          <a:p>
-            <a:pPr algn="l">
-              <a:lnSpc>
-                <a:spcPts val="3872"/>
-              </a:lnSpc>
-              <a:defRPr/>
-            </a:pPr>
-            <a:endParaRPr lang="ko-KR" altLang="en-US" sz="2100" b="1" spc="-160">
-              <a:solidFill>
-                <a:srgbClr val="000000"/>
-              </a:solidFill>
-              <a:latin typeface="Nanum Square Bold"/>
-              <a:ea typeface="Nanum Square Bold"/>
-              <a:cs typeface="Nanum Square Bold"/>
-              <a:sym typeface="Nanum Square Bold"/>
-            </a:endParaRPr>
-          </a:p>
-          <a:p>
-            <a:pPr algn="l">
-              <a:lnSpc>
-                <a:spcPts val="3872"/>
-              </a:lnSpc>
-              <a:defRPr/>
-            </a:pPr>
-            <a:endParaRPr lang="ko-KR" altLang="en-US" sz="2100" b="1" spc="-160">
-              <a:solidFill>
-                <a:srgbClr val="000000"/>
-              </a:solidFill>
-              <a:latin typeface="Nanum Square Bold"/>
-              <a:ea typeface="Nanum Square Bold"/>
-              <a:cs typeface="Nanum Square Bold"/>
-              <a:sym typeface="Nanum Square Bold"/>
-            </a:endParaRPr>
-          </a:p>
-        </p:txBody>
-      </p:sp>
-      <p:pic>
-        <p:nvPicPr>
-          <p:cNvPr id="16" name="그림 15"/>
-          <p:cNvPicPr>
-            <a:picLocks noChangeAspect="1"/>
-          </p:cNvPicPr>
-          <p:nvPr/>
-        </p:nvPicPr>
-        <p:blipFill rotWithShape="1">
-          <a:blip r:embed="rId4"/>
-          <a:stretch>
-            <a:fillRect/>
-          </a:stretch>
-        </p:blipFill>
-        <p:spPr>
-          <a:xfrm>
-            <a:off x="1676400" y="6362700"/>
-            <a:ext cx="4797380" cy="2286000"/>
-          </a:xfrm>
-          <a:prstGeom prst="rect">
-            <a:avLst/>
-          </a:prstGeom>
-          <a:effectLst>
-            <a:outerShdw blurRad="76200" dist="76200" dir="2700000" algn="ctr" rotWithShape="0">
-              <a:srgbClr val="000000">
-                <a:alpha val="50000"/>
-              </a:srgbClr>
-            </a:outerShdw>
-          </a:effectLst>
-        </p:spPr>
-      </p:pic>
-      <p:sp>
-        <p:nvSpPr>
-          <p:cNvPr id="17" name="TextBox 6"/>
-          <p:cNvSpPr txBox="1"/>
-          <p:nvPr/>
-        </p:nvSpPr>
-        <p:spPr>
-          <a:xfrm>
-            <a:off x="1676400" y="8801100"/>
-            <a:ext cx="9296400" cy="1485900"/>
-          </a:xfrm>
-          <a:prstGeom prst="rect">
-            <a:avLst/>
-          </a:prstGeom>
-        </p:spPr>
-        <p:txBody>
-          <a:bodyPr wrap="square" lIns="0" tIns="0" rIns="0" bIns="0" anchor="t">
-            <a:spAutoFit/>
-          </a:bodyPr>
-          <a:lstStyle/>
-          <a:p>
-            <a:pPr algn="l">
-              <a:lnSpc>
-                <a:spcPts val="3872"/>
-              </a:lnSpc>
-              <a:defRPr/>
-            </a:pPr>
-            <a:r>
-              <a:rPr lang="en-US" altLang="ko-KR" sz="2100" b="1" spc="-160">
-                <a:solidFill>
-                  <a:srgbClr val="000000"/>
-                </a:solidFill>
-                <a:latin typeface="Nanum Square Bold"/>
-                <a:ea typeface="Nanum Square Bold"/>
-                <a:cs typeface="Nanum Square Bold"/>
-                <a:sym typeface="Nanum Square Bold"/>
-              </a:rPr>
-              <a:t>-</a:t>
-            </a:r>
-            <a:r>
-              <a:rPr lang="ko-KR" altLang="en-US" sz="2100" b="1" spc="-160">
-                <a:solidFill>
-                  <a:srgbClr val="000000"/>
-                </a:solidFill>
-                <a:latin typeface="Nanum Square Bold"/>
-                <a:ea typeface="Nanum Square Bold"/>
-                <a:cs typeface="Nanum Square Bold"/>
-                <a:sym typeface="Nanum Square Bold"/>
-              </a:rPr>
-              <a:t> 적중 시 사운드 </a:t>
-            </a:r>
-            <a:r>
-              <a:rPr lang="en-US" altLang="ko-KR" sz="2100" b="1" spc="-160">
-                <a:solidFill>
-                  <a:srgbClr val="000000"/>
-                </a:solidFill>
-                <a:latin typeface="Nanum Square Bold"/>
-                <a:ea typeface="Nanum Square Bold"/>
-                <a:cs typeface="Nanum Square Bold"/>
-                <a:sym typeface="Nanum Square Bold"/>
-              </a:rPr>
-              <a:t>&amp;</a:t>
-            </a:r>
-            <a:r>
-              <a:rPr lang="ko-KR" altLang="en-US" sz="2100" b="1" spc="-160">
-                <a:solidFill>
-                  <a:srgbClr val="000000"/>
-                </a:solidFill>
-                <a:latin typeface="Nanum Square Bold"/>
-                <a:ea typeface="Nanum Square Bold"/>
-                <a:cs typeface="Nanum Square Bold"/>
-                <a:sym typeface="Nanum Square Bold"/>
-              </a:rPr>
-              <a:t> 피격 효과 생성으로 타격감 </a:t>
-            </a:r>
-          </a:p>
-          <a:p>
-            <a:pPr algn="l">
-              <a:lnSpc>
-                <a:spcPts val="3872"/>
-              </a:lnSpc>
-              <a:defRPr/>
-            </a:pPr>
-            <a:endParaRPr lang="ko-KR" altLang="en-US" sz="2100" b="1" spc="-160">
-              <a:solidFill>
-                <a:srgbClr val="000000"/>
-              </a:solidFill>
-              <a:latin typeface="Nanum Square Bold"/>
-              <a:ea typeface="Nanum Square Bold"/>
-              <a:cs typeface="Nanum Square Bold"/>
-              <a:sym typeface="Nanum Square Bold"/>
-            </a:endParaRPr>
-          </a:p>
-          <a:p>
-            <a:pPr algn="l">
-              <a:lnSpc>
-                <a:spcPts val="3872"/>
-              </a:lnSpc>
-              <a:defRPr/>
-            </a:pPr>
-            <a:endParaRPr lang="ko-KR" altLang="en-US" sz="2100" b="1" spc="-160">
-              <a:solidFill>
-                <a:srgbClr val="000000"/>
-              </a:solidFill>
-              <a:latin typeface="Nanum Square Bold"/>
-              <a:ea typeface="Nanum Square Bold"/>
-              <a:cs typeface="Nanum Square Bold"/>
-              <a:sym typeface="Nanum Square Bold"/>
-            </a:endParaRPr>
-          </a:p>
-        </p:txBody>
-      </p:sp>
-      <p:pic>
-        <p:nvPicPr>
-          <p:cNvPr id="18" name="그림 17"/>
-          <p:cNvPicPr>
-            <a:picLocks noChangeAspect="1"/>
-          </p:cNvPicPr>
-          <p:nvPr/>
-        </p:nvPicPr>
-        <p:blipFill rotWithShape="1">
-          <a:blip r:embed="rId5"/>
-          <a:stretch>
-            <a:fillRect/>
-          </a:stretch>
-        </p:blipFill>
-        <p:spPr>
-          <a:xfrm>
-            <a:off x="8229600" y="3695700"/>
-            <a:ext cx="3810000" cy="4179059"/>
+            <a:off x="1676399" y="2628900"/>
+            <a:ext cx="14754085" cy="6781800"/>
           </a:xfrm>
           <a:prstGeom prst="rect">
             <a:avLst/>
@@ -4781,14 +4421,14 @@
       </p:sp>
       <p:sp>
         <p:nvSpPr>
-          <p:cNvPr id="9" name="TextBox 9"/>
+          <p:cNvPr id="5" name="TextBox 5"/>
           <p:cNvSpPr txBox="1"/>
           <p:nvPr/>
         </p:nvSpPr>
         <p:spPr>
           <a:xfrm>
-            <a:off x="4078981" y="2366850"/>
-            <a:ext cx="10130038" cy="1024050"/>
+            <a:off x="1635693" y="1428583"/>
+            <a:ext cx="8014955" cy="1019342"/>
           </a:xfrm>
           <a:prstGeom prst="rect">
             <a:avLst/>
@@ -4800,14 +4440,14 @@
           </a:bodyPr>
           <a:lstStyle/>
           <a:p>
-            <a:pPr algn="ctr">
+            <a:pPr algn="l">
               <a:lnSpc>
                 <a:spcPts val="8064"/>
               </a:lnSpc>
               <a:defRPr/>
             </a:pPr>
             <a:r>
-              <a:rPr lang="en-US" altLang="ko-KR" sz="7200" b="1" spc="-359">
+              <a:rPr lang="ko-KR" altLang="en-US" sz="7200" b="1" spc="-359">
                 <a:solidFill>
                   <a:srgbClr val="000000"/>
                 </a:solidFill>
@@ -4816,11 +4456,535 @@
                 <a:cs typeface="Nanum Square Bold"/>
                 <a:sym typeface="Nanum Square Bold"/>
               </a:rPr>
-              <a:t>Fishing Game</a:t>
-            </a:r>
-          </a:p>
-        </p:txBody>
-      </p:sp>
+              <a:t>코드 업그레이드 </a:t>
+            </a:r>
+          </a:p>
+        </p:txBody>
+      </p:sp>
+      <p:sp>
+        <p:nvSpPr>
+          <p:cNvPr id="7" name="TextBox 7"/>
+          <p:cNvSpPr txBox="1"/>
+          <p:nvPr/>
+        </p:nvSpPr>
+        <p:spPr>
+          <a:xfrm>
+            <a:off x="1714824" y="1121483"/>
+            <a:ext cx="4211394" cy="297742"/>
+          </a:xfrm>
+          <a:prstGeom prst="rect">
+            <a:avLst/>
+          </a:prstGeom>
+        </p:spPr>
+        <p:txBody>
+          <a:bodyPr lIns="0" tIns="0" rIns="0" bIns="0" anchor="t">
+            <a:spAutoFit/>
+          </a:bodyPr>
+          <a:lstStyle/>
+          <a:p>
+            <a:pPr algn="l">
+              <a:lnSpc>
+                <a:spcPts val="2352"/>
+              </a:lnSpc>
+              <a:defRPr/>
+            </a:pPr>
+            <a:r>
+              <a:rPr lang="en-US" altLang="ko-KR" sz="2100" b="1">
+                <a:solidFill>
+                  <a:srgbClr val="737373"/>
+                </a:solidFill>
+                <a:latin typeface="Heebo Bold"/>
+                <a:ea typeface="Heebo Bold"/>
+                <a:cs typeface="Heebo Bold"/>
+                <a:sym typeface="Heebo Bold"/>
+              </a:rPr>
+              <a:t>Code Upgrade</a:t>
+            </a:r>
+          </a:p>
+        </p:txBody>
+      </p:sp>
+      <p:pic>
+        <p:nvPicPr>
+          <p:cNvPr id="11" name="그림 10"/>
+          <p:cNvPicPr>
+            <a:picLocks noChangeAspect="1"/>
+          </p:cNvPicPr>
+          <p:nvPr/>
+        </p:nvPicPr>
+        <p:blipFill rotWithShape="1">
+          <a:blip r:embed="rId2"/>
+          <a:stretch>
+            <a:fillRect/>
+          </a:stretch>
+        </p:blipFill>
+        <p:spPr>
+          <a:xfrm>
+            <a:off x="1676400" y="2705100"/>
+            <a:ext cx="3343741" cy="1933844"/>
+          </a:xfrm>
+          <a:prstGeom prst="rect">
+            <a:avLst/>
+          </a:prstGeom>
+          <a:effectLst>
+            <a:outerShdw blurRad="76200" dist="76200" dir="2700000" algn="ctr" rotWithShape="0">
+              <a:srgbClr val="000000">
+                <a:alpha val="50000"/>
+              </a:srgbClr>
+            </a:outerShdw>
+          </a:effectLst>
+        </p:spPr>
+      </p:pic>
+      <p:sp>
+        <p:nvSpPr>
+          <p:cNvPr id="12" name="TextBox 11"/>
+          <p:cNvSpPr txBox="1"/>
+          <p:nvPr/>
+        </p:nvSpPr>
+        <p:spPr>
+          <a:xfrm>
+            <a:off x="5105400" y="2705100"/>
+            <a:ext cx="9144000" cy="582930"/>
+          </a:xfrm>
+          <a:prstGeom prst="rect">
+            <a:avLst/>
+          </a:prstGeom>
+        </p:spPr>
+        <p:txBody>
+          <a:bodyPr wrap="square">
+            <a:spAutoFit/>
+          </a:bodyPr>
+          <a:lstStyle/>
+          <a:p>
+            <a:pPr algn="l">
+              <a:lnSpc>
+                <a:spcPts val="3872"/>
+              </a:lnSpc>
+              <a:defRPr/>
+            </a:pPr>
+            <a:r>
+              <a:rPr lang="en-US" altLang="ko-KR" sz="2100" b="1" spc="-160">
+                <a:solidFill>
+                  <a:srgbClr val="000000"/>
+                </a:solidFill>
+                <a:latin typeface="Nanum Square Bold"/>
+                <a:ea typeface="Nanum Square Bold"/>
+                <a:cs typeface="Nanum Square Bold"/>
+                <a:sym typeface="Nanum Square Bold"/>
+              </a:rPr>
+              <a:t>-</a:t>
+            </a:r>
+            <a:r>
+              <a:rPr lang="ko-KR" altLang="en-US" sz="2100" b="1" spc="-160">
+                <a:solidFill>
+                  <a:srgbClr val="000000"/>
+                </a:solidFill>
+                <a:latin typeface="Nanum Square Bold"/>
+                <a:ea typeface="Nanum Square Bold"/>
+                <a:cs typeface="Nanum Square Bold"/>
+                <a:sym typeface="Nanum Square Bold"/>
+              </a:rPr>
+              <a:t>총구 화염 </a:t>
+            </a:r>
+            <a:r>
+              <a:rPr lang="en-US" altLang="ko-KR" sz="2100" b="1" spc="-160">
+                <a:solidFill>
+                  <a:srgbClr val="000000"/>
+                </a:solidFill>
+                <a:latin typeface="Nanum Square Bold"/>
+                <a:ea typeface="Nanum Square Bold"/>
+                <a:cs typeface="Nanum Square Bold"/>
+                <a:sym typeface="Nanum Square Bold"/>
+              </a:rPr>
+              <a:t>,</a:t>
+            </a:r>
+            <a:r>
+              <a:rPr lang="ko-KR" altLang="en-US" sz="2100" b="1" spc="-160">
+                <a:solidFill>
+                  <a:srgbClr val="000000"/>
+                </a:solidFill>
+                <a:latin typeface="Nanum Square Bold"/>
+                <a:ea typeface="Nanum Square Bold"/>
+                <a:cs typeface="Nanum Square Bold"/>
+                <a:sym typeface="Nanum Square Bold"/>
+              </a:rPr>
+              <a:t> 탄피 배출</a:t>
+            </a:r>
+            <a:endParaRPr lang="ko-KR" altLang="en-US"/>
+          </a:p>
+        </p:txBody>
+      </p:sp>
+      <p:pic>
+        <p:nvPicPr>
+          <p:cNvPr id="13" name="그림 12"/>
+          <p:cNvPicPr>
+            <a:picLocks noChangeAspect="1"/>
+          </p:cNvPicPr>
+          <p:nvPr/>
+        </p:nvPicPr>
+        <p:blipFill rotWithShape="1">
+          <a:blip r:embed="rId3"/>
+          <a:stretch>
+            <a:fillRect/>
+          </a:stretch>
+        </p:blipFill>
+        <p:spPr>
+          <a:xfrm>
+            <a:off x="1676400" y="4762500"/>
+            <a:ext cx="1219370" cy="933580"/>
+          </a:xfrm>
+          <a:prstGeom prst="rect">
+            <a:avLst/>
+          </a:prstGeom>
+          <a:effectLst>
+            <a:outerShdw blurRad="76200" dist="76200" dir="2700000" algn="ctr" rotWithShape="0">
+              <a:srgbClr val="000000">
+                <a:alpha val="50000"/>
+              </a:srgbClr>
+            </a:outerShdw>
+          </a:effectLst>
+        </p:spPr>
+      </p:pic>
+      <p:sp>
+        <p:nvSpPr>
+          <p:cNvPr id="14" name="TextBox 13"/>
+          <p:cNvSpPr txBox="1"/>
+          <p:nvPr/>
+        </p:nvSpPr>
+        <p:spPr>
+          <a:xfrm>
+            <a:off x="2895600" y="4852035"/>
+            <a:ext cx="9144000" cy="582930"/>
+          </a:xfrm>
+          <a:prstGeom prst="rect">
+            <a:avLst/>
+          </a:prstGeom>
+        </p:spPr>
+        <p:txBody>
+          <a:bodyPr wrap="square">
+            <a:spAutoFit/>
+          </a:bodyPr>
+          <a:lstStyle/>
+          <a:p>
+            <a:pPr algn="l">
+              <a:lnSpc>
+                <a:spcPts val="3872"/>
+              </a:lnSpc>
+              <a:defRPr/>
+            </a:pPr>
+            <a:r>
+              <a:rPr lang="en-US" altLang="ko-KR" sz="2100" b="1" spc="-160">
+                <a:solidFill>
+                  <a:srgbClr val="000000"/>
+                </a:solidFill>
+                <a:latin typeface="Nanum Square Bold"/>
+                <a:ea typeface="Nanum Square Bold"/>
+                <a:cs typeface="Nanum Square Bold"/>
+                <a:sym typeface="Nanum Square Bold"/>
+              </a:rPr>
+              <a:t>-</a:t>
+            </a:r>
+            <a:r>
+              <a:rPr lang="ko-KR" altLang="en-US" sz="2100" b="1" spc="-160">
+                <a:solidFill>
+                  <a:srgbClr val="000000"/>
+                </a:solidFill>
+                <a:latin typeface="Nanum Square Bold"/>
+                <a:ea typeface="Nanum Square Bold"/>
+                <a:cs typeface="Nanum Square Bold"/>
+                <a:sym typeface="Nanum Square Bold"/>
+              </a:rPr>
+              <a:t>조준선 </a:t>
+            </a:r>
+            <a:endParaRPr lang="ko-KR" altLang="en-US"/>
+          </a:p>
+        </p:txBody>
+      </p:sp>
+      <p:sp>
+        <p:nvSpPr>
+          <p:cNvPr id="15" name="TextBox 6"/>
+          <p:cNvSpPr txBox="1"/>
+          <p:nvPr/>
+        </p:nvSpPr>
+        <p:spPr>
+          <a:xfrm>
+            <a:off x="1676400" y="5829300"/>
+            <a:ext cx="9296400" cy="1485900"/>
+          </a:xfrm>
+          <a:prstGeom prst="rect">
+            <a:avLst/>
+          </a:prstGeom>
+        </p:spPr>
+        <p:txBody>
+          <a:bodyPr wrap="square" lIns="0" tIns="0" rIns="0" bIns="0" anchor="t">
+            <a:spAutoFit/>
+          </a:bodyPr>
+          <a:lstStyle/>
+          <a:p>
+            <a:pPr algn="l">
+              <a:lnSpc>
+                <a:spcPts val="3872"/>
+              </a:lnSpc>
+              <a:defRPr/>
+            </a:pPr>
+            <a:r>
+              <a:rPr lang="en-US" altLang="ko-KR" sz="2100" b="1" spc="-160">
+                <a:solidFill>
+                  <a:srgbClr val="000000"/>
+                </a:solidFill>
+                <a:latin typeface="Nanum Square Bold"/>
+                <a:ea typeface="Nanum Square Bold"/>
+                <a:cs typeface="Nanum Square Bold"/>
+                <a:sym typeface="Nanum Square Bold"/>
+              </a:rPr>
+              <a:t>-</a:t>
+            </a:r>
+            <a:r>
+              <a:rPr lang="ko-KR" altLang="en-US" sz="2100" b="1" spc="-160">
+                <a:solidFill>
+                  <a:srgbClr val="000000"/>
+                </a:solidFill>
+                <a:latin typeface="Nanum Square Bold"/>
+                <a:ea typeface="Nanum Square Bold"/>
+                <a:cs typeface="Nanum Square Bold"/>
+                <a:sym typeface="Nanum Square Bold"/>
+              </a:rPr>
+              <a:t> 격발 시  총구 </a:t>
+            </a:r>
+            <a:r>
+              <a:rPr lang="en-US" altLang="ko-KR" sz="2100" b="1" spc="-160">
+                <a:solidFill>
+                  <a:srgbClr val="000000"/>
+                </a:solidFill>
+                <a:latin typeface="Nanum Square Bold"/>
+                <a:ea typeface="Nanum Square Bold"/>
+                <a:cs typeface="Nanum Square Bold"/>
+                <a:sym typeface="Nanum Square Bold"/>
+              </a:rPr>
+              <a:t>pitch </a:t>
+            </a:r>
+            <a:r>
+              <a:rPr lang="ko-KR" altLang="en-US" sz="2100" b="1" spc="-160">
+                <a:solidFill>
+                  <a:srgbClr val="000000"/>
+                </a:solidFill>
+                <a:latin typeface="Nanum Square Bold"/>
+                <a:ea typeface="Nanum Square Bold"/>
+                <a:cs typeface="Nanum Square Bold"/>
+                <a:sym typeface="Nanum Square Bold"/>
+              </a:rPr>
+              <a:t>회전 을 통해 반동 표현 </a:t>
+            </a:r>
+          </a:p>
+          <a:p>
+            <a:pPr algn="l">
+              <a:lnSpc>
+                <a:spcPts val="3872"/>
+              </a:lnSpc>
+              <a:defRPr/>
+            </a:pPr>
+            <a:endParaRPr lang="ko-KR" altLang="en-US" sz="2100" b="1" spc="-160">
+              <a:solidFill>
+                <a:srgbClr val="000000"/>
+              </a:solidFill>
+              <a:latin typeface="Nanum Square Bold"/>
+              <a:ea typeface="Nanum Square Bold"/>
+              <a:cs typeface="Nanum Square Bold"/>
+              <a:sym typeface="Nanum Square Bold"/>
+            </a:endParaRPr>
+          </a:p>
+          <a:p>
+            <a:pPr algn="l">
+              <a:lnSpc>
+                <a:spcPts val="3872"/>
+              </a:lnSpc>
+              <a:defRPr/>
+            </a:pPr>
+            <a:endParaRPr lang="ko-KR" altLang="en-US" sz="2100" b="1" spc="-160">
+              <a:solidFill>
+                <a:srgbClr val="000000"/>
+              </a:solidFill>
+              <a:latin typeface="Nanum Square Bold"/>
+              <a:ea typeface="Nanum Square Bold"/>
+              <a:cs typeface="Nanum Square Bold"/>
+              <a:sym typeface="Nanum Square Bold"/>
+            </a:endParaRPr>
+          </a:p>
+        </p:txBody>
+      </p:sp>
+      <p:pic>
+        <p:nvPicPr>
+          <p:cNvPr id="16" name="그림 15"/>
+          <p:cNvPicPr>
+            <a:picLocks noChangeAspect="1"/>
+          </p:cNvPicPr>
+          <p:nvPr/>
+        </p:nvPicPr>
+        <p:blipFill rotWithShape="1">
+          <a:blip r:embed="rId4"/>
+          <a:stretch>
+            <a:fillRect/>
+          </a:stretch>
+        </p:blipFill>
+        <p:spPr>
+          <a:xfrm>
+            <a:off x="1676400" y="6362700"/>
+            <a:ext cx="4797380" cy="2286000"/>
+          </a:xfrm>
+          <a:prstGeom prst="rect">
+            <a:avLst/>
+          </a:prstGeom>
+          <a:effectLst>
+            <a:outerShdw blurRad="76200" dist="76200" dir="2700000" algn="ctr" rotWithShape="0">
+              <a:srgbClr val="000000">
+                <a:alpha val="50000"/>
+              </a:srgbClr>
+            </a:outerShdw>
+          </a:effectLst>
+        </p:spPr>
+      </p:pic>
+      <p:sp>
+        <p:nvSpPr>
+          <p:cNvPr id="17" name="TextBox 6"/>
+          <p:cNvSpPr txBox="1"/>
+          <p:nvPr/>
+        </p:nvSpPr>
+        <p:spPr>
+          <a:xfrm>
+            <a:off x="1676400" y="8801100"/>
+            <a:ext cx="9296400" cy="1485900"/>
+          </a:xfrm>
+          <a:prstGeom prst="rect">
+            <a:avLst/>
+          </a:prstGeom>
+        </p:spPr>
+        <p:txBody>
+          <a:bodyPr wrap="square" lIns="0" tIns="0" rIns="0" bIns="0" anchor="t">
+            <a:spAutoFit/>
+          </a:bodyPr>
+          <a:lstStyle/>
+          <a:p>
+            <a:pPr algn="l">
+              <a:lnSpc>
+                <a:spcPts val="3872"/>
+              </a:lnSpc>
+              <a:defRPr/>
+            </a:pPr>
+            <a:r>
+              <a:rPr lang="en-US" altLang="ko-KR" sz="2100" b="1" spc="-160">
+                <a:solidFill>
+                  <a:srgbClr val="000000"/>
+                </a:solidFill>
+                <a:latin typeface="Nanum Square Bold"/>
+                <a:ea typeface="Nanum Square Bold"/>
+                <a:cs typeface="Nanum Square Bold"/>
+                <a:sym typeface="Nanum Square Bold"/>
+              </a:rPr>
+              <a:t>-</a:t>
+            </a:r>
+            <a:r>
+              <a:rPr lang="ko-KR" altLang="en-US" sz="2100" b="1" spc="-160">
+                <a:solidFill>
+                  <a:srgbClr val="000000"/>
+                </a:solidFill>
+                <a:latin typeface="Nanum Square Bold"/>
+                <a:ea typeface="Nanum Square Bold"/>
+                <a:cs typeface="Nanum Square Bold"/>
+                <a:sym typeface="Nanum Square Bold"/>
+              </a:rPr>
+              <a:t> 적중 시 사운드 </a:t>
+            </a:r>
+            <a:r>
+              <a:rPr lang="en-US" altLang="ko-KR" sz="2100" b="1" spc="-160">
+                <a:solidFill>
+                  <a:srgbClr val="000000"/>
+                </a:solidFill>
+                <a:latin typeface="Nanum Square Bold"/>
+                <a:ea typeface="Nanum Square Bold"/>
+                <a:cs typeface="Nanum Square Bold"/>
+                <a:sym typeface="Nanum Square Bold"/>
+              </a:rPr>
+              <a:t>&amp;</a:t>
+            </a:r>
+            <a:r>
+              <a:rPr lang="ko-KR" altLang="en-US" sz="2100" b="1" spc="-160">
+                <a:solidFill>
+                  <a:srgbClr val="000000"/>
+                </a:solidFill>
+                <a:latin typeface="Nanum Square Bold"/>
+                <a:ea typeface="Nanum Square Bold"/>
+                <a:cs typeface="Nanum Square Bold"/>
+                <a:sym typeface="Nanum Square Bold"/>
+              </a:rPr>
+              <a:t> 피격 효과 생성으로 타격감 </a:t>
+            </a:r>
+          </a:p>
+          <a:p>
+            <a:pPr algn="l">
+              <a:lnSpc>
+                <a:spcPts val="3872"/>
+              </a:lnSpc>
+              <a:defRPr/>
+            </a:pPr>
+            <a:endParaRPr lang="ko-KR" altLang="en-US" sz="2100" b="1" spc="-160">
+              <a:solidFill>
+                <a:srgbClr val="000000"/>
+              </a:solidFill>
+              <a:latin typeface="Nanum Square Bold"/>
+              <a:ea typeface="Nanum Square Bold"/>
+              <a:cs typeface="Nanum Square Bold"/>
+              <a:sym typeface="Nanum Square Bold"/>
+            </a:endParaRPr>
+          </a:p>
+          <a:p>
+            <a:pPr algn="l">
+              <a:lnSpc>
+                <a:spcPts val="3872"/>
+              </a:lnSpc>
+              <a:defRPr/>
+            </a:pPr>
+            <a:endParaRPr lang="ko-KR" altLang="en-US" sz="2100" b="1" spc="-160">
+              <a:solidFill>
+                <a:srgbClr val="000000"/>
+              </a:solidFill>
+              <a:latin typeface="Nanum Square Bold"/>
+              <a:ea typeface="Nanum Square Bold"/>
+              <a:cs typeface="Nanum Square Bold"/>
+              <a:sym typeface="Nanum Square Bold"/>
+            </a:endParaRPr>
+          </a:p>
+        </p:txBody>
+      </p:sp>
+      <p:pic>
+        <p:nvPicPr>
+          <p:cNvPr id="18" name="그림 17"/>
+          <p:cNvPicPr>
+            <a:picLocks noChangeAspect="1"/>
+          </p:cNvPicPr>
+          <p:nvPr/>
+        </p:nvPicPr>
+        <p:blipFill rotWithShape="1">
+          <a:blip r:embed="rId5"/>
+          <a:stretch>
+            <a:fillRect/>
+          </a:stretch>
+        </p:blipFill>
+        <p:spPr>
+          <a:xfrm>
+            <a:off x="8229600" y="3695700"/>
+            <a:ext cx="3810000" cy="4179059"/>
+          </a:xfrm>
+          <a:prstGeom prst="rect">
+            <a:avLst/>
+          </a:prstGeom>
+          <a:effectLst>
+            <a:outerShdw blurRad="76200" dist="76200" dir="2700000" algn="ctr" rotWithShape="0">
+              <a:srgbClr val="000000">
+                <a:alpha val="50000"/>
+              </a:srgbClr>
+            </a:outerShdw>
+          </a:effectLst>
+        </p:spPr>
+      </p:pic>
     </p:spTree>
   </p:cSld>
   <p:clrMapOvr>
@@ -4924,14 +5088,14 @@
       </p:sp>
       <p:sp>
         <p:nvSpPr>
-          <p:cNvPr id="7" name="TextBox 7"/>
+          <p:cNvPr id="9" name="TextBox 9"/>
           <p:cNvSpPr txBox="1"/>
           <p:nvPr/>
         </p:nvSpPr>
         <p:spPr>
           <a:xfrm>
-            <a:off x="1714824" y="1121483"/>
-            <a:ext cx="4211394" cy="311624"/>
+            <a:off x="4078981" y="2366850"/>
+            <a:ext cx="10130038" cy="1024050"/>
           </a:xfrm>
           <a:prstGeom prst="rect">
             <a:avLst/>
@@ -4943,120 +5107,24 @@
           </a:bodyPr>
           <a:lstStyle/>
           <a:p>
-            <a:pPr algn="l">
+            <a:pPr algn="ctr">
               <a:lnSpc>
-                <a:spcPts val="2352"/>
+                <a:spcPts val="8064"/>
               </a:lnSpc>
               <a:defRPr/>
             </a:pPr>
             <a:r>
-              <a:rPr lang="ko-KR" altLang="en-US" sz="2100" b="1">
-                <a:solidFill>
-                  <a:srgbClr val="737373"/>
-                </a:solidFill>
-                <a:latin typeface="Heebo Bold"/>
-                <a:ea typeface="Heebo Bold"/>
-                <a:cs typeface="Heebo Bold"/>
-                <a:sym typeface="Heebo Bold"/>
-              </a:rPr>
-              <a:t>소스코드의 변화</a:t>
-            </a:r>
-          </a:p>
-        </p:txBody>
-      </p:sp>
-      <p:pic>
-        <p:nvPicPr>
-          <p:cNvPr id="6" name="그림 5"/>
-          <p:cNvPicPr>
-            <a:picLocks noChangeAspect="1"/>
-          </p:cNvPicPr>
-          <p:nvPr/>
-        </p:nvPicPr>
-        <p:blipFill rotWithShape="1">
-          <a:blip r:embed="rId2"/>
-          <a:stretch>
-            <a:fillRect/>
-          </a:stretch>
-        </p:blipFill>
-        <p:spPr>
-          <a:xfrm>
-            <a:off x="1219200" y="1556401"/>
-            <a:ext cx="6679746" cy="6400800"/>
-          </a:xfrm>
-          <a:prstGeom prst="rect">
-            <a:avLst/>
-          </a:prstGeom>
-        </p:spPr>
-      </p:pic>
-      <p:pic>
-        <p:nvPicPr>
-          <p:cNvPr id="9" name="그림 8"/>
-          <p:cNvPicPr>
-            <a:picLocks noChangeAspect="1"/>
-          </p:cNvPicPr>
-          <p:nvPr/>
-        </p:nvPicPr>
-        <p:blipFill rotWithShape="1">
-          <a:blip r:embed="rId3"/>
-          <a:stretch>
-            <a:fillRect/>
-          </a:stretch>
-        </p:blipFill>
-        <p:spPr>
-          <a:xfrm>
-            <a:off x="9597975" y="1556401"/>
-            <a:ext cx="7461947" cy="6400800"/>
-          </a:xfrm>
-          <a:prstGeom prst="rect">
-            <a:avLst/>
-          </a:prstGeom>
-        </p:spPr>
-      </p:pic>
-      <p:sp>
-        <p:nvSpPr>
-          <p:cNvPr id="10" name="화살표: 오른쪽 9"/>
-          <p:cNvSpPr/>
-          <p:nvPr/>
-        </p:nvSpPr>
-        <p:spPr>
-          <a:xfrm>
-            <a:off x="8282639" y="4528202"/>
-            <a:ext cx="990600" cy="457197"/>
-          </a:xfrm>
-          <a:prstGeom prst="rightArrow">
-            <a:avLst>
-              <a:gd name="adj1" fmla="val 50000"/>
-              <a:gd name="adj2" fmla="val 50000"/>
-            </a:avLst>
-          </a:prstGeom>
-          <a:solidFill>
-            <a:schemeClr val="bg1"/>
-          </a:solidFill>
-        </p:spPr>
-        <p:style>
-          <a:lnRef idx="2">
-            <a:schemeClr val="accent1">
-              <a:shade val="15000"/>
-            </a:schemeClr>
-          </a:lnRef>
-          <a:fillRef idx="1">
-            <a:schemeClr val="accent1"/>
-          </a:fillRef>
-          <a:effectRef idx="0">
-            <a:schemeClr val="accent1"/>
-          </a:effectRef>
-          <a:fontRef idx="minor">
-            <a:schemeClr val="lt1"/>
-          </a:fontRef>
-        </p:style>
-        <p:txBody>
-          <a:bodyPr anchor="ctr"/>
-          <a:lstStyle/>
-          <a:p>
-            <a:pPr algn="ctr">
-              <a:defRPr/>
-            </a:pPr>
-            <a:endParaRPr lang="ko-KR" altLang="en-US"/>
+              <a:rPr lang="en-US" altLang="ko-KR" sz="7200" b="1" spc="-359">
+                <a:solidFill>
+                  <a:srgbClr val="000000"/>
+                </a:solidFill>
+                <a:latin typeface="Nanum Square Bold"/>
+                <a:ea typeface="Nanum Square Bold"/>
+                <a:cs typeface="Nanum Square Bold"/>
+                <a:sym typeface="Nanum Square Bold"/>
+              </a:rPr>
+              <a:t>Fishing Game</a:t>
+            </a:r>
           </a:p>
         </p:txBody>
       </p:sp>
@@ -5169,7 +5237,7 @@
         </p:nvSpPr>
         <p:spPr>
           <a:xfrm>
-            <a:off x="838200" y="959136"/>
+            <a:off x="1714824" y="1121483"/>
             <a:ext cx="4211394" cy="311624"/>
           </a:xfrm>
           <a:prstGeom prst="rect">
@@ -5190,12 +5258,15 @@
             </a:pPr>
             <a:r>
               <a:rPr lang="ko-KR" altLang="en-US" sz="2100" b="1">
+                <a:solidFill>
+                  <a:srgbClr val="737373"/>
+                </a:solidFill>
                 <a:latin typeface="Heebo Bold"/>
                 <a:ea typeface="Heebo Bold"/>
                 <a:cs typeface="Heebo Bold"/>
                 <a:sym typeface="Heebo Bold"/>
               </a:rPr>
-              <a:t>기존 코드</a:t>
+              <a:t>소스코드의 변화</a:t>
             </a:r>
           </a:p>
         </p:txBody>
@@ -5216,8 +5287,8 @@
         </p:blipFill>
         <p:spPr>
           <a:xfrm>
-            <a:off x="11375186" y="925475"/>
-            <a:ext cx="5277121" cy="8179220"/>
+            <a:off x="1219200" y="1556401"/>
+            <a:ext cx="6679746" cy="6400800"/>
           </a:xfrm>
           <a:prstGeom prst="rect">
             <a:avLst/>
@@ -5240,8 +5311,8 @@
         </p:blipFill>
         <p:spPr>
           <a:xfrm>
-            <a:off x="2793728" y="925475"/>
-            <a:ext cx="5283472" cy="8179220"/>
+            <a:off x="9597975" y="1556401"/>
+            <a:ext cx="7461947" cy="6400800"/>
           </a:xfrm>
           <a:prstGeom prst="rect">
             <a:avLst/>
@@ -5250,16 +5321,16 @@
       </p:pic>
       <p:sp>
         <p:nvSpPr>
-          <p:cNvPr id="10" name="화살표: 왼쪽 9"/>
+          <p:cNvPr id="10" name="화살표: 오른쪽 9"/>
           <p:cNvSpPr/>
           <p:nvPr/>
         </p:nvSpPr>
         <p:spPr>
           <a:xfrm>
-            <a:off x="8267700" y="3619500"/>
-            <a:ext cx="914400" cy="533399"/>
-          </a:xfrm>
-          <a:prstGeom prst="leftArrow">
+            <a:off x="8282639" y="4528202"/>
+            <a:ext cx="990600" cy="457197"/>
+          </a:xfrm>
+          <a:prstGeom prst="rightArrow">
             <a:avLst>
               <a:gd name="adj1" fmla="val 50000"/>
               <a:gd name="adj2" fmla="val 50000"/>
@@ -5268,11 +5339,6 @@
           <a:solidFill>
             <a:schemeClr val="bg1"/>
           </a:solidFill>
-          <a:ln>
-            <a:solidFill>
-              <a:schemeClr val="tx1"/>
-            </a:solidFill>
-          </a:ln>
         </p:spPr>
         <p:style>
           <a:lnRef idx="2">
@@ -5298,123 +5364,6 @@
               <a:defRPr/>
             </a:pPr>
             <a:endParaRPr lang="ko-KR" altLang="en-US"/>
-          </a:p>
-        </p:txBody>
-      </p:sp>
-      <p:sp>
-        <p:nvSpPr>
-          <p:cNvPr id="11" name="화살표: 왼쪽 10"/>
-          <p:cNvSpPr/>
-          <p:nvPr/>
-        </p:nvSpPr>
-        <p:spPr>
-          <a:xfrm flipH="1">
-            <a:off x="10210800" y="5219700"/>
-            <a:ext cx="889161" cy="533396"/>
-          </a:xfrm>
-          <a:prstGeom prst="leftArrow">
-            <a:avLst>
-              <a:gd name="adj1" fmla="val 50000"/>
-              <a:gd name="adj2" fmla="val 50000"/>
-            </a:avLst>
-          </a:prstGeom>
-          <a:solidFill>
-            <a:schemeClr val="bg1"/>
-          </a:solidFill>
-          <a:ln>
-            <a:solidFill>
-              <a:schemeClr val="tx1"/>
-            </a:solidFill>
-          </a:ln>
-        </p:spPr>
-        <p:style>
-          <a:lnRef idx="2">
-            <a:schemeClr val="accent1">
-              <a:shade val="15000"/>
-            </a:schemeClr>
-          </a:lnRef>
-          <a:fillRef idx="1">
-            <a:schemeClr val="accent1"/>
-          </a:fillRef>
-          <a:effectRef idx="0">
-            <a:schemeClr val="accent1"/>
-          </a:effectRef>
-          <a:fontRef idx="minor">
-            <a:schemeClr val="lt1"/>
-          </a:fontRef>
-        </p:style>
-        <p:txBody>
-          <a:bodyPr anchor="ctr"/>
-          <a:lstStyle/>
-          <a:p>
-            <a:pPr algn="ctr">
-              <a:defRPr/>
-            </a:pPr>
-            <a:endParaRPr lang="ko-KR" altLang="en-US"/>
-          </a:p>
-        </p:txBody>
-      </p:sp>
-      <p:sp>
-        <p:nvSpPr>
-          <p:cNvPr id="12" name="TextBox 11"/>
-          <p:cNvSpPr txBox="1"/>
-          <p:nvPr/>
-        </p:nvSpPr>
-        <p:spPr>
-          <a:xfrm>
-            <a:off x="9372600" y="3707368"/>
-            <a:ext cx="1676400" cy="369332"/>
-          </a:xfrm>
-          <a:prstGeom prst="rect">
-            <a:avLst/>
-          </a:prstGeom>
-          <a:noFill/>
-        </p:spPr>
-        <p:txBody>
-          <a:bodyPr wrap="square">
-            <a:spAutoFit/>
-          </a:bodyPr>
-          <a:lstStyle/>
-          <a:p>
-            <a:pPr lvl="0">
-              <a:defRPr/>
-            </a:pPr>
-            <a:r>
-              <a:rPr lang="ko-KR" altLang="en-US"/>
-              <a:t>기본화면</a:t>
-            </a:r>
-          </a:p>
-        </p:txBody>
-      </p:sp>
-      <p:sp>
-        <p:nvSpPr>
-          <p:cNvPr id="13" name="TextBox 12"/>
-          <p:cNvSpPr txBox="1"/>
-          <p:nvPr/>
-        </p:nvSpPr>
-        <p:spPr>
-          <a:xfrm>
-            <a:off x="8686800" y="5301732"/>
-            <a:ext cx="1676400" cy="369332"/>
-          </a:xfrm>
-          <a:prstGeom prst="rect">
-            <a:avLst/>
-          </a:prstGeom>
-          <a:noFill/>
-        </p:spPr>
-        <p:txBody>
-          <a:bodyPr wrap="square">
-            <a:spAutoFit/>
-          </a:bodyPr>
-          <a:lstStyle/>
-          <a:p>
-            <a:pPr lvl="0">
-              <a:defRPr/>
-            </a:pPr>
-            <a:r>
-              <a:rPr lang="ko-KR" altLang="en-US"/>
-              <a:t>클릭 후 화면</a:t>
-            </a:r>
           </a:p>
         </p:txBody>
       </p:sp>
@@ -5527,7 +5476,7 @@
         </p:nvSpPr>
         <p:spPr>
           <a:xfrm>
-            <a:off x="1714824" y="1121483"/>
+            <a:off x="838200" y="959136"/>
             <a:ext cx="4211394" cy="311624"/>
           </a:xfrm>
           <a:prstGeom prst="rect">
@@ -5548,148 +5497,19 @@
             </a:pPr>
             <a:r>
               <a:rPr lang="ko-KR" altLang="en-US" sz="2100" b="1">
-                <a:solidFill>
-                  <a:srgbClr val="737373"/>
-                </a:solidFill>
                 <a:latin typeface="Heebo Bold"/>
                 <a:ea typeface="Heebo Bold"/>
                 <a:cs typeface="Heebo Bold"/>
                 <a:sym typeface="Heebo Bold"/>
               </a:rPr>
-              <a:t>중요 코드 바뀐점</a:t>
-            </a:r>
-          </a:p>
-        </p:txBody>
-      </p:sp>
-      <p:sp>
-        <p:nvSpPr>
-          <p:cNvPr id="9" name="TextBox 8"/>
-          <p:cNvSpPr txBox="1"/>
-          <p:nvPr/>
-        </p:nvSpPr>
-        <p:spPr>
-          <a:xfrm>
-            <a:off x="1981200" y="1714500"/>
-            <a:ext cx="7162800" cy="2585323"/>
-          </a:xfrm>
-          <a:prstGeom prst="rect">
-            <a:avLst/>
-          </a:prstGeom>
-          <a:noFill/>
-        </p:spPr>
-        <p:txBody>
-          <a:bodyPr wrap="square">
-            <a:spAutoFit/>
-          </a:bodyPr>
-          <a:lstStyle/>
-          <a:p>
-            <a:pPr marL="285750" indent="-285750">
-              <a:buFont typeface="Arial"/>
-              <a:buChar char="•"/>
-              <a:defRPr/>
-            </a:pPr>
-            <a:r>
-              <a:rPr lang="ko-KR" altLang="en-US"/>
-              <a:t>코드에 미니게임을 </a:t>
-            </a:r>
-            <a:r>
-              <a:rPr lang="en-US" altLang="ko-KR"/>
-              <a:t>2</a:t>
-            </a:r>
-            <a:r>
-              <a:rPr lang="ko-KR" altLang="en-US"/>
-              <a:t>개추가</a:t>
-            </a:r>
-          </a:p>
-          <a:p>
-            <a:pPr marL="800100" lvl="1" indent="-342900">
-              <a:buFont typeface="+mj-lt"/>
-              <a:buAutoNum type="arabicPeriod"/>
-              <a:defRPr/>
-            </a:pPr>
-            <a:r>
-              <a:rPr lang="ko-KR" altLang="en-US"/>
-              <a:t>찌를 던질때 미니게임 추가</a:t>
-            </a:r>
-            <a:r>
-              <a:rPr lang="en-US" altLang="ko-KR"/>
-              <a:t>(</a:t>
-            </a:r>
-            <a:r>
-              <a:rPr lang="ko-KR" altLang="en-US"/>
-              <a:t>언더테일 참고</a:t>
-            </a:r>
-            <a:r>
-              <a:rPr lang="en-US" altLang="ko-KR"/>
-              <a:t>)</a:t>
-            </a:r>
-          </a:p>
-          <a:p>
-            <a:pPr marL="1257300" lvl="2" indent="-342900">
-              <a:buFont typeface="Arial"/>
-              <a:buChar char="•"/>
-              <a:defRPr/>
-            </a:pPr>
-            <a:r>
-              <a:rPr lang="ko-KR" altLang="en-US"/>
-              <a:t>바 사이에 목표물이 왔다갔다거리고 스페이스바를 이용해 중앙을 마추는 게임</a:t>
-            </a:r>
-          </a:p>
-          <a:p>
-            <a:pPr marL="800100" lvl="1" indent="-342900">
-              <a:buFont typeface="+mj-lt"/>
-              <a:buAutoNum type="arabicPeriod"/>
-              <a:defRPr/>
-            </a:pPr>
-            <a:r>
-              <a:rPr lang="ko-KR" altLang="en-US"/>
-              <a:t>물고기를 낚을때 미니게임 추가</a:t>
-            </a:r>
-            <a:r>
-              <a:rPr lang="en-US" altLang="ko-KR"/>
-              <a:t>(</a:t>
-            </a:r>
-            <a:r>
-              <a:rPr lang="ko-KR" altLang="en-US"/>
-              <a:t>스타듀밸리 참고</a:t>
-            </a:r>
-            <a:r>
-              <a:rPr lang="en-US" altLang="ko-KR"/>
-              <a:t>)</a:t>
-            </a:r>
-          </a:p>
-          <a:p>
-            <a:pPr marL="1257300" lvl="2" indent="-342900">
-              <a:buFont typeface="Arial"/>
-              <a:buChar char="•"/>
-              <a:defRPr/>
-            </a:pPr>
-            <a:r>
-              <a:rPr lang="ko-KR" altLang="en-US"/>
-              <a:t>움직이는 물고기를 마우스 휠을 통해 계속 마추어 게이지를 누적시켜 물고기를 낚음</a:t>
-            </a:r>
-          </a:p>
-          <a:p>
-            <a:pPr marL="1200150" lvl="2" indent="-285750">
-              <a:buFont typeface="Arial"/>
-              <a:buChar char="•"/>
-              <a:defRPr/>
-            </a:pPr>
-            <a:endParaRPr lang="en-US" altLang="ko-KR"/>
-          </a:p>
-          <a:p>
-            <a:pPr marL="1200150" lvl="2" indent="-285750">
-              <a:buFont typeface="Arial"/>
-              <a:buChar char="•"/>
-              <a:defRPr/>
-            </a:pPr>
-            <a:endParaRPr lang="en-US" altLang="ko-KR"/>
+              <a:t>기존 코드</a:t>
+            </a:r>
           </a:p>
         </p:txBody>
       </p:sp>
       <p:pic>
         <p:nvPicPr>
-          <p:cNvPr id="11" name="그림 10"/>
+          <p:cNvPr id="6" name="그림 5"/>
           <p:cNvPicPr>
             <a:picLocks noChangeAspect="1"/>
           </p:cNvPicPr>
@@ -5703,8 +5523,8 @@
         </p:blipFill>
         <p:spPr>
           <a:xfrm>
-            <a:off x="9665978" y="1714500"/>
-            <a:ext cx="1886047" cy="6096313"/>
+            <a:off x="11375186" y="925475"/>
+            <a:ext cx="5277121" cy="8179220"/>
           </a:xfrm>
           <a:prstGeom prst="rect">
             <a:avLst/>
@@ -5713,7 +5533,7 @@
       </p:pic>
       <p:pic>
         <p:nvPicPr>
-          <p:cNvPr id="13" name="그림 12"/>
+          <p:cNvPr id="9" name="그림 8"/>
           <p:cNvPicPr>
             <a:picLocks noChangeAspect="1"/>
           </p:cNvPicPr>
@@ -5727,8 +5547,8 @@
         </p:blipFill>
         <p:spPr>
           <a:xfrm>
-            <a:off x="12192000" y="1333500"/>
-            <a:ext cx="5039616" cy="7071088"/>
+            <a:off x="2793728" y="925475"/>
+            <a:ext cx="5283472" cy="8179220"/>
           </a:xfrm>
           <a:prstGeom prst="rect">
             <a:avLst/>
@@ -5737,14 +5557,120 @@
       </p:pic>
       <p:sp>
         <p:nvSpPr>
-          <p:cNvPr id="14" name="TextBox 13"/>
+          <p:cNvPr id="10" name="화살표: 왼쪽 9"/>
+          <p:cNvSpPr/>
+          <p:nvPr/>
+        </p:nvSpPr>
+        <p:spPr>
+          <a:xfrm>
+            <a:off x="8267700" y="3619500"/>
+            <a:ext cx="914400" cy="533399"/>
+          </a:xfrm>
+          <a:prstGeom prst="leftArrow">
+            <a:avLst>
+              <a:gd name="adj1" fmla="val 50000"/>
+              <a:gd name="adj2" fmla="val 50000"/>
+            </a:avLst>
+          </a:prstGeom>
+          <a:solidFill>
+            <a:schemeClr val="bg1"/>
+          </a:solidFill>
+          <a:ln>
+            <a:solidFill>
+              <a:schemeClr val="tx1"/>
+            </a:solidFill>
+          </a:ln>
+        </p:spPr>
+        <p:style>
+          <a:lnRef idx="2">
+            <a:schemeClr val="accent1">
+              <a:shade val="15000"/>
+            </a:schemeClr>
+          </a:lnRef>
+          <a:fillRef idx="1">
+            <a:schemeClr val="accent1"/>
+          </a:fillRef>
+          <a:effectRef idx="0">
+            <a:schemeClr val="accent1"/>
+          </a:effectRef>
+          <a:fontRef idx="minor">
+            <a:schemeClr val="lt1"/>
+          </a:fontRef>
+        </p:style>
+        <p:txBody>
+          <a:bodyPr anchor="ctr"/>
+          <a:lstStyle/>
+          <a:p>
+            <a:pPr algn="ctr">
+              <a:defRPr/>
+            </a:pPr>
+            <a:endParaRPr lang="ko-KR" altLang="en-US"/>
+          </a:p>
+        </p:txBody>
+      </p:sp>
+      <p:sp>
+        <p:nvSpPr>
+          <p:cNvPr id="11" name="화살표: 왼쪽 10"/>
+          <p:cNvSpPr/>
+          <p:nvPr/>
+        </p:nvSpPr>
+        <p:spPr>
+          <a:xfrm flipH="1">
+            <a:off x="10210800" y="5219700"/>
+            <a:ext cx="889161" cy="533396"/>
+          </a:xfrm>
+          <a:prstGeom prst="leftArrow">
+            <a:avLst>
+              <a:gd name="adj1" fmla="val 50000"/>
+              <a:gd name="adj2" fmla="val 50000"/>
+            </a:avLst>
+          </a:prstGeom>
+          <a:solidFill>
+            <a:schemeClr val="bg1"/>
+          </a:solidFill>
+          <a:ln>
+            <a:solidFill>
+              <a:schemeClr val="tx1"/>
+            </a:solidFill>
+          </a:ln>
+        </p:spPr>
+        <p:style>
+          <a:lnRef idx="2">
+            <a:schemeClr val="accent1">
+              <a:shade val="15000"/>
+            </a:schemeClr>
+          </a:lnRef>
+          <a:fillRef idx="1">
+            <a:schemeClr val="accent1"/>
+          </a:fillRef>
+          <a:effectRef idx="0">
+            <a:schemeClr val="accent1"/>
+          </a:effectRef>
+          <a:fontRef idx="minor">
+            <a:schemeClr val="lt1"/>
+          </a:fontRef>
+        </p:style>
+        <p:txBody>
+          <a:bodyPr anchor="ctr"/>
+          <a:lstStyle/>
+          <a:p>
+            <a:pPr algn="ctr">
+              <a:defRPr/>
+            </a:pPr>
+            <a:endParaRPr lang="ko-KR" altLang="en-US"/>
+          </a:p>
+        </p:txBody>
+      </p:sp>
+      <p:sp>
+        <p:nvSpPr>
+          <p:cNvPr id="12" name="TextBox 11"/>
           <p:cNvSpPr txBox="1"/>
           <p:nvPr/>
         </p:nvSpPr>
         <p:spPr>
           <a:xfrm>
-            <a:off x="1896309" y="7042810"/>
-            <a:ext cx="7162800" cy="2031325"/>
+            <a:off x="9372600" y="3707368"/>
+            <a:ext cx="1676400" cy="369332"/>
           </a:xfrm>
           <a:prstGeom prst="rect">
             <a:avLst/>
@@ -5757,212 +5683,26 @@
           </a:bodyPr>
           <a:lstStyle/>
           <a:p>
-            <a:pPr marL="342900" indent="-342900">
-              <a:buFont typeface="+mj-lt"/>
-              <a:buAutoNum type="arabicPeriod"/>
+            <a:pPr lvl="0">
               <a:defRPr/>
             </a:pPr>
             <a:r>
               <a:rPr lang="ko-KR" altLang="en-US"/>
-              <a:t>물고기의 상하 증폭 증가</a:t>
-            </a:r>
-          </a:p>
-          <a:p>
-            <a:pPr marL="800100" lvl="1" indent="-342900">
-              <a:buFont typeface="Arial"/>
-              <a:buChar char="•"/>
-              <a:defRPr/>
-            </a:pPr>
-            <a:r>
-              <a:rPr lang="ko-KR" altLang="en-US"/>
-              <a:t>물고기의 크기별 </a:t>
-            </a:r>
-            <a:r>
-              <a:rPr lang="en-US" altLang="ko-KR"/>
-              <a:t>‘</a:t>
-            </a:r>
-            <a:r>
-              <a:rPr lang="ko-KR" altLang="en-US"/>
-              <a:t>몸부림</a:t>
-            </a:r>
-            <a:r>
-              <a:rPr lang="en-US" altLang="ko-KR"/>
-              <a:t>’</a:t>
-            </a:r>
-            <a:r>
-              <a:rPr lang="ko-KR" altLang="en-US"/>
-              <a:t>의 강도가 심해짐</a:t>
-            </a:r>
-            <a:r>
-              <a:rPr lang="en-US" altLang="ko-KR"/>
-              <a:t>(</a:t>
-            </a:r>
-            <a:r>
-              <a:rPr lang="ko-KR" altLang="en-US"/>
-              <a:t>진폭</a:t>
-            </a:r>
-            <a:r>
-              <a:rPr lang="en-US" altLang="ko-KR"/>
-              <a:t>, </a:t>
-            </a:r>
-            <a:r>
-              <a:rPr lang="ko-KR" altLang="en-US"/>
-              <a:t>주파수</a:t>
-            </a:r>
-            <a:r>
-              <a:rPr lang="en-US" altLang="ko-KR"/>
-              <a:t>, </a:t>
-            </a:r>
-            <a:r>
-              <a:rPr lang="ko-KR" altLang="en-US"/>
-              <a:t>버스트 확률</a:t>
-            </a:r>
-            <a:r>
-              <a:rPr lang="en-US" altLang="ko-KR"/>
-              <a:t>)</a:t>
-            </a:r>
-          </a:p>
-          <a:p>
-            <a:pPr marL="342900" indent="-342900">
-              <a:buFont typeface="+mj-lt"/>
-              <a:buAutoNum type="arabicPeriod"/>
-              <a:defRPr/>
-            </a:pPr>
-            <a:r>
-              <a:rPr lang="ko-KR" altLang="en-US"/>
-              <a:t>물고기의 단계와 나오는 물고기의 위치 확률 변경</a:t>
-            </a:r>
-          </a:p>
-          <a:p>
-            <a:pPr marL="800100" lvl="1" indent="-342900">
-              <a:buFont typeface="Arial"/>
-              <a:buChar char="•"/>
-              <a:defRPr/>
-            </a:pPr>
-            <a:r>
-              <a:rPr lang="ko-KR" altLang="en-US"/>
-              <a:t>수면</a:t>
-            </a:r>
-            <a:r>
-              <a:rPr lang="en-US" altLang="ko-KR"/>
-              <a:t>/</a:t>
-            </a:r>
-            <a:r>
-              <a:rPr lang="ko-KR" altLang="en-US"/>
-              <a:t>중앙</a:t>
-            </a:r>
-            <a:r>
-              <a:rPr lang="en-US" altLang="ko-KR"/>
-              <a:t>/</a:t>
-            </a:r>
-            <a:r>
-              <a:rPr lang="ko-KR" altLang="en-US"/>
-              <a:t>심해 구역</a:t>
-            </a:r>
-            <a:r>
-              <a:rPr lang="en-US" altLang="ko-KR"/>
-              <a:t>, </a:t>
-            </a:r>
-            <a:r>
-              <a:rPr lang="ko-KR" altLang="en-US"/>
-              <a:t>캐스팅 정확도에 따라 구역 결정</a:t>
-            </a:r>
-          </a:p>
-          <a:p>
-            <a:pPr marL="342900" indent="-342900">
-              <a:buFont typeface="+mj-lt"/>
-              <a:buAutoNum type="arabicPeriod"/>
-              <a:defRPr/>
-            </a:pPr>
-            <a:r>
-              <a:rPr lang="ko-KR" altLang="en-US"/>
-              <a:t>적절한 물고기 사진 적용</a:t>
-            </a:r>
-            <a:r>
-              <a:rPr lang="en-US" altLang="ko-KR"/>
-              <a:t>	</a:t>
-            </a:r>
-          </a:p>
-          <a:p>
-            <a:pPr marL="342900" indent="-342900">
-              <a:buFont typeface="+mj-lt"/>
-              <a:buAutoNum type="arabicPeriod"/>
-              <a:defRPr/>
-            </a:pPr>
-            <a:r>
-              <a:rPr lang="ko-KR" altLang="en-US"/>
-              <a:t>게임 색상 적용 및 </a:t>
-            </a:r>
-            <a:r>
-              <a:rPr lang="en-US" altLang="ko-KR"/>
-              <a:t>bgm, </a:t>
-            </a:r>
-            <a:r>
-              <a:rPr lang="ko-KR" altLang="en-US"/>
-              <a:t>소리 적용</a:t>
-            </a:r>
-            <a:endParaRPr lang="en-US" altLang="ko-KR"/>
-          </a:p>
-        </p:txBody>
-      </p:sp>
-      <p:pic>
-        <p:nvPicPr>
-          <p:cNvPr id="16" name="그림 15"/>
-          <p:cNvPicPr>
-            <a:picLocks noChangeAspect="1"/>
-          </p:cNvPicPr>
-          <p:nvPr/>
-        </p:nvPicPr>
-        <p:blipFill rotWithShape="1">
-          <a:blip r:embed="rId4"/>
-          <a:stretch>
-            <a:fillRect/>
-          </a:stretch>
-        </p:blipFill>
-        <p:spPr>
-          <a:xfrm>
-            <a:off x="1845560" y="4103632"/>
-            <a:ext cx="3577415" cy="1542760"/>
-          </a:xfrm>
-          <a:prstGeom prst="rect">
-            <a:avLst/>
-          </a:prstGeom>
-        </p:spPr>
-      </p:pic>
-      <p:pic>
-        <p:nvPicPr>
-          <p:cNvPr id="18" name="그림 17"/>
-          <p:cNvPicPr>
-            <a:picLocks noChangeAspect="1"/>
-          </p:cNvPicPr>
-          <p:nvPr/>
-        </p:nvPicPr>
-        <p:blipFill rotWithShape="1">
-          <a:blip r:embed="rId5"/>
-          <a:stretch>
-            <a:fillRect/>
-          </a:stretch>
-        </p:blipFill>
-        <p:spPr>
-          <a:xfrm>
-            <a:off x="5926218" y="3654349"/>
-            <a:ext cx="2311519" cy="2978303"/>
-          </a:xfrm>
-          <a:prstGeom prst="rect">
-            <a:avLst/>
-          </a:prstGeom>
-        </p:spPr>
-      </p:pic>
-      <p:sp>
-        <p:nvSpPr>
-          <p:cNvPr id="19" name="TextBox 18"/>
+              <a:t>기본화면</a:t>
+            </a:r>
+          </a:p>
+        </p:txBody>
+      </p:sp>
+      <p:sp>
+        <p:nvSpPr>
+          <p:cNvPr id="13" name="TextBox 12"/>
           <p:cNvSpPr txBox="1"/>
           <p:nvPr/>
         </p:nvSpPr>
         <p:spPr>
           <a:xfrm>
-            <a:off x="2344640" y="5687218"/>
-            <a:ext cx="2446715" cy="369332"/>
+            <a:off x="8686800" y="5301732"/>
+            <a:ext cx="1676400" cy="369332"/>
           </a:xfrm>
           <a:prstGeom prst="rect">
             <a:avLst/>
@@ -5979,59 +5719,9 @@
               <a:defRPr/>
             </a:pPr>
             <a:r>
-              <a:rPr lang="en-US" altLang="ko-KR"/>
-              <a:t>(</a:t>
-            </a:r>
-            <a:r>
               <a:rPr lang="ko-KR" altLang="en-US"/>
-              <a:t>언더테일의 미니게임</a:t>
-            </a:r>
-            <a:r>
-              <a:rPr lang="en-US" altLang="ko-KR"/>
-              <a:t>)</a:t>
-            </a:r>
-            <a:endParaRPr lang="ko-KR" altLang="en-US"/>
-          </a:p>
-        </p:txBody>
-      </p:sp>
-      <p:sp>
-        <p:nvSpPr>
-          <p:cNvPr id="20" name="TextBox 19"/>
-          <p:cNvSpPr txBox="1"/>
-          <p:nvPr/>
-        </p:nvSpPr>
-        <p:spPr>
-          <a:xfrm>
-            <a:off x="8229203" y="3933146"/>
-            <a:ext cx="461665" cy="2819400"/>
-          </a:xfrm>
-          <a:prstGeom prst="rect">
-            <a:avLst/>
-          </a:prstGeom>
-          <a:noFill/>
-        </p:spPr>
-        <p:txBody>
-          <a:bodyPr vert="eaVert" wrap="square">
-            <a:spAutoFit/>
-          </a:bodyPr>
-          <a:lstStyle/>
-          <a:p>
-            <a:pPr lvl="0">
-              <a:defRPr/>
-            </a:pPr>
-            <a:r>
-              <a:rPr lang="en-US" altLang="ko-KR"/>
-              <a:t>(</a:t>
-            </a:r>
-            <a:r>
-              <a:rPr lang="ko-KR" altLang="en-US"/>
-              <a:t>스타듀밸리의 미니게임</a:t>
-            </a:r>
-            <a:r>
-              <a:rPr lang="en-US" altLang="ko-KR"/>
-              <a:t>)</a:t>
-            </a:r>
-            <a:endParaRPr lang="ko-KR" altLang="en-US"/>
+              <a:t>클릭 후 화면</a:t>
+            </a:r>
           </a:p>
         </p:txBody>
       </p:sp>
@@ -6144,7 +5834,7 @@
         </p:nvSpPr>
         <p:spPr>
           <a:xfrm>
-            <a:off x="1714824" y="1121483"/>
+            <a:off x="1462300" y="1726601"/>
             <a:ext cx="4211394" cy="311624"/>
           </a:xfrm>
           <a:prstGeom prst="rect">
@@ -6164,7 +5854,7 @@
               <a:defRPr/>
             </a:pPr>
             <a:r>
-              <a:rPr lang="ko-KR" altLang="en-US" sz="2100" b="1">
+              <a:rPr lang="ko-KR" altLang="en-US" sz="2100" b="1" dirty="0">
                 <a:solidFill>
                   <a:srgbClr val="737373"/>
                 </a:solidFill>
@@ -6173,10 +5863,10 @@
                 <a:cs typeface="Heebo Bold"/>
                 <a:sym typeface="Heebo Bold"/>
               </a:rPr>
-              <a:t>캐스팅 </a:t>
-            </a:r>
-            <a:r>
-              <a:rPr lang="en-US" altLang="ko-KR" sz="2100" b="1">
+              <a:t>중요 코드 </a:t>
+            </a:r>
+            <a:r>
+              <a:rPr lang="ko-KR" altLang="en-US" sz="2100" b="1" dirty="0" err="1">
                 <a:solidFill>
                   <a:srgbClr val="737373"/>
                 </a:solidFill>
@@ -6185,50 +5875,214 @@
                 <a:cs typeface="Heebo Bold"/>
                 <a:sym typeface="Heebo Bold"/>
               </a:rPr>
-              <a:t>‘</a:t>
-            </a:r>
-            <a:r>
-              <a:rPr lang="ko-KR" altLang="en-US" sz="2100" b="1">
-                <a:solidFill>
-                  <a:srgbClr val="737373"/>
-                </a:solidFill>
-                <a:latin typeface="Heebo Bold"/>
-                <a:ea typeface="Heebo Bold"/>
-                <a:cs typeface="Heebo Bold"/>
-                <a:sym typeface="Heebo Bold"/>
-              </a:rPr>
-              <a:t>타이밍바</a:t>
-            </a:r>
-            <a:r>
-              <a:rPr lang="en-US" altLang="ko-KR" sz="2100" b="1">
-                <a:solidFill>
-                  <a:srgbClr val="737373"/>
-                </a:solidFill>
-                <a:latin typeface="Heebo Bold"/>
-                <a:ea typeface="Heebo Bold"/>
-                <a:cs typeface="Heebo Bold"/>
-                <a:sym typeface="Heebo Bold"/>
-              </a:rPr>
-              <a:t>’</a:t>
-            </a:r>
-            <a:r>
-              <a:rPr lang="ko-KR" altLang="en-US" sz="2100" b="1">
-                <a:solidFill>
-                  <a:srgbClr val="737373"/>
-                </a:solidFill>
-                <a:latin typeface="Heebo Bold"/>
-                <a:ea typeface="Heebo Bold"/>
-                <a:cs typeface="Heebo Bold"/>
-                <a:sym typeface="Heebo Bold"/>
-              </a:rPr>
-              <a:t> 미니게임</a:t>
-            </a:r>
+              <a:t>바뀐점</a:t>
+            </a:r>
+            <a:endParaRPr lang="ko-KR" altLang="en-US" sz="2100" b="1" dirty="0">
+              <a:solidFill>
+                <a:srgbClr val="737373"/>
+              </a:solidFill>
+              <a:latin typeface="Heebo Bold"/>
+              <a:ea typeface="Heebo Bold"/>
+              <a:cs typeface="Heebo Bold"/>
+              <a:sym typeface="Heebo Bold"/>
+            </a:endParaRPr>
+          </a:p>
+        </p:txBody>
+      </p:sp>
+      <p:sp>
+        <p:nvSpPr>
+          <p:cNvPr id="9" name="TextBox 8"/>
+          <p:cNvSpPr txBox="1"/>
+          <p:nvPr/>
+        </p:nvSpPr>
+        <p:spPr>
+          <a:xfrm>
+            <a:off x="2012448" y="2127265"/>
+            <a:ext cx="7162800" cy="2585323"/>
+          </a:xfrm>
+          <a:prstGeom prst="rect">
+            <a:avLst/>
+          </a:prstGeom>
+          <a:noFill/>
+        </p:spPr>
+        <p:txBody>
+          <a:bodyPr wrap="square">
+            <a:spAutoFit/>
+          </a:bodyPr>
+          <a:lstStyle/>
+          <a:p>
+            <a:pPr marL="285750" indent="-285750">
+              <a:buFont typeface="Arial"/>
+              <a:buChar char="•"/>
+              <a:defRPr/>
+            </a:pPr>
+            <a:r>
+              <a:rPr lang="ko-KR" altLang="en-US" dirty="0"/>
+              <a:t>코드에 미니게임을 </a:t>
+            </a:r>
+            <a:r>
+              <a:rPr lang="en-US" altLang="ko-KR" dirty="0"/>
+              <a:t>2</a:t>
+            </a:r>
+            <a:r>
+              <a:rPr lang="ko-KR" altLang="en-US" dirty="0" err="1"/>
+              <a:t>개추가</a:t>
+            </a:r>
+            <a:endParaRPr lang="ko-KR" altLang="en-US" dirty="0"/>
+          </a:p>
+          <a:p>
+            <a:pPr marL="800100" lvl="1" indent="-342900">
+              <a:buFont typeface="+mj-lt"/>
+              <a:buAutoNum type="arabicPeriod"/>
+              <a:defRPr/>
+            </a:pPr>
+            <a:r>
+              <a:rPr lang="ko-KR" altLang="en-US" dirty="0"/>
+              <a:t>찌를 </a:t>
+            </a:r>
+            <a:r>
+              <a:rPr lang="ko-KR" altLang="en-US" dirty="0" err="1"/>
+              <a:t>던질때</a:t>
+            </a:r>
+            <a:r>
+              <a:rPr lang="ko-KR" altLang="en-US" dirty="0"/>
+              <a:t> 미니게임 추가</a:t>
+            </a:r>
+            <a:r>
+              <a:rPr lang="en-US" altLang="ko-KR" dirty="0"/>
+              <a:t>(</a:t>
+            </a:r>
+            <a:r>
+              <a:rPr lang="ko-KR" altLang="en-US" dirty="0" err="1"/>
+              <a:t>언더테일</a:t>
+            </a:r>
+            <a:r>
+              <a:rPr lang="ko-KR" altLang="en-US" dirty="0"/>
+              <a:t> 참고</a:t>
+            </a:r>
+            <a:r>
+              <a:rPr lang="en-US" altLang="ko-KR" dirty="0"/>
+              <a:t>)</a:t>
+            </a:r>
+          </a:p>
+          <a:p>
+            <a:pPr marL="1257300" lvl="2" indent="-342900">
+              <a:buFont typeface="Arial"/>
+              <a:buChar char="•"/>
+              <a:defRPr/>
+            </a:pPr>
+            <a:r>
+              <a:rPr lang="ko-KR" altLang="en-US" dirty="0"/>
+              <a:t>바 사이에 목표물이 </a:t>
+            </a:r>
+            <a:r>
+              <a:rPr lang="ko-KR" altLang="en-US" dirty="0" err="1"/>
+              <a:t>왔다갔다거리고</a:t>
+            </a:r>
+            <a:r>
+              <a:rPr lang="ko-KR" altLang="en-US" dirty="0"/>
+              <a:t> 스페이스바를 이용해 중앙을 </a:t>
+            </a:r>
+            <a:r>
+              <a:rPr lang="ko-KR" altLang="en-US" dirty="0" err="1"/>
+              <a:t>마추는</a:t>
+            </a:r>
+            <a:r>
+              <a:rPr lang="ko-KR" altLang="en-US" dirty="0"/>
+              <a:t> 게임</a:t>
+            </a:r>
+          </a:p>
+          <a:p>
+            <a:pPr marL="800100" lvl="1" indent="-342900">
+              <a:buFont typeface="+mj-lt"/>
+              <a:buAutoNum type="arabicPeriod"/>
+              <a:defRPr/>
+            </a:pPr>
+            <a:r>
+              <a:rPr lang="ko-KR" altLang="en-US" dirty="0"/>
+              <a:t>물고기를 </a:t>
+            </a:r>
+            <a:r>
+              <a:rPr lang="ko-KR" altLang="en-US" dirty="0" err="1"/>
+              <a:t>낚을때</a:t>
+            </a:r>
+            <a:r>
+              <a:rPr lang="ko-KR" altLang="en-US" dirty="0"/>
+              <a:t> 미니게임 추가</a:t>
+            </a:r>
+            <a:r>
+              <a:rPr lang="en-US" altLang="ko-KR" dirty="0"/>
+              <a:t>(</a:t>
+            </a:r>
+            <a:r>
+              <a:rPr lang="ko-KR" altLang="en-US" dirty="0" err="1"/>
+              <a:t>스타듀밸리</a:t>
+            </a:r>
+            <a:r>
+              <a:rPr lang="ko-KR" altLang="en-US" dirty="0"/>
+              <a:t> 참고</a:t>
+            </a:r>
+            <a:r>
+              <a:rPr lang="en-US" altLang="ko-KR" dirty="0"/>
+              <a:t>)</a:t>
+            </a:r>
+          </a:p>
+          <a:p>
+            <a:pPr marL="1257300" lvl="2" indent="-342900">
+              <a:buFont typeface="Arial"/>
+              <a:buChar char="•"/>
+              <a:defRPr/>
+            </a:pPr>
+            <a:r>
+              <a:rPr lang="ko-KR" altLang="en-US" dirty="0"/>
+              <a:t>움직이는 물고기를 마우스 </a:t>
+            </a:r>
+            <a:r>
+              <a:rPr lang="ko-KR" altLang="en-US" dirty="0" err="1"/>
+              <a:t>휠을</a:t>
+            </a:r>
+            <a:r>
+              <a:rPr lang="ko-KR" altLang="en-US" dirty="0"/>
+              <a:t> 통해 계속 </a:t>
+            </a:r>
+            <a:r>
+              <a:rPr lang="ko-KR" altLang="en-US" dirty="0" err="1"/>
+              <a:t>마추어</a:t>
+            </a:r>
+            <a:r>
+              <a:rPr lang="ko-KR" altLang="en-US" dirty="0"/>
+              <a:t> 게이지를 </a:t>
+            </a:r>
+            <a:r>
+              <a:rPr lang="ko-KR" altLang="en-US" dirty="0" err="1"/>
+              <a:t>누적시켜</a:t>
+            </a:r>
+            <a:r>
+              <a:rPr lang="ko-KR" altLang="en-US" dirty="0"/>
+              <a:t> 물고기를 낚음</a:t>
+            </a:r>
+          </a:p>
+          <a:p>
+            <a:pPr marL="1200150" lvl="2" indent="-285750">
+              <a:buFont typeface="Arial"/>
+              <a:buChar char="•"/>
+              <a:defRPr/>
+            </a:pPr>
+            <a:endParaRPr lang="en-US" altLang="ko-KR" dirty="0"/>
+          </a:p>
+          <a:p>
+            <a:pPr marL="1200150" lvl="2" indent="-285750">
+              <a:buFont typeface="Arial"/>
+              <a:buChar char="•"/>
+              <a:defRPr/>
+            </a:pPr>
+            <a:endParaRPr lang="en-US" altLang="ko-KR" dirty="0"/>
           </a:p>
         </p:txBody>
       </p:sp>
       <p:pic>
         <p:nvPicPr>
-          <p:cNvPr id="6" name="그림 5"/>
+          <p:cNvPr id="11" name="그림 10"/>
           <p:cNvPicPr>
             <a:picLocks noChangeAspect="1"/>
           </p:cNvPicPr>
@@ -6242,8 +6096,8 @@
         </p:blipFill>
         <p:spPr>
           <a:xfrm>
-            <a:off x="8915482" y="1123333"/>
-            <a:ext cx="7436232" cy="3219615"/>
+            <a:off x="9665978" y="1714500"/>
+            <a:ext cx="1886047" cy="6096313"/>
           </a:xfrm>
           <a:prstGeom prst="rect">
             <a:avLst/>
@@ -6252,7 +6106,7 @@
       </p:pic>
       <p:pic>
         <p:nvPicPr>
-          <p:cNvPr id="9" name="그림 8"/>
+          <p:cNvPr id="13" name="그림 12"/>
           <p:cNvPicPr>
             <a:picLocks noChangeAspect="1"/>
           </p:cNvPicPr>
@@ -6266,8 +6120,8 @@
         </p:blipFill>
         <p:spPr>
           <a:xfrm>
-            <a:off x="8229600" y="5448300"/>
-            <a:ext cx="9036514" cy="3302170"/>
+            <a:off x="12192000" y="1333500"/>
+            <a:ext cx="5039616" cy="7071088"/>
           </a:xfrm>
           <a:prstGeom prst="rect">
             <a:avLst/>
@@ -6276,14 +6130,14 @@
       </p:pic>
       <p:sp>
         <p:nvSpPr>
-          <p:cNvPr id="12" name="TextBox 11"/>
+          <p:cNvPr id="14" name="TextBox 13"/>
           <p:cNvSpPr txBox="1"/>
           <p:nvPr/>
         </p:nvSpPr>
         <p:spPr>
           <a:xfrm>
-            <a:off x="1447800" y="2171700"/>
-            <a:ext cx="6400800" cy="5078313"/>
+            <a:off x="1896309" y="7455575"/>
+            <a:ext cx="7162800" cy="2031325"/>
           </a:xfrm>
           <a:prstGeom prst="rect">
             <a:avLst/>
@@ -6303,11 +6157,7 @@
             </a:pPr>
             <a:r>
               <a:rPr lang="ko-KR" altLang="en-US"/>
-              <a:t>시작 </a:t>
-            </a:r>
-            <a:r>
-              <a:rPr lang="en-US" altLang="ko-KR"/>
-              <a:t>: _startCastTiming()</a:t>
+              <a:t>물고기의 상하 증폭 증가</a:t>
             </a:r>
           </a:p>
           <a:p>
@@ -6318,23 +6168,62 @@
             </a:pPr>
             <a:r>
               <a:rPr lang="ko-KR" altLang="en-US"/>
-              <a:t>수면 기준으로 타이밍 바의 위치</a:t>
+              <a:t>물고기의 크기별 </a:t>
             </a:r>
             <a:r>
               <a:rPr lang="en-US" altLang="ko-KR"/>
-              <a:t>(y)</a:t>
+              <a:t>‘</a:t>
             </a:r>
             <a:r>
               <a:rPr lang="ko-KR" altLang="en-US"/>
-              <a:t>와 높이</a:t>
+              <a:t>몸부림</a:t>
             </a:r>
             <a:r>
               <a:rPr lang="en-US" altLang="ko-KR"/>
-              <a:t>(h)</a:t>
+              <a:t>’</a:t>
             </a:r>
             <a:r>
               <a:rPr lang="ko-KR" altLang="en-US"/>
-              <a:t>를 계산</a:t>
+              <a:t>의 강도가 심해짐</a:t>
+            </a:r>
+            <a:r>
+              <a:rPr lang="en-US" altLang="ko-KR"/>
+              <a:t>(</a:t>
+            </a:r>
+            <a:r>
+              <a:rPr lang="ko-KR" altLang="en-US"/>
+              <a:t>진폭</a:t>
+            </a:r>
+            <a:r>
+              <a:rPr lang="en-US" altLang="ko-KR"/>
+              <a:t>, </a:t>
+            </a:r>
+            <a:r>
+              <a:rPr lang="ko-KR" altLang="en-US"/>
+              <a:t>주파수</a:t>
+            </a:r>
+            <a:r>
+              <a:rPr lang="en-US" altLang="ko-KR"/>
+              <a:t>, </a:t>
+            </a:r>
+            <a:r>
+              <a:rPr lang="ko-KR" altLang="en-US"/>
+              <a:t>버스트 확률</a:t>
+            </a:r>
+            <a:r>
+              <a:rPr lang="en-US" altLang="ko-KR"/>
+              <a:t>)</a:t>
+            </a:r>
+          </a:p>
+          <a:p>
+            <a:pPr marL="342900" indent="-342900">
+              <a:buFont typeface="+mj-lt"/>
+              <a:buAutoNum type="arabicPeriod"/>
+              <a:defRPr/>
+            </a:pPr>
+            <a:r>
+              <a:rPr lang="ko-KR" altLang="en-US"/>
+              <a:t>물고기의 단계와 나오는 물고기의 위치 확률 변경</a:t>
             </a:r>
           </a:p>
           <a:p>
@@ -6345,50 +6234,31 @@
             </a:pPr>
             <a:r>
               <a:rPr lang="ko-KR" altLang="en-US"/>
-              <a:t>바의 중앙선</a:t>
+              <a:t>수면</a:t>
             </a:r>
             <a:r>
               <a:rPr lang="en-US" altLang="ko-KR"/>
-              <a:t>(centerY), </a:t>
+              <a:t>/</a:t>
             </a:r>
             <a:r>
               <a:rPr lang="ko-KR" altLang="en-US"/>
-              <a:t>마커 초기 위치</a:t>
+              <a:t>중앙</a:t>
             </a:r>
             <a:r>
               <a:rPr lang="en-US" altLang="ko-KR"/>
-              <a:t>(markerY), </a:t>
+              <a:t>/</a:t>
             </a:r>
             <a:r>
               <a:rPr lang="ko-KR" altLang="en-US"/>
-              <a:t>이동 방향</a:t>
+              <a:t>심해 구역</a:t>
             </a:r>
             <a:r>
               <a:rPr lang="en-US" altLang="ko-KR"/>
-              <a:t>(dir)</a:t>
+              <a:t>, </a:t>
             </a:r>
             <a:r>
               <a:rPr lang="ko-KR" altLang="en-US"/>
-              <a:t>을 세팅</a:t>
-            </a:r>
-          </a:p>
-          <a:p>
-            <a:pPr marL="800100" lvl="1" indent="-342900">
-              <a:buFont typeface="Arial"/>
-              <a:buChar char="•"/>
-              <a:defRPr/>
-            </a:pPr>
-            <a:r>
-              <a:rPr lang="ko-KR" altLang="en-US"/>
-              <a:t>게임 상태를 </a:t>
-            </a:r>
-            <a:r>
-              <a:rPr lang="en-US" altLang="ko-KR"/>
-              <a:t>cast_timing</a:t>
-            </a:r>
-            <a:r>
-              <a:rPr lang="ko-KR" altLang="en-US"/>
-              <a:t>으로 바꿔 미니게임 진입</a:t>
+              <a:t>캐스팅 정확도에 따라 구역 결정</a:t>
             </a:r>
           </a:p>
           <a:p>
@@ -6399,100 +6269,11 @@
             </a:pPr>
             <a:r>
               <a:rPr lang="ko-KR" altLang="en-US"/>
-              <a:t>루프 </a:t>
+              <a:t>적절한 물고기 사진 적용</a:t>
             </a:r>
             <a:r>
               <a:rPr lang="en-US" altLang="ko-KR"/>
-              <a:t>: state === 'cast_timing’</a:t>
-            </a:r>
-          </a:p>
-          <a:p>
-            <a:pPr marL="800100" lvl="1" indent="-342900">
-              <a:buFont typeface="Arial"/>
-              <a:buChar char="•"/>
-              <a:defRPr/>
-            </a:pPr>
-            <a:r>
-              <a:rPr lang="ko-KR" altLang="en-US"/>
-              <a:t>매 프레임 </a:t>
-            </a:r>
-            <a:r>
-              <a:rPr lang="en-US" altLang="ko-KR"/>
-              <a:t>markerY += dir * speed * dt</a:t>
-            </a:r>
-            <a:r>
-              <a:rPr lang="ko-KR" altLang="en-US"/>
-              <a:t>로 마커를 위</a:t>
-            </a:r>
-            <a:r>
-              <a:rPr lang="en-US" altLang="ko-KR"/>
-              <a:t>/</a:t>
-            </a:r>
-            <a:r>
-              <a:rPr lang="ko-KR" altLang="en-US"/>
-              <a:t>아래로 이동</a:t>
-            </a:r>
-          </a:p>
-          <a:p>
-            <a:pPr marL="800100" lvl="1" indent="-342900">
-              <a:buFont typeface="Arial"/>
-              <a:buChar char="•"/>
-              <a:defRPr/>
-            </a:pPr>
-            <a:r>
-              <a:rPr lang="ko-KR" altLang="en-US"/>
-              <a:t>위아래 경계</a:t>
-            </a:r>
-            <a:r>
-              <a:rPr lang="en-US" altLang="ko-KR"/>
-              <a:t>(yMin, yMax)</a:t>
-            </a:r>
-            <a:r>
-              <a:rPr lang="ko-KR" altLang="en-US"/>
-              <a:t>에 닿으면 방향 반전해서 왕복</a:t>
-            </a:r>
-          </a:p>
-          <a:p>
-            <a:pPr marL="800100" lvl="1" indent="-342900">
-              <a:buFont typeface="Arial"/>
-              <a:buChar char="•"/>
-              <a:defRPr/>
-            </a:pPr>
-            <a:r>
-              <a:rPr lang="ko-KR" altLang="en-US"/>
-              <a:t>입력</a:t>
-            </a:r>
-            <a:r>
-              <a:rPr lang="en-US" altLang="ko-KR"/>
-              <a:t>(</a:t>
-            </a:r>
-            <a:r>
-              <a:rPr lang="ko-KR" altLang="en-US"/>
-              <a:t>스페이스</a:t>
-            </a:r>
-            <a:r>
-              <a:rPr lang="en-US" altLang="ko-KR"/>
-              <a:t>/</a:t>
-            </a:r>
-            <a:r>
-              <a:rPr lang="ko-KR" altLang="en-US"/>
-              <a:t>엔터</a:t>
-            </a:r>
-            <a:r>
-              <a:rPr lang="en-US" altLang="ko-KR"/>
-              <a:t>/</a:t>
-            </a:r>
-            <a:r>
-              <a:rPr lang="ko-KR" altLang="en-US"/>
-              <a:t>클릭</a:t>
-            </a:r>
-            <a:r>
-              <a:rPr lang="en-US" altLang="ko-KR"/>
-              <a:t>) </a:t>
-            </a:r>
-            <a:r>
-              <a:rPr lang="ko-KR" altLang="en-US"/>
-              <a:t>발생 시 확정 함수 호출</a:t>
+              <a:t>	</a:t>
             </a:r>
           </a:p>
           <a:p>
@@ -6503,112 +6284,195 @@
             </a:pPr>
             <a:r>
               <a:rPr lang="ko-KR" altLang="en-US"/>
-              <a:t>확정 </a:t>
+              <a:t>게임 색상 적용 및 </a:t>
             </a:r>
             <a:r>
               <a:rPr lang="en-US" altLang="ko-KR"/>
-              <a:t>: _confirmCastFromTiming()</a:t>
-            </a:r>
-          </a:p>
-          <a:p>
-            <a:pPr marL="800100" lvl="1" indent="-342900">
-              <a:buFont typeface="Arial"/>
-              <a:buChar char="•"/>
-              <a:defRPr/>
-            </a:pPr>
+              <a:t>bgm, </a:t>
+            </a:r>
             <a:r>
               <a:rPr lang="ko-KR" altLang="en-US"/>
-              <a:t>정확도 계산</a:t>
-            </a:r>
+              <a:t>소리 적용</a:t>
+            </a:r>
+            <a:endParaRPr lang="en-US" altLang="ko-KR"/>
+          </a:p>
+        </p:txBody>
+      </p:sp>
+      <p:pic>
+        <p:nvPicPr>
+          <p:cNvPr id="16" name="그림 15"/>
+          <p:cNvPicPr>
+            <a:picLocks noChangeAspect="1"/>
+          </p:cNvPicPr>
+          <p:nvPr/>
+        </p:nvPicPr>
+        <p:blipFill rotWithShape="1">
+          <a:blip r:embed="rId4"/>
+          <a:stretch>
+            <a:fillRect/>
+          </a:stretch>
+        </p:blipFill>
+        <p:spPr>
+          <a:xfrm>
+            <a:off x="1845560" y="4516397"/>
+            <a:ext cx="3577415" cy="1542760"/>
+          </a:xfrm>
+          <a:prstGeom prst="rect">
+            <a:avLst/>
+          </a:prstGeom>
+        </p:spPr>
+      </p:pic>
+      <p:pic>
+        <p:nvPicPr>
+          <p:cNvPr id="18" name="그림 17"/>
+          <p:cNvPicPr>
+            <a:picLocks noChangeAspect="1"/>
+          </p:cNvPicPr>
+          <p:nvPr/>
+        </p:nvPicPr>
+        <p:blipFill rotWithShape="1">
+          <a:blip r:embed="rId5"/>
+          <a:stretch>
+            <a:fillRect/>
+          </a:stretch>
+        </p:blipFill>
+        <p:spPr>
+          <a:xfrm>
+            <a:off x="5957466" y="4067114"/>
+            <a:ext cx="2311519" cy="2978303"/>
+          </a:xfrm>
+          <a:prstGeom prst="rect">
+            <a:avLst/>
+          </a:prstGeom>
+        </p:spPr>
+      </p:pic>
+      <p:sp>
+        <p:nvSpPr>
+          <p:cNvPr id="19" name="TextBox 18"/>
+          <p:cNvSpPr txBox="1"/>
+          <p:nvPr/>
+        </p:nvSpPr>
+        <p:spPr>
+          <a:xfrm>
+            <a:off x="2344640" y="6099983"/>
+            <a:ext cx="2446715" cy="369332"/>
+          </a:xfrm>
+          <a:prstGeom prst="rect">
+            <a:avLst/>
+          </a:prstGeom>
+          <a:noFill/>
+        </p:spPr>
+        <p:txBody>
+          <a:bodyPr wrap="square">
+            <a:spAutoFit/>
+          </a:bodyPr>
+          <a:lstStyle/>
+          <a:p>
+            <a:pPr lvl="0">
+              <a:defRPr/>
+            </a:pPr>
             <a:r>
               <a:rPr lang="en-US" altLang="ko-KR"/>
-              <a:t>: dist = |markerY - centerY|</a:t>
-            </a:r>
-          </a:p>
-          <a:p>
-            <a:pPr marL="800100" lvl="1" indent="-342900">
-              <a:buFont typeface="Arial"/>
-              <a:buChar char="•"/>
-              <a:defRPr/>
-            </a:pPr>
+              <a:t>(</a:t>
+            </a:r>
             <a:r>
               <a:rPr lang="ko-KR" altLang="en-US"/>
-              <a:t>깊이</a:t>
+              <a:t>언더테일의 미니게임</a:t>
             </a:r>
             <a:r>
               <a:rPr lang="en-US" altLang="ko-KR"/>
-              <a:t>·</a:t>
+              <a:t>)</a:t>
+            </a:r>
+            <a:endParaRPr lang="ko-KR" altLang="en-US"/>
+          </a:p>
+        </p:txBody>
+      </p:sp>
+      <p:sp>
+        <p:nvSpPr>
+          <p:cNvPr id="20" name="TextBox 19"/>
+          <p:cNvSpPr txBox="1"/>
+          <p:nvPr/>
+        </p:nvSpPr>
+        <p:spPr>
+          <a:xfrm>
+            <a:off x="8229203" y="4345911"/>
+            <a:ext cx="461665" cy="2819400"/>
+          </a:xfrm>
+          <a:prstGeom prst="rect">
+            <a:avLst/>
+          </a:prstGeom>
+          <a:noFill/>
+        </p:spPr>
+        <p:txBody>
+          <a:bodyPr vert="eaVert" wrap="square">
+            <a:spAutoFit/>
+          </a:bodyPr>
+          <a:lstStyle/>
+          <a:p>
+            <a:pPr lvl="0">
+              <a:defRPr/>
+            </a:pPr>
+            <a:r>
+              <a:rPr lang="en-US" altLang="ko-KR"/>
+              <a:t>(</a:t>
             </a:r>
             <a:r>
               <a:rPr lang="ko-KR" altLang="en-US"/>
-              <a:t>구역 결정</a:t>
-            </a:r>
-          </a:p>
-          <a:p>
-            <a:pPr marL="1257300" lvl="2" indent="-342900">
-              <a:buFont typeface="Arial"/>
-              <a:buChar char="•"/>
-              <a:defRPr/>
-            </a:pPr>
+              <a:t>스타듀밸리의 미니게임</a:t>
+            </a:r>
             <a:r>
               <a:rPr lang="en-US" altLang="ko-KR"/>
-              <a:t>depth = 1 - clamp(dist/0.5)</a:t>
-            </a:r>
-            <a:r>
-              <a:rPr lang="ko-KR" altLang="en-US"/>
-              <a:t> 같은 방식으로 </a:t>
-            </a:r>
-            <a:r>
-              <a:rPr lang="en-US" altLang="ko-KR"/>
-              <a:t>0~1 </a:t>
-            </a:r>
-            <a:r>
-              <a:rPr lang="ko-KR" altLang="en-US"/>
-              <a:t>스케일을 만들고</a:t>
-            </a:r>
-          </a:p>
-          <a:p>
-            <a:pPr marL="1257300" lvl="2" indent="-342900">
-              <a:buFont typeface="Arial"/>
-              <a:buChar char="•"/>
-              <a:defRPr/>
-            </a:pPr>
-            <a:r>
-              <a:rPr lang="en-US" altLang="ko-KR"/>
-              <a:t>zone = surface / mid / deep</a:t>
-            </a:r>
-            <a:r>
-              <a:rPr lang="ko-KR" altLang="en-US"/>
-              <a:t>로 매핑</a:t>
-            </a:r>
-          </a:p>
-          <a:p>
-            <a:pPr marL="800100" lvl="1" indent="-342900">
-              <a:buFont typeface="Arial"/>
-              <a:buChar char="•"/>
-              <a:defRPr/>
-            </a:pPr>
-            <a:r>
-              <a:rPr lang="ko-KR" altLang="en-US"/>
-              <a:t>물고기 크기</a:t>
-            </a:r>
-            <a:r>
-              <a:rPr lang="en-US" altLang="ko-KR"/>
-              <a:t>/</a:t>
-            </a:r>
-            <a:r>
-              <a:rPr lang="ko-KR" altLang="en-US"/>
-              <a:t>확률 설정</a:t>
-            </a:r>
-            <a:r>
-              <a:rPr lang="en-US" altLang="ko-KR"/>
-              <a:t>: </a:t>
-            </a:r>
-            <a:r>
-              <a:rPr lang="ko-KR" altLang="en-US"/>
-              <a:t>정확도가 좋을수록 큰 물고기 비중이 높아짐</a:t>
-            </a:r>
-            <a:endParaRPr lang="en-US" altLang="ko-KR"/>
+              <a:t>)</a:t>
+            </a:r>
+            <a:endParaRPr lang="ko-KR" altLang="en-US"/>
+          </a:p>
+        </p:txBody>
+      </p:sp>
+      <p:sp>
+        <p:nvSpPr>
+          <p:cNvPr id="4" name="TextBox 5">
+            <a:extLst>
+              <a:ext uri="{FF2B5EF4-FFF2-40B4-BE49-F238E27FC236}">
+                <a16:creationId xmlns:a16="http://schemas.microsoft.com/office/drawing/2014/main" id="{C444BFE7-2AA5-CE86-31AB-590C8564F205}"/>
+              </a:ext>
+            </a:extLst>
+          </p:cNvPr>
+          <p:cNvSpPr txBox="1"/>
+          <p:nvPr/>
+        </p:nvSpPr>
+        <p:spPr>
+          <a:xfrm>
+            <a:off x="1331035" y="795950"/>
+            <a:ext cx="8014955" cy="1019342"/>
+          </a:xfrm>
+          <a:prstGeom prst="rect">
+            <a:avLst/>
+          </a:prstGeom>
+        </p:spPr>
+        <p:txBody>
+          <a:bodyPr lIns="0" tIns="0" rIns="0" bIns="0" anchor="t">
+            <a:spAutoFit/>
+          </a:bodyPr>
+          <a:lstStyle/>
+          <a:p>
+            <a:pPr algn="l">
+              <a:lnSpc>
+                <a:spcPts val="8064"/>
+              </a:lnSpc>
+              <a:defRPr/>
+            </a:pPr>
+            <a:r>
+              <a:rPr lang="ko-KR" altLang="en-US" sz="7200" b="1" spc="-359" dirty="0">
+                <a:solidFill>
+                  <a:srgbClr val="000000"/>
+                </a:solidFill>
+                <a:latin typeface="Nanum Square Bold"/>
+                <a:ea typeface="Nanum Square Bold"/>
+                <a:cs typeface="Nanum Square Bold"/>
+                <a:sym typeface="Nanum Square Bold"/>
+              </a:rPr>
+              <a:t>코드 업그레이드 </a:t>
+            </a:r>
           </a:p>
         </p:txBody>
       </p:sp>
@@ -6721,7 +6585,7 @@
         </p:nvSpPr>
         <p:spPr>
           <a:xfrm>
-            <a:off x="1714824" y="1121483"/>
+            <a:off x="1524000" y="1988024"/>
             <a:ext cx="4211394" cy="311624"/>
           </a:xfrm>
           <a:prstGeom prst="rect">
@@ -6741,7 +6605,7 @@
               <a:defRPr/>
             </a:pPr>
             <a:r>
-              <a:rPr lang="ko-KR" altLang="en-US" sz="2100" b="1">
+              <a:rPr lang="ko-KR" altLang="en-US" sz="2100" b="1" dirty="0">
                 <a:solidFill>
                   <a:srgbClr val="737373"/>
                 </a:solidFill>
@@ -6750,14 +6614,62 @@
                 <a:cs typeface="Heebo Bold"/>
                 <a:sym typeface="Heebo Bold"/>
               </a:rPr>
-              <a:t>낚시 미니게임</a:t>
+              <a:t>캐스팅 </a:t>
+            </a:r>
+            <a:r>
+              <a:rPr lang="en-US" altLang="ko-KR" sz="2100" b="1" dirty="0">
+                <a:solidFill>
+                  <a:srgbClr val="737373"/>
+                </a:solidFill>
+                <a:latin typeface="Heebo Bold"/>
+                <a:ea typeface="Heebo Bold"/>
+                <a:cs typeface="Heebo Bold"/>
+                <a:sym typeface="Heebo Bold"/>
+              </a:rPr>
+              <a:t>‘</a:t>
+            </a:r>
+            <a:r>
+              <a:rPr lang="ko-KR" altLang="en-US" sz="2100" b="1" dirty="0">
+                <a:solidFill>
+                  <a:srgbClr val="737373"/>
+                </a:solidFill>
+                <a:latin typeface="Heebo Bold"/>
+                <a:ea typeface="Heebo Bold"/>
+                <a:cs typeface="Heebo Bold"/>
+                <a:sym typeface="Heebo Bold"/>
+              </a:rPr>
+              <a:t>타이밍바</a:t>
+            </a:r>
+            <a:r>
+              <a:rPr lang="en-US" altLang="ko-KR" sz="2100" b="1" dirty="0">
+                <a:solidFill>
+                  <a:srgbClr val="737373"/>
+                </a:solidFill>
+                <a:latin typeface="Heebo Bold"/>
+                <a:ea typeface="Heebo Bold"/>
+                <a:cs typeface="Heebo Bold"/>
+                <a:sym typeface="Heebo Bold"/>
+              </a:rPr>
+              <a:t>’</a:t>
+            </a:r>
+            <a:r>
+              <a:rPr lang="ko-KR" altLang="en-US" sz="2100" b="1" dirty="0">
+                <a:solidFill>
+                  <a:srgbClr val="737373"/>
+                </a:solidFill>
+                <a:latin typeface="Heebo Bold"/>
+                <a:ea typeface="Heebo Bold"/>
+                <a:cs typeface="Heebo Bold"/>
+                <a:sym typeface="Heebo Bold"/>
+              </a:rPr>
+              <a:t> 미니게임</a:t>
             </a:r>
           </a:p>
         </p:txBody>
       </p:sp>
       <p:pic>
         <p:nvPicPr>
-          <p:cNvPr id="5" name="그림 4"/>
+          <p:cNvPr id="6" name="그림 5"/>
           <p:cNvPicPr>
             <a:picLocks noChangeAspect="1"/>
           </p:cNvPicPr>
@@ -6771,8 +6683,8 @@
         </p:blipFill>
         <p:spPr>
           <a:xfrm>
-            <a:off x="8551784" y="810212"/>
-            <a:ext cx="7620000" cy="4035111"/>
+            <a:off x="8915482" y="1123333"/>
+            <a:ext cx="7436232" cy="3219615"/>
           </a:xfrm>
           <a:prstGeom prst="rect">
             <a:avLst/>
@@ -6781,7 +6693,7 @@
       </p:pic>
       <p:pic>
         <p:nvPicPr>
-          <p:cNvPr id="10" name="그림 9"/>
+          <p:cNvPr id="9" name="그림 8"/>
           <p:cNvPicPr>
             <a:picLocks noChangeAspect="1"/>
           </p:cNvPicPr>
@@ -6795,8 +6707,8 @@
         </p:blipFill>
         <p:spPr>
           <a:xfrm>
-            <a:off x="8534768" y="5143500"/>
-            <a:ext cx="7801214" cy="4035111"/>
+            <a:off x="8229600" y="5448300"/>
+            <a:ext cx="9036514" cy="3302170"/>
           </a:xfrm>
           <a:prstGeom prst="rect">
             <a:avLst/>
@@ -6805,14 +6717,14 @@
       </p:pic>
       <p:sp>
         <p:nvSpPr>
-          <p:cNvPr id="11" name="TextBox 10"/>
+          <p:cNvPr id="12" name="TextBox 11"/>
           <p:cNvSpPr txBox="1"/>
           <p:nvPr/>
         </p:nvSpPr>
         <p:spPr>
           <a:xfrm>
-            <a:off x="1828800" y="1638300"/>
-            <a:ext cx="6096000" cy="7294305"/>
+            <a:off x="1371600" y="2729811"/>
+            <a:ext cx="6400800" cy="5078313"/>
           </a:xfrm>
           <a:prstGeom prst="rect">
             <a:avLst/>
@@ -6831,20 +6743,20 @@
               <a:defRPr/>
             </a:pPr>
             <a:r>
-              <a:rPr lang="ko-KR" altLang="en-US"/>
-              <a:t>진입</a:t>
-            </a:r>
-            <a:r>
-              <a:rPr lang="en-US" altLang="ko-KR"/>
-              <a:t>(</a:t>
-            </a:r>
-            <a:r>
-              <a:rPr lang="ko-KR" altLang="en-US"/>
-              <a:t>상태전환</a:t>
-            </a:r>
-            <a:r>
-              <a:rPr lang="en-US" altLang="ko-KR"/>
-              <a:t>)</a:t>
+              <a:rPr lang="ko-KR" altLang="en-US" dirty="0"/>
+              <a:t>시작 </a:t>
+            </a:r>
+            <a:r>
+              <a:rPr lang="en-US" altLang="ko-KR" dirty="0"/>
+              <a:t>: _</a:t>
+            </a:r>
+            <a:r>
+              <a:rPr lang="en-US" altLang="ko-KR" dirty="0" err="1"/>
+              <a:t>startCastTiming</a:t>
+            </a:r>
+            <a:r>
+              <a:rPr lang="en-US" altLang="ko-KR" dirty="0"/>
+              <a:t>()</a:t>
             </a:r>
           </a:p>
           <a:p>
@@ -6854,36 +6766,24 @@
               <a:defRPr/>
             </a:pPr>
             <a:r>
-              <a:rPr lang="en-US" altLang="ko-KR"/>
-              <a:t>cast_timing</a:t>
-            </a:r>
-            <a:r>
-              <a:rPr lang="ko-KR" altLang="en-US"/>
-              <a:t>에서 </a:t>
-            </a:r>
-            <a:r>
-              <a:rPr lang="en-US" altLang="ko-KR"/>
-              <a:t>_confirmCastFromTiming()</a:t>
-            </a:r>
-            <a:r>
-              <a:rPr lang="ko-KR" altLang="en-US"/>
-              <a:t>으로 </a:t>
-            </a:r>
-            <a:r>
-              <a:rPr lang="en-US" altLang="ko-KR"/>
-              <a:t>zone/depth/size</a:t>
-            </a:r>
-            <a:r>
-              <a:rPr lang="ko-KR" altLang="en-US"/>
-              <a:t>와 난이도 </a:t>
-            </a:r>
-            <a:r>
-              <a:rPr lang="en-US" altLang="ko-KR"/>
-              <a:t>cfg</a:t>
-            </a:r>
-            <a:r>
-              <a:rPr lang="ko-KR" altLang="en-US"/>
-              <a:t>를 생성</a:t>
+              <a:rPr lang="ko-KR" altLang="en-US" dirty="0"/>
+              <a:t>수면 기준으로 타이밍 바의 위치</a:t>
+            </a:r>
+            <a:r>
+              <a:rPr lang="en-US" altLang="ko-KR" dirty="0"/>
+              <a:t>(y)</a:t>
+            </a:r>
+            <a:r>
+              <a:rPr lang="ko-KR" altLang="en-US" dirty="0"/>
+              <a:t>와 높이</a:t>
+            </a:r>
+            <a:r>
+              <a:rPr lang="en-US" altLang="ko-KR" dirty="0"/>
+              <a:t>(h)</a:t>
+            </a:r>
+            <a:r>
+              <a:rPr lang="ko-KR" altLang="en-US" dirty="0"/>
+              <a:t>를 계산</a:t>
             </a:r>
           </a:p>
           <a:p>
@@ -6893,20 +6793,56 @@
               <a:defRPr/>
             </a:pPr>
             <a:r>
-              <a:rPr lang="ko-KR" altLang="en-US"/>
-              <a:t>짧은 </a:t>
-            </a:r>
-            <a:r>
-              <a:rPr lang="en-US" altLang="ko-KR"/>
-              <a:t>wait </a:t>
-            </a:r>
-            <a:r>
-              <a:rPr lang="ko-KR" altLang="en-US"/>
-              <a:t>후 </a:t>
-            </a:r>
-            <a:r>
-              <a:rPr lang="en-US" altLang="ko-KR"/>
-              <a:t>this.state = 'minigame’</a:t>
+              <a:rPr lang="ko-KR" altLang="en-US" dirty="0"/>
+              <a:t>바의 중앙선</a:t>
+            </a:r>
+            <a:r>
+              <a:rPr lang="en-US" altLang="ko-KR" dirty="0"/>
+              <a:t>(</a:t>
+            </a:r>
+            <a:r>
+              <a:rPr lang="en-US" altLang="ko-KR" dirty="0" err="1"/>
+              <a:t>centerY</a:t>
+            </a:r>
+            <a:r>
+              <a:rPr lang="en-US" altLang="ko-KR" dirty="0"/>
+              <a:t>), </a:t>
+            </a:r>
+            <a:r>
+              <a:rPr lang="ko-KR" altLang="en-US" dirty="0"/>
+              <a:t>마커 초기 위치</a:t>
+            </a:r>
+            <a:r>
+              <a:rPr lang="en-US" altLang="ko-KR" dirty="0"/>
+              <a:t>(</a:t>
+            </a:r>
+            <a:r>
+              <a:rPr lang="en-US" altLang="ko-KR" dirty="0" err="1"/>
+              <a:t>markerY</a:t>
+            </a:r>
+            <a:r>
+              <a:rPr lang="en-US" altLang="ko-KR" dirty="0"/>
+              <a:t>), </a:t>
+            </a:r>
+            <a:r>
+              <a:rPr lang="ko-KR" altLang="en-US" dirty="0"/>
+              <a:t>이동 방향</a:t>
+            </a:r>
+            <a:r>
+              <a:rPr lang="en-US" altLang="ko-KR" dirty="0"/>
+              <a:t>(</a:t>
+            </a:r>
+            <a:r>
+              <a:rPr lang="en-US" altLang="ko-KR" dirty="0" err="1"/>
+              <a:t>dir</a:t>
+            </a:r>
+            <a:r>
+              <a:rPr lang="en-US" altLang="ko-KR" dirty="0"/>
+              <a:t>)</a:t>
+            </a:r>
+            <a:r>
+              <a:rPr lang="ko-KR" altLang="en-US" dirty="0"/>
+              <a:t>을 세팅</a:t>
             </a:r>
           </a:p>
           <a:p>
@@ -6916,12 +6852,16 @@
               <a:defRPr/>
             </a:pPr>
             <a:r>
-              <a:rPr lang="ko-KR" altLang="en-US"/>
-              <a:t>초기화</a:t>
-            </a:r>
-            <a:r>
-              <a:rPr lang="en-US" altLang="ko-KR"/>
-              <a:t>: this.fill=0~1, this.bar={y,v,h}, this.fish={y,t,profile}, this.timeSinceStart=0</a:t>
+              <a:rPr lang="ko-KR" altLang="en-US" dirty="0"/>
+              <a:t>게임 상태를 </a:t>
+            </a:r>
+            <a:r>
+              <a:rPr lang="en-US" altLang="ko-KR" dirty="0" err="1"/>
+              <a:t>cast_timing</a:t>
+            </a:r>
+            <a:r>
+              <a:rPr lang="ko-KR" altLang="en-US" dirty="0"/>
+              <a:t>으로 바꿔 미니게임 진입</a:t>
             </a:r>
           </a:p>
           <a:p>
@@ -6931,28 +6871,20 @@
               <a:defRPr/>
             </a:pPr>
             <a:r>
-              <a:rPr lang="ko-KR" altLang="en-US"/>
-              <a:t>입력 </a:t>
-            </a:r>
-            <a:r>
-              <a:rPr lang="en-US" altLang="ko-KR"/>
-              <a:t>&amp; </a:t>
-            </a:r>
-            <a:r>
-              <a:rPr lang="ko-KR" altLang="en-US"/>
-              <a:t>바 물리</a:t>
-            </a:r>
-            <a:r>
-              <a:rPr lang="en-US" altLang="ko-KR"/>
-              <a:t>(</a:t>
-            </a:r>
-            <a:r>
-              <a:rPr lang="ko-KR" altLang="en-US"/>
-              <a:t>휠 조작</a:t>
-            </a:r>
-            <a:r>
-              <a:rPr lang="en-US" altLang="ko-KR"/>
-              <a:t>)</a:t>
+              <a:rPr lang="ko-KR" altLang="en-US" dirty="0"/>
+              <a:t>루프 </a:t>
+            </a:r>
+            <a:r>
+              <a:rPr lang="en-US" altLang="ko-KR" dirty="0"/>
+              <a:t>: state === '</a:t>
+            </a:r>
+            <a:r>
+              <a:rPr lang="en-US" altLang="ko-KR" dirty="0" err="1"/>
+              <a:t>cast_timing</a:t>
+            </a:r>
+            <a:r>
+              <a:rPr lang="en-US" altLang="ko-KR" dirty="0"/>
+              <a:t>’</a:t>
             </a:r>
           </a:p>
           <a:p>
@@ -6962,48 +6894,36 @@
               <a:defRPr/>
             </a:pPr>
             <a:r>
-              <a:rPr lang="ko-KR" altLang="en-US"/>
-              <a:t>휠 아래</a:t>
-            </a:r>
-            <a:r>
-              <a:rPr lang="en-US" altLang="ko-KR"/>
-              <a:t>=</a:t>
-            </a:r>
-            <a:r>
-              <a:rPr lang="ko-KR" altLang="en-US"/>
-              <a:t>위로 </a:t>
-            </a:r>
-            <a:r>
-              <a:rPr lang="en-US" altLang="ko-KR"/>
-              <a:t>/ </a:t>
-            </a:r>
-            <a:r>
-              <a:rPr lang="ko-KR" altLang="en-US"/>
-              <a:t>휠 위</a:t>
-            </a:r>
-            <a:r>
-              <a:rPr lang="en-US" altLang="ko-KR"/>
-              <a:t>=</a:t>
-            </a:r>
-            <a:r>
-              <a:rPr lang="ko-KR" altLang="en-US"/>
-              <a:t>아래로</a:t>
-            </a:r>
-            <a:r>
-              <a:rPr lang="en-US" altLang="ko-KR"/>
-              <a:t>(</a:t>
-            </a:r>
-            <a:r>
-              <a:rPr lang="ko-KR" altLang="en-US"/>
-              <a:t>반전</a:t>
-            </a:r>
-            <a:r>
-              <a:rPr lang="en-US" altLang="ko-KR"/>
-              <a:t>) </a:t>
-            </a:r>
-            <a:r>
-              <a:rPr lang="ko-KR" altLang="en-US"/>
-              <a:t>가속</a:t>
+              <a:rPr lang="ko-KR" altLang="en-US" dirty="0"/>
+              <a:t>매 프레임 </a:t>
+            </a:r>
+            <a:r>
+              <a:rPr lang="en-US" altLang="ko-KR" dirty="0" err="1"/>
+              <a:t>markerY</a:t>
+            </a:r>
+            <a:r>
+              <a:rPr lang="en-US" altLang="ko-KR" dirty="0"/>
+              <a:t> += </a:t>
+            </a:r>
+            <a:r>
+              <a:rPr lang="en-US" altLang="ko-KR" dirty="0" err="1"/>
+              <a:t>dir</a:t>
+            </a:r>
+            <a:r>
+              <a:rPr lang="en-US" altLang="ko-KR" dirty="0"/>
+              <a:t> * speed * dt</a:t>
+            </a:r>
+            <a:r>
+              <a:rPr lang="ko-KR" altLang="en-US" dirty="0"/>
+              <a:t>로 마커를 위</a:t>
+            </a:r>
+            <a:r>
+              <a:rPr lang="en-US" altLang="ko-KR" dirty="0"/>
+              <a:t>/</a:t>
+            </a:r>
+            <a:r>
+              <a:rPr lang="ko-KR" altLang="en-US" dirty="0"/>
+              <a:t>아래로 이동</a:t>
             </a:r>
           </a:p>
           <a:p>
@@ -7013,32 +6933,32 @@
               <a:defRPr/>
             </a:pPr>
             <a:r>
-              <a:rPr lang="ko-KR" altLang="en-US"/>
-              <a:t>가속</a:t>
-            </a:r>
-            <a:r>
-              <a:rPr lang="en-US" altLang="ko-KR"/>
-              <a:t>·</a:t>
-            </a:r>
-            <a:r>
-              <a:rPr lang="ko-KR" altLang="en-US"/>
-              <a:t>속도제한</a:t>
-            </a:r>
-            <a:r>
-              <a:rPr lang="en-US" altLang="ko-KR"/>
-              <a:t>·</a:t>
-            </a:r>
-            <a:r>
-              <a:rPr lang="ko-KR" altLang="en-US"/>
-              <a:t>감속</a:t>
-            </a:r>
-            <a:r>
-              <a:rPr lang="en-US" altLang="ko-KR"/>
-              <a:t>·</a:t>
-            </a:r>
-            <a:r>
-              <a:rPr lang="ko-KR" altLang="en-US"/>
-              <a:t>경계처리</a:t>
+              <a:rPr lang="ko-KR" altLang="en-US" dirty="0"/>
+              <a:t>위아래 경계</a:t>
+            </a:r>
+            <a:r>
+              <a:rPr lang="en-US" altLang="ko-KR" dirty="0"/>
+              <a:t>(</a:t>
+            </a:r>
+            <a:r>
+              <a:rPr lang="en-US" altLang="ko-KR" dirty="0" err="1"/>
+              <a:t>yMin</a:t>
+            </a:r>
+            <a:r>
+              <a:rPr lang="en-US" altLang="ko-KR" dirty="0"/>
+              <a:t>, </a:t>
+            </a:r>
+            <a:r>
+              <a:rPr lang="en-US" altLang="ko-KR" dirty="0" err="1"/>
+              <a:t>yMax</a:t>
+            </a:r>
+            <a:r>
+              <a:rPr lang="en-US" altLang="ko-KR" dirty="0"/>
+              <a:t>)</a:t>
+            </a:r>
+            <a:r>
+              <a:rPr lang="ko-KR" altLang="en-US" dirty="0"/>
+              <a:t>에 닿으면 방향 반전해서 왕복</a:t>
             </a:r>
           </a:p>
           <a:p>
@@ -7048,20 +6968,40 @@
               <a:defRPr/>
             </a:pPr>
             <a:r>
-              <a:rPr lang="ko-KR" altLang="en-US"/>
-              <a:t>바의 높이</a:t>
-            </a:r>
-            <a:r>
-              <a:rPr lang="en-US" altLang="ko-KR"/>
+              <a:rPr lang="ko-KR" altLang="en-US" dirty="0"/>
+              <a:t>입력</a:t>
+            </a:r>
+            <a:r>
+              <a:rPr lang="en-US" altLang="ko-KR" dirty="0"/>
               <a:t>(</a:t>
             </a:r>
             <a:r>
-              <a:rPr lang="ko-KR" altLang="en-US"/>
-              <a:t>판정폭</a:t>
-            </a:r>
-            <a:r>
-              <a:rPr lang="en-US" altLang="ko-KR"/>
-              <a:t>) = this.bar.h</a:t>
+              <a:rPr lang="ko-KR" altLang="en-US" dirty="0"/>
+              <a:t>스페이스</a:t>
+            </a:r>
+            <a:r>
+              <a:rPr lang="en-US" altLang="ko-KR" dirty="0"/>
+              <a:t>/</a:t>
+            </a:r>
+            <a:r>
+              <a:rPr lang="ko-KR" altLang="en-US" dirty="0" err="1"/>
+              <a:t>엔터</a:t>
+            </a:r>
+            <a:r>
+              <a:rPr lang="en-US" altLang="ko-KR" dirty="0"/>
+              <a:t>/</a:t>
+            </a:r>
+            <a:r>
+              <a:rPr lang="ko-KR" altLang="en-US" dirty="0"/>
+              <a:t>클릭</a:t>
+            </a:r>
+            <a:r>
+              <a:rPr lang="en-US" altLang="ko-KR" dirty="0"/>
+              <a:t>) </a:t>
+            </a:r>
+            <a:r>
+              <a:rPr lang="ko-KR" altLang="en-US" dirty="0"/>
+              <a:t>발생 시 확정 함수 호출</a:t>
             </a:r>
           </a:p>
           <a:p>
@@ -7071,12 +7011,20 @@
               <a:defRPr/>
             </a:pPr>
             <a:r>
-              <a:rPr lang="ko-KR" altLang="en-US"/>
-              <a:t>물고기 </a:t>
-            </a:r>
-            <a:r>
-              <a:rPr lang="en-US" altLang="ko-KR"/>
-              <a:t>AI</a:t>
+              <a:rPr lang="ko-KR" altLang="en-US" dirty="0"/>
+              <a:t>확정 </a:t>
+            </a:r>
+            <a:r>
+              <a:rPr lang="en-US" altLang="ko-KR" dirty="0"/>
+              <a:t>: _</a:t>
+            </a:r>
+            <a:r>
+              <a:rPr lang="en-US" altLang="ko-KR" dirty="0" err="1"/>
+              <a:t>confirmCastFromTiming</a:t>
+            </a:r>
+            <a:r>
+              <a:rPr lang="en-US" altLang="ko-KR" dirty="0"/>
+              <a:t>()</a:t>
             </a:r>
           </a:p>
           <a:p>
@@ -7086,8 +7034,36 @@
               <a:defRPr/>
             </a:pPr>
             <a:r>
-              <a:rPr lang="en-US" altLang="ko-KR"/>
-              <a:t>const F = this.fish.profile</a:t>
+              <a:rPr lang="ko-KR" altLang="en-US" dirty="0"/>
+              <a:t>정확도 계산</a:t>
+            </a:r>
+            <a:r>
+              <a:rPr lang="en-US" altLang="ko-KR" dirty="0"/>
+              <a:t>: </a:t>
+            </a:r>
+            <a:r>
+              <a:rPr lang="en-US" altLang="ko-KR" dirty="0" err="1"/>
+              <a:t>dist</a:t>
+            </a:r>
+            <a:r>
+              <a:rPr lang="en-US" altLang="ko-KR" dirty="0"/>
+              <a:t> = |</a:t>
+            </a:r>
+            <a:r>
+              <a:rPr lang="en-US" altLang="ko-KR" dirty="0" err="1"/>
+              <a:t>markerY</a:t>
+            </a:r>
+            <a:r>
+              <a:rPr lang="en-US" altLang="ko-KR" dirty="0"/>
+              <a:t> - </a:t>
+            </a:r>
+            <a:r>
+              <a:rPr lang="en-US" altLang="ko-KR" dirty="0" err="1"/>
+              <a:t>centerY</a:t>
+            </a:r>
+            <a:r>
+              <a:rPr lang="en-US" altLang="ko-KR" dirty="0"/>
+              <a:t>|</a:t>
             </a:r>
           </a:p>
           <a:p>
@@ -7097,32 +7073,62 @@
               <a:defRPr/>
             </a:pPr>
             <a:r>
-              <a:rPr lang="ko-KR" altLang="en-US"/>
-              <a:t>목표 궤적</a:t>
-            </a:r>
-            <a:r>
-              <a:rPr lang="en-US" altLang="ko-KR"/>
-              <a:t>: </a:t>
-            </a:r>
-            <a:r>
-              <a:rPr lang="ko-KR" altLang="en-US"/>
-              <a:t>사인파 </a:t>
-            </a:r>
-            <a:r>
-              <a:rPr lang="en-US" altLang="ko-KR"/>
-              <a:t>+ </a:t>
-            </a:r>
-            <a:r>
-              <a:rPr lang="ko-KR" altLang="en-US"/>
-              <a:t>지터 </a:t>
-            </a:r>
-            <a:r>
-              <a:rPr lang="en-US" altLang="ko-KR"/>
-              <a:t>+ </a:t>
-            </a:r>
-            <a:r>
-              <a:rPr lang="ko-KR" altLang="en-US"/>
-              <a:t>버스트</a:t>
+              <a:rPr lang="ko-KR" altLang="en-US" dirty="0"/>
+              <a:t>깊이</a:t>
+            </a:r>
+            <a:r>
+              <a:rPr lang="en-US" altLang="ko-KR" dirty="0"/>
+              <a:t>·</a:t>
+            </a:r>
+            <a:r>
+              <a:rPr lang="ko-KR" altLang="en-US" dirty="0"/>
+              <a:t>구역 결정</a:t>
+            </a:r>
+          </a:p>
+          <a:p>
+            <a:pPr marL="1257300" lvl="2" indent="-342900">
+              <a:buFont typeface="Arial"/>
+              <a:buChar char="•"/>
+              <a:defRPr/>
+            </a:pPr>
+            <a:r>
+              <a:rPr lang="en-US" altLang="ko-KR" dirty="0"/>
+              <a:t>depth = 1 - clamp(</a:t>
+            </a:r>
+            <a:r>
+              <a:rPr lang="en-US" altLang="ko-KR" dirty="0" err="1"/>
+              <a:t>dist</a:t>
+            </a:r>
+            <a:r>
+              <a:rPr lang="en-US" altLang="ko-KR" dirty="0"/>
+              <a:t>/0.5)</a:t>
+            </a:r>
+            <a:r>
+              <a:rPr lang="ko-KR" altLang="en-US" dirty="0"/>
+              <a:t> 같은 방식으로 </a:t>
+            </a:r>
+            <a:r>
+              <a:rPr lang="en-US" altLang="ko-KR" dirty="0"/>
+              <a:t>0~1 </a:t>
+            </a:r>
+            <a:r>
+              <a:rPr lang="ko-KR" altLang="en-US" dirty="0"/>
+              <a:t>스케일을 만들고</a:t>
+            </a:r>
+          </a:p>
+          <a:p>
+            <a:pPr marL="1257300" lvl="2" indent="-342900">
+              <a:buFont typeface="Arial"/>
+              <a:buChar char="•"/>
+              <a:defRPr/>
+            </a:pPr>
+            <a:r>
+              <a:rPr lang="en-US" altLang="ko-KR" dirty="0"/>
+              <a:t>zone = surface / mid / deep</a:t>
+            </a:r>
+            <a:r>
+              <a:rPr lang="ko-KR" altLang="en-US" dirty="0"/>
+              <a:t>로 매핑</a:t>
             </a:r>
           </a:p>
           <a:p>
@@ -7132,206 +7138,73 @@
               <a:defRPr/>
             </a:pPr>
             <a:r>
-              <a:rPr lang="ko-KR" altLang="en-US"/>
-              <a:t>추종</a:t>
-            </a:r>
-            <a:r>
-              <a:rPr lang="en-US" altLang="ko-KR"/>
-              <a:t>(</a:t>
-            </a:r>
-            <a:r>
-              <a:rPr lang="ko-KR" altLang="en-US"/>
-              <a:t>부드럽게 따라감</a:t>
-            </a:r>
-            <a:r>
-              <a:rPr lang="en-US" altLang="ko-KR"/>
-              <a:t>): this.fish.y += (target - this.fish.y) * (F.follow * dt)</a:t>
-            </a:r>
-          </a:p>
-          <a:p>
-            <a:pPr marL="800100" lvl="1" indent="-342900">
-              <a:buFont typeface="Arial"/>
-              <a:buChar char="•"/>
-              <a:defRPr/>
-            </a:pPr>
-            <a:r>
-              <a:rPr lang="ko-KR" altLang="en-US"/>
-              <a:t>범위 고정</a:t>
-            </a:r>
-            <a:r>
-              <a:rPr lang="en-US" altLang="ko-KR"/>
-              <a:t>: ln.top..ln.bottom</a:t>
-            </a:r>
-          </a:p>
-          <a:p>
-            <a:pPr marL="342900" indent="-342900">
-              <a:buFont typeface="+mj-lt"/>
-              <a:buAutoNum type="arabicPeriod"/>
-              <a:defRPr/>
-            </a:pPr>
-            <a:r>
-              <a:rPr lang="ko-KR" altLang="en-US"/>
-              <a:t>겹침 판정 </a:t>
-            </a:r>
-            <a:r>
-              <a:rPr lang="en-US" altLang="ko-KR"/>
-              <a:t>&gt; </a:t>
-            </a:r>
-            <a:r>
-              <a:rPr lang="ko-KR" altLang="en-US"/>
-              <a:t>캐치 게이지</a:t>
-            </a:r>
-          </a:p>
-          <a:p>
-            <a:pPr marL="800100" lvl="1" indent="-342900">
-              <a:buFont typeface="Arial"/>
-              <a:buChar char="•"/>
-              <a:defRPr/>
-            </a:pPr>
-            <a:r>
-              <a:rPr lang="ko-KR" altLang="en-US"/>
-              <a:t>바 중앙</a:t>
-            </a:r>
-            <a:r>
-              <a:rPr lang="en-US" altLang="ko-KR"/>
-              <a:t>: barC = this.bar.y + this.bar.h/2</a:t>
-            </a:r>
-          </a:p>
-          <a:p>
-            <a:pPr marL="800100" lvl="1" indent="-342900">
-              <a:buFont typeface="Arial"/>
-              <a:buChar char="•"/>
-              <a:defRPr/>
-            </a:pPr>
-            <a:r>
-              <a:rPr lang="ko-KR" altLang="en-US"/>
-              <a:t>겹침 여부</a:t>
-            </a:r>
-            <a:r>
-              <a:rPr lang="en-US" altLang="ko-KR"/>
-              <a:t>: inside = |this.fish.y - barC| ≤ this.bar.h/2</a:t>
-            </a:r>
-          </a:p>
-          <a:p>
-            <a:pPr marL="800100" lvl="1" indent="-342900">
-              <a:buFont typeface="Arial"/>
-              <a:buChar char="•"/>
-              <a:defRPr/>
-            </a:pPr>
-            <a:r>
-              <a:rPr lang="ko-KR" altLang="en-US"/>
-              <a:t>누적</a:t>
-            </a:r>
-            <a:r>
-              <a:rPr lang="en-US" altLang="ko-KR"/>
-              <a:t>: this.fill = clamp(this.fill + delta*dt, 0, 1)</a:t>
-            </a:r>
-          </a:p>
-          <a:p>
-            <a:pPr marL="342900" indent="-342900">
-              <a:buFont typeface="+mj-lt"/>
-              <a:buAutoNum type="arabicPeriod"/>
-              <a:defRPr/>
-            </a:pPr>
-            <a:r>
-              <a:rPr lang="ko-KR" altLang="en-US"/>
-              <a:t>성공</a:t>
-            </a:r>
-            <a:r>
-              <a:rPr lang="en-US" altLang="ko-KR"/>
+              <a:rPr lang="ko-KR" altLang="en-US" dirty="0"/>
+              <a:t>물고기 크기</a:t>
+            </a:r>
+            <a:r>
+              <a:rPr lang="en-US" altLang="ko-KR" dirty="0"/>
               <a:t>/</a:t>
             </a:r>
             <a:r>
-              <a:rPr lang="ko-KR" altLang="en-US"/>
-              <a:t>실패 판정</a:t>
-            </a:r>
-            <a:r>
-              <a:rPr lang="en-US" altLang="ko-KR"/>
-              <a:t>&amp;</a:t>
-            </a:r>
-            <a:r>
-              <a:rPr lang="ko-KR" altLang="en-US"/>
-              <a:t>점수</a:t>
-            </a:r>
-          </a:p>
-          <a:p>
-            <a:pPr marL="800100" lvl="1" indent="-342900">
-              <a:buFont typeface="Arial"/>
-              <a:buChar char="•"/>
-              <a:defRPr/>
-            </a:pPr>
-            <a:r>
-              <a:rPr lang="en-US" altLang="ko-KR"/>
-              <a:t>this.fill ≥ 1 → this.state='caught’</a:t>
-            </a:r>
-          </a:p>
-          <a:p>
-            <a:pPr marL="800100" lvl="1" indent="-342900">
-              <a:buFont typeface="Arial"/>
-              <a:buChar char="•"/>
-              <a:defRPr/>
-            </a:pPr>
-            <a:r>
-              <a:rPr lang="en-US" altLang="ko-KR"/>
-              <a:t>this.fill ≤ 0 → this.state='miss’</a:t>
-            </a:r>
-          </a:p>
-          <a:p>
-            <a:pPr marL="800100" lvl="1" indent="-342900">
-              <a:buFont typeface="Arial"/>
-              <a:buChar char="•"/>
-              <a:defRPr/>
-            </a:pPr>
-            <a:r>
-              <a:rPr lang="ko-KR" altLang="en-US"/>
-              <a:t>점수 가중</a:t>
-            </a:r>
-            <a:r>
-              <a:rPr lang="en-US" altLang="ko-KR"/>
+              <a:rPr lang="ko-KR" altLang="en-US" dirty="0"/>
+              <a:t>확률 설정</a:t>
+            </a:r>
+            <a:r>
+              <a:rPr lang="en-US" altLang="ko-KR" dirty="0"/>
               <a:t>: </a:t>
             </a:r>
             <a:r>
-              <a:rPr lang="ko-KR" altLang="en-US"/>
-              <a:t>물고기 크기별 </a:t>
-            </a:r>
-            <a:r>
-              <a:rPr lang="en-US" altLang="ko-KR"/>
-              <a:t>small=1, mid=3, big=5</a:t>
-            </a:r>
-            <a:r>
-              <a:rPr lang="ko-KR" altLang="en-US"/>
-              <a:t> 추가</a:t>
-            </a:r>
-          </a:p>
-          <a:p>
-            <a:pPr marL="800100" lvl="1" indent="-342900">
-              <a:buFont typeface="Arial"/>
-              <a:buChar char="•"/>
-              <a:defRPr/>
-            </a:pPr>
-            <a:r>
-              <a:rPr lang="ko-KR" altLang="en-US"/>
-              <a:t>단축키</a:t>
-            </a:r>
-            <a:r>
-              <a:rPr lang="en-US" altLang="ko-KR"/>
-              <a:t>: R</a:t>
-            </a:r>
-            <a:r>
-              <a:rPr lang="ko-KR" altLang="en-US"/>
-              <a:t>로 즉시 리셋</a:t>
-            </a:r>
-            <a:r>
-              <a:rPr lang="en-US" altLang="ko-KR"/>
-              <a:t>(</a:t>
-            </a:r>
-            <a:r>
-              <a:rPr lang="ko-KR" altLang="en-US"/>
-              <a:t>테스트용</a:t>
-            </a:r>
-            <a:r>
-              <a:rPr lang="en-US" altLang="ko-KR"/>
-              <a:t>)</a:t>
+              <a:rPr lang="ko-KR" altLang="en-US" dirty="0"/>
+              <a:t>정확도가 좋을수록 큰 물고기 비중이 높아짐</a:t>
+            </a:r>
+            <a:endParaRPr lang="en-US" altLang="ko-KR" dirty="0"/>
+          </a:p>
+        </p:txBody>
+      </p:sp>
+      <p:sp>
+        <p:nvSpPr>
+          <p:cNvPr id="4" name="TextBox 5">
+            <a:extLst>
+              <a:ext uri="{FF2B5EF4-FFF2-40B4-BE49-F238E27FC236}">
+                <a16:creationId xmlns:a16="http://schemas.microsoft.com/office/drawing/2014/main" id="{B5788F9C-AE7E-6989-1D21-F7FFB075635F}"/>
+              </a:ext>
+            </a:extLst>
+          </p:cNvPr>
+          <p:cNvSpPr txBox="1"/>
+          <p:nvPr/>
+        </p:nvSpPr>
+        <p:spPr>
+          <a:xfrm>
+            <a:off x="1219200" y="806275"/>
+            <a:ext cx="8014955" cy="1019342"/>
+          </a:xfrm>
+          <a:prstGeom prst="rect">
+            <a:avLst/>
+          </a:prstGeom>
+        </p:spPr>
+        <p:txBody>
+          <a:bodyPr lIns="0" tIns="0" rIns="0" bIns="0" anchor="t">
+            <a:spAutoFit/>
+          </a:bodyPr>
+          <a:lstStyle/>
+          <a:p>
+            <a:pPr algn="l">
+              <a:lnSpc>
+                <a:spcPts val="8064"/>
+              </a:lnSpc>
+              <a:defRPr/>
+            </a:pPr>
+            <a:r>
+              <a:rPr lang="ko-KR" altLang="en-US" sz="7200" b="1" spc="-359" dirty="0">
+                <a:solidFill>
+                  <a:srgbClr val="000000"/>
+                </a:solidFill>
+                <a:latin typeface="Nanum Square Bold"/>
+                <a:ea typeface="Nanum Square Bold"/>
+                <a:cs typeface="Nanum Square Bold"/>
+                <a:sym typeface="Nanum Square Bold"/>
+              </a:rPr>
+              <a:t>코드 업그레이드 </a:t>
             </a:r>
           </a:p>
         </p:txBody>
@@ -7439,14 +7312,14 @@
       </p:sp>
       <p:sp>
         <p:nvSpPr>
-          <p:cNvPr id="9" name="TextBox 9"/>
+          <p:cNvPr id="7" name="TextBox 7"/>
           <p:cNvSpPr txBox="1"/>
           <p:nvPr/>
         </p:nvSpPr>
         <p:spPr>
           <a:xfrm>
-            <a:off x="4078981" y="2366850"/>
-            <a:ext cx="10130038" cy="1024050"/>
+            <a:off x="1714824" y="1121483"/>
+            <a:ext cx="4211394" cy="311624"/>
           </a:xfrm>
           <a:prstGeom prst="rect">
             <a:avLst/>
@@ -7458,23 +7331,604 @@
           </a:bodyPr>
           <a:lstStyle/>
           <a:p>
-            <a:pPr algn="ctr">
+            <a:pPr algn="l">
               <a:lnSpc>
-                <a:spcPts val="8064"/>
+                <a:spcPts val="2352"/>
               </a:lnSpc>
               <a:defRPr/>
             </a:pPr>
             <a:r>
-              <a:rPr lang="en-US" altLang="ko-KR" sz="7200" b="1" spc="-359">
-                <a:solidFill>
-                  <a:srgbClr val="000000"/>
-                </a:solidFill>
-                <a:latin typeface="Nanum Square Bold"/>
-                <a:ea typeface="Nanum Square Bold"/>
-                <a:cs typeface="Nanum Square Bold"/>
-                <a:sym typeface="Nanum Square Bold"/>
-              </a:rPr>
-              <a:t>Runner Game</a:t>
+              <a:rPr lang="ko-KR" altLang="en-US" sz="2100" b="1">
+                <a:solidFill>
+                  <a:srgbClr val="737373"/>
+                </a:solidFill>
+                <a:latin typeface="Heebo Bold"/>
+                <a:ea typeface="Heebo Bold"/>
+                <a:cs typeface="Heebo Bold"/>
+                <a:sym typeface="Heebo Bold"/>
+              </a:rPr>
+              <a:t>낚시 미니게임</a:t>
+            </a:r>
+          </a:p>
+        </p:txBody>
+      </p:sp>
+      <p:pic>
+        <p:nvPicPr>
+          <p:cNvPr id="5" name="그림 4"/>
+          <p:cNvPicPr>
+            <a:picLocks noChangeAspect="1"/>
+          </p:cNvPicPr>
+          <p:nvPr/>
+        </p:nvPicPr>
+        <p:blipFill rotWithShape="1">
+          <a:blip r:embed="rId2"/>
+          <a:stretch>
+            <a:fillRect/>
+          </a:stretch>
+        </p:blipFill>
+        <p:spPr>
+          <a:xfrm>
+            <a:off x="8551784" y="810212"/>
+            <a:ext cx="7620000" cy="4035111"/>
+          </a:xfrm>
+          <a:prstGeom prst="rect">
+            <a:avLst/>
+          </a:prstGeom>
+        </p:spPr>
+      </p:pic>
+      <p:pic>
+        <p:nvPicPr>
+          <p:cNvPr id="10" name="그림 9"/>
+          <p:cNvPicPr>
+            <a:picLocks noChangeAspect="1"/>
+          </p:cNvPicPr>
+          <p:nvPr/>
+        </p:nvPicPr>
+        <p:blipFill rotWithShape="1">
+          <a:blip r:embed="rId3"/>
+          <a:stretch>
+            <a:fillRect/>
+          </a:stretch>
+        </p:blipFill>
+        <p:spPr>
+          <a:xfrm>
+            <a:off x="8534768" y="5143500"/>
+            <a:ext cx="7801214" cy="4035111"/>
+          </a:xfrm>
+          <a:prstGeom prst="rect">
+            <a:avLst/>
+          </a:prstGeom>
+        </p:spPr>
+      </p:pic>
+      <p:sp>
+        <p:nvSpPr>
+          <p:cNvPr id="11" name="TextBox 10"/>
+          <p:cNvSpPr txBox="1"/>
+          <p:nvPr/>
+        </p:nvSpPr>
+        <p:spPr>
+          <a:xfrm>
+            <a:off x="1828800" y="1638300"/>
+            <a:ext cx="6096000" cy="7294305"/>
+          </a:xfrm>
+          <a:prstGeom prst="rect">
+            <a:avLst/>
+          </a:prstGeom>
+          <a:noFill/>
+        </p:spPr>
+        <p:txBody>
+          <a:bodyPr wrap="square">
+            <a:spAutoFit/>
+          </a:bodyPr>
+          <a:lstStyle/>
+          <a:p>
+            <a:pPr marL="342900" indent="-342900">
+              <a:buFont typeface="+mj-lt"/>
+              <a:buAutoNum type="arabicPeriod"/>
+              <a:defRPr/>
+            </a:pPr>
+            <a:r>
+              <a:rPr lang="ko-KR" altLang="en-US"/>
+              <a:t>진입</a:t>
+            </a:r>
+            <a:r>
+              <a:rPr lang="en-US" altLang="ko-KR"/>
+              <a:t>(</a:t>
+            </a:r>
+            <a:r>
+              <a:rPr lang="ko-KR" altLang="en-US"/>
+              <a:t>상태전환</a:t>
+            </a:r>
+            <a:r>
+              <a:rPr lang="en-US" altLang="ko-KR"/>
+              <a:t>)</a:t>
+            </a:r>
+          </a:p>
+          <a:p>
+            <a:pPr marL="800100" lvl="1" indent="-342900">
+              <a:buFont typeface="Arial"/>
+              <a:buChar char="•"/>
+              <a:defRPr/>
+            </a:pPr>
+            <a:r>
+              <a:rPr lang="en-US" altLang="ko-KR"/>
+              <a:t>cast_timing</a:t>
+            </a:r>
+            <a:r>
+              <a:rPr lang="ko-KR" altLang="en-US"/>
+              <a:t>에서 </a:t>
+            </a:r>
+            <a:r>
+              <a:rPr lang="en-US" altLang="ko-KR"/>
+              <a:t>_confirmCastFromTiming()</a:t>
+            </a:r>
+            <a:r>
+              <a:rPr lang="ko-KR" altLang="en-US"/>
+              <a:t>으로 </a:t>
+            </a:r>
+            <a:r>
+              <a:rPr lang="en-US" altLang="ko-KR"/>
+              <a:t>zone/depth/size</a:t>
+            </a:r>
+            <a:r>
+              <a:rPr lang="ko-KR" altLang="en-US"/>
+              <a:t>와 난이도 </a:t>
+            </a:r>
+            <a:r>
+              <a:rPr lang="en-US" altLang="ko-KR"/>
+              <a:t>cfg</a:t>
+            </a:r>
+            <a:r>
+              <a:rPr lang="ko-KR" altLang="en-US"/>
+              <a:t>를 생성</a:t>
+            </a:r>
+          </a:p>
+          <a:p>
+            <a:pPr marL="800100" lvl="1" indent="-342900">
+              <a:buFont typeface="Arial"/>
+              <a:buChar char="•"/>
+              <a:defRPr/>
+            </a:pPr>
+            <a:r>
+              <a:rPr lang="ko-KR" altLang="en-US"/>
+              <a:t>짧은 </a:t>
+            </a:r>
+            <a:r>
+              <a:rPr lang="en-US" altLang="ko-KR"/>
+              <a:t>wait </a:t>
+            </a:r>
+            <a:r>
+              <a:rPr lang="ko-KR" altLang="en-US"/>
+              <a:t>후 </a:t>
+            </a:r>
+            <a:r>
+              <a:rPr lang="en-US" altLang="ko-KR"/>
+              <a:t>this.state = 'minigame’</a:t>
+            </a:r>
+          </a:p>
+          <a:p>
+            <a:pPr marL="800100" lvl="1" indent="-342900">
+              <a:buFont typeface="Arial"/>
+              <a:buChar char="•"/>
+              <a:defRPr/>
+            </a:pPr>
+            <a:r>
+              <a:rPr lang="ko-KR" altLang="en-US"/>
+              <a:t>초기화</a:t>
+            </a:r>
+            <a:r>
+              <a:rPr lang="en-US" altLang="ko-KR"/>
+              <a:t>: this.fill=0~1, this.bar={y,v,h}, this.fish={y,t,profile}, this.timeSinceStart=0</a:t>
+            </a:r>
+          </a:p>
+          <a:p>
+            <a:pPr marL="342900" indent="-342900">
+              <a:buFont typeface="+mj-lt"/>
+              <a:buAutoNum type="arabicPeriod"/>
+              <a:defRPr/>
+            </a:pPr>
+            <a:r>
+              <a:rPr lang="ko-KR" altLang="en-US"/>
+              <a:t>입력 </a:t>
+            </a:r>
+            <a:r>
+              <a:rPr lang="en-US" altLang="ko-KR"/>
+              <a:t>&amp; </a:t>
+            </a:r>
+            <a:r>
+              <a:rPr lang="ko-KR" altLang="en-US"/>
+              <a:t>바 물리</a:t>
+            </a:r>
+            <a:r>
+              <a:rPr lang="en-US" altLang="ko-KR"/>
+              <a:t>(</a:t>
+            </a:r>
+            <a:r>
+              <a:rPr lang="ko-KR" altLang="en-US"/>
+              <a:t>휠 조작</a:t>
+            </a:r>
+            <a:r>
+              <a:rPr lang="en-US" altLang="ko-KR"/>
+              <a:t>)</a:t>
+            </a:r>
+          </a:p>
+          <a:p>
+            <a:pPr marL="800100" lvl="1" indent="-342900">
+              <a:buFont typeface="Arial"/>
+              <a:buChar char="•"/>
+              <a:defRPr/>
+            </a:pPr>
+            <a:r>
+              <a:rPr lang="ko-KR" altLang="en-US"/>
+              <a:t>휠 아래</a:t>
+            </a:r>
+            <a:r>
+              <a:rPr lang="en-US" altLang="ko-KR"/>
+              <a:t>=</a:t>
+            </a:r>
+            <a:r>
+              <a:rPr lang="ko-KR" altLang="en-US"/>
+              <a:t>위로 </a:t>
+            </a:r>
+            <a:r>
+              <a:rPr lang="en-US" altLang="ko-KR"/>
+              <a:t>/ </a:t>
+            </a:r>
+            <a:r>
+              <a:rPr lang="ko-KR" altLang="en-US"/>
+              <a:t>휠 위</a:t>
+            </a:r>
+            <a:r>
+              <a:rPr lang="en-US" altLang="ko-KR"/>
+              <a:t>=</a:t>
+            </a:r>
+            <a:r>
+              <a:rPr lang="ko-KR" altLang="en-US"/>
+              <a:t>아래로</a:t>
+            </a:r>
+            <a:r>
+              <a:rPr lang="en-US" altLang="ko-KR"/>
+              <a:t>(</a:t>
+            </a:r>
+            <a:r>
+              <a:rPr lang="ko-KR" altLang="en-US"/>
+              <a:t>반전</a:t>
+            </a:r>
+            <a:r>
+              <a:rPr lang="en-US" altLang="ko-KR"/>
+              <a:t>) </a:t>
+            </a:r>
+            <a:r>
+              <a:rPr lang="ko-KR" altLang="en-US"/>
+              <a:t>가속</a:t>
+            </a:r>
+          </a:p>
+          <a:p>
+            <a:pPr marL="800100" lvl="1" indent="-342900">
+              <a:buFont typeface="Arial"/>
+              <a:buChar char="•"/>
+              <a:defRPr/>
+            </a:pPr>
+            <a:r>
+              <a:rPr lang="ko-KR" altLang="en-US"/>
+              <a:t>가속</a:t>
+            </a:r>
+            <a:r>
+              <a:rPr lang="en-US" altLang="ko-KR"/>
+              <a:t>·</a:t>
+            </a:r>
+            <a:r>
+              <a:rPr lang="ko-KR" altLang="en-US"/>
+              <a:t>속도제한</a:t>
+            </a:r>
+            <a:r>
+              <a:rPr lang="en-US" altLang="ko-KR"/>
+              <a:t>·</a:t>
+            </a:r>
+            <a:r>
+              <a:rPr lang="ko-KR" altLang="en-US"/>
+              <a:t>감속</a:t>
+            </a:r>
+            <a:r>
+              <a:rPr lang="en-US" altLang="ko-KR"/>
+              <a:t>·</a:t>
+            </a:r>
+            <a:r>
+              <a:rPr lang="ko-KR" altLang="en-US"/>
+              <a:t>경계처리</a:t>
+            </a:r>
+          </a:p>
+          <a:p>
+            <a:pPr marL="800100" lvl="1" indent="-342900">
+              <a:buFont typeface="Arial"/>
+              <a:buChar char="•"/>
+              <a:defRPr/>
+            </a:pPr>
+            <a:r>
+              <a:rPr lang="ko-KR" altLang="en-US"/>
+              <a:t>바의 높이</a:t>
+            </a:r>
+            <a:r>
+              <a:rPr lang="en-US" altLang="ko-KR"/>
+              <a:t>(</a:t>
+            </a:r>
+            <a:r>
+              <a:rPr lang="ko-KR" altLang="en-US"/>
+              <a:t>판정폭</a:t>
+            </a:r>
+            <a:r>
+              <a:rPr lang="en-US" altLang="ko-KR"/>
+              <a:t>) = this.bar.h</a:t>
+            </a:r>
+          </a:p>
+          <a:p>
+            <a:pPr marL="342900" indent="-342900">
+              <a:buFont typeface="+mj-lt"/>
+              <a:buAutoNum type="arabicPeriod"/>
+              <a:defRPr/>
+            </a:pPr>
+            <a:r>
+              <a:rPr lang="ko-KR" altLang="en-US"/>
+              <a:t>물고기 </a:t>
+            </a:r>
+            <a:r>
+              <a:rPr lang="en-US" altLang="ko-KR"/>
+              <a:t>AI</a:t>
+            </a:r>
+          </a:p>
+          <a:p>
+            <a:pPr marL="800100" lvl="1" indent="-342900">
+              <a:buFont typeface="Arial"/>
+              <a:buChar char="•"/>
+              <a:defRPr/>
+            </a:pPr>
+            <a:r>
+              <a:rPr lang="en-US" altLang="ko-KR"/>
+              <a:t>const F = this.fish.profile</a:t>
+            </a:r>
+          </a:p>
+          <a:p>
+            <a:pPr marL="800100" lvl="1" indent="-342900">
+              <a:buFont typeface="Arial"/>
+              <a:buChar char="•"/>
+              <a:defRPr/>
+            </a:pPr>
+            <a:r>
+              <a:rPr lang="ko-KR" altLang="en-US"/>
+              <a:t>목표 궤적</a:t>
+            </a:r>
+            <a:r>
+              <a:rPr lang="en-US" altLang="ko-KR"/>
+              <a:t>: </a:t>
+            </a:r>
+            <a:r>
+              <a:rPr lang="ko-KR" altLang="en-US"/>
+              <a:t>사인파 </a:t>
+            </a:r>
+            <a:r>
+              <a:rPr lang="en-US" altLang="ko-KR"/>
+              <a:t>+ </a:t>
+            </a:r>
+            <a:r>
+              <a:rPr lang="ko-KR" altLang="en-US"/>
+              <a:t>지터 </a:t>
+            </a:r>
+            <a:r>
+              <a:rPr lang="en-US" altLang="ko-KR"/>
+              <a:t>+ </a:t>
+            </a:r>
+            <a:r>
+              <a:rPr lang="ko-KR" altLang="en-US"/>
+              <a:t>버스트</a:t>
+            </a:r>
+          </a:p>
+          <a:p>
+            <a:pPr marL="800100" lvl="1" indent="-342900">
+              <a:buFont typeface="Arial"/>
+              <a:buChar char="•"/>
+              <a:defRPr/>
+            </a:pPr>
+            <a:r>
+              <a:rPr lang="ko-KR" altLang="en-US"/>
+              <a:t>추종</a:t>
+            </a:r>
+            <a:r>
+              <a:rPr lang="en-US" altLang="ko-KR"/>
+              <a:t>(</a:t>
+            </a:r>
+            <a:r>
+              <a:rPr lang="ko-KR" altLang="en-US"/>
+              <a:t>부드럽게 따라감</a:t>
+            </a:r>
+            <a:r>
+              <a:rPr lang="en-US" altLang="ko-KR"/>
+              <a:t>): this.fish.y += (target - this.fish.y) * (F.follow * dt)</a:t>
+            </a:r>
+          </a:p>
+          <a:p>
+            <a:pPr marL="800100" lvl="1" indent="-342900">
+              <a:buFont typeface="Arial"/>
+              <a:buChar char="•"/>
+              <a:defRPr/>
+            </a:pPr>
+            <a:r>
+              <a:rPr lang="ko-KR" altLang="en-US"/>
+              <a:t>범위 고정</a:t>
+            </a:r>
+            <a:r>
+              <a:rPr lang="en-US" altLang="ko-KR"/>
+              <a:t>: ln.top..ln.bottom</a:t>
+            </a:r>
+          </a:p>
+          <a:p>
+            <a:pPr marL="342900" indent="-342900">
+              <a:buFont typeface="+mj-lt"/>
+              <a:buAutoNum type="arabicPeriod"/>
+              <a:defRPr/>
+            </a:pPr>
+            <a:r>
+              <a:rPr lang="ko-KR" altLang="en-US"/>
+              <a:t>겹침 판정 </a:t>
+            </a:r>
+            <a:r>
+              <a:rPr lang="en-US" altLang="ko-KR"/>
+              <a:t>&gt; </a:t>
+            </a:r>
+            <a:r>
+              <a:rPr lang="ko-KR" altLang="en-US"/>
+              <a:t>캐치 게이지</a:t>
+            </a:r>
+          </a:p>
+          <a:p>
+            <a:pPr marL="800100" lvl="1" indent="-342900">
+              <a:buFont typeface="Arial"/>
+              <a:buChar char="•"/>
+              <a:defRPr/>
+            </a:pPr>
+            <a:r>
+              <a:rPr lang="ko-KR" altLang="en-US"/>
+              <a:t>바 중앙</a:t>
+            </a:r>
+            <a:r>
+              <a:rPr lang="en-US" altLang="ko-KR"/>
+              <a:t>: barC = this.bar.y + this.bar.h/2</a:t>
+            </a:r>
+          </a:p>
+          <a:p>
+            <a:pPr marL="800100" lvl="1" indent="-342900">
+              <a:buFont typeface="Arial"/>
+              <a:buChar char="•"/>
+              <a:defRPr/>
+            </a:pPr>
+            <a:r>
+              <a:rPr lang="ko-KR" altLang="en-US"/>
+              <a:t>겹침 여부</a:t>
+            </a:r>
+            <a:r>
+              <a:rPr lang="en-US" altLang="ko-KR"/>
+              <a:t>: inside = |this.fish.y - barC| ≤ this.bar.h/2</a:t>
+            </a:r>
+          </a:p>
+          <a:p>
+            <a:pPr marL="800100" lvl="1" indent="-342900">
+              <a:buFont typeface="Arial"/>
+              <a:buChar char="•"/>
+              <a:defRPr/>
+            </a:pPr>
+            <a:r>
+              <a:rPr lang="ko-KR" altLang="en-US"/>
+              <a:t>누적</a:t>
+            </a:r>
+            <a:r>
+              <a:rPr lang="en-US" altLang="ko-KR"/>
+              <a:t>: this.fill = clamp(this.fill + delta*dt, 0, 1)</a:t>
+            </a:r>
+          </a:p>
+          <a:p>
+            <a:pPr marL="342900" indent="-342900">
+              <a:buFont typeface="+mj-lt"/>
+              <a:buAutoNum type="arabicPeriod"/>
+              <a:defRPr/>
+            </a:pPr>
+            <a:r>
+              <a:rPr lang="ko-KR" altLang="en-US"/>
+              <a:t>성공</a:t>
+            </a:r>
+            <a:r>
+              <a:rPr lang="en-US" altLang="ko-KR"/>
+              <a:t>/</a:t>
+            </a:r>
+            <a:r>
+              <a:rPr lang="ko-KR" altLang="en-US"/>
+              <a:t>실패 판정</a:t>
+            </a:r>
+            <a:r>
+              <a:rPr lang="en-US" altLang="ko-KR"/>
+              <a:t>&amp;</a:t>
+            </a:r>
+            <a:r>
+              <a:rPr lang="ko-KR" altLang="en-US"/>
+              <a:t>점수</a:t>
+            </a:r>
+          </a:p>
+          <a:p>
+            <a:pPr marL="800100" lvl="1" indent="-342900">
+              <a:buFont typeface="Arial"/>
+              <a:buChar char="•"/>
+              <a:defRPr/>
+            </a:pPr>
+            <a:r>
+              <a:rPr lang="en-US" altLang="ko-KR"/>
+              <a:t>this.fill ≥ 1 → this.state='caught’</a:t>
+            </a:r>
+          </a:p>
+          <a:p>
+            <a:pPr marL="800100" lvl="1" indent="-342900">
+              <a:buFont typeface="Arial"/>
+              <a:buChar char="•"/>
+              <a:defRPr/>
+            </a:pPr>
+            <a:r>
+              <a:rPr lang="en-US" altLang="ko-KR"/>
+              <a:t>this.fill ≤ 0 → this.state='miss’</a:t>
+            </a:r>
+          </a:p>
+          <a:p>
+            <a:pPr marL="800100" lvl="1" indent="-342900">
+              <a:buFont typeface="Arial"/>
+              <a:buChar char="•"/>
+              <a:defRPr/>
+            </a:pPr>
+            <a:r>
+              <a:rPr lang="ko-KR" altLang="en-US"/>
+              <a:t>점수 가중</a:t>
+            </a:r>
+            <a:r>
+              <a:rPr lang="en-US" altLang="ko-KR"/>
+              <a:t>: </a:t>
+            </a:r>
+            <a:r>
+              <a:rPr lang="ko-KR" altLang="en-US"/>
+              <a:t>물고기 크기별 </a:t>
+            </a:r>
+            <a:r>
+              <a:rPr lang="en-US" altLang="ko-KR"/>
+              <a:t>small=1, mid=3, big=5</a:t>
+            </a:r>
+            <a:r>
+              <a:rPr lang="ko-KR" altLang="en-US"/>
+              <a:t> 추가</a:t>
+            </a:r>
+          </a:p>
+          <a:p>
+            <a:pPr marL="800100" lvl="1" indent="-342900">
+              <a:buFont typeface="Arial"/>
+              <a:buChar char="•"/>
+              <a:defRPr/>
+            </a:pPr>
+            <a:r>
+              <a:rPr lang="ko-KR" altLang="en-US"/>
+              <a:t>단축키</a:t>
+            </a:r>
+            <a:r>
+              <a:rPr lang="en-US" altLang="ko-KR"/>
+              <a:t>: R</a:t>
+            </a:r>
+            <a:r>
+              <a:rPr lang="ko-KR" altLang="en-US"/>
+              <a:t>로 즉시 리셋</a:t>
+            </a:r>
+            <a:r>
+              <a:rPr lang="en-US" altLang="ko-KR"/>
+              <a:t>(</a:t>
+            </a:r>
+            <a:r>
+              <a:rPr lang="ko-KR" altLang="en-US"/>
+              <a:t>테스트용</a:t>
+            </a:r>
+            <a:r>
+              <a:rPr lang="en-US" altLang="ko-KR"/>
+              <a:t>)</a:t>
             </a:r>
           </a:p>
         </p:txBody>
@@ -7582,14 +8036,14 @@
       </p:sp>
       <p:sp>
         <p:nvSpPr>
-          <p:cNvPr id="5" name="TextBox 5"/>
+          <p:cNvPr id="9" name="TextBox 9"/>
           <p:cNvSpPr txBox="1"/>
           <p:nvPr/>
         </p:nvSpPr>
         <p:spPr>
           <a:xfrm>
-            <a:off x="1635693" y="1428583"/>
-            <a:ext cx="8014955" cy="1019342"/>
+            <a:off x="4078981" y="2366850"/>
+            <a:ext cx="10130038" cy="1024050"/>
           </a:xfrm>
           <a:prstGeom prst="rect">
             <a:avLst/>
@@ -7601,14 +8055,14 @@
           </a:bodyPr>
           <a:lstStyle/>
           <a:p>
-            <a:pPr algn="l">
+            <a:pPr algn="ctr">
               <a:lnSpc>
                 <a:spcPts val="8064"/>
               </a:lnSpc>
               <a:defRPr/>
             </a:pPr>
             <a:r>
-              <a:rPr lang="ko-KR" altLang="en-US" sz="7200" b="1" spc="-359">
+              <a:rPr lang="en-US" altLang="ko-KR" sz="7200" b="1" spc="-359">
                 <a:solidFill>
                   <a:srgbClr val="000000"/>
                 </a:solidFill>
@@ -7617,347 +8071,8 @@
                 <a:cs typeface="Nanum Square Bold"/>
                 <a:sym typeface="Nanum Square Bold"/>
               </a:rPr>
-              <a:t>러너</a:t>
-            </a:r>
-            <a:r>
-              <a:rPr lang="en-US" altLang="ko-KR" sz="7200" b="1" spc="-359">
-                <a:solidFill>
-                  <a:srgbClr val="000000"/>
-                </a:solidFill>
-                <a:latin typeface="Nanum Square Bold"/>
-                <a:ea typeface="Nanum Square Bold"/>
-                <a:cs typeface="Nanum Square Bold"/>
-                <a:sym typeface="Nanum Square Bold"/>
-              </a:rPr>
-              <a:t> -</a:t>
-            </a:r>
-            <a:r>
-              <a:rPr lang="ko-KR" altLang="en-US" sz="7200" b="1" spc="-359">
-                <a:solidFill>
-                  <a:srgbClr val="000000"/>
-                </a:solidFill>
-                <a:latin typeface="Nanum Square Bold"/>
-                <a:ea typeface="Nanum Square Bold"/>
-                <a:cs typeface="Nanum Square Bold"/>
-                <a:sym typeface="Nanum Square Bold"/>
-              </a:rPr>
-              <a:t> 소스코드</a:t>
-            </a:r>
-          </a:p>
-        </p:txBody>
-      </p:sp>
-      <p:sp>
-        <p:nvSpPr>
-          <p:cNvPr id="7" name="TextBox 7"/>
-          <p:cNvSpPr txBox="1"/>
-          <p:nvPr/>
-        </p:nvSpPr>
-        <p:spPr>
-          <a:xfrm>
-            <a:off x="1714824" y="1121483"/>
-            <a:ext cx="4211394" cy="297742"/>
-          </a:xfrm>
-          <a:prstGeom prst="rect">
-            <a:avLst/>
-          </a:prstGeom>
-        </p:spPr>
-        <p:txBody>
-          <a:bodyPr lIns="0" tIns="0" rIns="0" bIns="0" anchor="t">
-            <a:spAutoFit/>
-          </a:bodyPr>
-          <a:lstStyle/>
-          <a:p>
-            <a:pPr algn="l">
-              <a:lnSpc>
-                <a:spcPts val="2352"/>
-              </a:lnSpc>
-              <a:defRPr/>
-            </a:pPr>
-            <a:r>
-              <a:rPr lang="en-US" altLang="ko-KR" sz="2100" b="1">
-                <a:solidFill>
-                  <a:srgbClr val="737373"/>
-                </a:solidFill>
-                <a:latin typeface="Heebo Bold"/>
-                <a:ea typeface="Heebo Bold"/>
-                <a:cs typeface="Heebo Bold"/>
-                <a:sym typeface="Heebo Bold"/>
-              </a:rPr>
-              <a:t>Runner</a:t>
-            </a:r>
-            <a:endParaRPr lang="ko-KR" altLang="en-US" sz="2100" b="1">
-              <a:solidFill>
-                <a:srgbClr val="737373"/>
-              </a:solidFill>
-              <a:latin typeface="Heebo Bold"/>
-              <a:ea typeface="Heebo Bold"/>
-              <a:cs typeface="Heebo Bold"/>
-              <a:sym typeface="Heebo Bold"/>
-            </a:endParaRPr>
-          </a:p>
-        </p:txBody>
-      </p:sp>
-      <p:pic>
-        <p:nvPicPr>
-          <p:cNvPr id="8" name="그림 7"/>
-          <p:cNvPicPr>
-            <a:picLocks noChangeAspect="1"/>
-          </p:cNvPicPr>
-          <p:nvPr/>
-        </p:nvPicPr>
-        <p:blipFill rotWithShape="1">
-          <a:blip r:embed="rId2"/>
-          <a:stretch>
-            <a:fillRect/>
-          </a:stretch>
-        </p:blipFill>
-        <p:spPr>
-          <a:xfrm>
-            <a:off x="10781678" y="777287"/>
-            <a:ext cx="5829922" cy="8732425"/>
-          </a:xfrm>
-          <a:prstGeom prst="rect">
-            <a:avLst/>
-          </a:prstGeom>
-          <a:solidFill>
-            <a:schemeClr val="lt1"/>
-          </a:solidFill>
-          <a:ln>
-            <a:solidFill>
-              <a:schemeClr val="dk1"/>
-            </a:solidFill>
-          </a:ln>
-          <a:effectLst>
-            <a:outerShdw blurRad="76200" dist="76200" dir="2700000" algn="ctr" rotWithShape="0">
-              <a:srgbClr val="000000">
-                <a:alpha val="50000"/>
-              </a:srgbClr>
-            </a:outerShdw>
-          </a:effectLst>
-        </p:spPr>
-      </p:pic>
-      <p:sp>
-        <p:nvSpPr>
-          <p:cNvPr id="9" name="TextBox 8"/>
-          <p:cNvSpPr txBox="1"/>
-          <p:nvPr/>
-        </p:nvSpPr>
-        <p:spPr>
-          <a:xfrm>
-            <a:off x="1676400" y="6743700"/>
-            <a:ext cx="8915400" cy="1360170"/>
-          </a:xfrm>
-          <a:prstGeom prst="rect">
-            <a:avLst/>
-          </a:prstGeom>
-        </p:spPr>
-        <p:txBody>
-          <a:bodyPr wrap="square">
-            <a:spAutoFit/>
-          </a:bodyPr>
-          <a:lstStyle/>
-          <a:p>
-            <a:pPr algn="ctr">
-              <a:defRPr/>
-            </a:pPr>
-            <a:r>
-              <a:rPr lang="en-US" altLang="ko-KR" sz="2100">
-                <a:latin typeface="나눔스퀘어 Bold"/>
-                <a:ea typeface="나눔스퀘어 Bold"/>
-              </a:rPr>
-              <a:t>1.</a:t>
-            </a:r>
-            <a:r>
-              <a:rPr lang="ko-KR" altLang="en-US" sz="2100">
-                <a:latin typeface="나눔스퀘어 Bold"/>
-                <a:ea typeface="나눔스퀘어 Bold"/>
-              </a:rPr>
-              <a:t> 플레이어 기본 설정</a:t>
-            </a:r>
-          </a:p>
-          <a:p>
-            <a:pPr algn="ctr">
-              <a:defRPr/>
-            </a:pPr>
-            <a:r>
-              <a:rPr lang="en-US" altLang="ko-KR" sz="2100">
-                <a:latin typeface="나눔스퀘어 Bold"/>
-                <a:ea typeface="나눔스퀘어 Bold"/>
-              </a:rPr>
-              <a:t>2.</a:t>
-            </a:r>
-            <a:r>
-              <a:rPr lang="ko-KR" altLang="en-US" sz="2100">
-                <a:latin typeface="나눔스퀘어 Bold"/>
-                <a:ea typeface="나눔스퀘어 Bold"/>
-              </a:rPr>
-              <a:t> 물리 엔진 요소</a:t>
-            </a:r>
-          </a:p>
-          <a:p>
-            <a:pPr algn="ctr">
-              <a:defRPr/>
-            </a:pPr>
-            <a:r>
-              <a:rPr lang="en-US" altLang="ko-KR" sz="2100">
-                <a:latin typeface="나눔스퀘어 Bold"/>
-                <a:ea typeface="나눔스퀘어 Bold"/>
-              </a:rPr>
-              <a:t>3.</a:t>
-            </a:r>
-            <a:r>
-              <a:rPr lang="ko-KR" altLang="en-US" sz="2100">
-                <a:latin typeface="나눔스퀘어 Bold"/>
-                <a:ea typeface="나눔스퀘어 Bold"/>
-              </a:rPr>
-              <a:t> </a:t>
-            </a:r>
-            <a:r>
-              <a:rPr lang="en-US" altLang="ko-KR" sz="2100">
-                <a:latin typeface="나눔스퀘어 Bold"/>
-                <a:ea typeface="나눔스퀘어 Bold"/>
-              </a:rPr>
-              <a:t>게임 상태 변수</a:t>
-            </a:r>
-          </a:p>
-          <a:p>
-            <a:pPr algn="ctr">
-              <a:defRPr/>
-            </a:pPr>
-            <a:r>
-              <a:rPr lang="en-US" altLang="ko-KR" sz="2100">
-                <a:latin typeface="나눔스퀘어 Bold"/>
-                <a:ea typeface="나눔스퀘어 Bold"/>
-              </a:rPr>
-              <a:t>4.</a:t>
-            </a:r>
-            <a:r>
-              <a:rPr lang="ko-KR" altLang="en-US" sz="2100">
-                <a:latin typeface="나눔스퀘어 Bold"/>
-                <a:ea typeface="나눔스퀘어 Bold"/>
-              </a:rPr>
-              <a:t> 입력처리</a:t>
-            </a:r>
-          </a:p>
-        </p:txBody>
-      </p:sp>
-      <p:sp>
-        <p:nvSpPr>
-          <p:cNvPr id="10" name="TextBox 9"/>
-          <p:cNvSpPr txBox="1"/>
-          <p:nvPr/>
-        </p:nvSpPr>
-        <p:spPr>
-          <a:xfrm>
-            <a:off x="1752600" y="2868929"/>
-            <a:ext cx="8915400" cy="720091"/>
-          </a:xfrm>
-          <a:prstGeom prst="rect">
-            <a:avLst/>
-          </a:prstGeom>
-        </p:spPr>
-        <p:txBody>
-          <a:bodyPr wrap="square">
-            <a:spAutoFit/>
-          </a:bodyPr>
-          <a:lstStyle/>
-          <a:p>
-            <a:pPr marL="0" indent="0" algn="ctr" defTabSz="914400" rtl="0" eaLnBrk="1" latinLnBrk="0" hangingPunct="1">
-              <a:lnSpc>
-                <a:spcPct val="100000"/>
-              </a:lnSpc>
-              <a:spcBef>
-                <a:spcPct val="0"/>
-              </a:spcBef>
-              <a:spcAft>
-                <a:spcPts val="0"/>
-              </a:spcAft>
-              <a:buNone/>
-              <a:defRPr/>
-            </a:pPr>
-            <a:r>
-              <a:rPr kumimoji="0" lang="ko-KR" altLang="en-US" sz="2100" b="0" i="0" u="none" strike="noStrike" kern="1200" cap="none" spc="0" normalizeH="0" baseline="0">
-                <a:solidFill>
-                  <a:srgbClr val="000000"/>
-                </a:solidFill>
-                <a:latin typeface="나눔스퀘어 Bold"/>
-                <a:ea typeface="나눔스퀘어 Bold"/>
-              </a:rPr>
-              <a:t>미니게임에 들어갈 쿠키런 스타일의 러너 게임을 만들고 싶은데, </a:t>
-            </a:r>
-          </a:p>
-          <a:p>
-            <a:pPr marL="0" indent="0" algn="ctr" defTabSz="914400" rtl="0" eaLnBrk="1" latinLnBrk="0" hangingPunct="1">
-              <a:lnSpc>
-                <a:spcPct val="100000"/>
-              </a:lnSpc>
-              <a:spcBef>
-                <a:spcPct val="0"/>
-              </a:spcBef>
-              <a:spcAft>
-                <a:spcPts val="0"/>
-              </a:spcAft>
-              <a:buNone/>
-              <a:defRPr/>
-            </a:pPr>
-            <a:r>
-              <a:rPr kumimoji="0" lang="ko-KR" altLang="en-US" sz="2100" b="0" i="0" u="none" strike="noStrike" kern="1200" cap="none" spc="0" normalizeH="0" baseline="0">
-                <a:solidFill>
-                  <a:srgbClr val="000000"/>
-                </a:solidFill>
-                <a:latin typeface="나눔스퀘어 Bold"/>
-                <a:ea typeface="나눔스퀘어 Bold"/>
-              </a:rPr>
-              <a:t>그 기반이 될 기초 소스코드를 작성해 주세요.</a:t>
-            </a:r>
-          </a:p>
-        </p:txBody>
-      </p:sp>
-      <p:sp>
-        <p:nvSpPr>
-          <p:cNvPr id="13" name="화살표: 아래쪽 12"/>
-          <p:cNvSpPr/>
-          <p:nvPr/>
-        </p:nvSpPr>
-        <p:spPr>
-          <a:xfrm>
-            <a:off x="5257800" y="3810000"/>
-            <a:ext cx="1828800" cy="2667000"/>
-          </a:xfrm>
-          <a:prstGeom prst="downArrow">
-            <a:avLst>
-              <a:gd name="adj1" fmla="val 50000"/>
-              <a:gd name="adj2" fmla="val 50000"/>
-            </a:avLst>
-          </a:prstGeom>
-          <a:solidFill>
-            <a:schemeClr val="lt1"/>
-          </a:solidFill>
-        </p:spPr>
-        <p:style>
-          <a:lnRef idx="2">
-            <a:schemeClr val="accent1">
-              <a:shade val="20000"/>
-            </a:schemeClr>
-          </a:lnRef>
-          <a:fillRef idx="1">
-            <a:schemeClr val="accent1"/>
-          </a:fillRef>
-          <a:effectRef idx="0">
-            <a:schemeClr val="accent1"/>
-          </a:effectRef>
-          <a:fontRef idx="minor">
-            <a:schemeClr val="lt1"/>
-          </a:fontRef>
-        </p:style>
-        <p:txBody>
-          <a:bodyPr anchor="ctr"/>
-          <a:lstStyle/>
-          <a:p>
-            <a:pPr algn="ctr">
-              <a:defRPr/>
-            </a:pPr>
-            <a:endParaRPr lang="ko-KR" altLang="en-US"/>
+              <a:t>Runner Game</a:t>
+            </a:r>
           </a:p>
         </p:txBody>
       </p:sp>
@@ -7978,6 +8093,1006 @@
 </file>
 
 <file path=ppt/slides/slide19.xml><?xml version="1.0" encoding="utf-8"?>
+<p:sld xmlns:a="http://schemas.openxmlformats.org/drawingml/2006/main" xmlns:r="http://schemas.openxmlformats.org/officeDocument/2006/relationships" xmlns:p="http://schemas.openxmlformats.org/presentationml/2006/main">
+  <p:cSld>
+    <p:spTree>
+      <p:nvGrpSpPr>
+        <p:cNvPr id="1" name=""/>
+        <p:cNvGrpSpPr/>
+        <p:nvPr/>
+      </p:nvGrpSpPr>
+      <p:grpSpPr>
+        <a:xfrm>
+          <a:off x="0" y="0"/>
+          <a:ext cx="0" cy="0"/>
+          <a:chOff x="0" y="0"/>
+          <a:chExt cx="0" cy="0"/>
+        </a:xfrm>
+      </p:grpSpPr>
+      <p:sp>
+        <p:nvSpPr>
+          <p:cNvPr id="2" name="AutoShape 2"/>
+          <p:cNvSpPr/>
+          <p:nvPr/>
+        </p:nvSpPr>
+        <p:spPr>
+          <a:xfrm>
+            <a:off x="1635693" y="632336"/>
+            <a:ext cx="15016614" cy="0"/>
+          </a:xfrm>
+          <a:prstGeom prst="line">
+            <a:avLst/>
+          </a:prstGeom>
+          <a:ln w="38100" cap="flat">
+            <a:solidFill>
+              <a:srgbClr val="000000"/>
+            </a:solidFill>
+            <a:prstDash val="solid"/>
+            <a:headEnd w="sm" len="sm"/>
+            <a:tailEnd w="sm" len="sm"/>
+          </a:ln>
+        </p:spPr>
+        <p:txBody>
+          <a:bodyPr wrap="square" anchor="ctr"/>
+          <a:lstStyle/>
+          <a:p>
+            <a:pPr algn="ctr">
+              <a:defRPr/>
+            </a:pPr>
+            <a:endParaRPr lang="ko-KR" altLang="en-US"/>
+          </a:p>
+        </p:txBody>
+      </p:sp>
+      <p:sp>
+        <p:nvSpPr>
+          <p:cNvPr id="3" name="AutoShape 3"/>
+          <p:cNvSpPr/>
+          <p:nvPr/>
+        </p:nvSpPr>
+        <p:spPr>
+          <a:xfrm>
+            <a:off x="1635693" y="9654664"/>
+            <a:ext cx="15016614" cy="0"/>
+          </a:xfrm>
+          <a:prstGeom prst="line">
+            <a:avLst/>
+          </a:prstGeom>
+          <a:ln w="38100" cap="flat">
+            <a:solidFill>
+              <a:srgbClr val="000000"/>
+            </a:solidFill>
+            <a:prstDash val="solid"/>
+            <a:headEnd w="sm" len="sm"/>
+            <a:tailEnd w="sm" len="sm"/>
+          </a:ln>
+        </p:spPr>
+        <p:txBody>
+          <a:bodyPr wrap="square" anchor="ctr"/>
+          <a:lstStyle/>
+          <a:p>
+            <a:pPr algn="ctr">
+              <a:defRPr/>
+            </a:pPr>
+            <a:endParaRPr lang="ko-KR" altLang="en-US"/>
+          </a:p>
+        </p:txBody>
+      </p:sp>
+      <p:sp>
+        <p:nvSpPr>
+          <p:cNvPr id="5" name="TextBox 5"/>
+          <p:cNvSpPr txBox="1"/>
+          <p:nvPr/>
+        </p:nvSpPr>
+        <p:spPr>
+          <a:xfrm>
+            <a:off x="1635693" y="1428583"/>
+            <a:ext cx="8014955" cy="1019342"/>
+          </a:xfrm>
+          <a:prstGeom prst="rect">
+            <a:avLst/>
+          </a:prstGeom>
+        </p:spPr>
+        <p:txBody>
+          <a:bodyPr lIns="0" tIns="0" rIns="0" bIns="0" anchor="t">
+            <a:spAutoFit/>
+          </a:bodyPr>
+          <a:lstStyle/>
+          <a:p>
+            <a:pPr algn="l">
+              <a:lnSpc>
+                <a:spcPts val="8064"/>
+              </a:lnSpc>
+              <a:defRPr/>
+            </a:pPr>
+            <a:r>
+              <a:rPr lang="ko-KR" altLang="en-US" sz="7200" b="1" spc="-359">
+                <a:solidFill>
+                  <a:srgbClr val="000000"/>
+                </a:solidFill>
+                <a:latin typeface="Nanum Square Bold"/>
+                <a:ea typeface="Nanum Square Bold"/>
+                <a:cs typeface="Nanum Square Bold"/>
+                <a:sym typeface="Nanum Square Bold"/>
+              </a:rPr>
+              <a:t>러너</a:t>
+            </a:r>
+            <a:r>
+              <a:rPr lang="en-US" altLang="ko-KR" sz="7200" b="1" spc="-359">
+                <a:solidFill>
+                  <a:srgbClr val="000000"/>
+                </a:solidFill>
+                <a:latin typeface="Nanum Square Bold"/>
+                <a:ea typeface="Nanum Square Bold"/>
+                <a:cs typeface="Nanum Square Bold"/>
+                <a:sym typeface="Nanum Square Bold"/>
+              </a:rPr>
+              <a:t> -</a:t>
+            </a:r>
+            <a:r>
+              <a:rPr lang="ko-KR" altLang="en-US" sz="7200" b="1" spc="-359">
+                <a:solidFill>
+                  <a:srgbClr val="000000"/>
+                </a:solidFill>
+                <a:latin typeface="Nanum Square Bold"/>
+                <a:ea typeface="Nanum Square Bold"/>
+                <a:cs typeface="Nanum Square Bold"/>
+                <a:sym typeface="Nanum Square Bold"/>
+              </a:rPr>
+              <a:t> 소스코드</a:t>
+            </a:r>
+          </a:p>
+        </p:txBody>
+      </p:sp>
+      <p:sp>
+        <p:nvSpPr>
+          <p:cNvPr id="7" name="TextBox 7"/>
+          <p:cNvSpPr txBox="1"/>
+          <p:nvPr/>
+        </p:nvSpPr>
+        <p:spPr>
+          <a:xfrm>
+            <a:off x="1714824" y="1121483"/>
+            <a:ext cx="4211394" cy="297742"/>
+          </a:xfrm>
+          <a:prstGeom prst="rect">
+            <a:avLst/>
+          </a:prstGeom>
+        </p:spPr>
+        <p:txBody>
+          <a:bodyPr lIns="0" tIns="0" rIns="0" bIns="0" anchor="t">
+            <a:spAutoFit/>
+          </a:bodyPr>
+          <a:lstStyle/>
+          <a:p>
+            <a:pPr algn="l">
+              <a:lnSpc>
+                <a:spcPts val="2352"/>
+              </a:lnSpc>
+              <a:defRPr/>
+            </a:pPr>
+            <a:r>
+              <a:rPr lang="en-US" altLang="ko-KR" sz="2100" b="1">
+                <a:solidFill>
+                  <a:srgbClr val="737373"/>
+                </a:solidFill>
+                <a:latin typeface="Heebo Bold"/>
+                <a:ea typeface="Heebo Bold"/>
+                <a:cs typeface="Heebo Bold"/>
+                <a:sym typeface="Heebo Bold"/>
+              </a:rPr>
+              <a:t>Runner</a:t>
+            </a:r>
+            <a:endParaRPr lang="ko-KR" altLang="en-US" sz="2100" b="1">
+              <a:solidFill>
+                <a:srgbClr val="737373"/>
+              </a:solidFill>
+              <a:latin typeface="Heebo Bold"/>
+              <a:ea typeface="Heebo Bold"/>
+              <a:cs typeface="Heebo Bold"/>
+              <a:sym typeface="Heebo Bold"/>
+            </a:endParaRPr>
+          </a:p>
+        </p:txBody>
+      </p:sp>
+      <p:pic>
+        <p:nvPicPr>
+          <p:cNvPr id="8" name="그림 7"/>
+          <p:cNvPicPr>
+            <a:picLocks noChangeAspect="1"/>
+          </p:cNvPicPr>
+          <p:nvPr/>
+        </p:nvPicPr>
+        <p:blipFill rotWithShape="1">
+          <a:blip r:embed="rId2"/>
+          <a:stretch>
+            <a:fillRect/>
+          </a:stretch>
+        </p:blipFill>
+        <p:spPr>
+          <a:xfrm>
+            <a:off x="10781678" y="777287"/>
+            <a:ext cx="5829922" cy="8732425"/>
+          </a:xfrm>
+          <a:prstGeom prst="rect">
+            <a:avLst/>
+          </a:prstGeom>
+          <a:solidFill>
+            <a:schemeClr val="lt1"/>
+          </a:solidFill>
+          <a:ln>
+            <a:solidFill>
+              <a:schemeClr val="dk1"/>
+            </a:solidFill>
+          </a:ln>
+          <a:effectLst>
+            <a:outerShdw blurRad="76200" dist="76200" dir="2700000" algn="ctr" rotWithShape="0">
+              <a:srgbClr val="000000">
+                <a:alpha val="50000"/>
+              </a:srgbClr>
+            </a:outerShdw>
+          </a:effectLst>
+        </p:spPr>
+      </p:pic>
+      <p:sp>
+        <p:nvSpPr>
+          <p:cNvPr id="9" name="TextBox 8"/>
+          <p:cNvSpPr txBox="1"/>
+          <p:nvPr/>
+        </p:nvSpPr>
+        <p:spPr>
+          <a:xfrm>
+            <a:off x="1676400" y="6743700"/>
+            <a:ext cx="8915400" cy="1360170"/>
+          </a:xfrm>
+          <a:prstGeom prst="rect">
+            <a:avLst/>
+          </a:prstGeom>
+        </p:spPr>
+        <p:txBody>
+          <a:bodyPr wrap="square">
+            <a:spAutoFit/>
+          </a:bodyPr>
+          <a:lstStyle/>
+          <a:p>
+            <a:pPr algn="ctr">
+              <a:defRPr/>
+            </a:pPr>
+            <a:r>
+              <a:rPr lang="en-US" altLang="ko-KR" sz="2100">
+                <a:latin typeface="나눔스퀘어 Bold"/>
+                <a:ea typeface="나눔스퀘어 Bold"/>
+              </a:rPr>
+              <a:t>1.</a:t>
+            </a:r>
+            <a:r>
+              <a:rPr lang="ko-KR" altLang="en-US" sz="2100">
+                <a:latin typeface="나눔스퀘어 Bold"/>
+                <a:ea typeface="나눔스퀘어 Bold"/>
+              </a:rPr>
+              <a:t> 플레이어 기본 설정</a:t>
+            </a:r>
+          </a:p>
+          <a:p>
+            <a:pPr algn="ctr">
+              <a:defRPr/>
+            </a:pPr>
+            <a:r>
+              <a:rPr lang="en-US" altLang="ko-KR" sz="2100">
+                <a:latin typeface="나눔스퀘어 Bold"/>
+                <a:ea typeface="나눔스퀘어 Bold"/>
+              </a:rPr>
+              <a:t>2.</a:t>
+            </a:r>
+            <a:r>
+              <a:rPr lang="ko-KR" altLang="en-US" sz="2100">
+                <a:latin typeface="나눔스퀘어 Bold"/>
+                <a:ea typeface="나눔스퀘어 Bold"/>
+              </a:rPr>
+              <a:t> 물리 엔진 요소</a:t>
+            </a:r>
+          </a:p>
+          <a:p>
+            <a:pPr algn="ctr">
+              <a:defRPr/>
+            </a:pPr>
+            <a:r>
+              <a:rPr lang="en-US" altLang="ko-KR" sz="2100">
+                <a:latin typeface="나눔스퀘어 Bold"/>
+                <a:ea typeface="나눔스퀘어 Bold"/>
+              </a:rPr>
+              <a:t>3.</a:t>
+            </a:r>
+            <a:r>
+              <a:rPr lang="ko-KR" altLang="en-US" sz="2100">
+                <a:latin typeface="나눔스퀘어 Bold"/>
+                <a:ea typeface="나눔스퀘어 Bold"/>
+              </a:rPr>
+              <a:t> </a:t>
+            </a:r>
+            <a:r>
+              <a:rPr lang="en-US" altLang="ko-KR" sz="2100">
+                <a:latin typeface="나눔스퀘어 Bold"/>
+                <a:ea typeface="나눔스퀘어 Bold"/>
+              </a:rPr>
+              <a:t>게임 상태 변수</a:t>
+            </a:r>
+          </a:p>
+          <a:p>
+            <a:pPr algn="ctr">
+              <a:defRPr/>
+            </a:pPr>
+            <a:r>
+              <a:rPr lang="en-US" altLang="ko-KR" sz="2100">
+                <a:latin typeface="나눔스퀘어 Bold"/>
+                <a:ea typeface="나눔스퀘어 Bold"/>
+              </a:rPr>
+              <a:t>4.</a:t>
+            </a:r>
+            <a:r>
+              <a:rPr lang="ko-KR" altLang="en-US" sz="2100">
+                <a:latin typeface="나눔스퀘어 Bold"/>
+                <a:ea typeface="나눔스퀘어 Bold"/>
+              </a:rPr>
+              <a:t> 입력처리</a:t>
+            </a:r>
+          </a:p>
+        </p:txBody>
+      </p:sp>
+      <p:sp>
+        <p:nvSpPr>
+          <p:cNvPr id="10" name="TextBox 9"/>
+          <p:cNvSpPr txBox="1"/>
+          <p:nvPr/>
+        </p:nvSpPr>
+        <p:spPr>
+          <a:xfrm>
+            <a:off x="1752600" y="2868929"/>
+            <a:ext cx="8915400" cy="720091"/>
+          </a:xfrm>
+          <a:prstGeom prst="rect">
+            <a:avLst/>
+          </a:prstGeom>
+        </p:spPr>
+        <p:txBody>
+          <a:bodyPr wrap="square">
+            <a:spAutoFit/>
+          </a:bodyPr>
+          <a:lstStyle/>
+          <a:p>
+            <a:pPr marL="0" indent="0" algn="ctr" defTabSz="914400" rtl="0" eaLnBrk="1" latinLnBrk="0" hangingPunct="1">
+              <a:lnSpc>
+                <a:spcPct val="100000"/>
+              </a:lnSpc>
+              <a:spcBef>
+                <a:spcPct val="0"/>
+              </a:spcBef>
+              <a:spcAft>
+                <a:spcPts val="0"/>
+              </a:spcAft>
+              <a:buNone/>
+              <a:defRPr/>
+            </a:pPr>
+            <a:r>
+              <a:rPr kumimoji="0" lang="ko-KR" altLang="en-US" sz="2100" b="0" i="0" u="none" strike="noStrike" kern="1200" cap="none" spc="0" normalizeH="0" baseline="0">
+                <a:solidFill>
+                  <a:srgbClr val="000000"/>
+                </a:solidFill>
+                <a:latin typeface="나눔스퀘어 Bold"/>
+                <a:ea typeface="나눔스퀘어 Bold"/>
+              </a:rPr>
+              <a:t>미니게임에 들어갈 쿠키런 스타일의 러너 게임을 만들고 싶은데, </a:t>
+            </a:r>
+          </a:p>
+          <a:p>
+            <a:pPr marL="0" indent="0" algn="ctr" defTabSz="914400" rtl="0" eaLnBrk="1" latinLnBrk="0" hangingPunct="1">
+              <a:lnSpc>
+                <a:spcPct val="100000"/>
+              </a:lnSpc>
+              <a:spcBef>
+                <a:spcPct val="0"/>
+              </a:spcBef>
+              <a:spcAft>
+                <a:spcPts val="0"/>
+              </a:spcAft>
+              <a:buNone/>
+              <a:defRPr/>
+            </a:pPr>
+            <a:r>
+              <a:rPr kumimoji="0" lang="ko-KR" altLang="en-US" sz="2100" b="0" i="0" u="none" strike="noStrike" kern="1200" cap="none" spc="0" normalizeH="0" baseline="0">
+                <a:solidFill>
+                  <a:srgbClr val="000000"/>
+                </a:solidFill>
+                <a:latin typeface="나눔스퀘어 Bold"/>
+                <a:ea typeface="나눔스퀘어 Bold"/>
+              </a:rPr>
+              <a:t>그 기반이 될 기초 소스코드를 작성해 주세요.</a:t>
+            </a:r>
+          </a:p>
+        </p:txBody>
+      </p:sp>
+      <p:sp>
+        <p:nvSpPr>
+          <p:cNvPr id="13" name="화살표: 아래쪽 12"/>
+          <p:cNvSpPr/>
+          <p:nvPr/>
+        </p:nvSpPr>
+        <p:spPr>
+          <a:xfrm>
+            <a:off x="5257800" y="3810000"/>
+            <a:ext cx="1828800" cy="2667000"/>
+          </a:xfrm>
+          <a:prstGeom prst="downArrow">
+            <a:avLst>
+              <a:gd name="adj1" fmla="val 50000"/>
+              <a:gd name="adj2" fmla="val 50000"/>
+            </a:avLst>
+          </a:prstGeom>
+          <a:solidFill>
+            <a:schemeClr val="lt1"/>
+          </a:solidFill>
+        </p:spPr>
+        <p:style>
+          <a:lnRef idx="2">
+            <a:schemeClr val="accent1">
+              <a:shade val="20000"/>
+            </a:schemeClr>
+          </a:lnRef>
+          <a:fillRef idx="1">
+            <a:schemeClr val="accent1"/>
+          </a:fillRef>
+          <a:effectRef idx="0">
+            <a:schemeClr val="accent1"/>
+          </a:effectRef>
+          <a:fontRef idx="minor">
+            <a:schemeClr val="lt1"/>
+          </a:fontRef>
+        </p:style>
+        <p:txBody>
+          <a:bodyPr anchor="ctr"/>
+          <a:lstStyle/>
+          <a:p>
+            <a:pPr algn="ctr">
+              <a:defRPr/>
+            </a:pPr>
+            <a:endParaRPr lang="ko-KR" altLang="en-US"/>
+          </a:p>
+        </p:txBody>
+      </p:sp>
+    </p:spTree>
+  </p:cSld>
+  <p:clrMapOvr>
+    <a:masterClrMapping/>
+  </p:clrMapOvr>
+  <mc:AlternateContent xmlns:mc="http://schemas.openxmlformats.org/markup-compatibility/2006" xmlns:p14="http://schemas.microsoft.com/office/powerpoint/2010/main">
+    <mc:Choice Requires="p14">
+      <p:transition/>
+    </mc:Choice>
+    <mc:Fallback xmlns:dsp="http://schemas.microsoft.com/office/drawing/2008/diagram" xmlns:dgm="http://schemas.openxmlformats.org/drawingml/2006/diagram" xmlns:c="http://schemas.openxmlformats.org/drawingml/2006/chart" xmlns="">
+      <p:transition/>
+    </mc:Fallback>
+  </mc:AlternateContent>
+</p:sld>
+</file>
+
+<file path=ppt/slides/slide2.xml><?xml version="1.0" encoding="utf-8"?>
+<p:sld xmlns:a="http://schemas.openxmlformats.org/drawingml/2006/main" xmlns:r="http://schemas.openxmlformats.org/officeDocument/2006/relationships" xmlns:p="http://schemas.openxmlformats.org/presentationml/2006/main">
+  <p:cSld>
+    <p:spTree>
+      <p:nvGrpSpPr>
+        <p:cNvPr id="1" name=""/>
+        <p:cNvGrpSpPr/>
+        <p:nvPr/>
+      </p:nvGrpSpPr>
+      <p:grpSpPr>
+        <a:xfrm>
+          <a:off x="0" y="0"/>
+          <a:ext cx="0" cy="0"/>
+          <a:chOff x="0" y="0"/>
+          <a:chExt cx="0" cy="0"/>
+        </a:xfrm>
+      </p:grpSpPr>
+      <p:sp>
+        <p:nvSpPr>
+          <p:cNvPr id="2" name="AutoShape 2"/>
+          <p:cNvSpPr/>
+          <p:nvPr/>
+        </p:nvSpPr>
+        <p:spPr>
+          <a:xfrm>
+            <a:off x="1635693" y="632336"/>
+            <a:ext cx="15016614" cy="0"/>
+          </a:xfrm>
+          <a:prstGeom prst="line">
+            <a:avLst/>
+          </a:prstGeom>
+          <a:ln w="38100" cap="flat">
+            <a:solidFill>
+              <a:srgbClr val="000000"/>
+            </a:solidFill>
+            <a:prstDash val="solid"/>
+            <a:headEnd w="sm" len="sm"/>
+            <a:tailEnd w="sm" len="sm"/>
+          </a:ln>
+        </p:spPr>
+        <p:txBody>
+          <a:bodyPr wrap="square" anchor="ctr"/>
+          <a:lstStyle/>
+          <a:p>
+            <a:pPr algn="ctr">
+              <a:defRPr/>
+            </a:pPr>
+            <a:endParaRPr lang="ko-KR" altLang="en-US"/>
+          </a:p>
+        </p:txBody>
+      </p:sp>
+      <p:sp>
+        <p:nvSpPr>
+          <p:cNvPr id="3" name="AutoShape 3"/>
+          <p:cNvSpPr/>
+          <p:nvPr/>
+        </p:nvSpPr>
+        <p:spPr>
+          <a:xfrm>
+            <a:off x="1635693" y="9654664"/>
+            <a:ext cx="15016614" cy="0"/>
+          </a:xfrm>
+          <a:prstGeom prst="line">
+            <a:avLst/>
+          </a:prstGeom>
+          <a:ln w="38100" cap="flat">
+            <a:solidFill>
+              <a:srgbClr val="000000"/>
+            </a:solidFill>
+            <a:prstDash val="solid"/>
+            <a:headEnd w="sm" len="sm"/>
+            <a:tailEnd w="sm" len="sm"/>
+          </a:ln>
+        </p:spPr>
+        <p:txBody>
+          <a:bodyPr wrap="square" anchor="ctr"/>
+          <a:lstStyle/>
+          <a:p>
+            <a:pPr algn="ctr">
+              <a:defRPr/>
+            </a:pPr>
+            <a:endParaRPr lang="ko-KR" altLang="en-US"/>
+          </a:p>
+        </p:txBody>
+      </p:sp>
+      <p:grpSp>
+        <p:nvGrpSpPr>
+          <p:cNvPr id="15" name="그룹 14"/>
+          <p:cNvGrpSpPr/>
+          <p:nvPr/>
+        </p:nvGrpSpPr>
+        <p:grpSpPr>
+          <a:xfrm>
+            <a:off x="2514600" y="1562100"/>
+            <a:ext cx="8014955" cy="1066800"/>
+            <a:chOff x="2514600" y="2476500"/>
+            <a:chExt cx="8014955" cy="1066800"/>
+          </a:xfrm>
+        </p:grpSpPr>
+        <p:sp>
+          <p:nvSpPr>
+            <p:cNvPr id="5" name="TextBox 5"/>
+            <p:cNvSpPr txBox="1"/>
+            <p:nvPr/>
+          </p:nvSpPr>
+          <p:spPr>
+            <a:xfrm>
+              <a:off x="2514600" y="2476500"/>
+              <a:ext cx="8014955" cy="1019342"/>
+            </a:xfrm>
+            <a:prstGeom prst="rect">
+              <a:avLst/>
+            </a:prstGeom>
+            <a:ln>
+              <a:solidFill>
+                <a:schemeClr val="lt1"/>
+              </a:solidFill>
+            </a:ln>
+          </p:spPr>
+          <p:txBody>
+            <a:bodyPr wrap="square" lIns="0" tIns="0" rIns="0" bIns="0" anchor="t">
+              <a:spAutoFit/>
+            </a:bodyPr>
+            <a:lstStyle/>
+            <a:p>
+              <a:pPr algn="l">
+                <a:lnSpc>
+                  <a:spcPts val="8064"/>
+                </a:lnSpc>
+                <a:defRPr/>
+              </a:pPr>
+              <a:r>
+                <a:rPr lang="ko-KR" altLang="en-US" sz="7200" b="1" spc="-359">
+                  <a:solidFill>
+                    <a:srgbClr val="000000"/>
+                  </a:solidFill>
+                  <a:latin typeface="Nanum Square Bold"/>
+                  <a:ea typeface="Nanum Square Bold"/>
+                  <a:cs typeface="Nanum Square Bold"/>
+                  <a:sym typeface="Nanum Square Bold"/>
+                </a:rPr>
+                <a:t>목차</a:t>
+              </a:r>
+            </a:p>
+          </p:txBody>
+        </p:sp>
+        <p:sp>
+          <p:nvSpPr>
+            <p:cNvPr id="7" name="TextBox 7"/>
+            <p:cNvSpPr txBox="1"/>
+            <p:nvPr/>
+          </p:nvSpPr>
+          <p:spPr>
+            <a:xfrm>
+              <a:off x="4419600" y="3238500"/>
+              <a:ext cx="4211394" cy="304800"/>
+            </a:xfrm>
+            <a:prstGeom prst="rect">
+              <a:avLst/>
+            </a:prstGeom>
+          </p:spPr>
+          <p:txBody>
+            <a:bodyPr wrap="square" lIns="0" tIns="0" rIns="0" bIns="0" anchor="t">
+              <a:spAutoFit/>
+            </a:bodyPr>
+            <a:lstStyle/>
+            <a:p>
+              <a:pPr algn="l">
+                <a:lnSpc>
+                  <a:spcPts val="2352"/>
+                </a:lnSpc>
+                <a:defRPr/>
+              </a:pPr>
+              <a:r>
+                <a:rPr lang="en-US" altLang="ko-KR" sz="2800" b="1">
+                  <a:solidFill>
+                    <a:srgbClr val="737373"/>
+                  </a:solidFill>
+                  <a:latin typeface="Heebo Bold"/>
+                  <a:ea typeface="Heebo Bold"/>
+                  <a:cs typeface="Heebo Bold"/>
+                  <a:sym typeface="Heebo Bold"/>
+                </a:rPr>
+                <a:t>List</a:t>
+              </a:r>
+            </a:p>
+          </p:txBody>
+        </p:sp>
+      </p:grpSp>
+      <p:cxnSp>
+        <p:nvCxnSpPr>
+          <p:cNvPr id="11" name="직선 연결선 10"/>
+          <p:cNvCxnSpPr/>
+          <p:nvPr/>
+        </p:nvCxnSpPr>
+        <p:spPr>
+          <a:xfrm>
+            <a:off x="2438400" y="2933699"/>
+            <a:ext cx="13402620" cy="1"/>
+          </a:xfrm>
+          <a:prstGeom prst="line">
+            <a:avLst/>
+          </a:prstGeom>
+          <a:ln>
+            <a:solidFill>
+              <a:schemeClr val="dk1"/>
+            </a:solidFill>
+          </a:ln>
+          <a:effectLst/>
+        </p:spPr>
+        <p:style>
+          <a:lnRef idx="1">
+            <a:schemeClr val="accent1"/>
+          </a:lnRef>
+          <a:fillRef idx="0">
+            <a:schemeClr val="accent1"/>
+          </a:fillRef>
+          <a:effectRef idx="0">
+            <a:schemeClr val="accent1"/>
+          </a:effectRef>
+          <a:fontRef idx="minor">
+            <a:schemeClr val="tx1"/>
+          </a:fontRef>
+        </p:style>
+      </p:cxnSp>
+      <p:sp>
+        <p:nvSpPr>
+          <p:cNvPr id="25" name="직사각형 24"/>
+          <p:cNvSpPr/>
+          <p:nvPr/>
+        </p:nvSpPr>
+        <p:spPr>
+          <a:xfrm>
+            <a:off x="2556510" y="3467100"/>
+            <a:ext cx="7349490" cy="4758690"/>
+          </a:xfrm>
+          <a:prstGeom prst="rect">
+            <a:avLst/>
+          </a:prstGeom>
+          <a:noFill/>
+          <a:ln>
+            <a:noFill/>
+          </a:ln>
+        </p:spPr>
+        <p:txBody>
+          <a:bodyPr wrap="square">
+            <a:spAutoFit/>
+          </a:bodyPr>
+          <a:lstStyle/>
+          <a:p>
+            <a:pPr algn="l">
+              <a:defRPr/>
+            </a:pPr>
+            <a:r>
+              <a:rPr sz="3400" b="0" i="0" strike="noStrike">
+                <a:solidFill>
+                  <a:srgbClr val="7F90D4">
+                    <a:alpha val="100000"/>
+                  </a:srgbClr>
+                </a:solidFill>
+                <a:latin typeface="Arial"/>
+                <a:ea typeface="굴림"/>
+              </a:rPr>
+              <a:t>01</a:t>
+            </a:r>
+            <a:r>
+              <a:rPr lang="ko-KR" altLang="en-US" sz="3400" b="0" i="0" strike="noStrike">
+                <a:solidFill>
+                  <a:srgbClr val="7F90D4">
+                    <a:alpha val="100000"/>
+                  </a:srgbClr>
+                </a:solidFill>
+                <a:latin typeface="Arial"/>
+                <a:ea typeface="굴림"/>
+              </a:rPr>
+              <a:t> </a:t>
+            </a:r>
+            <a:r>
+              <a:rPr lang="ko-KR" altLang="en-US" sz="3400" b="0" i="0" strike="noStrike">
+                <a:solidFill>
+                  <a:srgbClr val="000000">
+                    <a:alpha val="100000"/>
+                  </a:srgbClr>
+                </a:solidFill>
+                <a:latin typeface="Arial"/>
+                <a:ea typeface="굴림"/>
+              </a:rPr>
+              <a:t>팀원 소개</a:t>
+            </a:r>
+          </a:p>
+          <a:p>
+            <a:pPr algn="l">
+              <a:defRPr/>
+            </a:pPr>
+            <a:endParaRPr lang="ko-KR" altLang="en-US" sz="3400" b="0" i="0" strike="noStrike">
+              <a:solidFill>
+                <a:srgbClr val="000000">
+                  <a:alpha val="100000"/>
+                </a:srgbClr>
+              </a:solidFill>
+              <a:latin typeface="Arial"/>
+              <a:ea typeface="굴림"/>
+            </a:endParaRPr>
+          </a:p>
+          <a:p>
+            <a:pPr algn="l">
+              <a:defRPr/>
+            </a:pPr>
+            <a:r>
+              <a:rPr sz="3400" b="0" i="0" strike="noStrike">
+                <a:solidFill>
+                  <a:srgbClr val="7F90D4">
+                    <a:alpha val="100000"/>
+                  </a:srgbClr>
+                </a:solidFill>
+                <a:latin typeface="Arial"/>
+                <a:ea typeface="굴림"/>
+              </a:rPr>
+              <a:t>02</a:t>
+            </a:r>
+            <a:r>
+              <a:rPr lang="ko-KR" altLang="en-US" sz="3400" b="0" i="0" strike="noStrike">
+                <a:solidFill>
+                  <a:srgbClr val="7F90D4">
+                    <a:alpha val="100000"/>
+                  </a:srgbClr>
+                </a:solidFill>
+                <a:latin typeface="Arial"/>
+                <a:ea typeface="굴림"/>
+              </a:rPr>
+              <a:t> </a:t>
+            </a:r>
+            <a:r>
+              <a:rPr sz="3400" b="0" i="0" strike="noStrike">
+                <a:solidFill>
+                  <a:srgbClr val="000000">
+                    <a:alpha val="100000"/>
+                  </a:srgbClr>
+                </a:solidFill>
+                <a:latin typeface="Arial"/>
+                <a:ea typeface="굴림"/>
+              </a:rPr>
+              <a:t>개발 계획</a:t>
+            </a:r>
+          </a:p>
+          <a:p>
+            <a:pPr algn="l">
+              <a:defRPr/>
+            </a:pPr>
+            <a:endParaRPr sz="3400" b="0" i="0" strike="noStrike">
+              <a:solidFill>
+                <a:srgbClr val="000000">
+                  <a:alpha val="100000"/>
+                </a:srgbClr>
+              </a:solidFill>
+              <a:latin typeface="Arial"/>
+              <a:ea typeface="굴림"/>
+            </a:endParaRPr>
+          </a:p>
+          <a:p>
+            <a:pPr algn="l">
+              <a:defRPr/>
+            </a:pPr>
+            <a:r>
+              <a:rPr sz="3400" b="0" i="0" strike="noStrike">
+                <a:solidFill>
+                  <a:srgbClr val="7F90D4">
+                    <a:alpha val="100000"/>
+                  </a:srgbClr>
+                </a:solidFill>
+                <a:latin typeface="Arial"/>
+                <a:ea typeface="굴림"/>
+              </a:rPr>
+              <a:t>03</a:t>
+            </a:r>
+            <a:r>
+              <a:rPr lang="ko-KR" altLang="en-US" sz="3400" b="0" i="0" strike="noStrike">
+                <a:solidFill>
+                  <a:srgbClr val="7F90D4">
+                    <a:alpha val="100000"/>
+                  </a:srgbClr>
+                </a:solidFill>
+                <a:latin typeface="Arial"/>
+                <a:ea typeface="굴림"/>
+              </a:rPr>
+              <a:t> </a:t>
+            </a:r>
+            <a:r>
+              <a:rPr lang="ko-KR" altLang="en-US" sz="3400" b="0" i="0" strike="noStrike">
+                <a:solidFill>
+                  <a:schemeClr val="dk1"/>
+                </a:solidFill>
+                <a:latin typeface="Arial"/>
+                <a:ea typeface="굴림"/>
+              </a:rPr>
+              <a:t>기초 코드</a:t>
+            </a:r>
+          </a:p>
+          <a:p>
+            <a:pPr algn="l">
+              <a:defRPr/>
+            </a:pPr>
+            <a:endParaRPr lang="ko-KR" altLang="en-US" sz="3400" b="0" i="0" strike="noStrike">
+              <a:solidFill>
+                <a:schemeClr val="dk1"/>
+              </a:solidFill>
+              <a:latin typeface="Arial"/>
+              <a:ea typeface="굴림"/>
+            </a:endParaRPr>
+          </a:p>
+          <a:p>
+            <a:pPr algn="l">
+              <a:defRPr/>
+            </a:pPr>
+            <a:r>
+              <a:rPr sz="3400" b="0" i="0" strike="noStrike">
+                <a:solidFill>
+                  <a:srgbClr val="7F90D4">
+                    <a:alpha val="100000"/>
+                  </a:srgbClr>
+                </a:solidFill>
+                <a:latin typeface="Arial"/>
+                <a:ea typeface="굴림"/>
+              </a:rPr>
+              <a:t>04</a:t>
+            </a:r>
+            <a:r>
+              <a:rPr lang="ko-KR" altLang="en-US" sz="3400" b="0" i="0" strike="noStrike">
+                <a:solidFill>
+                  <a:srgbClr val="7F90D4">
+                    <a:alpha val="100000"/>
+                  </a:srgbClr>
+                </a:solidFill>
+                <a:latin typeface="Arial"/>
+                <a:ea typeface="굴림"/>
+              </a:rPr>
+              <a:t> </a:t>
+            </a:r>
+            <a:r>
+              <a:rPr lang="ko-KR" altLang="en-US" sz="3400" b="0" i="0" strike="noStrike">
+                <a:solidFill>
+                  <a:schemeClr val="dk1"/>
+                </a:solidFill>
+                <a:latin typeface="Arial"/>
+                <a:ea typeface="굴림"/>
+              </a:rPr>
+              <a:t>코드 업그레이드</a:t>
+            </a:r>
+          </a:p>
+          <a:p>
+            <a:pPr algn="l">
+              <a:defRPr/>
+            </a:pPr>
+            <a:endParaRPr lang="ko-KR" altLang="en-US" sz="3400" b="0" i="0" strike="noStrike">
+              <a:solidFill>
+                <a:schemeClr val="dk1"/>
+              </a:solidFill>
+              <a:latin typeface="Arial"/>
+              <a:ea typeface="굴림"/>
+            </a:endParaRPr>
+          </a:p>
+          <a:p>
+            <a:pPr algn="l">
+              <a:defRPr/>
+            </a:pPr>
+            <a:r>
+              <a:rPr sz="3400" b="0" i="0" strike="noStrike">
+                <a:solidFill>
+                  <a:srgbClr val="7F90D4">
+                    <a:alpha val="100000"/>
+                  </a:srgbClr>
+                </a:solidFill>
+                <a:latin typeface="Arial"/>
+                <a:ea typeface="굴림"/>
+              </a:rPr>
+              <a:t>05</a:t>
+            </a:r>
+            <a:r>
+              <a:rPr lang="ko-KR" altLang="en-US" sz="3400" b="0" i="0" strike="noStrike">
+                <a:solidFill>
+                  <a:srgbClr val="7F90D4">
+                    <a:alpha val="100000"/>
+                  </a:srgbClr>
+                </a:solidFill>
+                <a:latin typeface="Arial"/>
+                <a:ea typeface="굴림"/>
+              </a:rPr>
+              <a:t> </a:t>
+            </a:r>
+            <a:r>
+              <a:rPr lang="ko-KR" altLang="en-US" sz="3400" b="0" i="0" strike="noStrike">
+                <a:solidFill>
+                  <a:schemeClr val="dk1"/>
+                </a:solidFill>
+                <a:latin typeface="Arial"/>
+                <a:ea typeface="굴림"/>
+              </a:rPr>
+              <a:t>게임 시연</a:t>
+            </a:r>
+          </a:p>
+        </p:txBody>
+      </p:sp>
+    </p:spTree>
+  </p:cSld>
+  <p:clrMapOvr>
+    <a:masterClrMapping/>
+  </p:clrMapOvr>
+  <mc:AlternateContent xmlns:mc="http://schemas.openxmlformats.org/markup-compatibility/2006" xmlns:p14="http://schemas.microsoft.com/office/powerpoint/2010/main">
+    <mc:Choice Requires="p14">
+      <p:transition/>
+    </mc:Choice>
+    <mc:Fallback xmlns:dsp="http://schemas.microsoft.com/office/drawing/2008/diagram" xmlns:dgm="http://schemas.openxmlformats.org/drawingml/2006/diagram" xmlns:c="http://schemas.openxmlformats.org/drawingml/2006/chart" xmlns="">
+      <p:transition/>
+    </mc:Fallback>
+  </mc:AlternateContent>
+</p:sld>
+</file>
+
+<file path=ppt/slides/slide20.xml><?xml version="1.0" encoding="utf-8"?>
 <p:sld xmlns:a="http://schemas.openxmlformats.org/drawingml/2006/main" xmlns:r="http://schemas.openxmlformats.org/officeDocument/2006/relationships" xmlns:p="http://schemas.openxmlformats.org/presentationml/2006/main">
   <p:cSld>
     <p:spTree>
@@ -9039,525 +10154,7 @@
 </p:sld>
 </file>
 
-<file path=ppt/slides/slide2.xml><?xml version="1.0" encoding="utf-8"?>
-<p:sld xmlns:a="http://schemas.openxmlformats.org/drawingml/2006/main" xmlns:r="http://schemas.openxmlformats.org/officeDocument/2006/relationships" xmlns:p="http://schemas.openxmlformats.org/presentationml/2006/main">
-  <p:cSld>
-    <p:spTree>
-      <p:nvGrpSpPr>
-        <p:cNvPr id="1" name=""/>
-        <p:cNvGrpSpPr/>
-        <p:nvPr/>
-      </p:nvGrpSpPr>
-      <p:grpSpPr>
-        <a:xfrm>
-          <a:off x="0" y="0"/>
-          <a:ext cx="0" cy="0"/>
-          <a:chOff x="0" y="0"/>
-          <a:chExt cx="0" cy="0"/>
-        </a:xfrm>
-      </p:grpSpPr>
-      <p:sp>
-        <p:nvSpPr>
-          <p:cNvPr id="2" name="AutoShape 2"/>
-          <p:cNvSpPr/>
-          <p:nvPr/>
-        </p:nvSpPr>
-        <p:spPr>
-          <a:xfrm>
-            <a:off x="1635693" y="632336"/>
-            <a:ext cx="15016614" cy="0"/>
-          </a:xfrm>
-          <a:prstGeom prst="line">
-            <a:avLst/>
-          </a:prstGeom>
-          <a:ln w="38100" cap="flat">
-            <a:solidFill>
-              <a:srgbClr val="000000"/>
-            </a:solidFill>
-            <a:prstDash val="solid"/>
-            <a:headEnd w="sm" len="sm"/>
-            <a:tailEnd w="sm" len="sm"/>
-          </a:ln>
-        </p:spPr>
-        <p:txBody>
-          <a:bodyPr wrap="square" anchor="ctr"/>
-          <a:lstStyle/>
-          <a:p>
-            <a:pPr algn="ctr">
-              <a:defRPr/>
-            </a:pPr>
-            <a:endParaRPr lang="ko-KR" altLang="en-US"/>
-          </a:p>
-        </p:txBody>
-      </p:sp>
-      <p:sp>
-        <p:nvSpPr>
-          <p:cNvPr id="3" name="AutoShape 3"/>
-          <p:cNvSpPr/>
-          <p:nvPr/>
-        </p:nvSpPr>
-        <p:spPr>
-          <a:xfrm>
-            <a:off x="1635693" y="9654664"/>
-            <a:ext cx="15016614" cy="0"/>
-          </a:xfrm>
-          <a:prstGeom prst="line">
-            <a:avLst/>
-          </a:prstGeom>
-          <a:ln w="38100" cap="flat">
-            <a:solidFill>
-              <a:srgbClr val="000000"/>
-            </a:solidFill>
-            <a:prstDash val="solid"/>
-            <a:headEnd w="sm" len="sm"/>
-            <a:tailEnd w="sm" len="sm"/>
-          </a:ln>
-        </p:spPr>
-        <p:txBody>
-          <a:bodyPr wrap="square" anchor="ctr"/>
-          <a:lstStyle/>
-          <a:p>
-            <a:pPr algn="ctr">
-              <a:defRPr/>
-            </a:pPr>
-            <a:endParaRPr lang="ko-KR" altLang="en-US"/>
-          </a:p>
-        </p:txBody>
-      </p:sp>
-      <p:grpSp>
-        <p:nvGrpSpPr>
-          <p:cNvPr id="15" name="그룹 14"/>
-          <p:cNvGrpSpPr/>
-          <p:nvPr/>
-        </p:nvGrpSpPr>
-        <p:grpSpPr>
-          <a:xfrm>
-            <a:off x="2514600" y="1562100"/>
-            <a:ext cx="8014955" cy="1066800"/>
-            <a:chOff x="2514600" y="2476500"/>
-            <a:chExt cx="8014955" cy="1066800"/>
-          </a:xfrm>
-        </p:grpSpPr>
-        <p:sp>
-          <p:nvSpPr>
-            <p:cNvPr id="5" name="TextBox 5"/>
-            <p:cNvSpPr txBox="1"/>
-            <p:nvPr/>
-          </p:nvSpPr>
-          <p:spPr>
-            <a:xfrm>
-              <a:off x="2514600" y="2476500"/>
-              <a:ext cx="8014955" cy="1019342"/>
-            </a:xfrm>
-            <a:prstGeom prst="rect">
-              <a:avLst/>
-            </a:prstGeom>
-            <a:ln>
-              <a:solidFill>
-                <a:schemeClr val="lt1"/>
-              </a:solidFill>
-            </a:ln>
-          </p:spPr>
-          <p:txBody>
-            <a:bodyPr wrap="square" lIns="0" tIns="0" rIns="0" bIns="0" anchor="t">
-              <a:spAutoFit/>
-            </a:bodyPr>
-            <a:lstStyle/>
-            <a:p>
-              <a:pPr algn="l">
-                <a:lnSpc>
-                  <a:spcPts val="8064"/>
-                </a:lnSpc>
-                <a:defRPr/>
-              </a:pPr>
-              <a:r>
-                <a:rPr lang="ko-KR" altLang="en-US" sz="7200" b="1" spc="-359">
-                  <a:solidFill>
-                    <a:srgbClr val="000000"/>
-                  </a:solidFill>
-                  <a:latin typeface="Nanum Square Bold"/>
-                  <a:ea typeface="Nanum Square Bold"/>
-                  <a:cs typeface="Nanum Square Bold"/>
-                  <a:sym typeface="Nanum Square Bold"/>
-                </a:rPr>
-                <a:t>목차</a:t>
-              </a:r>
-            </a:p>
-          </p:txBody>
-        </p:sp>
-        <p:sp>
-          <p:nvSpPr>
-            <p:cNvPr id="7" name="TextBox 7"/>
-            <p:cNvSpPr txBox="1"/>
-            <p:nvPr/>
-          </p:nvSpPr>
-          <p:spPr>
-            <a:xfrm>
-              <a:off x="4419600" y="3238500"/>
-              <a:ext cx="4211394" cy="304800"/>
-            </a:xfrm>
-            <a:prstGeom prst="rect">
-              <a:avLst/>
-            </a:prstGeom>
-          </p:spPr>
-          <p:txBody>
-            <a:bodyPr wrap="square" lIns="0" tIns="0" rIns="0" bIns="0" anchor="t">
-              <a:spAutoFit/>
-            </a:bodyPr>
-            <a:lstStyle/>
-            <a:p>
-              <a:pPr algn="l">
-                <a:lnSpc>
-                  <a:spcPts val="2352"/>
-                </a:lnSpc>
-                <a:defRPr/>
-              </a:pPr>
-              <a:r>
-                <a:rPr lang="en-US" altLang="ko-KR" sz="2800" b="1">
-                  <a:solidFill>
-                    <a:srgbClr val="737373"/>
-                  </a:solidFill>
-                  <a:latin typeface="Heebo Bold"/>
-                  <a:ea typeface="Heebo Bold"/>
-                  <a:cs typeface="Heebo Bold"/>
-                  <a:sym typeface="Heebo Bold"/>
-                </a:rPr>
-                <a:t>List</a:t>
-              </a:r>
-            </a:p>
-          </p:txBody>
-        </p:sp>
-      </p:grpSp>
-      <p:cxnSp>
-        <p:nvCxnSpPr>
-          <p:cNvPr id="11" name="직선 연결선 10"/>
-          <p:cNvCxnSpPr/>
-          <p:nvPr/>
-        </p:nvCxnSpPr>
-        <p:spPr>
-          <a:xfrm>
-            <a:off x="2438400" y="2933699"/>
-            <a:ext cx="13402620" cy="1"/>
-          </a:xfrm>
-          <a:prstGeom prst="line">
-            <a:avLst/>
-          </a:prstGeom>
-          <a:ln>
-            <a:solidFill>
-              <a:schemeClr val="dk1"/>
-            </a:solidFill>
-          </a:ln>
-          <a:effectLst/>
-        </p:spPr>
-        <p:style>
-          <a:lnRef idx="1">
-            <a:schemeClr val="accent1"/>
-          </a:lnRef>
-          <a:fillRef idx="0">
-            <a:schemeClr val="accent1"/>
-          </a:fillRef>
-          <a:effectRef idx="0">
-            <a:schemeClr val="accent1"/>
-          </a:effectRef>
-          <a:fontRef idx="minor">
-            <a:schemeClr val="tx1"/>
-          </a:fontRef>
-        </p:style>
-      </p:cxnSp>
-      <p:sp>
-        <p:nvSpPr>
-          <p:cNvPr id="25" name="직사각형 24"/>
-          <p:cNvSpPr/>
-          <p:nvPr/>
-        </p:nvSpPr>
-        <p:spPr>
-          <a:xfrm>
-            <a:off x="2556510" y="3467100"/>
-            <a:ext cx="7349490" cy="4758690"/>
-          </a:xfrm>
-          <a:prstGeom prst="rect">
-            <a:avLst/>
-          </a:prstGeom>
-          <a:noFill/>
-          <a:ln>
-            <a:noFill/>
-          </a:ln>
-        </p:spPr>
-        <p:txBody>
-          <a:bodyPr wrap="square">
-            <a:spAutoFit/>
-          </a:bodyPr>
-          <a:lstStyle/>
-          <a:p>
-            <a:pPr algn="l">
-              <a:defRPr/>
-            </a:pPr>
-            <a:r>
-              <a:rPr sz="3400" b="0" i="0" strike="noStrike">
-                <a:solidFill>
-                  <a:srgbClr val="7F90D4">
-                    <a:alpha val="100000"/>
-                  </a:srgbClr>
-                </a:solidFill>
-                <a:latin typeface="Arial"/>
-                <a:ea typeface="굴림"/>
-              </a:rPr>
-              <a:t>01</a:t>
-            </a:r>
-            <a:r>
-              <a:rPr lang="ko-KR" altLang="en-US" sz="3400" b="0" i="0" strike="noStrike">
-                <a:solidFill>
-                  <a:srgbClr val="7F90D4">
-                    <a:alpha val="100000"/>
-                  </a:srgbClr>
-                </a:solidFill>
-                <a:latin typeface="Arial"/>
-                <a:ea typeface="굴림"/>
-              </a:rPr>
-              <a:t> </a:t>
-            </a:r>
-            <a:r>
-              <a:rPr lang="ko-KR" altLang="en-US" sz="3400" b="0" i="0" strike="noStrike">
-                <a:solidFill>
-                  <a:srgbClr val="000000">
-                    <a:alpha val="100000"/>
-                  </a:srgbClr>
-                </a:solidFill>
-                <a:latin typeface="Arial"/>
-                <a:ea typeface="굴림"/>
-              </a:rPr>
-              <a:t>팀원 소개</a:t>
-            </a:r>
-          </a:p>
-          <a:p>
-            <a:pPr algn="l">
-              <a:defRPr/>
-            </a:pPr>
-            <a:endParaRPr lang="ko-KR" altLang="en-US" sz="3400" b="0" i="0" strike="noStrike">
-              <a:solidFill>
-                <a:srgbClr val="000000">
-                  <a:alpha val="100000"/>
-                </a:srgbClr>
-              </a:solidFill>
-              <a:latin typeface="Arial"/>
-              <a:ea typeface="굴림"/>
-            </a:endParaRPr>
-          </a:p>
-          <a:p>
-            <a:pPr algn="l">
-              <a:defRPr/>
-            </a:pPr>
-            <a:r>
-              <a:rPr sz="3400" b="0" i="0" strike="noStrike">
-                <a:solidFill>
-                  <a:srgbClr val="7F90D4">
-                    <a:alpha val="100000"/>
-                  </a:srgbClr>
-                </a:solidFill>
-                <a:latin typeface="Arial"/>
-                <a:ea typeface="굴림"/>
-              </a:rPr>
-              <a:t>02</a:t>
-            </a:r>
-            <a:r>
-              <a:rPr lang="ko-KR" altLang="en-US" sz="3400" b="0" i="0" strike="noStrike">
-                <a:solidFill>
-                  <a:srgbClr val="7F90D4">
-                    <a:alpha val="100000"/>
-                  </a:srgbClr>
-                </a:solidFill>
-                <a:latin typeface="Arial"/>
-                <a:ea typeface="굴림"/>
-              </a:rPr>
-              <a:t> </a:t>
-            </a:r>
-            <a:r>
-              <a:rPr sz="3400" b="0" i="0" strike="noStrike">
-                <a:solidFill>
-                  <a:srgbClr val="000000">
-                    <a:alpha val="100000"/>
-                  </a:srgbClr>
-                </a:solidFill>
-                <a:latin typeface="Arial"/>
-                <a:ea typeface="굴림"/>
-              </a:rPr>
-              <a:t>개발 계획</a:t>
-            </a:r>
-          </a:p>
-          <a:p>
-            <a:pPr algn="l">
-              <a:defRPr/>
-            </a:pPr>
-            <a:endParaRPr sz="3400" b="0" i="0" strike="noStrike">
-              <a:solidFill>
-                <a:srgbClr val="000000">
-                  <a:alpha val="100000"/>
-                </a:srgbClr>
-              </a:solidFill>
-              <a:latin typeface="Arial"/>
-              <a:ea typeface="굴림"/>
-            </a:endParaRPr>
-          </a:p>
-          <a:p>
-            <a:pPr algn="l">
-              <a:defRPr/>
-            </a:pPr>
-            <a:r>
-              <a:rPr sz="3400" b="0" i="0" strike="noStrike">
-                <a:solidFill>
-                  <a:srgbClr val="7F90D4">
-                    <a:alpha val="100000"/>
-                  </a:srgbClr>
-                </a:solidFill>
-                <a:latin typeface="Arial"/>
-                <a:ea typeface="굴림"/>
-              </a:rPr>
-              <a:t>03</a:t>
-            </a:r>
-            <a:r>
-              <a:rPr lang="ko-KR" altLang="en-US" sz="3400" b="0" i="0" strike="noStrike">
-                <a:solidFill>
-                  <a:srgbClr val="7F90D4">
-                    <a:alpha val="100000"/>
-                  </a:srgbClr>
-                </a:solidFill>
-                <a:latin typeface="Arial"/>
-                <a:ea typeface="굴림"/>
-              </a:rPr>
-              <a:t> </a:t>
-            </a:r>
-            <a:r>
-              <a:rPr lang="ko-KR" altLang="en-US" sz="3400" b="0" i="0" strike="noStrike">
-                <a:solidFill>
-                  <a:schemeClr val="dk1"/>
-                </a:solidFill>
-                <a:latin typeface="Arial"/>
-                <a:ea typeface="굴림"/>
-              </a:rPr>
-              <a:t>기초 코드</a:t>
-            </a:r>
-          </a:p>
-          <a:p>
-            <a:pPr algn="l">
-              <a:defRPr/>
-            </a:pPr>
-            <a:endParaRPr lang="ko-KR" altLang="en-US" sz="3400" b="0" i="0" strike="noStrike">
-              <a:solidFill>
-                <a:schemeClr val="dk1"/>
-              </a:solidFill>
-              <a:latin typeface="Arial"/>
-              <a:ea typeface="굴림"/>
-            </a:endParaRPr>
-          </a:p>
-          <a:p>
-            <a:pPr algn="l">
-              <a:defRPr/>
-            </a:pPr>
-            <a:r>
-              <a:rPr sz="3400" b="0" i="0" strike="noStrike">
-                <a:solidFill>
-                  <a:srgbClr val="7F90D4">
-                    <a:alpha val="100000"/>
-                  </a:srgbClr>
-                </a:solidFill>
-                <a:latin typeface="Arial"/>
-                <a:ea typeface="굴림"/>
-              </a:rPr>
-              <a:t>04</a:t>
-            </a:r>
-            <a:r>
-              <a:rPr lang="ko-KR" altLang="en-US" sz="3400" b="0" i="0" strike="noStrike">
-                <a:solidFill>
-                  <a:srgbClr val="7F90D4">
-                    <a:alpha val="100000"/>
-                  </a:srgbClr>
-                </a:solidFill>
-                <a:latin typeface="Arial"/>
-                <a:ea typeface="굴림"/>
-              </a:rPr>
-              <a:t> </a:t>
-            </a:r>
-            <a:r>
-              <a:rPr lang="ko-KR" altLang="en-US" sz="3400" b="0" i="0" strike="noStrike">
-                <a:solidFill>
-                  <a:schemeClr val="dk1"/>
-                </a:solidFill>
-                <a:latin typeface="Arial"/>
-                <a:ea typeface="굴림"/>
-              </a:rPr>
-              <a:t>코드 업그레이드</a:t>
-            </a:r>
-          </a:p>
-          <a:p>
-            <a:pPr algn="l">
-              <a:defRPr/>
-            </a:pPr>
-            <a:endParaRPr lang="ko-KR" altLang="en-US" sz="3400" b="0" i="0" strike="noStrike">
-              <a:solidFill>
-                <a:schemeClr val="dk1"/>
-              </a:solidFill>
-              <a:latin typeface="Arial"/>
-              <a:ea typeface="굴림"/>
-            </a:endParaRPr>
-          </a:p>
-          <a:p>
-            <a:pPr algn="l">
-              <a:defRPr/>
-            </a:pPr>
-            <a:r>
-              <a:rPr sz="3400" b="0" i="0" strike="noStrike">
-                <a:solidFill>
-                  <a:srgbClr val="7F90D4">
-                    <a:alpha val="100000"/>
-                  </a:srgbClr>
-                </a:solidFill>
-                <a:latin typeface="Arial"/>
-                <a:ea typeface="굴림"/>
-              </a:rPr>
-              <a:t>05</a:t>
-            </a:r>
-            <a:r>
-              <a:rPr lang="ko-KR" altLang="en-US" sz="3400" b="0" i="0" strike="noStrike">
-                <a:solidFill>
-                  <a:srgbClr val="7F90D4">
-                    <a:alpha val="100000"/>
-                  </a:srgbClr>
-                </a:solidFill>
-                <a:latin typeface="Arial"/>
-                <a:ea typeface="굴림"/>
-              </a:rPr>
-              <a:t> </a:t>
-            </a:r>
-            <a:r>
-              <a:rPr lang="ko-KR" altLang="en-US" sz="3400" b="0" i="0" strike="noStrike">
-                <a:solidFill>
-                  <a:schemeClr val="dk1"/>
-                </a:solidFill>
-                <a:latin typeface="Arial"/>
-                <a:ea typeface="굴림"/>
-              </a:rPr>
-              <a:t>게임 시연</a:t>
-            </a:r>
-          </a:p>
-        </p:txBody>
-      </p:sp>
-    </p:spTree>
-  </p:cSld>
-  <p:clrMapOvr>
-    <a:masterClrMapping/>
-  </p:clrMapOvr>
-  <mc:AlternateContent xmlns:mc="http://schemas.openxmlformats.org/markup-compatibility/2006" xmlns:p14="http://schemas.microsoft.com/office/powerpoint/2010/main">
-    <mc:Choice Requires="p14">
-      <p:transition/>
-    </mc:Choice>
-    <mc:Fallback xmlns:dsp="http://schemas.microsoft.com/office/drawing/2008/diagram" xmlns:dgm="http://schemas.openxmlformats.org/drawingml/2006/diagram" xmlns:c="http://schemas.openxmlformats.org/drawingml/2006/chart" xmlns="">
-      <p:transition/>
-    </mc:Fallback>
-  </mc:AlternateContent>
-</p:sld>
-</file>
-
-<file path=ppt/slides/slide20.xml><?xml version="1.0" encoding="utf-8"?>
+<file path=ppt/slides/slide21.xml><?xml version="1.0" encoding="utf-8"?>
 <p:sld xmlns:a="http://schemas.openxmlformats.org/drawingml/2006/main" xmlns:r="http://schemas.openxmlformats.org/officeDocument/2006/relationships" xmlns:p="http://schemas.openxmlformats.org/presentationml/2006/main">
   <p:cSld>
     <p:spTree>
@@ -10043,7 +10640,7 @@
 </p:sld>
 </file>
 
-<file path=ppt/slides/slide21.xml><?xml version="1.0" encoding="utf-8"?>
+<file path=ppt/slides/slide22.xml><?xml version="1.0" encoding="utf-8"?>
 <p:sld xmlns:a="http://schemas.openxmlformats.org/drawingml/2006/main" xmlns:r="http://schemas.openxmlformats.org/officeDocument/2006/relationships" xmlns:p="http://schemas.openxmlformats.org/presentationml/2006/main">
   <p:cSld>
     <p:spTree>
@@ -10254,7 +10851,7 @@
         <p:spPr>
           <a:xfrm>
             <a:off x="1634953" y="4045196"/>
-            <a:ext cx="10896600" cy="2554545"/>
+            <a:ext cx="10896600" cy="3170099"/>
           </a:xfrm>
           <a:prstGeom prst="rect">
             <a:avLst/>
@@ -10276,6 +10873,12 @@
             <a:r>
               <a:rPr lang="en-US" altLang="ko-KR" sz="4000" dirty="0"/>
               <a:t>Sellbutmusic.com </a:t>
+            </a:r>
+          </a:p>
+          <a:p>
+            <a:r>
+              <a:rPr lang="en-US" altLang="ko-KR" sz="4000" dirty="0"/>
+              <a:t>https://pixabay.com/</a:t>
             </a:r>
           </a:p>
           <a:p>
@@ -10317,7 +10920,7 @@
 </p:sld>
 </file>
 
-<file path=ppt/slides/slide22.xml><?xml version="1.0" encoding="utf-8"?>
+<file path=ppt/slides/slide23.xml><?xml version="1.0" encoding="utf-8"?>
 <p:sld xmlns:a="http://schemas.openxmlformats.org/drawingml/2006/main" xmlns:r="http://schemas.openxmlformats.org/officeDocument/2006/relationships" xmlns:p="http://schemas.openxmlformats.org/presentationml/2006/main">
   <p:cSld>
     <p:spTree>
@@ -11262,7 +11865,7 @@
               <a:defRPr/>
             </a:pPr>
             <a:r>
-              <a:rPr lang="en-US" sz="3200" b="1" spc="-160">
+              <a:rPr lang="en-US" sz="3200" b="1" spc="-160" dirty="0">
                 <a:solidFill>
                   <a:srgbClr val="000000"/>
                 </a:solidFill>
@@ -11274,7 +11877,7 @@
               <a:t>플래시365</a:t>
             </a:r>
             <a:r>
-              <a:rPr lang="ko-KR" altLang="en-US" sz="3200" b="1" spc="-160">
+              <a:rPr lang="ko-KR" altLang="en-US" sz="3200" b="1" spc="-160" dirty="0">
                 <a:solidFill>
                   <a:srgbClr val="000000"/>
                 </a:solidFill>
@@ -11286,7 +11889,7 @@
               <a:t> </a:t>
             </a:r>
             <a:r>
-              <a:rPr lang="en-US" sz="3200" b="1" spc="-160">
+              <a:rPr lang="en-US" sz="3200" b="1" spc="-160" dirty="0" err="1">
                 <a:solidFill>
                   <a:srgbClr val="000000"/>
                 </a:solidFill>
@@ -11295,7 +11898,139 @@
                 <a:cs typeface="Nanum Square Bold"/>
                 <a:sym typeface="Nanum Square Bold"/>
               </a:rPr>
-              <a:t>처럼 여러 미니 게임을 한 곳에 모아 </a:t>
+              <a:t>처럼</a:t>
+            </a:r>
+            <a:r>
+              <a:rPr lang="en-US" sz="3200" b="1" spc="-160" dirty="0">
+                <a:solidFill>
+                  <a:srgbClr val="000000"/>
+                </a:solidFill>
+                <a:latin typeface="Nanum Square Bold"/>
+                <a:ea typeface="Nanum Square Bold"/>
+                <a:cs typeface="Nanum Square Bold"/>
+                <a:sym typeface="Nanum Square Bold"/>
+              </a:rPr>
+              <a:t> </a:t>
+            </a:r>
+            <a:r>
+              <a:rPr lang="en-US" sz="3200" b="1" spc="-160" dirty="0" err="1">
+                <a:solidFill>
+                  <a:srgbClr val="000000"/>
+                </a:solidFill>
+                <a:latin typeface="Nanum Square Bold"/>
+                <a:ea typeface="Nanum Square Bold"/>
+                <a:cs typeface="Nanum Square Bold"/>
+                <a:sym typeface="Nanum Square Bold"/>
+              </a:rPr>
+              <a:t>여러</a:t>
+            </a:r>
+            <a:r>
+              <a:rPr lang="en-US" sz="3200" b="1" spc="-160" dirty="0">
+                <a:solidFill>
+                  <a:srgbClr val="000000"/>
+                </a:solidFill>
+                <a:latin typeface="Nanum Square Bold"/>
+                <a:ea typeface="Nanum Square Bold"/>
+                <a:cs typeface="Nanum Square Bold"/>
+                <a:sym typeface="Nanum Square Bold"/>
+              </a:rPr>
+              <a:t> </a:t>
+            </a:r>
+            <a:r>
+              <a:rPr lang="en-US" sz="3200" b="1" spc="-160" dirty="0" err="1">
+                <a:solidFill>
+                  <a:srgbClr val="000000"/>
+                </a:solidFill>
+                <a:latin typeface="Nanum Square Bold"/>
+                <a:ea typeface="Nanum Square Bold"/>
+                <a:cs typeface="Nanum Square Bold"/>
+                <a:sym typeface="Nanum Square Bold"/>
+              </a:rPr>
+              <a:t>미니</a:t>
+            </a:r>
+            <a:r>
+              <a:rPr lang="en-US" sz="3200" b="1" spc="-160" dirty="0">
+                <a:solidFill>
+                  <a:srgbClr val="000000"/>
+                </a:solidFill>
+                <a:latin typeface="Nanum Square Bold"/>
+                <a:ea typeface="Nanum Square Bold"/>
+                <a:cs typeface="Nanum Square Bold"/>
+                <a:sym typeface="Nanum Square Bold"/>
+              </a:rPr>
+              <a:t> </a:t>
+            </a:r>
+            <a:r>
+              <a:rPr lang="en-US" sz="3200" b="1" spc="-160" dirty="0" err="1">
+                <a:solidFill>
+                  <a:srgbClr val="000000"/>
+                </a:solidFill>
+                <a:latin typeface="Nanum Square Bold"/>
+                <a:ea typeface="Nanum Square Bold"/>
+                <a:cs typeface="Nanum Square Bold"/>
+                <a:sym typeface="Nanum Square Bold"/>
+              </a:rPr>
+              <a:t>게임을</a:t>
+            </a:r>
+            <a:r>
+              <a:rPr lang="en-US" sz="3200" b="1" spc="-160" dirty="0">
+                <a:solidFill>
+                  <a:srgbClr val="000000"/>
+                </a:solidFill>
+                <a:latin typeface="Nanum Square Bold"/>
+                <a:ea typeface="Nanum Square Bold"/>
+                <a:cs typeface="Nanum Square Bold"/>
+                <a:sym typeface="Nanum Square Bold"/>
+              </a:rPr>
+              <a:t> 한 </a:t>
+            </a:r>
+            <a:r>
+              <a:rPr lang="en-US" sz="3200" b="1" spc="-160" dirty="0" err="1">
+                <a:solidFill>
+                  <a:srgbClr val="000000"/>
+                </a:solidFill>
+                <a:latin typeface="Nanum Square Bold"/>
+                <a:ea typeface="Nanum Square Bold"/>
+                <a:cs typeface="Nanum Square Bold"/>
+                <a:sym typeface="Nanum Square Bold"/>
+              </a:rPr>
+              <a:t>곳에</a:t>
+            </a:r>
+            <a:r>
+              <a:rPr lang="en-US" sz="3200" b="1" spc="-160" dirty="0">
+                <a:solidFill>
+                  <a:srgbClr val="000000"/>
+                </a:solidFill>
+                <a:latin typeface="Nanum Square Bold"/>
+                <a:ea typeface="Nanum Square Bold"/>
+                <a:cs typeface="Nanum Square Bold"/>
+                <a:sym typeface="Nanum Square Bold"/>
+              </a:rPr>
+              <a:t> </a:t>
+            </a:r>
+            <a:r>
+              <a:rPr lang="en-US" sz="3200" b="1" spc="-160" dirty="0" err="1">
+                <a:solidFill>
+                  <a:srgbClr val="000000"/>
+                </a:solidFill>
+                <a:latin typeface="Nanum Square Bold"/>
+                <a:ea typeface="Nanum Square Bold"/>
+                <a:cs typeface="Nanum Square Bold"/>
+                <a:sym typeface="Nanum Square Bold"/>
+              </a:rPr>
+              <a:t>모아</a:t>
+            </a:r>
+            <a:r>
+              <a:rPr lang="en-US" sz="3200" b="1" spc="-160" dirty="0">
+                <a:solidFill>
+                  <a:srgbClr val="000000"/>
+                </a:solidFill>
+                <a:latin typeface="Nanum Square Bold"/>
+                <a:ea typeface="Nanum Square Bold"/>
+                <a:cs typeface="Nanum Square Bold"/>
+                <a:sym typeface="Nanum Square Bold"/>
+              </a:rPr>
+              <a:t> </a:t>
             </a:r>
           </a:p>
           <a:p>
@@ -11306,7 +12041,7 @@
               <a:defRPr/>
             </a:pPr>
             <a:r>
-              <a:rPr lang="en-US" sz="3200" b="1" spc="-160">
+              <a:rPr lang="en-US" sz="3200" b="1" spc="-160" dirty="0" err="1">
                 <a:solidFill>
                   <a:srgbClr val="000000"/>
                 </a:solidFill>
@@ -11315,10 +12050,46 @@
                 <a:cs typeface="Nanum Square Bold"/>
                 <a:sym typeface="Nanum Square Bold"/>
               </a:rPr>
-              <a:t>제공하는 웹 플랫폼을 </a:t>
-            </a:r>
-            <a:r>
-              <a:rPr lang="ko-KR" altLang="en-US" sz="3200" b="1" spc="-160">
+              <a:t>제공하는</a:t>
+            </a:r>
+            <a:r>
+              <a:rPr lang="en-US" sz="3200" b="1" spc="-160" dirty="0">
+                <a:solidFill>
+                  <a:srgbClr val="000000"/>
+                </a:solidFill>
+                <a:latin typeface="Nanum Square Bold"/>
+                <a:ea typeface="Nanum Square Bold"/>
+                <a:cs typeface="Nanum Square Bold"/>
+                <a:sym typeface="Nanum Square Bold"/>
+              </a:rPr>
+              <a:t> 웹 </a:t>
+            </a:r>
+            <a:r>
+              <a:rPr lang="en-US" sz="3200" b="1" spc="-160" dirty="0" err="1">
+                <a:solidFill>
+                  <a:srgbClr val="000000"/>
+                </a:solidFill>
+                <a:latin typeface="Nanum Square Bold"/>
+                <a:ea typeface="Nanum Square Bold"/>
+                <a:cs typeface="Nanum Square Bold"/>
+                <a:sym typeface="Nanum Square Bold"/>
+              </a:rPr>
+              <a:t>플랫폼을</a:t>
+            </a:r>
+            <a:r>
+              <a:rPr lang="en-US" sz="3200" b="1" spc="-160" dirty="0">
+                <a:solidFill>
+                  <a:srgbClr val="000000"/>
+                </a:solidFill>
+                <a:latin typeface="Nanum Square Bold"/>
+                <a:ea typeface="Nanum Square Bold"/>
+                <a:cs typeface="Nanum Square Bold"/>
+                <a:sym typeface="Nanum Square Bold"/>
+              </a:rPr>
+              <a:t> </a:t>
+            </a:r>
+            <a:r>
+              <a:rPr lang="ko-KR" altLang="en-US" sz="3200" b="1" spc="-160" dirty="0">
                 <a:solidFill>
                   <a:srgbClr val="000000"/>
                 </a:solidFill>
@@ -11622,7 +12393,7 @@
         </p:blipFill>
         <p:spPr bwMode="auto">
           <a:xfrm>
-            <a:off x="11337662" y="2659507"/>
+            <a:off x="10067648" y="3460340"/>
             <a:ext cx="4762500" cy="4762500"/>
           </a:xfrm>
           <a:prstGeom prst="rect">
@@ -11662,12 +12433,59 @@
         </p:blipFill>
         <p:spPr>
           <a:xfrm>
-            <a:off x="8001000" y="6398462"/>
+            <a:off x="8001000" y="6826660"/>
             <a:ext cx="9263105" cy="2736440"/>
           </a:xfrm>
           <a:prstGeom prst="rect">
             <a:avLst/>
           </a:prstGeom>
+        </p:spPr>
+      </p:pic>
+      <p:pic>
+        <p:nvPicPr>
+          <p:cNvPr id="1028" name="Picture 4" descr="Discord - Windows에서 다운로드 및 설치 | Microsoft Store">
+            <a:extLst>
+              <a:ext uri="{FF2B5EF4-FFF2-40B4-BE49-F238E27FC236}">
+                <a16:creationId xmlns:a16="http://schemas.microsoft.com/office/drawing/2014/main" id="{0F3A0B38-90CA-FB42-519D-C10930704FE4}"/>
+              </a:ext>
+            </a:extLst>
+          </p:cNvPr>
+          <p:cNvPicPr>
+            <a:picLocks noChangeAspect="1" noChangeArrowheads="1"/>
+          </p:cNvPicPr>
+          <p:nvPr/>
+        </p:nvPicPr>
+        <p:blipFill>
+          <a:blip r:embed="rId6">
+            <a:extLst>
+              <a:ext uri="{28A0092B-C50C-407E-A947-70E740481C1C}">
+                <a14:useLocalDpi xmlns:a14="http://schemas.microsoft.com/office/drawing/2010/main" val="0"/>
+              </a:ext>
+            </a:extLst>
+          </a:blip>
+          <a:srcRect/>
+          <a:stretch>
+            <a:fillRect/>
+          </a:stretch>
+        </p:blipFill>
+        <p:spPr bwMode="auto">
+          <a:xfrm>
+            <a:off x="15120980" y="4462462"/>
+            <a:ext cx="2143125" cy="2143125"/>
+          </a:xfrm>
+          <a:prstGeom prst="rect">
+            <a:avLst/>
+          </a:prstGeom>
+          <a:noFill/>
+          <a:extLst>
+            <a:ext uri="{909E8E84-426E-40DD-AFC4-6F175D3DCCD1}">
+              <a14:hiddenFill xmlns:a14="http://schemas.microsoft.com/office/drawing/2010/main">
+                <a:solidFill>
+                  <a:srgbClr val="FFFFFF"/>
+                </a:solidFill>
+              </a14:hiddenFill>
+            </a:ext>
+          </a:extLst>
         </p:spPr>
       </p:pic>
     </p:spTree>
@@ -11691,7 +12509,13 @@
   <p:cSld>
     <p:spTree>
       <p:nvGrpSpPr>
-        <p:cNvPr id="1" name=""/>
+        <p:cNvPr id="1" name="">
+          <a:extLst>
+            <a:ext uri="{FF2B5EF4-FFF2-40B4-BE49-F238E27FC236}">
+              <a16:creationId xmlns:a16="http://schemas.microsoft.com/office/drawing/2014/main" id="{6AF866D2-38B9-EF3B-9706-0359CC07C7B0}"/>
+            </a:ext>
+          </a:extLst>
+        </p:cNvPr>
         <p:cNvGrpSpPr/>
         <p:nvPr/>
       </p:nvGrpSpPr>
@@ -11705,7 +12529,13 @@
       </p:grpSpPr>
       <p:sp>
         <p:nvSpPr>
-          <p:cNvPr id="2" name="AutoShape 2"/>
+          <p:cNvPr id="2" name="AutoShape 2">
+            <a:extLst>
+              <a:ext uri="{FF2B5EF4-FFF2-40B4-BE49-F238E27FC236}">
+                <a16:creationId xmlns:a16="http://schemas.microsoft.com/office/drawing/2014/main" id="{2748E132-E1CB-8717-524B-F57CC8D72F78}"/>
+              </a:ext>
+            </a:extLst>
+          </p:cNvPr>
           <p:cNvSpPr/>
           <p:nvPr/>
         </p:nvSpPr>
@@ -11739,7 +12569,13 @@
       </p:sp>
       <p:sp>
         <p:nvSpPr>
-          <p:cNvPr id="3" name="AutoShape 3"/>
+          <p:cNvPr id="3" name="AutoShape 3">
+            <a:extLst>
+              <a:ext uri="{FF2B5EF4-FFF2-40B4-BE49-F238E27FC236}">
+                <a16:creationId xmlns:a16="http://schemas.microsoft.com/office/drawing/2014/main" id="{3696ABE5-14C3-40A5-B2EB-403474679AD0}"/>
+              </a:ext>
+            </a:extLst>
+          </p:cNvPr>
           <p:cNvSpPr/>
           <p:nvPr/>
         </p:nvSpPr>
@@ -11773,33 +12609,39 @@
       </p:sp>
       <p:sp>
         <p:nvSpPr>
-          <p:cNvPr id="9" name="TextBox 9"/>
+          <p:cNvPr id="5" name="TextBox 5">
+            <a:extLst>
+              <a:ext uri="{FF2B5EF4-FFF2-40B4-BE49-F238E27FC236}">
+                <a16:creationId xmlns:a16="http://schemas.microsoft.com/office/drawing/2014/main" id="{779E52E9-7E44-49FD-CA5F-6B09D049D430}"/>
+              </a:ext>
+            </a:extLst>
+          </p:cNvPr>
           <p:cNvSpPr txBox="1"/>
           <p:nvPr/>
         </p:nvSpPr>
         <p:spPr>
           <a:xfrm>
-            <a:off x="4078981" y="2366850"/>
-            <a:ext cx="10130038" cy="1024050"/>
+            <a:off x="1635693" y="1428583"/>
+            <a:ext cx="11546907" cy="1038746"/>
           </a:xfrm>
           <a:prstGeom prst="rect">
             <a:avLst/>
           </a:prstGeom>
         </p:spPr>
         <p:txBody>
-          <a:bodyPr lIns="0" tIns="0" rIns="0" bIns="0" anchor="t">
+          <a:bodyPr wrap="square" lIns="0" tIns="0" rIns="0" bIns="0" anchor="t">
             <a:spAutoFit/>
           </a:bodyPr>
           <a:lstStyle/>
           <a:p>
-            <a:pPr algn="ctr">
+            <a:pPr>
               <a:lnSpc>
                 <a:spcPts val="8064"/>
               </a:lnSpc>
               <a:defRPr/>
             </a:pPr>
             <a:r>
-              <a:rPr lang="en-US" altLang="ko-KR" sz="7200" b="1" spc="-359">
+              <a:rPr lang="ko-KR" altLang="en-US" sz="7200" b="1" spc="-359" dirty="0" err="1">
                 <a:solidFill>
                   <a:srgbClr val="000000"/>
                 </a:solidFill>
@@ -11808,12 +12650,371 @@
                 <a:cs typeface="Nanum Square Bold"/>
                 <a:sym typeface="Nanum Square Bold"/>
               </a:rPr>
-              <a:t>Clicker Game</a:t>
-            </a:r>
-          </a:p>
-        </p:txBody>
-      </p:sp>
+              <a:t>프롬포트</a:t>
+            </a:r>
+            <a:r>
+              <a:rPr lang="ko-KR" altLang="en-US" sz="7200" b="1" spc="-359" dirty="0">
+                <a:solidFill>
+                  <a:srgbClr val="000000"/>
+                </a:solidFill>
+                <a:latin typeface="Nanum Square Bold"/>
+                <a:ea typeface="Nanum Square Bold"/>
+                <a:cs typeface="Nanum Square Bold"/>
+                <a:sym typeface="Nanum Square Bold"/>
+              </a:rPr>
+              <a:t> </a:t>
+            </a:r>
+            <a:r>
+              <a:rPr lang="en-US" altLang="ko-KR" sz="7200" b="1" spc="-359" dirty="0">
+                <a:solidFill>
+                  <a:srgbClr val="000000"/>
+                </a:solidFill>
+                <a:latin typeface="Nanum Square Bold"/>
+                <a:ea typeface="Nanum Square Bold"/>
+                <a:cs typeface="Nanum Square Bold"/>
+                <a:sym typeface="Nanum Square Bold"/>
+              </a:rPr>
+              <a:t>– </a:t>
+            </a:r>
+            <a:r>
+              <a:rPr lang="en-US" altLang="ko-KR" sz="7200" b="1" spc="-359" dirty="0" err="1">
+                <a:solidFill>
+                  <a:srgbClr val="000000"/>
+                </a:solidFill>
+                <a:latin typeface="Nanum Square Bold"/>
+                <a:ea typeface="Nanum Square Bold"/>
+                <a:cs typeface="Nanum Square Bold"/>
+                <a:sym typeface="Nanum Square Bold"/>
+              </a:rPr>
+              <a:t>gpt</a:t>
+            </a:r>
+            <a:r>
+              <a:rPr lang="ko-KR" altLang="en-US" sz="7200" b="1" spc="-359" dirty="0">
+                <a:solidFill>
+                  <a:srgbClr val="000000"/>
+                </a:solidFill>
+                <a:latin typeface="Nanum Square Bold"/>
+                <a:ea typeface="Nanum Square Bold"/>
+                <a:cs typeface="Nanum Square Bold"/>
+                <a:sym typeface="Nanum Square Bold"/>
+              </a:rPr>
+              <a:t> </a:t>
+            </a:r>
+            <a:r>
+              <a:rPr lang="en-US" altLang="ko-KR" sz="7200" b="1" spc="-359" dirty="0">
+                <a:solidFill>
+                  <a:srgbClr val="000000"/>
+                </a:solidFill>
+                <a:latin typeface="Nanum Square Bold"/>
+                <a:ea typeface="Nanum Square Bold"/>
+                <a:cs typeface="Nanum Square Bold"/>
+                <a:sym typeface="Nanum Square Bold"/>
+              </a:rPr>
+              <a:t>&amp; copilot</a:t>
+            </a:r>
+            <a:endParaRPr lang="ko-KR" altLang="en-US" sz="7200" b="1" spc="-359" dirty="0">
+              <a:solidFill>
+                <a:srgbClr val="000000"/>
+              </a:solidFill>
+              <a:latin typeface="Nanum Square Bold"/>
+              <a:ea typeface="Nanum Square Bold"/>
+              <a:cs typeface="Nanum Square Bold"/>
+              <a:sym typeface="Nanum Square Bold"/>
+            </a:endParaRPr>
+          </a:p>
+        </p:txBody>
+      </p:sp>
+      <p:sp>
+        <p:nvSpPr>
+          <p:cNvPr id="7" name="TextBox 7">
+            <a:extLst>
+              <a:ext uri="{FF2B5EF4-FFF2-40B4-BE49-F238E27FC236}">
+                <a16:creationId xmlns:a16="http://schemas.microsoft.com/office/drawing/2014/main" id="{193F73ED-DF97-A54D-D135-8A6C773EB94F}"/>
+              </a:ext>
+            </a:extLst>
+          </p:cNvPr>
+          <p:cNvSpPr txBox="1"/>
+          <p:nvPr/>
+        </p:nvSpPr>
+        <p:spPr>
+          <a:xfrm>
+            <a:off x="1714824" y="1121483"/>
+            <a:ext cx="4211394" cy="297742"/>
+          </a:xfrm>
+          <a:prstGeom prst="rect">
+            <a:avLst/>
+          </a:prstGeom>
+        </p:spPr>
+        <p:txBody>
+          <a:bodyPr lIns="0" tIns="0" rIns="0" bIns="0" anchor="t">
+            <a:spAutoFit/>
+          </a:bodyPr>
+          <a:lstStyle/>
+          <a:p>
+            <a:pPr algn="l">
+              <a:lnSpc>
+                <a:spcPts val="2352"/>
+              </a:lnSpc>
+              <a:defRPr/>
+            </a:pPr>
+            <a:endParaRPr lang="ko-KR" altLang="en-US" sz="2100" b="1">
+              <a:solidFill>
+                <a:srgbClr val="737373"/>
+              </a:solidFill>
+              <a:latin typeface="Heebo Bold"/>
+              <a:ea typeface="Heebo Bold"/>
+              <a:cs typeface="Heebo Bold"/>
+              <a:sym typeface="Heebo Bold"/>
+            </a:endParaRPr>
+          </a:p>
+        </p:txBody>
+      </p:sp>
+      <p:pic>
+        <p:nvPicPr>
+          <p:cNvPr id="6" name="그림 5">
+            <a:extLst>
+              <a:ext uri="{FF2B5EF4-FFF2-40B4-BE49-F238E27FC236}">
+                <a16:creationId xmlns:a16="http://schemas.microsoft.com/office/drawing/2014/main" id="{EB58A7A2-2962-8A6A-365C-5333A893B5B4}"/>
+              </a:ext>
+            </a:extLst>
+          </p:cNvPr>
+          <p:cNvPicPr>
+            <a:picLocks noChangeAspect="1"/>
+          </p:cNvPicPr>
+          <p:nvPr/>
+        </p:nvPicPr>
+        <p:blipFill>
+          <a:blip r:embed="rId3"/>
+          <a:stretch>
+            <a:fillRect/>
+          </a:stretch>
+        </p:blipFill>
+        <p:spPr>
+          <a:xfrm>
+            <a:off x="2403360" y="2552699"/>
+            <a:ext cx="4292821" cy="6912325"/>
+          </a:xfrm>
+          <a:prstGeom prst="rect">
+            <a:avLst/>
+          </a:prstGeom>
+        </p:spPr>
+      </p:pic>
+      <p:pic>
+        <p:nvPicPr>
+          <p:cNvPr id="10" name="그림 9">
+            <a:extLst>
+              <a:ext uri="{FF2B5EF4-FFF2-40B4-BE49-F238E27FC236}">
+                <a16:creationId xmlns:a16="http://schemas.microsoft.com/office/drawing/2014/main" id="{DC9196E2-57BA-E79C-BFC7-1A500757DB7E}"/>
+              </a:ext>
+            </a:extLst>
+          </p:cNvPr>
+          <p:cNvPicPr>
+            <a:picLocks noChangeAspect="1"/>
+          </p:cNvPicPr>
+          <p:nvPr/>
+        </p:nvPicPr>
+        <p:blipFill>
+          <a:blip r:embed="rId4"/>
+          <a:stretch>
+            <a:fillRect/>
+          </a:stretch>
+        </p:blipFill>
+        <p:spPr>
+          <a:xfrm>
+            <a:off x="3317760" y="2572449"/>
+            <a:ext cx="4159464" cy="6892581"/>
+          </a:xfrm>
+          <a:prstGeom prst="rect">
+            <a:avLst/>
+          </a:prstGeom>
+        </p:spPr>
+      </p:pic>
+      <p:pic>
+        <p:nvPicPr>
+          <p:cNvPr id="12" name="그림 11">
+            <a:extLst>
+              <a:ext uri="{FF2B5EF4-FFF2-40B4-BE49-F238E27FC236}">
+                <a16:creationId xmlns:a16="http://schemas.microsoft.com/office/drawing/2014/main" id="{A9831489-EF51-8DF8-9D13-92C09A08F9A4}"/>
+              </a:ext>
+            </a:extLst>
+          </p:cNvPr>
+          <p:cNvPicPr>
+            <a:picLocks noChangeAspect="1"/>
+          </p:cNvPicPr>
+          <p:nvPr/>
+        </p:nvPicPr>
+        <p:blipFill>
+          <a:blip r:embed="rId5"/>
+          <a:stretch>
+            <a:fillRect/>
+          </a:stretch>
+        </p:blipFill>
+        <p:spPr>
+          <a:xfrm>
+            <a:off x="5214675" y="2552696"/>
+            <a:ext cx="4216617" cy="6932078"/>
+          </a:xfrm>
+          <a:prstGeom prst="rect">
+            <a:avLst/>
+          </a:prstGeom>
+        </p:spPr>
+      </p:pic>
+      <p:pic>
+        <p:nvPicPr>
+          <p:cNvPr id="14" name="그림 13">
+            <a:extLst>
+              <a:ext uri="{FF2B5EF4-FFF2-40B4-BE49-F238E27FC236}">
+                <a16:creationId xmlns:a16="http://schemas.microsoft.com/office/drawing/2014/main" id="{A0F478AD-3935-F525-43F4-E3D0428925B6}"/>
+              </a:ext>
+            </a:extLst>
+          </p:cNvPr>
+          <p:cNvPicPr>
+            <a:picLocks noChangeAspect="1"/>
+          </p:cNvPicPr>
+          <p:nvPr/>
+        </p:nvPicPr>
+        <p:blipFill>
+          <a:blip r:embed="rId6"/>
+          <a:stretch>
+            <a:fillRect/>
+          </a:stretch>
+        </p:blipFill>
+        <p:spPr>
+          <a:xfrm>
+            <a:off x="6906602" y="2592199"/>
+            <a:ext cx="4140413" cy="6890438"/>
+          </a:xfrm>
+          <a:prstGeom prst="rect">
+            <a:avLst/>
+          </a:prstGeom>
+        </p:spPr>
+      </p:pic>
+      <p:pic>
+        <p:nvPicPr>
+          <p:cNvPr id="16" name="그림 15">
+            <a:extLst>
+              <a:ext uri="{FF2B5EF4-FFF2-40B4-BE49-F238E27FC236}">
+                <a16:creationId xmlns:a16="http://schemas.microsoft.com/office/drawing/2014/main" id="{C53A86C0-EC6B-38A7-DB7D-23E50B04EA38}"/>
+              </a:ext>
+            </a:extLst>
+          </p:cNvPr>
+          <p:cNvPicPr>
+            <a:picLocks noChangeAspect="1"/>
+          </p:cNvPicPr>
+          <p:nvPr/>
+        </p:nvPicPr>
+        <p:blipFill>
+          <a:blip r:embed="rId7"/>
+          <a:stretch>
+            <a:fillRect/>
+          </a:stretch>
+        </p:blipFill>
+        <p:spPr>
+          <a:xfrm>
+            <a:off x="8072045" y="2530810"/>
+            <a:ext cx="4153113" cy="6932077"/>
+          </a:xfrm>
+          <a:prstGeom prst="rect">
+            <a:avLst/>
+          </a:prstGeom>
+        </p:spPr>
+      </p:pic>
+      <p:pic>
+        <p:nvPicPr>
+          <p:cNvPr id="18" name="그림 17">
+            <a:extLst>
+              <a:ext uri="{FF2B5EF4-FFF2-40B4-BE49-F238E27FC236}">
+                <a16:creationId xmlns:a16="http://schemas.microsoft.com/office/drawing/2014/main" id="{D4817424-F8AA-1AD3-5FEC-308019949381}"/>
+              </a:ext>
+            </a:extLst>
+          </p:cNvPr>
+          <p:cNvPicPr>
+            <a:picLocks noChangeAspect="1"/>
+          </p:cNvPicPr>
+          <p:nvPr/>
+        </p:nvPicPr>
+        <p:blipFill>
+          <a:blip r:embed="rId8"/>
+          <a:stretch>
+            <a:fillRect/>
+          </a:stretch>
+        </p:blipFill>
+        <p:spPr>
+          <a:xfrm>
+            <a:off x="9684730" y="2572449"/>
+            <a:ext cx="4178515" cy="6892575"/>
+          </a:xfrm>
+          <a:prstGeom prst="rect">
+            <a:avLst/>
+          </a:prstGeom>
+        </p:spPr>
+      </p:pic>
+      <p:pic>
+        <p:nvPicPr>
+          <p:cNvPr id="20" name="그림 19">
+            <a:extLst>
+              <a:ext uri="{FF2B5EF4-FFF2-40B4-BE49-F238E27FC236}">
+                <a16:creationId xmlns:a16="http://schemas.microsoft.com/office/drawing/2014/main" id="{B09C3AA8-0E78-6690-0ECB-9CA16B6B4D59}"/>
+              </a:ext>
+            </a:extLst>
+          </p:cNvPr>
+          <p:cNvPicPr>
+            <a:picLocks noChangeAspect="1"/>
+          </p:cNvPicPr>
+          <p:nvPr/>
+        </p:nvPicPr>
+        <p:blipFill>
+          <a:blip r:embed="rId9"/>
+          <a:stretch>
+            <a:fillRect/>
+          </a:stretch>
+        </p:blipFill>
+        <p:spPr>
+          <a:xfrm>
+            <a:off x="10807156" y="2453644"/>
+            <a:ext cx="3733800" cy="6042656"/>
+          </a:xfrm>
+          <a:prstGeom prst="rect">
+            <a:avLst/>
+          </a:prstGeom>
+        </p:spPr>
+      </p:pic>
+      <p:pic>
+        <p:nvPicPr>
+          <p:cNvPr id="22" name="그림 21">
+            <a:extLst>
+              <a:ext uri="{FF2B5EF4-FFF2-40B4-BE49-F238E27FC236}">
+                <a16:creationId xmlns:a16="http://schemas.microsoft.com/office/drawing/2014/main" id="{55095181-69B9-8045-C752-97A2D7C436E8}"/>
+              </a:ext>
+            </a:extLst>
+          </p:cNvPr>
+          <p:cNvPicPr>
+            <a:picLocks noChangeAspect="1"/>
+          </p:cNvPicPr>
+          <p:nvPr/>
+        </p:nvPicPr>
+        <p:blipFill>
+          <a:blip r:embed="rId10"/>
+          <a:stretch>
+            <a:fillRect/>
+          </a:stretch>
+        </p:blipFill>
+        <p:spPr>
+          <a:xfrm>
+            <a:off x="12166403" y="2508968"/>
+            <a:ext cx="3835597" cy="6795026"/>
+          </a:xfrm>
+          <a:prstGeom prst="rect">
+            <a:avLst/>
+          </a:prstGeom>
+        </p:spPr>
+      </p:pic>
     </p:spTree>
+    <p:extLst>
+      <p:ext uri="{BB962C8B-B14F-4D97-AF65-F5344CB8AC3E}">
+        <p14:creationId xmlns:p14="http://schemas.microsoft.com/office/powerpoint/2010/main" val="340467644"/>
+      </p:ext>
+    </p:extLst>
   </p:cSld>
   <p:clrMapOvr>
     <a:masterClrMapping/>
@@ -11916,14 +13117,14 @@
       </p:sp>
       <p:sp>
         <p:nvSpPr>
-          <p:cNvPr id="5" name="TextBox 5"/>
+          <p:cNvPr id="9" name="TextBox 9"/>
           <p:cNvSpPr txBox="1"/>
           <p:nvPr/>
         </p:nvSpPr>
         <p:spPr>
           <a:xfrm>
-            <a:off x="1635693" y="1428583"/>
-            <a:ext cx="8014955" cy="1019342"/>
+            <a:off x="4078981" y="2366850"/>
+            <a:ext cx="10130038" cy="1024050"/>
           </a:xfrm>
           <a:prstGeom prst="rect">
             <a:avLst/>
@@ -11935,14 +13136,14 @@
           </a:bodyPr>
           <a:lstStyle/>
           <a:p>
-            <a:pPr algn="l">
+            <a:pPr algn="ctr">
               <a:lnSpc>
                 <a:spcPts val="8064"/>
               </a:lnSpc>
               <a:defRPr/>
             </a:pPr>
             <a:r>
-              <a:rPr lang="ko-KR" altLang="en-US" sz="7200" b="1" spc="-359">
+              <a:rPr lang="en-US" altLang="ko-KR" sz="7200" b="1" spc="-359">
                 <a:solidFill>
                   <a:srgbClr val="000000"/>
                 </a:solidFill>
@@ -11951,283 +13152,11 @@
                 <a:cs typeface="Nanum Square Bold"/>
                 <a:sym typeface="Nanum Square Bold"/>
               </a:rPr>
-              <a:t>기초 코드</a:t>
-            </a:r>
-          </a:p>
-        </p:txBody>
-      </p:sp>
-      <p:sp>
-        <p:nvSpPr>
-          <p:cNvPr id="7" name="TextBox 7"/>
-          <p:cNvSpPr txBox="1"/>
-          <p:nvPr/>
-        </p:nvSpPr>
-        <p:spPr>
-          <a:xfrm>
-            <a:off x="1714824" y="1121483"/>
-            <a:ext cx="4211394" cy="297742"/>
-          </a:xfrm>
-          <a:prstGeom prst="rect">
-            <a:avLst/>
-          </a:prstGeom>
-        </p:spPr>
-        <p:txBody>
-          <a:bodyPr lIns="0" tIns="0" rIns="0" bIns="0" anchor="t">
-            <a:spAutoFit/>
-          </a:bodyPr>
-          <a:lstStyle/>
-          <a:p>
-            <a:pPr algn="l">
-              <a:lnSpc>
-                <a:spcPts val="2352"/>
-              </a:lnSpc>
-              <a:defRPr/>
-            </a:pPr>
-            <a:r>
-              <a:rPr lang="en-US" altLang="ko-KR" sz="2100" b="1">
-                <a:solidFill>
-                  <a:srgbClr val="737373"/>
-                </a:solidFill>
-                <a:latin typeface="Heebo Bold"/>
-                <a:ea typeface="Heebo Bold"/>
-                <a:cs typeface="Heebo Bold"/>
-                <a:sym typeface="Heebo Bold"/>
-              </a:rPr>
               <a:t>Clicker Game</a:t>
             </a:r>
           </a:p>
         </p:txBody>
       </p:sp>
-      <p:pic>
-        <p:nvPicPr>
-          <p:cNvPr id="8" name="그림 7"/>
-          <p:cNvPicPr>
-            <a:picLocks noChangeAspect="1"/>
-          </p:cNvPicPr>
-          <p:nvPr/>
-        </p:nvPicPr>
-        <p:blipFill rotWithShape="1">
-          <a:blip r:embed="rId2"/>
-          <a:stretch>
-            <a:fillRect/>
-          </a:stretch>
-        </p:blipFill>
-        <p:spPr>
-          <a:xfrm>
-            <a:off x="1626843" y="2628900"/>
-            <a:ext cx="13841757" cy="3705742"/>
-          </a:xfrm>
-          <a:prstGeom prst="rect">
-            <a:avLst/>
-          </a:prstGeom>
-        </p:spPr>
-      </p:pic>
-      <p:sp>
-        <p:nvSpPr>
-          <p:cNvPr id="9" name="TextBox 6"/>
-          <p:cNvSpPr txBox="1"/>
-          <p:nvPr/>
-        </p:nvSpPr>
-        <p:spPr>
-          <a:xfrm>
-            <a:off x="1752600" y="6362700"/>
-            <a:ext cx="9296400" cy="2971800"/>
-          </a:xfrm>
-          <a:prstGeom prst="rect">
-            <a:avLst/>
-          </a:prstGeom>
-        </p:spPr>
-        <p:txBody>
-          <a:bodyPr wrap="square" lIns="0" tIns="0" rIns="0" bIns="0" anchor="t">
-            <a:spAutoFit/>
-          </a:bodyPr>
-          <a:lstStyle/>
-          <a:p>
-            <a:pPr algn="l">
-              <a:lnSpc>
-                <a:spcPts val="3872"/>
-              </a:lnSpc>
-              <a:defRPr/>
-            </a:pPr>
-            <a:r>
-              <a:rPr lang="en-US" altLang="ko-KR" sz="2100" b="1" spc="-160">
-                <a:solidFill>
-                  <a:srgbClr val="000000"/>
-                </a:solidFill>
-                <a:latin typeface="Nanum Square Bold"/>
-                <a:ea typeface="Nanum Square Bold"/>
-                <a:cs typeface="Nanum Square Bold"/>
-                <a:sym typeface="Nanum Square Bold"/>
-              </a:rPr>
-              <a:t>-</a:t>
-            </a:r>
-            <a:r>
-              <a:rPr lang="ko-KR" altLang="en-US" sz="2100" b="1" spc="-160">
-                <a:solidFill>
-                  <a:srgbClr val="000000"/>
-                </a:solidFill>
-                <a:latin typeface="Nanum Square Bold"/>
-                <a:ea typeface="Nanum Square Bold"/>
-                <a:cs typeface="Nanum Square Bold"/>
-                <a:sym typeface="Nanum Square Bold"/>
-              </a:rPr>
-              <a:t> </a:t>
-            </a:r>
-            <a:r>
-              <a:rPr lang="en-US" altLang="ko-KR" sz="2100" b="1" spc="-160">
-                <a:solidFill>
-                  <a:srgbClr val="000000"/>
-                </a:solidFill>
-                <a:latin typeface="Nanum Square Bold"/>
-                <a:ea typeface="Nanum Square Bold"/>
-                <a:cs typeface="Nanum Square Bold"/>
-                <a:sym typeface="Nanum Square Bold"/>
-              </a:rPr>
-              <a:t>생성자 기반 상태 관리</a:t>
-            </a:r>
-          </a:p>
-          <a:p>
-            <a:pPr algn="l">
-              <a:lnSpc>
-                <a:spcPts val="3872"/>
-              </a:lnSpc>
-              <a:defRPr/>
-            </a:pPr>
-            <a:r>
-              <a:rPr lang="en-US" altLang="ko-KR" sz="2100" b="1" spc="-160">
-                <a:solidFill>
-                  <a:srgbClr val="000000"/>
-                </a:solidFill>
-                <a:latin typeface="Nanum Square Bold"/>
-                <a:ea typeface="Nanum Square Bold"/>
-                <a:cs typeface="Nanum Square Bold"/>
-                <a:sym typeface="Nanum Square Bold"/>
-              </a:rPr>
-              <a:t>time, score, target 등 저장</a:t>
-            </a:r>
-          </a:p>
-          <a:p>
-            <a:pPr algn="l">
-              <a:lnSpc>
-                <a:spcPts val="3872"/>
-              </a:lnSpc>
-              <a:defRPr/>
-            </a:pPr>
-            <a:endParaRPr lang="en-US" altLang="ko-KR" sz="2100" b="1" spc="-160">
-              <a:solidFill>
-                <a:srgbClr val="000000"/>
-              </a:solidFill>
-              <a:latin typeface="Nanum Square Bold"/>
-              <a:ea typeface="Nanum Square Bold"/>
-              <a:cs typeface="Nanum Square Bold"/>
-              <a:sym typeface="Nanum Square Bold"/>
-            </a:endParaRPr>
-          </a:p>
-          <a:p>
-            <a:pPr algn="l">
-              <a:lnSpc>
-                <a:spcPts val="3872"/>
-              </a:lnSpc>
-              <a:defRPr/>
-            </a:pPr>
-            <a:r>
-              <a:rPr lang="en-US" altLang="ko-KR" sz="2100" b="1" spc="-160">
-                <a:solidFill>
-                  <a:srgbClr val="000000"/>
-                </a:solidFill>
-                <a:latin typeface="Nanum Square Bold"/>
-                <a:ea typeface="Nanum Square Bold"/>
-                <a:cs typeface="Nanum Square Bold"/>
-                <a:sym typeface="Nanum Square Bold"/>
-              </a:rPr>
-              <a:t>-</a:t>
-            </a:r>
-            <a:r>
-              <a:rPr lang="ko-KR" altLang="en-US" sz="2100" b="1" spc="-160">
-                <a:solidFill>
-                  <a:srgbClr val="000000"/>
-                </a:solidFill>
-                <a:latin typeface="Nanum Square Bold"/>
-                <a:ea typeface="Nanum Square Bold"/>
-                <a:cs typeface="Nanum Square Bold"/>
-                <a:sym typeface="Nanum Square Bold"/>
-              </a:rPr>
-              <a:t> update() 함수 </a:t>
-            </a:r>
-          </a:p>
-          <a:p>
-            <a:pPr algn="l">
-              <a:lnSpc>
-                <a:spcPts val="3872"/>
-              </a:lnSpc>
-              <a:defRPr/>
-            </a:pPr>
-            <a:r>
-              <a:rPr lang="ko-KR" altLang="en-US" sz="2100" b="1" spc="-160">
-                <a:solidFill>
-                  <a:srgbClr val="000000"/>
-                </a:solidFill>
-                <a:latin typeface="Nanum Square Bold"/>
-                <a:ea typeface="Nanum Square Bold"/>
-                <a:cs typeface="Nanum Square Bold"/>
-                <a:sym typeface="Nanum Square Bold"/>
-              </a:rPr>
-              <a:t>객체 생성/삭제</a:t>
-            </a:r>
-          </a:p>
-          <a:p>
-            <a:pPr algn="l">
-              <a:lnSpc>
-                <a:spcPts val="3872"/>
-              </a:lnSpc>
-              <a:defRPr/>
-            </a:pPr>
-            <a:r>
-              <a:rPr lang="ko-KR" altLang="en-US" sz="2100" b="1" spc="-160">
-                <a:solidFill>
-                  <a:srgbClr val="000000"/>
-                </a:solidFill>
-                <a:latin typeface="Nanum Square Bold"/>
-                <a:ea typeface="Nanum Square Bold"/>
-                <a:cs typeface="Nanum Square Bold"/>
-                <a:sym typeface="Nanum Square Bold"/>
-              </a:rPr>
-              <a:t>충돌(클릭 판정)</a:t>
-            </a:r>
-          </a:p>
-        </p:txBody>
-      </p:sp>
-      <p:pic>
-        <p:nvPicPr>
-          <p:cNvPr id="10" name="그림 9"/>
-          <p:cNvPicPr>
-            <a:picLocks noChangeAspect="1"/>
-          </p:cNvPicPr>
-          <p:nvPr/>
-        </p:nvPicPr>
-        <p:blipFill rotWithShape="1">
-          <a:blip r:embed="rId3"/>
-          <a:stretch>
-            <a:fillRect/>
-          </a:stretch>
-        </p:blipFill>
-        <p:spPr>
-          <a:xfrm>
-            <a:off x="11811000" y="5981700"/>
-            <a:ext cx="3717590" cy="3220069"/>
-          </a:xfrm>
-          <a:prstGeom prst="rect">
-            <a:avLst/>
-          </a:prstGeom>
-          <a:effectLst>
-            <a:outerShdw blurRad="76200" dist="76200" dir="2700000" algn="ctr" rotWithShape="0">
-              <a:srgbClr val="000000">
-                <a:alpha val="50000"/>
-              </a:srgbClr>
-            </a:outerShdw>
-          </a:effectLst>
-        </p:spPr>
-      </p:pic>
     </p:spTree>
   </p:cSld>
   <p:clrMapOvr>
@@ -12366,7 +13295,7 @@
                 <a:cs typeface="Nanum Square Bold"/>
                 <a:sym typeface="Nanum Square Bold"/>
               </a:rPr>
-              <a:t>코드 업그레이드 </a:t>
+              <a:t>기초 코드</a:t>
             </a:r>
           </a:p>
         </p:txBody>
@@ -12408,14 +13337,14 @@
                 <a:cs typeface="Heebo Bold"/>
                 <a:sym typeface="Heebo Bold"/>
               </a:rPr>
-              <a:t>Code Upgrade</a:t>
+              <a:t>Clicker Game</a:t>
             </a:r>
           </a:p>
         </p:txBody>
       </p:sp>
       <p:pic>
         <p:nvPicPr>
-          <p:cNvPr id="11" name="그림 10"/>
+          <p:cNvPr id="8" name="그림 7"/>
           <p:cNvPicPr>
             <a:picLocks noChangeAspect="1"/>
           </p:cNvPicPr>
@@ -12429,31 +13358,24 @@
         </p:blipFill>
         <p:spPr>
           <a:xfrm>
-            <a:off x="1637358" y="2628900"/>
-            <a:ext cx="6744641" cy="2191055"/>
+            <a:off x="1626843" y="2628900"/>
+            <a:ext cx="13841757" cy="3705742"/>
           </a:xfrm>
           <a:prstGeom prst="rect">
             <a:avLst/>
           </a:prstGeom>
-          <a:effectLst>
-            <a:outerShdw blurRad="76200" dist="76200" dir="2700000" algn="ctr" rotWithShape="0">
-              <a:srgbClr val="000000">
-                <a:alpha val="50000"/>
-              </a:srgbClr>
-            </a:outerShdw>
-          </a:effectLst>
         </p:spPr>
       </p:pic>
       <p:sp>
         <p:nvSpPr>
-          <p:cNvPr id="12" name="TextBox 6"/>
+          <p:cNvPr id="9" name="TextBox 6"/>
           <p:cNvSpPr txBox="1"/>
           <p:nvPr/>
         </p:nvSpPr>
         <p:spPr>
           <a:xfrm>
-            <a:off x="1676400" y="5448300"/>
-            <a:ext cx="9296400" cy="3962400"/>
+            <a:off x="1752600" y="6362700"/>
+            <a:ext cx="9296400" cy="2971800"/>
           </a:xfrm>
           <a:prstGeom prst="rect">
             <a:avLst/>
@@ -12493,7 +13415,7 @@
                 <a:cs typeface="Nanum Square Bold"/>
                 <a:sym typeface="Nanum Square Bold"/>
               </a:rPr>
-              <a:t> 클릭 기반 게임  </a:t>
+              <a:t> </a:t>
             </a:r>
             <a:r>
               <a:rPr lang="en-US" altLang="ko-KR" sz="2100" b="1" spc="-160">
@@ -12505,10 +13427,18 @@
                 <a:cs typeface="Nanum Square Bold"/>
                 <a:sym typeface="Nanum Square Bold"/>
               </a:rPr>
-              <a:t>&gt;</a:t>
-            </a:r>
-            <a:r>
-              <a:rPr lang="ko-KR" altLang="en-US" sz="2100" b="1" spc="-160">
+              <a:t>생성자 기반 상태 관리</a:t>
+            </a:r>
+          </a:p>
+          <a:p>
+            <a:pPr algn="l">
+              <a:lnSpc>
+                <a:spcPts val="3872"/>
+              </a:lnSpc>
+              <a:defRPr/>
+            </a:pPr>
+            <a:r>
+              <a:rPr lang="en-US" altLang="ko-KR" sz="2100" b="1" spc="-160">
                 <a:solidFill>
                   <a:srgbClr val="000000"/>
                 </a:solidFill>
@@ -12517,153 +13447,7 @@
                 <a:cs typeface="Nanum Square Bold"/>
                 <a:sym typeface="Nanum Square Bold"/>
               </a:rPr>
-              <a:t>  웹에서의 </a:t>
-            </a:r>
-            <a:r>
-              <a:rPr lang="en-US" altLang="ko-KR" sz="2100" b="1" spc="-160">
-                <a:solidFill>
-                  <a:srgbClr val="000000"/>
-                </a:solidFill>
-                <a:latin typeface="Nanum Square Bold"/>
-                <a:ea typeface="Nanum Square Bold"/>
-                <a:cs typeface="Nanum Square Bold"/>
-                <a:sym typeface="Nanum Square Bold"/>
-              </a:rPr>
-              <a:t>Aim traing </a:t>
-            </a:r>
-            <a:r>
-              <a:rPr lang="ko-KR" altLang="en-US" sz="2100" b="1" spc="-160">
-                <a:solidFill>
-                  <a:srgbClr val="000000"/>
-                </a:solidFill>
-                <a:latin typeface="Nanum Square Bold"/>
-                <a:ea typeface="Nanum Square Bold"/>
-                <a:cs typeface="Nanum Square Bold"/>
-                <a:sym typeface="Nanum Square Bold"/>
-              </a:rPr>
-              <a:t>게임 개발</a:t>
-            </a:r>
-          </a:p>
-          <a:p>
-            <a:pPr algn="l">
-              <a:lnSpc>
-                <a:spcPts val="3872"/>
-              </a:lnSpc>
-              <a:defRPr/>
-            </a:pPr>
-            <a:endParaRPr lang="ko-KR" altLang="en-US" sz="2100" b="1" spc="-160">
-              <a:solidFill>
-                <a:srgbClr val="000000"/>
-              </a:solidFill>
-              <a:latin typeface="Nanum Square Bold"/>
-              <a:ea typeface="Nanum Square Bold"/>
-              <a:cs typeface="Nanum Square Bold"/>
-              <a:sym typeface="Nanum Square Bold"/>
-            </a:endParaRPr>
-          </a:p>
-          <a:p>
-            <a:pPr algn="l">
-              <a:lnSpc>
-                <a:spcPts val="3872"/>
-              </a:lnSpc>
-              <a:defRPr/>
-            </a:pPr>
-            <a:r>
-              <a:rPr lang="en-US" altLang="ko-KR" sz="2100" b="1" spc="-160">
-                <a:solidFill>
-                  <a:srgbClr val="000000"/>
-                </a:solidFill>
-                <a:latin typeface="Nanum Square Bold"/>
-                <a:ea typeface="Nanum Square Bold"/>
-                <a:cs typeface="Nanum Square Bold"/>
-                <a:sym typeface="Nanum Square Bold"/>
-              </a:rPr>
-              <a:t>-</a:t>
-            </a:r>
-            <a:r>
-              <a:rPr lang="ko-KR" altLang="en-US" sz="2100" b="1" spc="-160">
-                <a:solidFill>
-                  <a:srgbClr val="000000"/>
-                </a:solidFill>
-                <a:latin typeface="Nanum Square Bold"/>
-                <a:ea typeface="Nanum Square Bold"/>
-                <a:cs typeface="Nanum Square Bold"/>
-                <a:sym typeface="Nanum Square Bold"/>
-              </a:rPr>
-              <a:t> 웹 에서의 </a:t>
-            </a:r>
-            <a:r>
-              <a:rPr lang="en-US" altLang="ko-KR" sz="2100" b="1" spc="-160">
-                <a:solidFill>
-                  <a:srgbClr val="000000"/>
-                </a:solidFill>
-                <a:latin typeface="Nanum Square Bold"/>
-                <a:ea typeface="Nanum Square Bold"/>
-                <a:cs typeface="Nanum Square Bold"/>
-                <a:sym typeface="Nanum Square Bold"/>
-              </a:rPr>
-              <a:t>3D</a:t>
-            </a:r>
-            <a:r>
-              <a:rPr lang="ko-KR" altLang="en-US" sz="2100" b="1" spc="-160">
-                <a:solidFill>
-                  <a:srgbClr val="000000"/>
-                </a:solidFill>
-                <a:latin typeface="Nanum Square Bold"/>
-                <a:ea typeface="Nanum Square Bold"/>
-                <a:cs typeface="Nanum Square Bold"/>
-                <a:sym typeface="Nanum Square Bold"/>
-              </a:rPr>
-              <a:t> 구현</a:t>
-            </a:r>
-          </a:p>
-          <a:p>
-            <a:pPr algn="l">
-              <a:lnSpc>
-                <a:spcPts val="3872"/>
-              </a:lnSpc>
-              <a:defRPr/>
-            </a:pPr>
-            <a:endParaRPr lang="ko-KR" altLang="en-US" sz="2100" b="1" spc="-160">
-              <a:solidFill>
-                <a:srgbClr val="000000"/>
-              </a:solidFill>
-              <a:latin typeface="Nanum Square Bold"/>
-              <a:ea typeface="Nanum Square Bold"/>
-              <a:cs typeface="Nanum Square Bold"/>
-              <a:sym typeface="Nanum Square Bold"/>
-            </a:endParaRPr>
-          </a:p>
-          <a:p>
-            <a:pPr algn="l">
-              <a:lnSpc>
-                <a:spcPts val="3872"/>
-              </a:lnSpc>
-              <a:defRPr/>
-            </a:pPr>
-            <a:r>
-              <a:rPr lang="en-US" altLang="ko-KR" sz="2100" b="1" spc="-160">
-                <a:solidFill>
-                  <a:srgbClr val="000000"/>
-                </a:solidFill>
-                <a:latin typeface="Nanum Square Bold"/>
-                <a:ea typeface="Nanum Square Bold"/>
-                <a:cs typeface="Nanum Square Bold"/>
-                <a:sym typeface="Nanum Square Bold"/>
-              </a:rPr>
-              <a:t>-</a:t>
-            </a:r>
-            <a:r>
-              <a:rPr lang="ko-KR" altLang="en-US" sz="2100" b="1" spc="-160">
-                <a:solidFill>
-                  <a:srgbClr val="000000"/>
-                </a:solidFill>
-                <a:latin typeface="Nanum Square Bold"/>
-                <a:ea typeface="Nanum Square Bold"/>
-                <a:cs typeface="Nanum Square Bold"/>
-                <a:sym typeface="Nanum Square Bold"/>
-              </a:rPr>
-              <a:t> 시각 효과 업그레이드</a:t>
+              <a:t>time, score, target 등 저장</a:t>
             </a:r>
           </a:p>
           <a:p>
@@ -12712,7 +13496,7 @@
                 <a:cs typeface="Nanum Square Bold"/>
                 <a:sym typeface="Nanum Square Bold"/>
               </a:rPr>
-              <a:t> 게임성 확장</a:t>
+              <a:t> update() 함수 </a:t>
             </a:r>
           </a:p>
           <a:p>
@@ -12722,38 +13506,19 @@
               </a:lnSpc>
               <a:defRPr/>
             </a:pPr>
-            <a:endParaRPr lang="ko-KR" altLang="en-US" sz="2100" b="1" spc="-160">
-              <a:solidFill>
-                <a:srgbClr val="000000"/>
-              </a:solidFill>
-              <a:latin typeface="Nanum Square Bold"/>
-              <a:ea typeface="Nanum Square Bold"/>
-              <a:cs typeface="Nanum Square Bold"/>
-              <a:sym typeface="Nanum Square Bold"/>
-            </a:endParaRPr>
-          </a:p>
-        </p:txBody>
-      </p:sp>
-      <p:sp>
-        <p:nvSpPr>
-          <p:cNvPr id="13" name="TextBox 6"/>
-          <p:cNvSpPr txBox="1"/>
-          <p:nvPr/>
-        </p:nvSpPr>
-        <p:spPr>
-          <a:xfrm>
-            <a:off x="5791200" y="4686300"/>
-            <a:ext cx="9296400" cy="990600"/>
-          </a:xfrm>
-          <a:prstGeom prst="rect">
-            <a:avLst/>
-          </a:prstGeom>
-        </p:spPr>
-        <p:txBody>
-          <a:bodyPr wrap="square" lIns="0" tIns="0" rIns="0" bIns="0" anchor="t">
-            <a:spAutoFit/>
-          </a:bodyPr>
-          <a:lstStyle/>
+            <a:r>
+              <a:rPr lang="ko-KR" altLang="en-US" sz="2100" b="1" spc="-160">
+                <a:solidFill>
+                  <a:srgbClr val="000000"/>
+                </a:solidFill>
+                <a:latin typeface="Nanum Square Bold"/>
+                <a:ea typeface="Nanum Square Bold"/>
+                <a:cs typeface="Nanum Square Bold"/>
+                <a:sym typeface="Nanum Square Bold"/>
+              </a:rPr>
+              <a:t>객체 생성/삭제</a:t>
+            </a:r>
+          </a:p>
           <a:p>
             <a:pPr algn="l">
               <a:lnSpc>
@@ -12762,7 +13527,7 @@
               <a:defRPr/>
             </a:pPr>
             <a:r>
-              <a:rPr lang="en-US" altLang="ko-KR" sz="1600" b="1" spc="-160">
+              <a:rPr lang="ko-KR" altLang="en-US" sz="2100" b="1" spc="-160">
                 <a:solidFill>
                   <a:srgbClr val="000000"/>
                 </a:solidFill>
@@ -12771,52 +13536,42 @@
                 <a:cs typeface="Nanum Square Bold"/>
                 <a:sym typeface="Nanum Square Bold"/>
               </a:rPr>
-              <a:t>(Unity</a:t>
-            </a:r>
-            <a:r>
-              <a:rPr lang="ko-KR" altLang="en-US" sz="1600" b="1" spc="-160">
-                <a:solidFill>
-                  <a:srgbClr val="000000"/>
-                </a:solidFill>
-                <a:latin typeface="Nanum Square Bold"/>
-                <a:ea typeface="Nanum Square Bold"/>
-                <a:cs typeface="Nanum Square Bold"/>
-                <a:sym typeface="Nanum Square Bold"/>
-              </a:rPr>
-              <a:t> 기반의 대표적인 클릭 게임</a:t>
-            </a:r>
-            <a:r>
-              <a:rPr lang="en-US" altLang="ko-KR" sz="1600" b="1" spc="-160">
-                <a:solidFill>
-                  <a:srgbClr val="000000"/>
-                </a:solidFill>
-                <a:latin typeface="Nanum Square Bold"/>
-                <a:ea typeface="Nanum Square Bold"/>
-                <a:cs typeface="Nanum Square Bold"/>
-                <a:sym typeface="Nanum Square Bold"/>
-              </a:rPr>
-              <a:t>)</a:t>
-            </a:r>
-          </a:p>
-          <a:p>
-            <a:pPr algn="l">
-              <a:lnSpc>
-                <a:spcPts val="3872"/>
-              </a:lnSpc>
-              <a:defRPr/>
-            </a:pPr>
-            <a:endParaRPr lang="ko-KR" altLang="en-US" sz="2100" b="1" spc="-160">
-              <a:solidFill>
-                <a:srgbClr val="000000"/>
-              </a:solidFill>
-              <a:latin typeface="Nanum Square Bold"/>
-              <a:ea typeface="Nanum Square Bold"/>
-              <a:cs typeface="Nanum Square Bold"/>
-              <a:sym typeface="Nanum Square Bold"/>
-            </a:endParaRPr>
-          </a:p>
-        </p:txBody>
-      </p:sp>
+              <a:t>충돌(클릭 판정)</a:t>
+            </a:r>
+          </a:p>
+        </p:txBody>
+      </p:sp>
+      <p:pic>
+        <p:nvPicPr>
+          <p:cNvPr id="10" name="그림 9"/>
+          <p:cNvPicPr>
+            <a:picLocks noChangeAspect="1"/>
+          </p:cNvPicPr>
+          <p:nvPr/>
+        </p:nvPicPr>
+        <p:blipFill rotWithShape="1">
+          <a:blip r:embed="rId3"/>
+          <a:stretch>
+            <a:fillRect/>
+          </a:stretch>
+        </p:blipFill>
+        <p:spPr>
+          <a:xfrm>
+            <a:off x="11811000" y="5981700"/>
+            <a:ext cx="3717590" cy="3220069"/>
+          </a:xfrm>
+          <a:prstGeom prst="rect">
+            <a:avLst/>
+          </a:prstGeom>
+          <a:effectLst>
+            <a:outerShdw blurRad="76200" dist="76200" dir="2700000" algn="ctr" rotWithShape="0">
+              <a:srgbClr val="000000">
+                <a:alpha val="50000"/>
+              </a:srgbClr>
+            </a:outerShdw>
+          </a:effectLst>
+        </p:spPr>
+      </p:pic>
     </p:spTree>
   </p:cSld>
   <p:clrMapOvr>
@@ -12834,6 +13589,595 @@
 </file>
 
 <file path=ppt/slides/slide8.xml><?xml version="1.0" encoding="utf-8"?>
+<p:sld xmlns:a="http://schemas.openxmlformats.org/drawingml/2006/main" xmlns:r="http://schemas.openxmlformats.org/officeDocument/2006/relationships" xmlns:p="http://schemas.openxmlformats.org/presentationml/2006/main">
+  <p:cSld>
+    <p:spTree>
+      <p:nvGrpSpPr>
+        <p:cNvPr id="1" name=""/>
+        <p:cNvGrpSpPr/>
+        <p:nvPr/>
+      </p:nvGrpSpPr>
+      <p:grpSpPr>
+        <a:xfrm>
+          <a:off x="0" y="0"/>
+          <a:ext cx="0" cy="0"/>
+          <a:chOff x="0" y="0"/>
+          <a:chExt cx="0" cy="0"/>
+        </a:xfrm>
+      </p:grpSpPr>
+      <p:sp>
+        <p:nvSpPr>
+          <p:cNvPr id="2" name="AutoShape 2"/>
+          <p:cNvSpPr/>
+          <p:nvPr/>
+        </p:nvSpPr>
+        <p:spPr>
+          <a:xfrm>
+            <a:off x="1635693" y="632336"/>
+            <a:ext cx="15016614" cy="0"/>
+          </a:xfrm>
+          <a:prstGeom prst="line">
+            <a:avLst/>
+          </a:prstGeom>
+          <a:ln w="38100" cap="flat">
+            <a:solidFill>
+              <a:srgbClr val="000000"/>
+            </a:solidFill>
+            <a:prstDash val="solid"/>
+            <a:headEnd w="sm" len="sm"/>
+            <a:tailEnd w="sm" len="sm"/>
+          </a:ln>
+        </p:spPr>
+        <p:txBody>
+          <a:bodyPr wrap="square" anchor="ctr"/>
+          <a:lstStyle/>
+          <a:p>
+            <a:pPr algn="ctr">
+              <a:defRPr/>
+            </a:pPr>
+            <a:endParaRPr lang="ko-KR" altLang="en-US"/>
+          </a:p>
+        </p:txBody>
+      </p:sp>
+      <p:sp>
+        <p:nvSpPr>
+          <p:cNvPr id="3" name="AutoShape 3"/>
+          <p:cNvSpPr/>
+          <p:nvPr/>
+        </p:nvSpPr>
+        <p:spPr>
+          <a:xfrm>
+            <a:off x="1635693" y="9654664"/>
+            <a:ext cx="15016614" cy="0"/>
+          </a:xfrm>
+          <a:prstGeom prst="line">
+            <a:avLst/>
+          </a:prstGeom>
+          <a:ln w="38100" cap="flat">
+            <a:solidFill>
+              <a:srgbClr val="000000"/>
+            </a:solidFill>
+            <a:prstDash val="solid"/>
+            <a:headEnd w="sm" len="sm"/>
+            <a:tailEnd w="sm" len="sm"/>
+          </a:ln>
+        </p:spPr>
+        <p:txBody>
+          <a:bodyPr wrap="square" anchor="ctr"/>
+          <a:lstStyle/>
+          <a:p>
+            <a:pPr algn="ctr">
+              <a:defRPr/>
+            </a:pPr>
+            <a:endParaRPr lang="ko-KR" altLang="en-US"/>
+          </a:p>
+        </p:txBody>
+      </p:sp>
+      <p:sp>
+        <p:nvSpPr>
+          <p:cNvPr id="5" name="TextBox 5"/>
+          <p:cNvSpPr txBox="1"/>
+          <p:nvPr/>
+        </p:nvSpPr>
+        <p:spPr>
+          <a:xfrm>
+            <a:off x="1635693" y="1428583"/>
+            <a:ext cx="8014955" cy="1019342"/>
+          </a:xfrm>
+          <a:prstGeom prst="rect">
+            <a:avLst/>
+          </a:prstGeom>
+        </p:spPr>
+        <p:txBody>
+          <a:bodyPr lIns="0" tIns="0" rIns="0" bIns="0" anchor="t">
+            <a:spAutoFit/>
+          </a:bodyPr>
+          <a:lstStyle/>
+          <a:p>
+            <a:pPr algn="l">
+              <a:lnSpc>
+                <a:spcPts val="8064"/>
+              </a:lnSpc>
+              <a:defRPr/>
+            </a:pPr>
+            <a:r>
+              <a:rPr lang="ko-KR" altLang="en-US" sz="7200" b="1" spc="-359">
+                <a:solidFill>
+                  <a:srgbClr val="000000"/>
+                </a:solidFill>
+                <a:latin typeface="Nanum Square Bold"/>
+                <a:ea typeface="Nanum Square Bold"/>
+                <a:cs typeface="Nanum Square Bold"/>
+                <a:sym typeface="Nanum Square Bold"/>
+              </a:rPr>
+              <a:t>코드 업그레이드 </a:t>
+            </a:r>
+          </a:p>
+        </p:txBody>
+      </p:sp>
+      <p:sp>
+        <p:nvSpPr>
+          <p:cNvPr id="7" name="TextBox 7"/>
+          <p:cNvSpPr txBox="1"/>
+          <p:nvPr/>
+        </p:nvSpPr>
+        <p:spPr>
+          <a:xfrm>
+            <a:off x="1714824" y="1121483"/>
+            <a:ext cx="4211394" cy="297742"/>
+          </a:xfrm>
+          <a:prstGeom prst="rect">
+            <a:avLst/>
+          </a:prstGeom>
+        </p:spPr>
+        <p:txBody>
+          <a:bodyPr lIns="0" tIns="0" rIns="0" bIns="0" anchor="t">
+            <a:spAutoFit/>
+          </a:bodyPr>
+          <a:lstStyle/>
+          <a:p>
+            <a:pPr algn="l">
+              <a:lnSpc>
+                <a:spcPts val="2352"/>
+              </a:lnSpc>
+              <a:defRPr/>
+            </a:pPr>
+            <a:r>
+              <a:rPr lang="en-US" altLang="ko-KR" sz="2100" b="1">
+                <a:solidFill>
+                  <a:srgbClr val="737373"/>
+                </a:solidFill>
+                <a:latin typeface="Heebo Bold"/>
+                <a:ea typeface="Heebo Bold"/>
+                <a:cs typeface="Heebo Bold"/>
+                <a:sym typeface="Heebo Bold"/>
+              </a:rPr>
+              <a:t>Code Upgrade</a:t>
+            </a:r>
+          </a:p>
+        </p:txBody>
+      </p:sp>
+      <p:pic>
+        <p:nvPicPr>
+          <p:cNvPr id="11" name="그림 10"/>
+          <p:cNvPicPr>
+            <a:picLocks noChangeAspect="1"/>
+          </p:cNvPicPr>
+          <p:nvPr/>
+        </p:nvPicPr>
+        <p:blipFill rotWithShape="1">
+          <a:blip r:embed="rId2"/>
+          <a:stretch>
+            <a:fillRect/>
+          </a:stretch>
+        </p:blipFill>
+        <p:spPr>
+          <a:xfrm>
+            <a:off x="1637358" y="2628900"/>
+            <a:ext cx="6744641" cy="2191055"/>
+          </a:xfrm>
+          <a:prstGeom prst="rect">
+            <a:avLst/>
+          </a:prstGeom>
+          <a:effectLst>
+            <a:outerShdw blurRad="76200" dist="76200" dir="2700000" algn="ctr" rotWithShape="0">
+              <a:srgbClr val="000000">
+                <a:alpha val="50000"/>
+              </a:srgbClr>
+            </a:outerShdw>
+          </a:effectLst>
+        </p:spPr>
+      </p:pic>
+      <p:sp>
+        <p:nvSpPr>
+          <p:cNvPr id="12" name="TextBox 6"/>
+          <p:cNvSpPr txBox="1"/>
+          <p:nvPr/>
+        </p:nvSpPr>
+        <p:spPr>
+          <a:xfrm>
+            <a:off x="1676400" y="5448300"/>
+            <a:ext cx="9296400" cy="3962400"/>
+          </a:xfrm>
+          <a:prstGeom prst="rect">
+            <a:avLst/>
+          </a:prstGeom>
+        </p:spPr>
+        <p:txBody>
+          <a:bodyPr wrap="square" lIns="0" tIns="0" rIns="0" bIns="0" anchor="t">
+            <a:spAutoFit/>
+          </a:bodyPr>
+          <a:lstStyle/>
+          <a:p>
+            <a:pPr algn="l">
+              <a:lnSpc>
+                <a:spcPts val="3872"/>
+              </a:lnSpc>
+              <a:defRPr/>
+            </a:pPr>
+            <a:r>
+              <a:rPr lang="en-US" altLang="ko-KR" sz="2100" b="1" spc="-160">
+                <a:solidFill>
+                  <a:srgbClr val="000000"/>
+                </a:solidFill>
+                <a:latin typeface="Nanum Square Bold"/>
+                <a:ea typeface="Nanum Square Bold"/>
+                <a:cs typeface="Nanum Square Bold"/>
+                <a:sym typeface="Nanum Square Bold"/>
+              </a:rPr>
+              <a:t>-</a:t>
+            </a:r>
+            <a:r>
+              <a:rPr lang="ko-KR" altLang="en-US" sz="2100" b="1" spc="-160">
+                <a:solidFill>
+                  <a:srgbClr val="000000"/>
+                </a:solidFill>
+                <a:latin typeface="Nanum Square Bold"/>
+                <a:ea typeface="Nanum Square Bold"/>
+                <a:cs typeface="Nanum Square Bold"/>
+                <a:sym typeface="Nanum Square Bold"/>
+              </a:rPr>
+              <a:t> 클릭 기반 게임  </a:t>
+            </a:r>
+            <a:r>
+              <a:rPr lang="en-US" altLang="ko-KR" sz="2100" b="1" spc="-160">
+                <a:solidFill>
+                  <a:srgbClr val="000000"/>
+                </a:solidFill>
+                <a:latin typeface="Nanum Square Bold"/>
+                <a:ea typeface="Nanum Square Bold"/>
+                <a:cs typeface="Nanum Square Bold"/>
+                <a:sym typeface="Nanum Square Bold"/>
+              </a:rPr>
+              <a:t>&gt;</a:t>
+            </a:r>
+            <a:r>
+              <a:rPr lang="ko-KR" altLang="en-US" sz="2100" b="1" spc="-160">
+                <a:solidFill>
+                  <a:srgbClr val="000000"/>
+                </a:solidFill>
+                <a:latin typeface="Nanum Square Bold"/>
+                <a:ea typeface="Nanum Square Bold"/>
+                <a:cs typeface="Nanum Square Bold"/>
+                <a:sym typeface="Nanum Square Bold"/>
+              </a:rPr>
+              <a:t>  웹에서의 </a:t>
+            </a:r>
+            <a:r>
+              <a:rPr lang="en-US" altLang="ko-KR" sz="2100" b="1" spc="-160">
+                <a:solidFill>
+                  <a:srgbClr val="000000"/>
+                </a:solidFill>
+                <a:latin typeface="Nanum Square Bold"/>
+                <a:ea typeface="Nanum Square Bold"/>
+                <a:cs typeface="Nanum Square Bold"/>
+                <a:sym typeface="Nanum Square Bold"/>
+              </a:rPr>
+              <a:t>Aim traing </a:t>
+            </a:r>
+            <a:r>
+              <a:rPr lang="ko-KR" altLang="en-US" sz="2100" b="1" spc="-160">
+                <a:solidFill>
+                  <a:srgbClr val="000000"/>
+                </a:solidFill>
+                <a:latin typeface="Nanum Square Bold"/>
+                <a:ea typeface="Nanum Square Bold"/>
+                <a:cs typeface="Nanum Square Bold"/>
+                <a:sym typeface="Nanum Square Bold"/>
+              </a:rPr>
+              <a:t>게임 개발</a:t>
+            </a:r>
+          </a:p>
+          <a:p>
+            <a:pPr algn="l">
+              <a:lnSpc>
+                <a:spcPts val="3872"/>
+              </a:lnSpc>
+              <a:defRPr/>
+            </a:pPr>
+            <a:endParaRPr lang="ko-KR" altLang="en-US" sz="2100" b="1" spc="-160">
+              <a:solidFill>
+                <a:srgbClr val="000000"/>
+              </a:solidFill>
+              <a:latin typeface="Nanum Square Bold"/>
+              <a:ea typeface="Nanum Square Bold"/>
+              <a:cs typeface="Nanum Square Bold"/>
+              <a:sym typeface="Nanum Square Bold"/>
+            </a:endParaRPr>
+          </a:p>
+          <a:p>
+            <a:pPr algn="l">
+              <a:lnSpc>
+                <a:spcPts val="3872"/>
+              </a:lnSpc>
+              <a:defRPr/>
+            </a:pPr>
+            <a:r>
+              <a:rPr lang="en-US" altLang="ko-KR" sz="2100" b="1" spc="-160">
+                <a:solidFill>
+                  <a:srgbClr val="000000"/>
+                </a:solidFill>
+                <a:latin typeface="Nanum Square Bold"/>
+                <a:ea typeface="Nanum Square Bold"/>
+                <a:cs typeface="Nanum Square Bold"/>
+                <a:sym typeface="Nanum Square Bold"/>
+              </a:rPr>
+              <a:t>-</a:t>
+            </a:r>
+            <a:r>
+              <a:rPr lang="ko-KR" altLang="en-US" sz="2100" b="1" spc="-160">
+                <a:solidFill>
+                  <a:srgbClr val="000000"/>
+                </a:solidFill>
+                <a:latin typeface="Nanum Square Bold"/>
+                <a:ea typeface="Nanum Square Bold"/>
+                <a:cs typeface="Nanum Square Bold"/>
+                <a:sym typeface="Nanum Square Bold"/>
+              </a:rPr>
+              <a:t> 웹 에서의 </a:t>
+            </a:r>
+            <a:r>
+              <a:rPr lang="en-US" altLang="ko-KR" sz="2100" b="1" spc="-160">
+                <a:solidFill>
+                  <a:srgbClr val="000000"/>
+                </a:solidFill>
+                <a:latin typeface="Nanum Square Bold"/>
+                <a:ea typeface="Nanum Square Bold"/>
+                <a:cs typeface="Nanum Square Bold"/>
+                <a:sym typeface="Nanum Square Bold"/>
+              </a:rPr>
+              <a:t>3D</a:t>
+            </a:r>
+            <a:r>
+              <a:rPr lang="ko-KR" altLang="en-US" sz="2100" b="1" spc="-160">
+                <a:solidFill>
+                  <a:srgbClr val="000000"/>
+                </a:solidFill>
+                <a:latin typeface="Nanum Square Bold"/>
+                <a:ea typeface="Nanum Square Bold"/>
+                <a:cs typeface="Nanum Square Bold"/>
+                <a:sym typeface="Nanum Square Bold"/>
+              </a:rPr>
+              <a:t> 구현</a:t>
+            </a:r>
+          </a:p>
+          <a:p>
+            <a:pPr algn="l">
+              <a:lnSpc>
+                <a:spcPts val="3872"/>
+              </a:lnSpc>
+              <a:defRPr/>
+            </a:pPr>
+            <a:endParaRPr lang="ko-KR" altLang="en-US" sz="2100" b="1" spc="-160">
+              <a:solidFill>
+                <a:srgbClr val="000000"/>
+              </a:solidFill>
+              <a:latin typeface="Nanum Square Bold"/>
+              <a:ea typeface="Nanum Square Bold"/>
+              <a:cs typeface="Nanum Square Bold"/>
+              <a:sym typeface="Nanum Square Bold"/>
+            </a:endParaRPr>
+          </a:p>
+          <a:p>
+            <a:pPr algn="l">
+              <a:lnSpc>
+                <a:spcPts val="3872"/>
+              </a:lnSpc>
+              <a:defRPr/>
+            </a:pPr>
+            <a:r>
+              <a:rPr lang="en-US" altLang="ko-KR" sz="2100" b="1" spc="-160">
+                <a:solidFill>
+                  <a:srgbClr val="000000"/>
+                </a:solidFill>
+                <a:latin typeface="Nanum Square Bold"/>
+                <a:ea typeface="Nanum Square Bold"/>
+                <a:cs typeface="Nanum Square Bold"/>
+                <a:sym typeface="Nanum Square Bold"/>
+              </a:rPr>
+              <a:t>-</a:t>
+            </a:r>
+            <a:r>
+              <a:rPr lang="ko-KR" altLang="en-US" sz="2100" b="1" spc="-160">
+                <a:solidFill>
+                  <a:srgbClr val="000000"/>
+                </a:solidFill>
+                <a:latin typeface="Nanum Square Bold"/>
+                <a:ea typeface="Nanum Square Bold"/>
+                <a:cs typeface="Nanum Square Bold"/>
+                <a:sym typeface="Nanum Square Bold"/>
+              </a:rPr>
+              <a:t> 시각 효과 업그레이드</a:t>
+            </a:r>
+          </a:p>
+          <a:p>
+            <a:pPr algn="l">
+              <a:lnSpc>
+                <a:spcPts val="3872"/>
+              </a:lnSpc>
+              <a:defRPr/>
+            </a:pPr>
+            <a:endParaRPr lang="en-US" altLang="ko-KR" sz="2100" b="1" spc="-160">
+              <a:solidFill>
+                <a:srgbClr val="000000"/>
+              </a:solidFill>
+              <a:latin typeface="Nanum Square Bold"/>
+              <a:ea typeface="Nanum Square Bold"/>
+              <a:cs typeface="Nanum Square Bold"/>
+              <a:sym typeface="Nanum Square Bold"/>
+            </a:endParaRPr>
+          </a:p>
+          <a:p>
+            <a:pPr algn="l">
+              <a:lnSpc>
+                <a:spcPts val="3872"/>
+              </a:lnSpc>
+              <a:defRPr/>
+            </a:pPr>
+            <a:r>
+              <a:rPr lang="en-US" altLang="ko-KR" sz="2100" b="1" spc="-160">
+                <a:solidFill>
+                  <a:srgbClr val="000000"/>
+                </a:solidFill>
+                <a:latin typeface="Nanum Square Bold"/>
+                <a:ea typeface="Nanum Square Bold"/>
+                <a:cs typeface="Nanum Square Bold"/>
+                <a:sym typeface="Nanum Square Bold"/>
+              </a:rPr>
+              <a:t>-</a:t>
+            </a:r>
+            <a:r>
+              <a:rPr lang="ko-KR" altLang="en-US" sz="2100" b="1" spc="-160">
+                <a:solidFill>
+                  <a:srgbClr val="000000"/>
+                </a:solidFill>
+                <a:latin typeface="Nanum Square Bold"/>
+                <a:ea typeface="Nanum Square Bold"/>
+                <a:cs typeface="Nanum Square Bold"/>
+                <a:sym typeface="Nanum Square Bold"/>
+              </a:rPr>
+              <a:t> 게임성 확장</a:t>
+            </a:r>
+          </a:p>
+          <a:p>
+            <a:pPr algn="l">
+              <a:lnSpc>
+                <a:spcPts val="3872"/>
+              </a:lnSpc>
+              <a:defRPr/>
+            </a:pPr>
+            <a:endParaRPr lang="ko-KR" altLang="en-US" sz="2100" b="1" spc="-160">
+              <a:solidFill>
+                <a:srgbClr val="000000"/>
+              </a:solidFill>
+              <a:latin typeface="Nanum Square Bold"/>
+              <a:ea typeface="Nanum Square Bold"/>
+              <a:cs typeface="Nanum Square Bold"/>
+              <a:sym typeface="Nanum Square Bold"/>
+            </a:endParaRPr>
+          </a:p>
+        </p:txBody>
+      </p:sp>
+      <p:sp>
+        <p:nvSpPr>
+          <p:cNvPr id="13" name="TextBox 6"/>
+          <p:cNvSpPr txBox="1"/>
+          <p:nvPr/>
+        </p:nvSpPr>
+        <p:spPr>
+          <a:xfrm>
+            <a:off x="5791200" y="4686300"/>
+            <a:ext cx="9296400" cy="990600"/>
+          </a:xfrm>
+          <a:prstGeom prst="rect">
+            <a:avLst/>
+          </a:prstGeom>
+        </p:spPr>
+        <p:txBody>
+          <a:bodyPr wrap="square" lIns="0" tIns="0" rIns="0" bIns="0" anchor="t">
+            <a:spAutoFit/>
+          </a:bodyPr>
+          <a:lstStyle/>
+          <a:p>
+            <a:pPr algn="l">
+              <a:lnSpc>
+                <a:spcPts val="3872"/>
+              </a:lnSpc>
+              <a:defRPr/>
+            </a:pPr>
+            <a:r>
+              <a:rPr lang="en-US" altLang="ko-KR" sz="1600" b="1" spc="-160">
+                <a:solidFill>
+                  <a:srgbClr val="000000"/>
+                </a:solidFill>
+                <a:latin typeface="Nanum Square Bold"/>
+                <a:ea typeface="Nanum Square Bold"/>
+                <a:cs typeface="Nanum Square Bold"/>
+                <a:sym typeface="Nanum Square Bold"/>
+              </a:rPr>
+              <a:t>(Unity</a:t>
+            </a:r>
+            <a:r>
+              <a:rPr lang="ko-KR" altLang="en-US" sz="1600" b="1" spc="-160">
+                <a:solidFill>
+                  <a:srgbClr val="000000"/>
+                </a:solidFill>
+                <a:latin typeface="Nanum Square Bold"/>
+                <a:ea typeface="Nanum Square Bold"/>
+                <a:cs typeface="Nanum Square Bold"/>
+                <a:sym typeface="Nanum Square Bold"/>
+              </a:rPr>
+              <a:t> 기반의 대표적인 클릭 게임</a:t>
+            </a:r>
+            <a:r>
+              <a:rPr lang="en-US" altLang="ko-KR" sz="1600" b="1" spc="-160">
+                <a:solidFill>
+                  <a:srgbClr val="000000"/>
+                </a:solidFill>
+                <a:latin typeface="Nanum Square Bold"/>
+                <a:ea typeface="Nanum Square Bold"/>
+                <a:cs typeface="Nanum Square Bold"/>
+                <a:sym typeface="Nanum Square Bold"/>
+              </a:rPr>
+              <a:t>)</a:t>
+            </a:r>
+          </a:p>
+          <a:p>
+            <a:pPr algn="l">
+              <a:lnSpc>
+                <a:spcPts val="3872"/>
+              </a:lnSpc>
+              <a:defRPr/>
+            </a:pPr>
+            <a:endParaRPr lang="ko-KR" altLang="en-US" sz="2100" b="1" spc="-160">
+              <a:solidFill>
+                <a:srgbClr val="000000"/>
+              </a:solidFill>
+              <a:latin typeface="Nanum Square Bold"/>
+              <a:ea typeface="Nanum Square Bold"/>
+              <a:cs typeface="Nanum Square Bold"/>
+              <a:sym typeface="Nanum Square Bold"/>
+            </a:endParaRPr>
+          </a:p>
+        </p:txBody>
+      </p:sp>
+    </p:spTree>
+  </p:cSld>
+  <p:clrMapOvr>
+    <a:masterClrMapping/>
+  </p:clrMapOvr>
+  <mc:AlternateContent xmlns:mc="http://schemas.openxmlformats.org/markup-compatibility/2006" xmlns:p14="http://schemas.microsoft.com/office/powerpoint/2010/main">
+    <mc:Choice Requires="p14">
+      <p:transition/>
+    </mc:Choice>
+    <mc:Fallback xmlns:dsp="http://schemas.microsoft.com/office/drawing/2008/diagram" xmlns:dgm="http://schemas.openxmlformats.org/drawingml/2006/diagram" xmlns:c="http://schemas.openxmlformats.org/drawingml/2006/chart" xmlns="">
+      <p:transition/>
+    </mc:Fallback>
+  </mc:AlternateContent>
+</p:sld>
+</file>
+
+<file path=ppt/slides/slide9.xml><?xml version="1.0" encoding="utf-8"?>
 <p:sld xmlns:a="http://schemas.openxmlformats.org/drawingml/2006/main" xmlns:r="http://schemas.openxmlformats.org/officeDocument/2006/relationships" xmlns:p="http://schemas.openxmlformats.org/presentationml/2006/main">
   <p:cSld>
     <p:spTree>
@@ -13367,222 +14711,6 @@
           <a:prstGeom prst="rect">
             <a:avLst/>
           </a:prstGeom>
-        </p:spPr>
-      </p:pic>
-    </p:spTree>
-  </p:cSld>
-  <p:clrMapOvr>
-    <a:masterClrMapping/>
-  </p:clrMapOvr>
-  <mc:AlternateContent xmlns:mc="http://schemas.openxmlformats.org/markup-compatibility/2006" xmlns:p14="http://schemas.microsoft.com/office/powerpoint/2010/main">
-    <mc:Choice Requires="p14">
-      <p:transition/>
-    </mc:Choice>
-    <mc:Fallback xmlns:dsp="http://schemas.microsoft.com/office/drawing/2008/diagram" xmlns:dgm="http://schemas.openxmlformats.org/drawingml/2006/diagram" xmlns:c="http://schemas.openxmlformats.org/drawingml/2006/chart" xmlns="">
-      <p:transition/>
-    </mc:Fallback>
-  </mc:AlternateContent>
-</p:sld>
-</file>
-
-<file path=ppt/slides/slide9.xml><?xml version="1.0" encoding="utf-8"?>
-<p:sld xmlns:a="http://schemas.openxmlformats.org/drawingml/2006/main" xmlns:r="http://schemas.openxmlformats.org/officeDocument/2006/relationships" xmlns:p="http://schemas.openxmlformats.org/presentationml/2006/main">
-  <p:cSld>
-    <p:spTree>
-      <p:nvGrpSpPr>
-        <p:cNvPr id="1" name=""/>
-        <p:cNvGrpSpPr/>
-        <p:nvPr/>
-      </p:nvGrpSpPr>
-      <p:grpSpPr>
-        <a:xfrm>
-          <a:off x="0" y="0"/>
-          <a:ext cx="0" cy="0"/>
-          <a:chOff x="0" y="0"/>
-          <a:chExt cx="0" cy="0"/>
-        </a:xfrm>
-      </p:grpSpPr>
-      <p:sp>
-        <p:nvSpPr>
-          <p:cNvPr id="2" name="AutoShape 2"/>
-          <p:cNvSpPr/>
-          <p:nvPr/>
-        </p:nvSpPr>
-        <p:spPr>
-          <a:xfrm>
-            <a:off x="1635693" y="632336"/>
-            <a:ext cx="15016614" cy="0"/>
-          </a:xfrm>
-          <a:prstGeom prst="line">
-            <a:avLst/>
-          </a:prstGeom>
-          <a:ln w="38100" cap="flat">
-            <a:solidFill>
-              <a:srgbClr val="000000"/>
-            </a:solidFill>
-            <a:prstDash val="solid"/>
-            <a:headEnd w="sm" len="sm"/>
-            <a:tailEnd w="sm" len="sm"/>
-          </a:ln>
-        </p:spPr>
-        <p:txBody>
-          <a:bodyPr wrap="square" anchor="ctr"/>
-          <a:lstStyle/>
-          <a:p>
-            <a:pPr algn="ctr">
-              <a:defRPr/>
-            </a:pPr>
-            <a:endParaRPr lang="ko-KR" altLang="en-US"/>
-          </a:p>
-        </p:txBody>
-      </p:sp>
-      <p:sp>
-        <p:nvSpPr>
-          <p:cNvPr id="3" name="AutoShape 3"/>
-          <p:cNvSpPr/>
-          <p:nvPr/>
-        </p:nvSpPr>
-        <p:spPr>
-          <a:xfrm>
-            <a:off x="1635693" y="9654664"/>
-            <a:ext cx="15016614" cy="0"/>
-          </a:xfrm>
-          <a:prstGeom prst="line">
-            <a:avLst/>
-          </a:prstGeom>
-          <a:ln w="38100" cap="flat">
-            <a:solidFill>
-              <a:srgbClr val="000000"/>
-            </a:solidFill>
-            <a:prstDash val="solid"/>
-            <a:headEnd w="sm" len="sm"/>
-            <a:tailEnd w="sm" len="sm"/>
-          </a:ln>
-        </p:spPr>
-        <p:txBody>
-          <a:bodyPr wrap="square" anchor="ctr"/>
-          <a:lstStyle/>
-          <a:p>
-            <a:pPr algn="ctr">
-              <a:defRPr/>
-            </a:pPr>
-            <a:endParaRPr lang="ko-KR" altLang="en-US"/>
-          </a:p>
-        </p:txBody>
-      </p:sp>
-      <p:sp>
-        <p:nvSpPr>
-          <p:cNvPr id="5" name="TextBox 5"/>
-          <p:cNvSpPr txBox="1"/>
-          <p:nvPr/>
-        </p:nvSpPr>
-        <p:spPr>
-          <a:xfrm>
-            <a:off x="1635693" y="1428583"/>
-            <a:ext cx="8014955" cy="1019342"/>
-          </a:xfrm>
-          <a:prstGeom prst="rect">
-            <a:avLst/>
-          </a:prstGeom>
-        </p:spPr>
-        <p:txBody>
-          <a:bodyPr lIns="0" tIns="0" rIns="0" bIns="0" anchor="t">
-            <a:spAutoFit/>
-          </a:bodyPr>
-          <a:lstStyle/>
-          <a:p>
-            <a:pPr algn="l">
-              <a:lnSpc>
-                <a:spcPts val="8064"/>
-              </a:lnSpc>
-              <a:defRPr/>
-            </a:pPr>
-            <a:r>
-              <a:rPr lang="ko-KR" altLang="en-US" sz="7200" b="1" spc="-359">
-                <a:solidFill>
-                  <a:srgbClr val="000000"/>
-                </a:solidFill>
-                <a:latin typeface="Nanum Square Bold"/>
-                <a:ea typeface="Nanum Square Bold"/>
-                <a:cs typeface="Nanum Square Bold"/>
-                <a:sym typeface="Nanum Square Bold"/>
-              </a:rPr>
-              <a:t>코드 업그레이드 </a:t>
-            </a:r>
-          </a:p>
-        </p:txBody>
-      </p:sp>
-      <p:sp>
-        <p:nvSpPr>
-          <p:cNvPr id="7" name="TextBox 7"/>
-          <p:cNvSpPr txBox="1"/>
-          <p:nvPr/>
-        </p:nvSpPr>
-        <p:spPr>
-          <a:xfrm>
-            <a:off x="1714824" y="1121483"/>
-            <a:ext cx="4211394" cy="297742"/>
-          </a:xfrm>
-          <a:prstGeom prst="rect">
-            <a:avLst/>
-          </a:prstGeom>
-        </p:spPr>
-        <p:txBody>
-          <a:bodyPr lIns="0" tIns="0" rIns="0" bIns="0" anchor="t">
-            <a:spAutoFit/>
-          </a:bodyPr>
-          <a:lstStyle/>
-          <a:p>
-            <a:pPr algn="l">
-              <a:lnSpc>
-                <a:spcPts val="2352"/>
-              </a:lnSpc>
-              <a:defRPr/>
-            </a:pPr>
-            <a:r>
-              <a:rPr lang="en-US" altLang="ko-KR" sz="2100" b="1">
-                <a:solidFill>
-                  <a:srgbClr val="737373"/>
-                </a:solidFill>
-                <a:latin typeface="Heebo Bold"/>
-                <a:ea typeface="Heebo Bold"/>
-                <a:cs typeface="Heebo Bold"/>
-                <a:sym typeface="Heebo Bold"/>
-              </a:rPr>
-              <a:t>Code Upgrade</a:t>
-            </a:r>
-          </a:p>
-        </p:txBody>
-      </p:sp>
-      <p:pic>
-        <p:nvPicPr>
-          <p:cNvPr id="10" name="그림 9"/>
-          <p:cNvPicPr>
-            <a:picLocks noChangeAspect="1"/>
-          </p:cNvPicPr>
-          <p:nvPr/>
-        </p:nvPicPr>
-        <p:blipFill rotWithShape="1">
-          <a:blip r:embed="rId3"/>
-          <a:stretch>
-            <a:fillRect/>
-          </a:stretch>
-        </p:blipFill>
-        <p:spPr>
-          <a:xfrm>
-            <a:off x="1676399" y="2628900"/>
-            <a:ext cx="14754085" cy="6781800"/>
-          </a:xfrm>
-          <a:prstGeom prst="rect">
-            <a:avLst/>
-          </a:prstGeom>
-          <a:effectLst>
-            <a:outerShdw blurRad="76200" dist="76200" dir="2700000" algn="ctr" rotWithShape="0">
-              <a:srgbClr val="000000">
-                <a:alpha val="50000"/>
-              </a:srgbClr>
-            </a:outerShdw>
-          </a:effectLst>
         </p:spPr>
       </p:pic>
     </p:spTree>
